--- a/C - Submittals/Poster/FIR Poster.pptx
+++ b/C - Submittals/Poster/FIR Poster.pptx
@@ -1,20 +1,23 @@
 
 <file path=ppt/presentation.xml><?xml version="1.0" encoding="utf-8"?>
-<p:presentation xmlns:a="http://schemas.openxmlformats.org/drawingml/2006/main" xmlns:r="http://schemas.openxmlformats.org/officeDocument/2006/relationships" xmlns:p="http://schemas.openxmlformats.org/presentationml/2006/main" saveSubsetFonts="1">
+<p:presentation xmlns:a="http://schemas.openxmlformats.org/drawingml/2006/main" xmlns:r="http://schemas.openxmlformats.org/officeDocument/2006/relationships" xmlns:p="http://schemas.openxmlformats.org/presentationml/2006/main" removePersonalInfoOnSave="1" saveSubsetFonts="1">
   <p:sldMasterIdLst>
     <p:sldMasterId id="2147483648" r:id="rId1"/>
   </p:sldMasterIdLst>
+  <p:notesMasterIdLst>
+    <p:notesMasterId r:id="rId3"/>
+  </p:notesMasterIdLst>
   <p:sldIdLst>
-    <p:sldId id="256" r:id="rId2"/>
+    <p:sldId id="258" r:id="rId2"/>
   </p:sldIdLst>
-  <p:sldSz cx="12192000" cy="6858000"/>
+  <p:sldSz cx="43891200" cy="32918400"/>
   <p:notesSz cx="6858000" cy="9144000"/>
   <p:defaultTextStyle>
     <a:defPPr>
       <a:defRPr lang="en-US"/>
     </a:defPPr>
-    <a:lvl1pPr marL="0" algn="l" defTabSz="914400" rtl="0" eaLnBrk="1" latinLnBrk="0" hangingPunct="1">
-      <a:defRPr sz="1800" kern="1200">
+    <a:lvl1pPr marL="0" algn="l" defTabSz="4389120" rtl="0" eaLnBrk="1" latinLnBrk="0" hangingPunct="1">
+      <a:defRPr sz="8640" kern="1200">
         <a:solidFill>
           <a:schemeClr val="tx1"/>
         </a:solidFill>
@@ -23,8 +26,8 @@
         <a:cs typeface="+mn-cs"/>
       </a:defRPr>
     </a:lvl1pPr>
-    <a:lvl2pPr marL="457200" algn="l" defTabSz="914400" rtl="0" eaLnBrk="1" latinLnBrk="0" hangingPunct="1">
-      <a:defRPr sz="1800" kern="1200">
+    <a:lvl2pPr marL="2194560" algn="l" defTabSz="4389120" rtl="0" eaLnBrk="1" latinLnBrk="0" hangingPunct="1">
+      <a:defRPr sz="8640" kern="1200">
         <a:solidFill>
           <a:schemeClr val="tx1"/>
         </a:solidFill>
@@ -33,8 +36,8 @@
         <a:cs typeface="+mn-cs"/>
       </a:defRPr>
     </a:lvl2pPr>
-    <a:lvl3pPr marL="914400" algn="l" defTabSz="914400" rtl="0" eaLnBrk="1" latinLnBrk="0" hangingPunct="1">
-      <a:defRPr sz="1800" kern="1200">
+    <a:lvl3pPr marL="4389120" algn="l" defTabSz="4389120" rtl="0" eaLnBrk="1" latinLnBrk="0" hangingPunct="1">
+      <a:defRPr sz="8640" kern="1200">
         <a:solidFill>
           <a:schemeClr val="tx1"/>
         </a:solidFill>
@@ -43,8 +46,8 @@
         <a:cs typeface="+mn-cs"/>
       </a:defRPr>
     </a:lvl3pPr>
-    <a:lvl4pPr marL="1371600" algn="l" defTabSz="914400" rtl="0" eaLnBrk="1" latinLnBrk="0" hangingPunct="1">
-      <a:defRPr sz="1800" kern="1200">
+    <a:lvl4pPr marL="6583680" algn="l" defTabSz="4389120" rtl="0" eaLnBrk="1" latinLnBrk="0" hangingPunct="1">
+      <a:defRPr sz="8640" kern="1200">
         <a:solidFill>
           <a:schemeClr val="tx1"/>
         </a:solidFill>
@@ -53,8 +56,8 @@
         <a:cs typeface="+mn-cs"/>
       </a:defRPr>
     </a:lvl4pPr>
-    <a:lvl5pPr marL="1828800" algn="l" defTabSz="914400" rtl="0" eaLnBrk="1" latinLnBrk="0" hangingPunct="1">
-      <a:defRPr sz="1800" kern="1200">
+    <a:lvl5pPr marL="8778240" algn="l" defTabSz="4389120" rtl="0" eaLnBrk="1" latinLnBrk="0" hangingPunct="1">
+      <a:defRPr sz="8640" kern="1200">
         <a:solidFill>
           <a:schemeClr val="tx1"/>
         </a:solidFill>
@@ -63,8 +66,8 @@
         <a:cs typeface="+mn-cs"/>
       </a:defRPr>
     </a:lvl5pPr>
-    <a:lvl6pPr marL="2286000" algn="l" defTabSz="914400" rtl="0" eaLnBrk="1" latinLnBrk="0" hangingPunct="1">
-      <a:defRPr sz="1800" kern="1200">
+    <a:lvl6pPr marL="10972800" algn="l" defTabSz="4389120" rtl="0" eaLnBrk="1" latinLnBrk="0" hangingPunct="1">
+      <a:defRPr sz="8640" kern="1200">
         <a:solidFill>
           <a:schemeClr val="tx1"/>
         </a:solidFill>
@@ -73,8 +76,8 @@
         <a:cs typeface="+mn-cs"/>
       </a:defRPr>
     </a:lvl6pPr>
-    <a:lvl7pPr marL="2743200" algn="l" defTabSz="914400" rtl="0" eaLnBrk="1" latinLnBrk="0" hangingPunct="1">
-      <a:defRPr sz="1800" kern="1200">
+    <a:lvl7pPr marL="13167360" algn="l" defTabSz="4389120" rtl="0" eaLnBrk="1" latinLnBrk="0" hangingPunct="1">
+      <a:defRPr sz="8640" kern="1200">
         <a:solidFill>
           <a:schemeClr val="tx1"/>
         </a:solidFill>
@@ -83,8 +86,8 @@
         <a:cs typeface="+mn-cs"/>
       </a:defRPr>
     </a:lvl7pPr>
-    <a:lvl8pPr marL="3200400" algn="l" defTabSz="914400" rtl="0" eaLnBrk="1" latinLnBrk="0" hangingPunct="1">
-      <a:defRPr sz="1800" kern="1200">
+    <a:lvl8pPr marL="15361920" algn="l" defTabSz="4389120" rtl="0" eaLnBrk="1" latinLnBrk="0" hangingPunct="1">
+      <a:defRPr sz="8640" kern="1200">
         <a:solidFill>
           <a:schemeClr val="tx1"/>
         </a:solidFill>
@@ -93,8 +96,8 @@
         <a:cs typeface="+mn-cs"/>
       </a:defRPr>
     </a:lvl8pPr>
-    <a:lvl9pPr marL="3657600" algn="l" defTabSz="914400" rtl="0" eaLnBrk="1" latinLnBrk="0" hangingPunct="1">
-      <a:defRPr sz="1800" kern="1200">
+    <a:lvl9pPr marL="17556480" algn="l" defTabSz="4389120" rtl="0" eaLnBrk="1" latinLnBrk="0" hangingPunct="1">
+      <a:defRPr sz="8640" kern="1200">
         <a:solidFill>
           <a:schemeClr val="tx1"/>
         </a:solidFill>
@@ -104,28 +107,463 @@
       </a:defRPr>
     </a:lvl9pPr>
   </p:defaultTextStyle>
+  <p:extLst>
+    <p:ext uri="{EFAFB233-063F-42B5-8137-9DF3F51BA10A}">
+      <p15:sldGuideLst xmlns:p15="http://schemas.microsoft.com/office/powerpoint/2012/main">
+        <p15:guide id="1" pos="27456" userDrawn="1">
+          <p15:clr>
+            <a:srgbClr val="A4A3A4"/>
+          </p15:clr>
+        </p15:guide>
+        <p15:guide id="2" orient="horz" pos="10368">
+          <p15:clr>
+            <a:srgbClr val="A4A3A4"/>
+          </p15:clr>
+        </p15:guide>
+      </p15:sldGuideLst>
+    </p:ext>
+  </p:extLst>
 </p:presentation>
 </file>
 
-<file path=ppt/changesInfos/changesInfo1.xml><?xml version="1.0" encoding="utf-8"?>
-<pc:chgInfo xmlns:a="http://schemas.openxmlformats.org/drawingml/2006/main" xmlns:r="http://schemas.openxmlformats.org/officeDocument/2006/relationships" xmlns:ac="http://schemas.microsoft.com/office/drawing/2013/main/command" xmlns:pc="http://schemas.microsoft.com/office/powerpoint/2013/main/command">
-  <pc:docChgLst>
-    <pc:chgData name="Caina Fernandes" userId="9a4f4376-ffec-4227-87e9-1a0e6b5ec152" providerId="ADAL" clId="{A228E330-E1BF-4E11-BD70-8093E383B666}"/>
-    <pc:docChg chg="addSld">
-      <pc:chgData name="Caina Fernandes" userId="9a4f4376-ffec-4227-87e9-1a0e6b5ec152" providerId="ADAL" clId="{A228E330-E1BF-4E11-BD70-8093E383B666}" dt="2022-04-18T02:29:52.524" v="0" actId="680"/>
-      <pc:docMkLst>
-        <pc:docMk/>
-      </pc:docMkLst>
-      <pc:sldChg chg="new">
-        <pc:chgData name="Caina Fernandes" userId="9a4f4376-ffec-4227-87e9-1a0e6b5ec152" providerId="ADAL" clId="{A228E330-E1BF-4E11-BD70-8093E383B666}" dt="2022-04-18T02:29:52.524" v="0" actId="680"/>
-        <pc:sldMkLst>
-          <pc:docMk/>
-          <pc:sldMk cId="810254537" sldId="256"/>
-        </pc:sldMkLst>
-      </pc:sldChg>
-    </pc:docChg>
-  </pc:docChgLst>
-</pc:chgInfo>
+<file path=ppt/revisionInfo.xml><?xml version="1.0" encoding="utf-8"?>
+<p1510:revInfo xmlns:a="http://schemas.openxmlformats.org/drawingml/2006/main" xmlns:r="http://schemas.openxmlformats.org/officeDocument/2006/relationships" xmlns:p1510="http://schemas.microsoft.com/office/powerpoint/2015/10/main">
+  <p1510:revLst>
+    <p1510:client id="{9D7371E3-9799-4692-8D0E-6D07B82488CD}" v="1" dt="2022-04-18T02:47:31.874"/>
+  </p1510:revLst>
+</p1510:revInfo>
+</file>
+
+<file path=ppt/notesMasters/notesMaster1.xml><?xml version="1.0" encoding="utf-8"?>
+<p:notesMaster xmlns:a="http://schemas.openxmlformats.org/drawingml/2006/main" xmlns:r="http://schemas.openxmlformats.org/officeDocument/2006/relationships" xmlns:p="http://schemas.openxmlformats.org/presentationml/2006/main">
+  <p:cSld>
+    <p:bg>
+      <p:bgRef idx="1001">
+        <a:schemeClr val="bg1"/>
+      </p:bgRef>
+    </p:bg>
+    <p:spTree>
+      <p:nvGrpSpPr>
+        <p:cNvPr id="1" name=""/>
+        <p:cNvGrpSpPr/>
+        <p:nvPr/>
+      </p:nvGrpSpPr>
+      <p:grpSpPr>
+        <a:xfrm>
+          <a:off x="0" y="0"/>
+          <a:ext cx="0" cy="0"/>
+          <a:chOff x="0" y="0"/>
+          <a:chExt cx="0" cy="0"/>
+        </a:xfrm>
+      </p:grpSpPr>
+      <p:sp>
+        <p:nvSpPr>
+          <p:cNvPr id="2" name="Header Placeholder 1"/>
+          <p:cNvSpPr>
+            <a:spLocks noGrp="1"/>
+          </p:cNvSpPr>
+          <p:nvPr>
+            <p:ph type="hdr" sz="quarter"/>
+          </p:nvPr>
+        </p:nvSpPr>
+        <p:spPr>
+          <a:xfrm>
+            <a:off x="0" y="0"/>
+            <a:ext cx="2971800" cy="457200"/>
+          </a:xfrm>
+          <a:prstGeom prst="rect">
+            <a:avLst/>
+          </a:prstGeom>
+        </p:spPr>
+        <p:txBody>
+          <a:bodyPr vert="horz" lIns="91440" tIns="45720" rIns="91440" bIns="45720" rtlCol="0"/>
+          <a:lstStyle>
+            <a:lvl1pPr algn="l">
+              <a:defRPr sz="1200"/>
+            </a:lvl1pPr>
+          </a:lstStyle>
+          <a:p>
+            <a:endParaRPr lang="en-US"/>
+          </a:p>
+        </p:txBody>
+      </p:sp>
+      <p:sp>
+        <p:nvSpPr>
+          <p:cNvPr id="3" name="Date Placeholder 2"/>
+          <p:cNvSpPr>
+            <a:spLocks noGrp="1"/>
+          </p:cNvSpPr>
+          <p:nvPr>
+            <p:ph type="dt" idx="1"/>
+          </p:nvPr>
+        </p:nvSpPr>
+        <p:spPr>
+          <a:xfrm>
+            <a:off x="3884613" y="0"/>
+            <a:ext cx="2971800" cy="457200"/>
+          </a:xfrm>
+          <a:prstGeom prst="rect">
+            <a:avLst/>
+          </a:prstGeom>
+        </p:spPr>
+        <p:txBody>
+          <a:bodyPr vert="horz" lIns="91440" tIns="45720" rIns="91440" bIns="45720" rtlCol="0"/>
+          <a:lstStyle>
+            <a:lvl1pPr algn="r">
+              <a:defRPr sz="1200"/>
+            </a:lvl1pPr>
+          </a:lstStyle>
+          <a:p>
+            <a:fld id="{D0FE861C-486B-4E18-A0E9-A790238A915C}" type="datetimeFigureOut">
+              <a:rPr lang="en-US" smtClean="0"/>
+              <a:t>4/23/2022</a:t>
+            </a:fld>
+            <a:endParaRPr lang="en-US"/>
+          </a:p>
+        </p:txBody>
+      </p:sp>
+      <p:sp>
+        <p:nvSpPr>
+          <p:cNvPr id="4" name="Slide Image Placeholder 3"/>
+          <p:cNvSpPr>
+            <a:spLocks noGrp="1" noRot="1" noChangeAspect="1"/>
+          </p:cNvSpPr>
+          <p:nvPr>
+            <p:ph type="sldImg" idx="2"/>
+          </p:nvPr>
+        </p:nvSpPr>
+        <p:spPr>
+          <a:xfrm>
+            <a:off x="1143000" y="685800"/>
+            <a:ext cx="4572000" cy="3429000"/>
+          </a:xfrm>
+          <a:prstGeom prst="rect">
+            <a:avLst/>
+          </a:prstGeom>
+          <a:noFill/>
+          <a:ln w="12700">
+            <a:solidFill>
+              <a:prstClr val="black"/>
+            </a:solidFill>
+          </a:ln>
+        </p:spPr>
+        <p:txBody>
+          <a:bodyPr vert="horz" lIns="91440" tIns="45720" rIns="91440" bIns="45720" rtlCol="0" anchor="ctr"/>
+          <a:lstStyle/>
+          <a:p>
+            <a:endParaRPr lang="en-US"/>
+          </a:p>
+        </p:txBody>
+      </p:sp>
+      <p:sp>
+        <p:nvSpPr>
+          <p:cNvPr id="5" name="Notes Placeholder 4"/>
+          <p:cNvSpPr>
+            <a:spLocks noGrp="1"/>
+          </p:cNvSpPr>
+          <p:nvPr>
+            <p:ph type="body" sz="quarter" idx="3"/>
+          </p:nvPr>
+        </p:nvSpPr>
+        <p:spPr>
+          <a:xfrm>
+            <a:off x="685800" y="4343400"/>
+            <a:ext cx="5486400" cy="4114800"/>
+          </a:xfrm>
+          <a:prstGeom prst="rect">
+            <a:avLst/>
+          </a:prstGeom>
+        </p:spPr>
+        <p:txBody>
+          <a:bodyPr vert="horz" lIns="91440" tIns="45720" rIns="91440" bIns="45720" rtlCol="0">
+            <a:normAutofit/>
+          </a:bodyPr>
+          <a:lstStyle/>
+          <a:p>
+            <a:pPr lvl="0"/>
+            <a:r>
+              <a:rPr lang="en-US"/>
+              <a:t>Click to edit Master text styles</a:t>
+            </a:r>
+          </a:p>
+          <a:p>
+            <a:pPr lvl="1"/>
+            <a:r>
+              <a:rPr lang="en-US"/>
+              <a:t>Second level</a:t>
+            </a:r>
+          </a:p>
+          <a:p>
+            <a:pPr lvl="2"/>
+            <a:r>
+              <a:rPr lang="en-US"/>
+              <a:t>Third level</a:t>
+            </a:r>
+          </a:p>
+          <a:p>
+            <a:pPr lvl="3"/>
+            <a:r>
+              <a:rPr lang="en-US"/>
+              <a:t>Fourth level</a:t>
+            </a:r>
+          </a:p>
+          <a:p>
+            <a:pPr lvl="4"/>
+            <a:r>
+              <a:rPr lang="en-US"/>
+              <a:t>Fifth level</a:t>
+            </a:r>
+          </a:p>
+        </p:txBody>
+      </p:sp>
+      <p:sp>
+        <p:nvSpPr>
+          <p:cNvPr id="6" name="Footer Placeholder 5"/>
+          <p:cNvSpPr>
+            <a:spLocks noGrp="1"/>
+          </p:cNvSpPr>
+          <p:nvPr>
+            <p:ph type="ftr" sz="quarter" idx="4"/>
+          </p:nvPr>
+        </p:nvSpPr>
+        <p:spPr>
+          <a:xfrm>
+            <a:off x="0" y="8685213"/>
+            <a:ext cx="2971800" cy="457200"/>
+          </a:xfrm>
+          <a:prstGeom prst="rect">
+            <a:avLst/>
+          </a:prstGeom>
+        </p:spPr>
+        <p:txBody>
+          <a:bodyPr vert="horz" lIns="91440" tIns="45720" rIns="91440" bIns="45720" rtlCol="0" anchor="b"/>
+          <a:lstStyle>
+            <a:lvl1pPr algn="l">
+              <a:defRPr sz="1200"/>
+            </a:lvl1pPr>
+          </a:lstStyle>
+          <a:p>
+            <a:endParaRPr lang="en-US"/>
+          </a:p>
+        </p:txBody>
+      </p:sp>
+      <p:sp>
+        <p:nvSpPr>
+          <p:cNvPr id="7" name="Slide Number Placeholder 6"/>
+          <p:cNvSpPr>
+            <a:spLocks noGrp="1"/>
+          </p:cNvSpPr>
+          <p:nvPr>
+            <p:ph type="sldNum" sz="quarter" idx="5"/>
+          </p:nvPr>
+        </p:nvSpPr>
+        <p:spPr>
+          <a:xfrm>
+            <a:off x="3884613" y="8685213"/>
+            <a:ext cx="2971800" cy="457200"/>
+          </a:xfrm>
+          <a:prstGeom prst="rect">
+            <a:avLst/>
+          </a:prstGeom>
+        </p:spPr>
+        <p:txBody>
+          <a:bodyPr vert="horz" lIns="91440" tIns="45720" rIns="91440" bIns="45720" rtlCol="0" anchor="b"/>
+          <a:lstStyle>
+            <a:lvl1pPr algn="r">
+              <a:defRPr sz="1200"/>
+            </a:lvl1pPr>
+          </a:lstStyle>
+          <a:p>
+            <a:fld id="{DF811066-0135-4CAA-8AD4-89A97190AC00}" type="slidenum">
+              <a:rPr lang="en-US" smtClean="0"/>
+              <a:t>‹#›</a:t>
+            </a:fld>
+            <a:endParaRPr lang="en-US"/>
+          </a:p>
+        </p:txBody>
+      </p:sp>
+    </p:spTree>
+  </p:cSld>
+  <p:clrMap bg1="lt1" tx1="dk1" bg2="lt2" tx2="dk2" accent1="accent1" accent2="accent2" accent3="accent3" accent4="accent4" accent5="accent5" accent6="accent6" hlink="hlink" folHlink="folHlink"/>
+  <p:notesStyle>
+    <a:lvl1pPr marL="0" algn="l" defTabSz="4389120" rtl="0" eaLnBrk="1" latinLnBrk="0" hangingPunct="1">
+      <a:defRPr sz="5760" kern="1200">
+        <a:solidFill>
+          <a:schemeClr val="tx1"/>
+        </a:solidFill>
+        <a:latin typeface="+mn-lt"/>
+        <a:ea typeface="+mn-ea"/>
+        <a:cs typeface="+mn-cs"/>
+      </a:defRPr>
+    </a:lvl1pPr>
+    <a:lvl2pPr marL="2194560" algn="l" defTabSz="4389120" rtl="0" eaLnBrk="1" latinLnBrk="0" hangingPunct="1">
+      <a:defRPr sz="5760" kern="1200">
+        <a:solidFill>
+          <a:schemeClr val="tx1"/>
+        </a:solidFill>
+        <a:latin typeface="+mn-lt"/>
+        <a:ea typeface="+mn-ea"/>
+        <a:cs typeface="+mn-cs"/>
+      </a:defRPr>
+    </a:lvl2pPr>
+    <a:lvl3pPr marL="4389120" algn="l" defTabSz="4389120" rtl="0" eaLnBrk="1" latinLnBrk="0" hangingPunct="1">
+      <a:defRPr sz="5760" kern="1200">
+        <a:solidFill>
+          <a:schemeClr val="tx1"/>
+        </a:solidFill>
+        <a:latin typeface="+mn-lt"/>
+        <a:ea typeface="+mn-ea"/>
+        <a:cs typeface="+mn-cs"/>
+      </a:defRPr>
+    </a:lvl3pPr>
+    <a:lvl4pPr marL="6583680" algn="l" defTabSz="4389120" rtl="0" eaLnBrk="1" latinLnBrk="0" hangingPunct="1">
+      <a:defRPr sz="5760" kern="1200">
+        <a:solidFill>
+          <a:schemeClr val="tx1"/>
+        </a:solidFill>
+        <a:latin typeface="+mn-lt"/>
+        <a:ea typeface="+mn-ea"/>
+        <a:cs typeface="+mn-cs"/>
+      </a:defRPr>
+    </a:lvl4pPr>
+    <a:lvl5pPr marL="8778240" algn="l" defTabSz="4389120" rtl="0" eaLnBrk="1" latinLnBrk="0" hangingPunct="1">
+      <a:defRPr sz="5760" kern="1200">
+        <a:solidFill>
+          <a:schemeClr val="tx1"/>
+        </a:solidFill>
+        <a:latin typeface="+mn-lt"/>
+        <a:ea typeface="+mn-ea"/>
+        <a:cs typeface="+mn-cs"/>
+      </a:defRPr>
+    </a:lvl5pPr>
+    <a:lvl6pPr marL="10972800" algn="l" defTabSz="4389120" rtl="0" eaLnBrk="1" latinLnBrk="0" hangingPunct="1">
+      <a:defRPr sz="5760" kern="1200">
+        <a:solidFill>
+          <a:schemeClr val="tx1"/>
+        </a:solidFill>
+        <a:latin typeface="+mn-lt"/>
+        <a:ea typeface="+mn-ea"/>
+        <a:cs typeface="+mn-cs"/>
+      </a:defRPr>
+    </a:lvl6pPr>
+    <a:lvl7pPr marL="13167360" algn="l" defTabSz="4389120" rtl="0" eaLnBrk="1" latinLnBrk="0" hangingPunct="1">
+      <a:defRPr sz="5760" kern="1200">
+        <a:solidFill>
+          <a:schemeClr val="tx1"/>
+        </a:solidFill>
+        <a:latin typeface="+mn-lt"/>
+        <a:ea typeface="+mn-ea"/>
+        <a:cs typeface="+mn-cs"/>
+      </a:defRPr>
+    </a:lvl7pPr>
+    <a:lvl8pPr marL="15361920" algn="l" defTabSz="4389120" rtl="0" eaLnBrk="1" latinLnBrk="0" hangingPunct="1">
+      <a:defRPr sz="5760" kern="1200">
+        <a:solidFill>
+          <a:schemeClr val="tx1"/>
+        </a:solidFill>
+        <a:latin typeface="+mn-lt"/>
+        <a:ea typeface="+mn-ea"/>
+        <a:cs typeface="+mn-cs"/>
+      </a:defRPr>
+    </a:lvl8pPr>
+    <a:lvl9pPr marL="17556480" algn="l" defTabSz="4389120" rtl="0" eaLnBrk="1" latinLnBrk="0" hangingPunct="1">
+      <a:defRPr sz="5760" kern="1200">
+        <a:solidFill>
+          <a:schemeClr val="tx1"/>
+        </a:solidFill>
+        <a:latin typeface="+mn-lt"/>
+        <a:ea typeface="+mn-ea"/>
+        <a:cs typeface="+mn-cs"/>
+      </a:defRPr>
+    </a:lvl9pPr>
+  </p:notesStyle>
+</p:notesMaster>
+</file>
+
+<file path=ppt/notesSlides/notesSlide1.xml><?xml version="1.0" encoding="utf-8"?>
+<p:notes xmlns:a="http://schemas.openxmlformats.org/drawingml/2006/main" xmlns:r="http://schemas.openxmlformats.org/officeDocument/2006/relationships" xmlns:p="http://schemas.openxmlformats.org/presentationml/2006/main">
+  <p:cSld>
+    <p:spTree>
+      <p:nvGrpSpPr>
+        <p:cNvPr id="1" name=""/>
+        <p:cNvGrpSpPr/>
+        <p:nvPr/>
+      </p:nvGrpSpPr>
+      <p:grpSpPr>
+        <a:xfrm>
+          <a:off x="0" y="0"/>
+          <a:ext cx="0" cy="0"/>
+          <a:chOff x="0" y="0"/>
+          <a:chExt cx="0" cy="0"/>
+        </a:xfrm>
+      </p:grpSpPr>
+      <p:sp>
+        <p:nvSpPr>
+          <p:cNvPr id="2" name="Slide Image Placeholder 1"/>
+          <p:cNvSpPr>
+            <a:spLocks noGrp="1" noRot="1" noChangeAspect="1"/>
+          </p:cNvSpPr>
+          <p:nvPr>
+            <p:ph type="sldImg"/>
+          </p:nvPr>
+        </p:nvSpPr>
+        <p:spPr/>
+      </p:sp>
+      <p:sp>
+        <p:nvSpPr>
+          <p:cNvPr id="3" name="Notes Placeholder 2"/>
+          <p:cNvSpPr>
+            <a:spLocks noGrp="1"/>
+          </p:cNvSpPr>
+          <p:nvPr>
+            <p:ph type="body" idx="1"/>
+          </p:nvPr>
+        </p:nvSpPr>
+        <p:spPr/>
+        <p:txBody>
+          <a:bodyPr>
+            <a:normAutofit/>
+          </a:bodyPr>
+          <a:lstStyle/>
+          <a:p>
+            <a:endParaRPr lang="en-US" dirty="0"/>
+          </a:p>
+        </p:txBody>
+      </p:sp>
+      <p:sp>
+        <p:nvSpPr>
+          <p:cNvPr id="4" name="Slide Number Placeholder 3"/>
+          <p:cNvSpPr>
+            <a:spLocks noGrp="1"/>
+          </p:cNvSpPr>
+          <p:nvPr>
+            <p:ph type="sldNum" sz="quarter" idx="10"/>
+          </p:nvPr>
+        </p:nvSpPr>
+        <p:spPr/>
+        <p:txBody>
+          <a:bodyPr/>
+          <a:lstStyle/>
+          <a:p>
+            <a:fld id="{DF811066-0135-4CAA-8AD4-89A97190AC00}" type="slidenum">
+              <a:rPr lang="en-US" smtClean="0"/>
+              <a:t>1</a:t>
+            </a:fld>
+            <a:endParaRPr lang="en-US"/>
+          </a:p>
+        </p:txBody>
+      </p:sp>
+    </p:spTree>
+    <p:extLst>
+      <p:ext uri="{BB962C8B-B14F-4D97-AF65-F5344CB8AC3E}">
+        <p14:creationId xmlns:p14="http://schemas.microsoft.com/office/powerpoint/2010/main" val="1592674475"/>
+      </p:ext>
+    </p:extLst>
+  </p:cSld>
+  <p:clrMapOvr>
+    <a:masterClrMapping/>
+  </p:clrMapOvr>
+</p:notes>
 </file>
 
 <file path=ppt/slideLayouts/slideLayout1.xml><?xml version="1.0" encoding="utf-8"?>
@@ -147,13 +585,7 @@
       </p:grpSpPr>
       <p:sp>
         <p:nvSpPr>
-          <p:cNvPr id="2" name="Title 1">
-            <a:extLst>
-              <a:ext uri="{FF2B5EF4-FFF2-40B4-BE49-F238E27FC236}">
-                <a16:creationId xmlns:a16="http://schemas.microsoft.com/office/drawing/2014/main" id="{9D93D9CE-6836-4CA1-8694-E1DC910469FD}"/>
-              </a:ext>
-            </a:extLst>
-          </p:cNvPr>
+          <p:cNvPr id="2" name="Title 1"/>
           <p:cNvSpPr>
             <a:spLocks noGrp="1"/>
           </p:cNvSpPr>
@@ -163,17 +595,13 @@
         </p:nvSpPr>
         <p:spPr>
           <a:xfrm>
-            <a:off x="1524000" y="1122363"/>
-            <a:ext cx="9144000" cy="2387600"/>
+            <a:off x="3291840" y="10226042"/>
+            <a:ext cx="37307520" cy="7056120"/>
           </a:xfrm>
         </p:spPr>
         <p:txBody>
-          <a:bodyPr anchor="b"/>
-          <a:lstStyle>
-            <a:lvl1pPr algn="ctr">
-              <a:defRPr sz="6000"/>
-            </a:lvl1pPr>
-          </a:lstStyle>
+          <a:bodyPr/>
+          <a:lstStyle/>
           <a:p>
             <a:r>
               <a:rPr lang="en-US"/>
@@ -184,13 +612,7 @@
       </p:sp>
       <p:sp>
         <p:nvSpPr>
-          <p:cNvPr id="3" name="Subtitle 2">
-            <a:extLst>
-              <a:ext uri="{FF2B5EF4-FFF2-40B4-BE49-F238E27FC236}">
-                <a16:creationId xmlns:a16="http://schemas.microsoft.com/office/drawing/2014/main" id="{4DF2572C-E3AE-4EC1-B338-213F0A2730C4}"/>
-              </a:ext>
-            </a:extLst>
-          </p:cNvPr>
+          <p:cNvPr id="3" name="Subtitle 2"/>
           <p:cNvSpPr>
             <a:spLocks noGrp="1"/>
           </p:cNvSpPr>
@@ -200,8 +622,8 @@
         </p:nvSpPr>
         <p:spPr>
           <a:xfrm>
-            <a:off x="1524000" y="3602038"/>
-            <a:ext cx="9144000" cy="1655762"/>
+            <a:off x="6583680" y="18653760"/>
+            <a:ext cx="30723840" cy="8412480"/>
           </a:xfrm>
         </p:spPr>
         <p:txBody>
@@ -209,39 +631,93 @@
           <a:lstStyle>
             <a:lvl1pPr marL="0" indent="0" algn="ctr">
               <a:buNone/>
-              <a:defRPr sz="2400"/>
+              <a:defRPr>
+                <a:solidFill>
+                  <a:schemeClr val="tx1">
+                    <a:tint val="75000"/>
+                  </a:schemeClr>
+                </a:solidFill>
+              </a:defRPr>
             </a:lvl1pPr>
-            <a:lvl2pPr marL="457200" indent="0" algn="ctr">
+            <a:lvl2pPr marL="2194560" indent="0" algn="ctr">
               <a:buNone/>
-              <a:defRPr sz="2000"/>
+              <a:defRPr>
+                <a:solidFill>
+                  <a:schemeClr val="tx1">
+                    <a:tint val="75000"/>
+                  </a:schemeClr>
+                </a:solidFill>
+              </a:defRPr>
             </a:lvl2pPr>
-            <a:lvl3pPr marL="914400" indent="0" algn="ctr">
+            <a:lvl3pPr marL="4389120" indent="0" algn="ctr">
               <a:buNone/>
-              <a:defRPr sz="1800"/>
+              <a:defRPr>
+                <a:solidFill>
+                  <a:schemeClr val="tx1">
+                    <a:tint val="75000"/>
+                  </a:schemeClr>
+                </a:solidFill>
+              </a:defRPr>
             </a:lvl3pPr>
-            <a:lvl4pPr marL="1371600" indent="0" algn="ctr">
+            <a:lvl4pPr marL="6583680" indent="0" algn="ctr">
               <a:buNone/>
-              <a:defRPr sz="1600"/>
+              <a:defRPr>
+                <a:solidFill>
+                  <a:schemeClr val="tx1">
+                    <a:tint val="75000"/>
+                  </a:schemeClr>
+                </a:solidFill>
+              </a:defRPr>
             </a:lvl4pPr>
-            <a:lvl5pPr marL="1828800" indent="0" algn="ctr">
+            <a:lvl5pPr marL="8778240" indent="0" algn="ctr">
               <a:buNone/>
-              <a:defRPr sz="1600"/>
+              <a:defRPr>
+                <a:solidFill>
+                  <a:schemeClr val="tx1">
+                    <a:tint val="75000"/>
+                  </a:schemeClr>
+                </a:solidFill>
+              </a:defRPr>
             </a:lvl5pPr>
-            <a:lvl6pPr marL="2286000" indent="0" algn="ctr">
+            <a:lvl6pPr marL="10972800" indent="0" algn="ctr">
               <a:buNone/>
-              <a:defRPr sz="1600"/>
+              <a:defRPr>
+                <a:solidFill>
+                  <a:schemeClr val="tx1">
+                    <a:tint val="75000"/>
+                  </a:schemeClr>
+                </a:solidFill>
+              </a:defRPr>
             </a:lvl6pPr>
-            <a:lvl7pPr marL="2743200" indent="0" algn="ctr">
+            <a:lvl7pPr marL="13167360" indent="0" algn="ctr">
               <a:buNone/>
-              <a:defRPr sz="1600"/>
+              <a:defRPr>
+                <a:solidFill>
+                  <a:schemeClr val="tx1">
+                    <a:tint val="75000"/>
+                  </a:schemeClr>
+                </a:solidFill>
+              </a:defRPr>
             </a:lvl7pPr>
-            <a:lvl8pPr marL="3200400" indent="0" algn="ctr">
+            <a:lvl8pPr marL="15361920" indent="0" algn="ctr">
               <a:buNone/>
-              <a:defRPr sz="1600"/>
+              <a:defRPr>
+                <a:solidFill>
+                  <a:schemeClr val="tx1">
+                    <a:tint val="75000"/>
+                  </a:schemeClr>
+                </a:solidFill>
+              </a:defRPr>
             </a:lvl8pPr>
-            <a:lvl9pPr marL="3657600" indent="0" algn="ctr">
+            <a:lvl9pPr marL="17556480" indent="0" algn="ctr">
               <a:buNone/>
-              <a:defRPr sz="1600"/>
+              <a:defRPr>
+                <a:solidFill>
+                  <a:schemeClr val="tx1">
+                    <a:tint val="75000"/>
+                  </a:schemeClr>
+                </a:solidFill>
+              </a:defRPr>
             </a:lvl9pPr>
           </a:lstStyle>
           <a:p>
@@ -254,13 +730,7 @@
       </p:sp>
       <p:sp>
         <p:nvSpPr>
-          <p:cNvPr id="4" name="Date Placeholder 3">
-            <a:extLst>
-              <a:ext uri="{FF2B5EF4-FFF2-40B4-BE49-F238E27FC236}">
-                <a16:creationId xmlns:a16="http://schemas.microsoft.com/office/drawing/2014/main" id="{27EE15EB-E998-403E-81D4-54EC88A51BE0}"/>
-              </a:ext>
-            </a:extLst>
-          </p:cNvPr>
+          <p:cNvPr id="4" name="Date Placeholder 3"/>
           <p:cNvSpPr>
             <a:spLocks noGrp="1"/>
           </p:cNvSpPr>
@@ -273,9 +743,9 @@
           <a:bodyPr/>
           <a:lstStyle/>
           <a:p>
-            <a:fld id="{CBB000B3-169B-4839-8A9A-95F6F690B480}" type="datetimeFigureOut">
+            <a:fld id="{8102BAB4-8B8D-41DD-85C7-81A0CA962007}" type="datetimeFigureOut">
               <a:rPr lang="en-US" smtClean="0"/>
-              <a:t>4/17/2022</a:t>
+              <a:t>4/23/2022</a:t>
             </a:fld>
             <a:endParaRPr lang="en-US"/>
           </a:p>
@@ -283,13 +753,7 @@
       </p:sp>
       <p:sp>
         <p:nvSpPr>
-          <p:cNvPr id="5" name="Footer Placeholder 4">
-            <a:extLst>
-              <a:ext uri="{FF2B5EF4-FFF2-40B4-BE49-F238E27FC236}">
-                <a16:creationId xmlns:a16="http://schemas.microsoft.com/office/drawing/2014/main" id="{FDA5A648-880C-4DA2-8714-3E1DF588E6CE}"/>
-              </a:ext>
-            </a:extLst>
-          </p:cNvPr>
+          <p:cNvPr id="5" name="Footer Placeholder 4"/>
           <p:cNvSpPr>
             <a:spLocks noGrp="1"/>
           </p:cNvSpPr>
@@ -308,13 +772,7 @@
       </p:sp>
       <p:sp>
         <p:nvSpPr>
-          <p:cNvPr id="6" name="Slide Number Placeholder 5">
-            <a:extLst>
-              <a:ext uri="{FF2B5EF4-FFF2-40B4-BE49-F238E27FC236}">
-                <a16:creationId xmlns:a16="http://schemas.microsoft.com/office/drawing/2014/main" id="{B7BBAC17-9A23-4EC7-ABC4-222040A0F95A}"/>
-              </a:ext>
-            </a:extLst>
-          </p:cNvPr>
+          <p:cNvPr id="6" name="Slide Number Placeholder 5"/>
           <p:cNvSpPr>
             <a:spLocks noGrp="1"/>
           </p:cNvSpPr>
@@ -327,7 +785,7 @@
           <a:bodyPr/>
           <a:lstStyle/>
           <a:p>
-            <a:fld id="{9AD6C136-A7CA-403A-9610-0358C3A7E2AE}" type="slidenum">
+            <a:fld id="{B044824F-EBE0-443F-8A8F-F64816AF04DC}" type="slidenum">
               <a:rPr lang="en-US" smtClean="0"/>
               <a:t>‹#›</a:t>
             </a:fld>
@@ -336,11 +794,6 @@
         </p:txBody>
       </p:sp>
     </p:spTree>
-    <p:extLst>
-      <p:ext uri="{BB962C8B-B14F-4D97-AF65-F5344CB8AC3E}">
-        <p14:creationId xmlns:p14="http://schemas.microsoft.com/office/powerpoint/2010/main" val="2177676479"/>
-      </p:ext>
-    </p:extLst>
   </p:cSld>
   <p:clrMapOvr>
     <a:masterClrMapping/>
@@ -367,13 +820,7 @@
       </p:grpSpPr>
       <p:sp>
         <p:nvSpPr>
-          <p:cNvPr id="2" name="Title 1">
-            <a:extLst>
-              <a:ext uri="{FF2B5EF4-FFF2-40B4-BE49-F238E27FC236}">
-                <a16:creationId xmlns:a16="http://schemas.microsoft.com/office/drawing/2014/main" id="{472B67E1-0B01-4817-B3DC-72DC52309CB3}"/>
-              </a:ext>
-            </a:extLst>
-          </p:cNvPr>
+          <p:cNvPr id="2" name="Title 1"/>
           <p:cNvSpPr>
             <a:spLocks noGrp="1"/>
           </p:cNvSpPr>
@@ -395,13 +842,7 @@
       </p:sp>
       <p:sp>
         <p:nvSpPr>
-          <p:cNvPr id="3" name="Vertical Text Placeholder 2">
-            <a:extLst>
-              <a:ext uri="{FF2B5EF4-FFF2-40B4-BE49-F238E27FC236}">
-                <a16:creationId xmlns:a16="http://schemas.microsoft.com/office/drawing/2014/main" id="{5DE05AE6-1E3B-4A42-9A4D-722C82A6D672}"/>
-              </a:ext>
-            </a:extLst>
-          </p:cNvPr>
+          <p:cNvPr id="3" name="Vertical Text Placeholder 2"/>
           <p:cNvSpPr>
             <a:spLocks noGrp="1"/>
           </p:cNvSpPr>
@@ -452,13 +893,7 @@
       </p:sp>
       <p:sp>
         <p:nvSpPr>
-          <p:cNvPr id="4" name="Date Placeholder 3">
-            <a:extLst>
-              <a:ext uri="{FF2B5EF4-FFF2-40B4-BE49-F238E27FC236}">
-                <a16:creationId xmlns:a16="http://schemas.microsoft.com/office/drawing/2014/main" id="{55208ED8-1069-4496-A03F-6C1ABF3DE345}"/>
-              </a:ext>
-            </a:extLst>
-          </p:cNvPr>
+          <p:cNvPr id="4" name="Date Placeholder 3"/>
           <p:cNvSpPr>
             <a:spLocks noGrp="1"/>
           </p:cNvSpPr>
@@ -471,9 +906,9 @@
           <a:bodyPr/>
           <a:lstStyle/>
           <a:p>
-            <a:fld id="{CBB000B3-169B-4839-8A9A-95F6F690B480}" type="datetimeFigureOut">
+            <a:fld id="{8102BAB4-8B8D-41DD-85C7-81A0CA962007}" type="datetimeFigureOut">
               <a:rPr lang="en-US" smtClean="0"/>
-              <a:t>4/17/2022</a:t>
+              <a:t>4/23/2022</a:t>
             </a:fld>
             <a:endParaRPr lang="en-US"/>
           </a:p>
@@ -481,13 +916,7 @@
       </p:sp>
       <p:sp>
         <p:nvSpPr>
-          <p:cNvPr id="5" name="Footer Placeholder 4">
-            <a:extLst>
-              <a:ext uri="{FF2B5EF4-FFF2-40B4-BE49-F238E27FC236}">
-                <a16:creationId xmlns:a16="http://schemas.microsoft.com/office/drawing/2014/main" id="{77FDAA28-1C8E-4A1B-BC54-A64169981AB9}"/>
-              </a:ext>
-            </a:extLst>
-          </p:cNvPr>
+          <p:cNvPr id="5" name="Footer Placeholder 4"/>
           <p:cNvSpPr>
             <a:spLocks noGrp="1"/>
           </p:cNvSpPr>
@@ -506,13 +935,7 @@
       </p:sp>
       <p:sp>
         <p:nvSpPr>
-          <p:cNvPr id="6" name="Slide Number Placeholder 5">
-            <a:extLst>
-              <a:ext uri="{FF2B5EF4-FFF2-40B4-BE49-F238E27FC236}">
-                <a16:creationId xmlns:a16="http://schemas.microsoft.com/office/drawing/2014/main" id="{24123BDA-3262-43AF-9691-BCB54A05C10C}"/>
-              </a:ext>
-            </a:extLst>
-          </p:cNvPr>
+          <p:cNvPr id="6" name="Slide Number Placeholder 5"/>
           <p:cNvSpPr>
             <a:spLocks noGrp="1"/>
           </p:cNvSpPr>
@@ -525,7 +948,7 @@
           <a:bodyPr/>
           <a:lstStyle/>
           <a:p>
-            <a:fld id="{9AD6C136-A7CA-403A-9610-0358C3A7E2AE}" type="slidenum">
+            <a:fld id="{B044824F-EBE0-443F-8A8F-F64816AF04DC}" type="slidenum">
               <a:rPr lang="en-US" smtClean="0"/>
               <a:t>‹#›</a:t>
             </a:fld>
@@ -534,11 +957,6 @@
         </p:txBody>
       </p:sp>
     </p:spTree>
-    <p:extLst>
-      <p:ext uri="{BB962C8B-B14F-4D97-AF65-F5344CB8AC3E}">
-        <p14:creationId xmlns:p14="http://schemas.microsoft.com/office/powerpoint/2010/main" val="1335025653"/>
-      </p:ext>
-    </p:extLst>
   </p:cSld>
   <p:clrMapOvr>
     <a:masterClrMapping/>
@@ -565,13 +983,7 @@
       </p:grpSpPr>
       <p:sp>
         <p:nvSpPr>
-          <p:cNvPr id="2" name="Vertical Title 1">
-            <a:extLst>
-              <a:ext uri="{FF2B5EF4-FFF2-40B4-BE49-F238E27FC236}">
-                <a16:creationId xmlns:a16="http://schemas.microsoft.com/office/drawing/2014/main" id="{2C908F07-EEB2-4870-80A1-8C7360BAD574}"/>
-              </a:ext>
-            </a:extLst>
-          </p:cNvPr>
+          <p:cNvPr id="2" name="Vertical Title 1"/>
           <p:cNvSpPr>
             <a:spLocks noGrp="1"/>
           </p:cNvSpPr>
@@ -581,8 +993,8 @@
         </p:nvSpPr>
         <p:spPr>
           <a:xfrm>
-            <a:off x="8724900" y="365125"/>
-            <a:ext cx="2628900" cy="5811838"/>
+            <a:off x="31821120" y="1318265"/>
+            <a:ext cx="9875520" cy="28087320"/>
           </a:xfrm>
         </p:spPr>
         <p:txBody>
@@ -598,13 +1010,7 @@
       </p:sp>
       <p:sp>
         <p:nvSpPr>
-          <p:cNvPr id="3" name="Vertical Text Placeholder 2">
-            <a:extLst>
-              <a:ext uri="{FF2B5EF4-FFF2-40B4-BE49-F238E27FC236}">
-                <a16:creationId xmlns:a16="http://schemas.microsoft.com/office/drawing/2014/main" id="{47AA17EC-4036-41F2-A69D-98119A1078B2}"/>
-              </a:ext>
-            </a:extLst>
-          </p:cNvPr>
+          <p:cNvPr id="3" name="Vertical Text Placeholder 2"/>
           <p:cNvSpPr>
             <a:spLocks noGrp="1"/>
           </p:cNvSpPr>
@@ -614,8 +1020,8 @@
         </p:nvSpPr>
         <p:spPr>
           <a:xfrm>
-            <a:off x="838200" y="365125"/>
-            <a:ext cx="7734300" cy="5811838"/>
+            <a:off x="2194560" y="1318265"/>
+            <a:ext cx="28895040" cy="28087320"/>
           </a:xfrm>
         </p:spPr>
         <p:txBody>
@@ -660,13 +1066,7 @@
       </p:sp>
       <p:sp>
         <p:nvSpPr>
-          <p:cNvPr id="4" name="Date Placeholder 3">
-            <a:extLst>
-              <a:ext uri="{FF2B5EF4-FFF2-40B4-BE49-F238E27FC236}">
-                <a16:creationId xmlns:a16="http://schemas.microsoft.com/office/drawing/2014/main" id="{5ECF58F0-9A6C-4450-890A-7B8DC74730C1}"/>
-              </a:ext>
-            </a:extLst>
-          </p:cNvPr>
+          <p:cNvPr id="4" name="Date Placeholder 3"/>
           <p:cNvSpPr>
             <a:spLocks noGrp="1"/>
           </p:cNvSpPr>
@@ -679,9 +1079,9 @@
           <a:bodyPr/>
           <a:lstStyle/>
           <a:p>
-            <a:fld id="{CBB000B3-169B-4839-8A9A-95F6F690B480}" type="datetimeFigureOut">
+            <a:fld id="{8102BAB4-8B8D-41DD-85C7-81A0CA962007}" type="datetimeFigureOut">
               <a:rPr lang="en-US" smtClean="0"/>
-              <a:t>4/17/2022</a:t>
+              <a:t>4/23/2022</a:t>
             </a:fld>
             <a:endParaRPr lang="en-US"/>
           </a:p>
@@ -689,13 +1089,7 @@
       </p:sp>
       <p:sp>
         <p:nvSpPr>
-          <p:cNvPr id="5" name="Footer Placeholder 4">
-            <a:extLst>
-              <a:ext uri="{FF2B5EF4-FFF2-40B4-BE49-F238E27FC236}">
-                <a16:creationId xmlns:a16="http://schemas.microsoft.com/office/drawing/2014/main" id="{722C4F26-114B-4F11-AC3A-C1089A207FFA}"/>
-              </a:ext>
-            </a:extLst>
-          </p:cNvPr>
+          <p:cNvPr id="5" name="Footer Placeholder 4"/>
           <p:cNvSpPr>
             <a:spLocks noGrp="1"/>
           </p:cNvSpPr>
@@ -714,13 +1108,7 @@
       </p:sp>
       <p:sp>
         <p:nvSpPr>
-          <p:cNvPr id="6" name="Slide Number Placeholder 5">
-            <a:extLst>
-              <a:ext uri="{FF2B5EF4-FFF2-40B4-BE49-F238E27FC236}">
-                <a16:creationId xmlns:a16="http://schemas.microsoft.com/office/drawing/2014/main" id="{1268B83A-9FCF-454A-B7A1-1FAA9064587C}"/>
-              </a:ext>
-            </a:extLst>
-          </p:cNvPr>
+          <p:cNvPr id="6" name="Slide Number Placeholder 5"/>
           <p:cNvSpPr>
             <a:spLocks noGrp="1"/>
           </p:cNvSpPr>
@@ -733,7 +1121,7 @@
           <a:bodyPr/>
           <a:lstStyle/>
           <a:p>
-            <a:fld id="{9AD6C136-A7CA-403A-9610-0358C3A7E2AE}" type="slidenum">
+            <a:fld id="{B044824F-EBE0-443F-8A8F-F64816AF04DC}" type="slidenum">
               <a:rPr lang="en-US" smtClean="0"/>
               <a:t>‹#›</a:t>
             </a:fld>
@@ -742,11 +1130,6 @@
         </p:txBody>
       </p:sp>
     </p:spTree>
-    <p:extLst>
-      <p:ext uri="{BB962C8B-B14F-4D97-AF65-F5344CB8AC3E}">
-        <p14:creationId xmlns:p14="http://schemas.microsoft.com/office/powerpoint/2010/main" val="2906624656"/>
-      </p:ext>
-    </p:extLst>
   </p:cSld>
   <p:clrMapOvr>
     <a:masterClrMapping/>
@@ -773,13 +1156,7 @@
       </p:grpSpPr>
       <p:sp>
         <p:nvSpPr>
-          <p:cNvPr id="2" name="Title 1">
-            <a:extLst>
-              <a:ext uri="{FF2B5EF4-FFF2-40B4-BE49-F238E27FC236}">
-                <a16:creationId xmlns:a16="http://schemas.microsoft.com/office/drawing/2014/main" id="{B894C307-4732-4838-A12D-CA762FA49544}"/>
-              </a:ext>
-            </a:extLst>
-          </p:cNvPr>
+          <p:cNvPr id="2" name="Title 1"/>
           <p:cNvSpPr>
             <a:spLocks noGrp="1"/>
           </p:cNvSpPr>
@@ -801,13 +1178,7 @@
       </p:sp>
       <p:sp>
         <p:nvSpPr>
-          <p:cNvPr id="3" name="Content Placeholder 2">
-            <a:extLst>
-              <a:ext uri="{FF2B5EF4-FFF2-40B4-BE49-F238E27FC236}">
-                <a16:creationId xmlns:a16="http://schemas.microsoft.com/office/drawing/2014/main" id="{B13392D3-E3B7-47E3-8110-FC2568645695}"/>
-              </a:ext>
-            </a:extLst>
-          </p:cNvPr>
+          <p:cNvPr id="3" name="Content Placeholder 2"/>
           <p:cNvSpPr>
             <a:spLocks noGrp="1"/>
           </p:cNvSpPr>
@@ -858,13 +1229,7 @@
       </p:sp>
       <p:sp>
         <p:nvSpPr>
-          <p:cNvPr id="4" name="Date Placeholder 3">
-            <a:extLst>
-              <a:ext uri="{FF2B5EF4-FFF2-40B4-BE49-F238E27FC236}">
-                <a16:creationId xmlns:a16="http://schemas.microsoft.com/office/drawing/2014/main" id="{2C17FB23-1D82-4443-B214-898B74E4E8C7}"/>
-              </a:ext>
-            </a:extLst>
-          </p:cNvPr>
+          <p:cNvPr id="4" name="Date Placeholder 3"/>
           <p:cNvSpPr>
             <a:spLocks noGrp="1"/>
           </p:cNvSpPr>
@@ -877,9 +1242,9 @@
           <a:bodyPr/>
           <a:lstStyle/>
           <a:p>
-            <a:fld id="{CBB000B3-169B-4839-8A9A-95F6F690B480}" type="datetimeFigureOut">
+            <a:fld id="{8102BAB4-8B8D-41DD-85C7-81A0CA962007}" type="datetimeFigureOut">
               <a:rPr lang="en-US" smtClean="0"/>
-              <a:t>4/17/2022</a:t>
+              <a:t>4/23/2022</a:t>
             </a:fld>
             <a:endParaRPr lang="en-US"/>
           </a:p>
@@ -887,13 +1252,7 @@
       </p:sp>
       <p:sp>
         <p:nvSpPr>
-          <p:cNvPr id="5" name="Footer Placeholder 4">
-            <a:extLst>
-              <a:ext uri="{FF2B5EF4-FFF2-40B4-BE49-F238E27FC236}">
-                <a16:creationId xmlns:a16="http://schemas.microsoft.com/office/drawing/2014/main" id="{31E9B6E5-832F-4C3B-8E8A-0A5AE4FEE7AA}"/>
-              </a:ext>
-            </a:extLst>
-          </p:cNvPr>
+          <p:cNvPr id="5" name="Footer Placeholder 4"/>
           <p:cNvSpPr>
             <a:spLocks noGrp="1"/>
           </p:cNvSpPr>
@@ -912,13 +1271,7 @@
       </p:sp>
       <p:sp>
         <p:nvSpPr>
-          <p:cNvPr id="6" name="Slide Number Placeholder 5">
-            <a:extLst>
-              <a:ext uri="{FF2B5EF4-FFF2-40B4-BE49-F238E27FC236}">
-                <a16:creationId xmlns:a16="http://schemas.microsoft.com/office/drawing/2014/main" id="{DD7D1C76-6641-4ADE-8307-F720CA8F2D2B}"/>
-              </a:ext>
-            </a:extLst>
-          </p:cNvPr>
+          <p:cNvPr id="6" name="Slide Number Placeholder 5"/>
           <p:cNvSpPr>
             <a:spLocks noGrp="1"/>
           </p:cNvSpPr>
@@ -931,7 +1284,7 @@
           <a:bodyPr/>
           <a:lstStyle/>
           <a:p>
-            <a:fld id="{9AD6C136-A7CA-403A-9610-0358C3A7E2AE}" type="slidenum">
+            <a:fld id="{B044824F-EBE0-443F-8A8F-F64816AF04DC}" type="slidenum">
               <a:rPr lang="en-US" smtClean="0"/>
               <a:t>‹#›</a:t>
             </a:fld>
@@ -940,11 +1293,6 @@
         </p:txBody>
       </p:sp>
     </p:spTree>
-    <p:extLst>
-      <p:ext uri="{BB962C8B-B14F-4D97-AF65-F5344CB8AC3E}">
-        <p14:creationId xmlns:p14="http://schemas.microsoft.com/office/powerpoint/2010/main" val="292729447"/>
-      </p:ext>
-    </p:extLst>
   </p:cSld>
   <p:clrMapOvr>
     <a:masterClrMapping/>
@@ -971,13 +1319,7 @@
       </p:grpSpPr>
       <p:sp>
         <p:nvSpPr>
-          <p:cNvPr id="2" name="Title 1">
-            <a:extLst>
-              <a:ext uri="{FF2B5EF4-FFF2-40B4-BE49-F238E27FC236}">
-                <a16:creationId xmlns:a16="http://schemas.microsoft.com/office/drawing/2014/main" id="{924CE219-E4FB-4C23-99D9-60098B1D65D6}"/>
-              </a:ext>
-            </a:extLst>
-          </p:cNvPr>
+          <p:cNvPr id="2" name="Title 1"/>
           <p:cNvSpPr>
             <a:spLocks noGrp="1"/>
           </p:cNvSpPr>
@@ -987,15 +1329,15 @@
         </p:nvSpPr>
         <p:spPr>
           <a:xfrm>
-            <a:off x="831850" y="1709738"/>
-            <a:ext cx="10515600" cy="2852737"/>
+            <a:off x="3467102" y="21153122"/>
+            <a:ext cx="37307520" cy="6537960"/>
           </a:xfrm>
         </p:spPr>
         <p:txBody>
-          <a:bodyPr anchor="b"/>
+          <a:bodyPr anchor="t"/>
           <a:lstStyle>
-            <a:lvl1pPr>
-              <a:defRPr sz="6000"/>
+            <a:lvl1pPr algn="l">
+              <a:defRPr sz="19200" b="1" cap="all"/>
             </a:lvl1pPr>
           </a:lstStyle>
           <a:p>
@@ -1008,13 +1350,7 @@
       </p:sp>
       <p:sp>
         <p:nvSpPr>
-          <p:cNvPr id="3" name="Text Placeholder 2">
-            <a:extLst>
-              <a:ext uri="{FF2B5EF4-FFF2-40B4-BE49-F238E27FC236}">
-                <a16:creationId xmlns:a16="http://schemas.microsoft.com/office/drawing/2014/main" id="{CE71E4AE-F938-4622-91D6-7EFA42B81159}"/>
-              </a:ext>
-            </a:extLst>
-          </p:cNvPr>
+          <p:cNvPr id="3" name="Text Placeholder 2"/>
           <p:cNvSpPr>
             <a:spLocks noGrp="1"/>
           </p:cNvSpPr>
@@ -1024,16 +1360,16 @@
         </p:nvSpPr>
         <p:spPr>
           <a:xfrm>
-            <a:off x="831850" y="4589463"/>
-            <a:ext cx="10515600" cy="1500187"/>
+            <a:off x="3467102" y="13952225"/>
+            <a:ext cx="37307520" cy="7200898"/>
           </a:xfrm>
         </p:spPr>
         <p:txBody>
-          <a:bodyPr/>
+          <a:bodyPr anchor="b"/>
           <a:lstStyle>
             <a:lvl1pPr marL="0" indent="0">
               <a:buNone/>
-              <a:defRPr sz="2400">
+              <a:defRPr sz="9600">
                 <a:solidFill>
                   <a:schemeClr val="tx1">
                     <a:tint val="75000"/>
@@ -1041,9 +1377,9 @@
                 </a:solidFill>
               </a:defRPr>
             </a:lvl1pPr>
-            <a:lvl2pPr marL="457200" indent="0">
+            <a:lvl2pPr marL="2194560" indent="0">
               <a:buNone/>
-              <a:defRPr sz="2000">
+              <a:defRPr sz="8640">
                 <a:solidFill>
                   <a:schemeClr val="tx1">
                     <a:tint val="75000"/>
@@ -1051,9 +1387,9 @@
                 </a:solidFill>
               </a:defRPr>
             </a:lvl2pPr>
-            <a:lvl3pPr marL="914400" indent="0">
+            <a:lvl3pPr marL="4389120" indent="0">
               <a:buNone/>
-              <a:defRPr sz="1800">
+              <a:defRPr sz="7680">
                 <a:solidFill>
                   <a:schemeClr val="tx1">
                     <a:tint val="75000"/>
@@ -1061,9 +1397,9 @@
                 </a:solidFill>
               </a:defRPr>
             </a:lvl3pPr>
-            <a:lvl4pPr marL="1371600" indent="0">
+            <a:lvl4pPr marL="6583680" indent="0">
               <a:buNone/>
-              <a:defRPr sz="1600">
+              <a:defRPr sz="6720">
                 <a:solidFill>
                   <a:schemeClr val="tx1">
                     <a:tint val="75000"/>
@@ -1071,9 +1407,9 @@
                 </a:solidFill>
               </a:defRPr>
             </a:lvl4pPr>
-            <a:lvl5pPr marL="1828800" indent="0">
+            <a:lvl5pPr marL="8778240" indent="0">
               <a:buNone/>
-              <a:defRPr sz="1600">
+              <a:defRPr sz="6720">
                 <a:solidFill>
                   <a:schemeClr val="tx1">
                     <a:tint val="75000"/>
@@ -1081,9 +1417,9 @@
                 </a:solidFill>
               </a:defRPr>
             </a:lvl5pPr>
-            <a:lvl6pPr marL="2286000" indent="0">
+            <a:lvl6pPr marL="10972800" indent="0">
               <a:buNone/>
-              <a:defRPr sz="1600">
+              <a:defRPr sz="6720">
                 <a:solidFill>
                   <a:schemeClr val="tx1">
                     <a:tint val="75000"/>
@@ -1091,9 +1427,9 @@
                 </a:solidFill>
               </a:defRPr>
             </a:lvl6pPr>
-            <a:lvl7pPr marL="2743200" indent="0">
+            <a:lvl7pPr marL="13167360" indent="0">
               <a:buNone/>
-              <a:defRPr sz="1600">
+              <a:defRPr sz="6720">
                 <a:solidFill>
                   <a:schemeClr val="tx1">
                     <a:tint val="75000"/>
@@ -1101,9 +1437,9 @@
                 </a:solidFill>
               </a:defRPr>
             </a:lvl7pPr>
-            <a:lvl8pPr marL="3200400" indent="0">
+            <a:lvl8pPr marL="15361920" indent="0">
               <a:buNone/>
-              <a:defRPr sz="1600">
+              <a:defRPr sz="6720">
                 <a:solidFill>
                   <a:schemeClr val="tx1">
                     <a:tint val="75000"/>
@@ -1111,9 +1447,9 @@
                 </a:solidFill>
               </a:defRPr>
             </a:lvl8pPr>
-            <a:lvl9pPr marL="3657600" indent="0">
+            <a:lvl9pPr marL="17556480" indent="0">
               <a:buNone/>
-              <a:defRPr sz="1600">
+              <a:defRPr sz="6720">
                 <a:solidFill>
                   <a:schemeClr val="tx1">
                     <a:tint val="75000"/>
@@ -1133,13 +1469,7 @@
       </p:sp>
       <p:sp>
         <p:nvSpPr>
-          <p:cNvPr id="4" name="Date Placeholder 3">
-            <a:extLst>
-              <a:ext uri="{FF2B5EF4-FFF2-40B4-BE49-F238E27FC236}">
-                <a16:creationId xmlns:a16="http://schemas.microsoft.com/office/drawing/2014/main" id="{DA3098CB-7FBC-4356-805B-E355A4991231}"/>
-              </a:ext>
-            </a:extLst>
-          </p:cNvPr>
+          <p:cNvPr id="4" name="Date Placeholder 3"/>
           <p:cNvSpPr>
             <a:spLocks noGrp="1"/>
           </p:cNvSpPr>
@@ -1152,9 +1482,9 @@
           <a:bodyPr/>
           <a:lstStyle/>
           <a:p>
-            <a:fld id="{CBB000B3-169B-4839-8A9A-95F6F690B480}" type="datetimeFigureOut">
+            <a:fld id="{8102BAB4-8B8D-41DD-85C7-81A0CA962007}" type="datetimeFigureOut">
               <a:rPr lang="en-US" smtClean="0"/>
-              <a:t>4/17/2022</a:t>
+              <a:t>4/23/2022</a:t>
             </a:fld>
             <a:endParaRPr lang="en-US"/>
           </a:p>
@@ -1162,13 +1492,7 @@
       </p:sp>
       <p:sp>
         <p:nvSpPr>
-          <p:cNvPr id="5" name="Footer Placeholder 4">
-            <a:extLst>
-              <a:ext uri="{FF2B5EF4-FFF2-40B4-BE49-F238E27FC236}">
-                <a16:creationId xmlns:a16="http://schemas.microsoft.com/office/drawing/2014/main" id="{A8BF4EC5-7632-471A-9963-43A61F0F7892}"/>
-              </a:ext>
-            </a:extLst>
-          </p:cNvPr>
+          <p:cNvPr id="5" name="Footer Placeholder 4"/>
           <p:cNvSpPr>
             <a:spLocks noGrp="1"/>
           </p:cNvSpPr>
@@ -1187,13 +1511,7 @@
       </p:sp>
       <p:sp>
         <p:nvSpPr>
-          <p:cNvPr id="6" name="Slide Number Placeholder 5">
-            <a:extLst>
-              <a:ext uri="{FF2B5EF4-FFF2-40B4-BE49-F238E27FC236}">
-                <a16:creationId xmlns:a16="http://schemas.microsoft.com/office/drawing/2014/main" id="{2435AC6C-88BE-4DAB-BCA5-60AFCAFA4B5E}"/>
-              </a:ext>
-            </a:extLst>
-          </p:cNvPr>
+          <p:cNvPr id="6" name="Slide Number Placeholder 5"/>
           <p:cNvSpPr>
             <a:spLocks noGrp="1"/>
           </p:cNvSpPr>
@@ -1206,7 +1524,7 @@
           <a:bodyPr/>
           <a:lstStyle/>
           <a:p>
-            <a:fld id="{9AD6C136-A7CA-403A-9610-0358C3A7E2AE}" type="slidenum">
+            <a:fld id="{B044824F-EBE0-443F-8A8F-F64816AF04DC}" type="slidenum">
               <a:rPr lang="en-US" smtClean="0"/>
               <a:t>‹#›</a:t>
             </a:fld>
@@ -1215,11 +1533,6 @@
         </p:txBody>
       </p:sp>
     </p:spTree>
-    <p:extLst>
-      <p:ext uri="{BB962C8B-B14F-4D97-AF65-F5344CB8AC3E}">
-        <p14:creationId xmlns:p14="http://schemas.microsoft.com/office/powerpoint/2010/main" val="3105426216"/>
-      </p:ext>
-    </p:extLst>
   </p:cSld>
   <p:clrMapOvr>
     <a:masterClrMapping/>
@@ -1246,13 +1559,7 @@
       </p:grpSpPr>
       <p:sp>
         <p:nvSpPr>
-          <p:cNvPr id="2" name="Title 1">
-            <a:extLst>
-              <a:ext uri="{FF2B5EF4-FFF2-40B4-BE49-F238E27FC236}">
-                <a16:creationId xmlns:a16="http://schemas.microsoft.com/office/drawing/2014/main" id="{A55E502C-A362-4B25-8F57-2D6D088FF6A4}"/>
-              </a:ext>
-            </a:extLst>
-          </p:cNvPr>
+          <p:cNvPr id="2" name="Title 1"/>
           <p:cNvSpPr>
             <a:spLocks noGrp="1"/>
           </p:cNvSpPr>
@@ -1274,13 +1581,7 @@
       </p:sp>
       <p:sp>
         <p:nvSpPr>
-          <p:cNvPr id="3" name="Content Placeholder 2">
-            <a:extLst>
-              <a:ext uri="{FF2B5EF4-FFF2-40B4-BE49-F238E27FC236}">
-                <a16:creationId xmlns:a16="http://schemas.microsoft.com/office/drawing/2014/main" id="{E8687234-183C-44B5-B6F5-3327E9EAF80B}"/>
-              </a:ext>
-            </a:extLst>
-          </p:cNvPr>
+          <p:cNvPr id="3" name="Content Placeholder 2"/>
           <p:cNvSpPr>
             <a:spLocks noGrp="1"/>
           </p:cNvSpPr>
@@ -1290,13 +1591,41 @@
         </p:nvSpPr>
         <p:spPr>
           <a:xfrm>
-            <a:off x="838200" y="1825625"/>
-            <a:ext cx="5181600" cy="4351338"/>
+            <a:off x="2194560" y="7680963"/>
+            <a:ext cx="19385280" cy="21724622"/>
           </a:xfrm>
         </p:spPr>
         <p:txBody>
           <a:bodyPr/>
-          <a:lstStyle/>
+          <a:lstStyle>
+            <a:lvl1pPr>
+              <a:defRPr sz="13440"/>
+            </a:lvl1pPr>
+            <a:lvl2pPr>
+              <a:defRPr sz="11520"/>
+            </a:lvl2pPr>
+            <a:lvl3pPr>
+              <a:defRPr sz="9600"/>
+            </a:lvl3pPr>
+            <a:lvl4pPr>
+              <a:defRPr sz="8640"/>
+            </a:lvl4pPr>
+            <a:lvl5pPr>
+              <a:defRPr sz="8640"/>
+            </a:lvl5pPr>
+            <a:lvl6pPr>
+              <a:defRPr sz="8640"/>
+            </a:lvl6pPr>
+            <a:lvl7pPr>
+              <a:defRPr sz="8640"/>
+            </a:lvl7pPr>
+            <a:lvl8pPr>
+              <a:defRPr sz="8640"/>
+            </a:lvl8pPr>
+            <a:lvl9pPr>
+              <a:defRPr sz="8640"/>
+            </a:lvl9pPr>
+          </a:lstStyle>
           <a:p>
             <a:pPr lvl="0"/>
             <a:r>
@@ -1336,13 +1665,7 @@
       </p:sp>
       <p:sp>
         <p:nvSpPr>
-          <p:cNvPr id="4" name="Content Placeholder 3">
-            <a:extLst>
-              <a:ext uri="{FF2B5EF4-FFF2-40B4-BE49-F238E27FC236}">
-                <a16:creationId xmlns:a16="http://schemas.microsoft.com/office/drawing/2014/main" id="{F66BD99C-CF35-4E2F-9CE9-4FF80BD17BBF}"/>
-              </a:ext>
-            </a:extLst>
-          </p:cNvPr>
+          <p:cNvPr id="4" name="Content Placeholder 3"/>
           <p:cNvSpPr>
             <a:spLocks noGrp="1"/>
           </p:cNvSpPr>
@@ -1352,13 +1675,41 @@
         </p:nvSpPr>
         <p:spPr>
           <a:xfrm>
-            <a:off x="6172200" y="1825625"/>
-            <a:ext cx="5181600" cy="4351338"/>
+            <a:off x="22311360" y="7680963"/>
+            <a:ext cx="19385280" cy="21724622"/>
           </a:xfrm>
         </p:spPr>
         <p:txBody>
           <a:bodyPr/>
-          <a:lstStyle/>
+          <a:lstStyle>
+            <a:lvl1pPr>
+              <a:defRPr sz="13440"/>
+            </a:lvl1pPr>
+            <a:lvl2pPr>
+              <a:defRPr sz="11520"/>
+            </a:lvl2pPr>
+            <a:lvl3pPr>
+              <a:defRPr sz="9600"/>
+            </a:lvl3pPr>
+            <a:lvl4pPr>
+              <a:defRPr sz="8640"/>
+            </a:lvl4pPr>
+            <a:lvl5pPr>
+              <a:defRPr sz="8640"/>
+            </a:lvl5pPr>
+            <a:lvl6pPr>
+              <a:defRPr sz="8640"/>
+            </a:lvl6pPr>
+            <a:lvl7pPr>
+              <a:defRPr sz="8640"/>
+            </a:lvl7pPr>
+            <a:lvl8pPr>
+              <a:defRPr sz="8640"/>
+            </a:lvl8pPr>
+            <a:lvl9pPr>
+              <a:defRPr sz="8640"/>
+            </a:lvl9pPr>
+          </a:lstStyle>
           <a:p>
             <a:pPr lvl="0"/>
             <a:r>
@@ -1398,13 +1749,7 @@
       </p:sp>
       <p:sp>
         <p:nvSpPr>
-          <p:cNvPr id="5" name="Date Placeholder 4">
-            <a:extLst>
-              <a:ext uri="{FF2B5EF4-FFF2-40B4-BE49-F238E27FC236}">
-                <a16:creationId xmlns:a16="http://schemas.microsoft.com/office/drawing/2014/main" id="{4880B549-B18D-44B5-8648-1E9057D1B3A5}"/>
-              </a:ext>
-            </a:extLst>
-          </p:cNvPr>
+          <p:cNvPr id="5" name="Date Placeholder 4"/>
           <p:cNvSpPr>
             <a:spLocks noGrp="1"/>
           </p:cNvSpPr>
@@ -1417,9 +1762,9 @@
           <a:bodyPr/>
           <a:lstStyle/>
           <a:p>
-            <a:fld id="{CBB000B3-169B-4839-8A9A-95F6F690B480}" type="datetimeFigureOut">
+            <a:fld id="{8102BAB4-8B8D-41DD-85C7-81A0CA962007}" type="datetimeFigureOut">
               <a:rPr lang="en-US" smtClean="0"/>
-              <a:t>4/17/2022</a:t>
+              <a:t>4/23/2022</a:t>
             </a:fld>
             <a:endParaRPr lang="en-US"/>
           </a:p>
@@ -1427,13 +1772,7 @@
       </p:sp>
       <p:sp>
         <p:nvSpPr>
-          <p:cNvPr id="6" name="Footer Placeholder 5">
-            <a:extLst>
-              <a:ext uri="{FF2B5EF4-FFF2-40B4-BE49-F238E27FC236}">
-                <a16:creationId xmlns:a16="http://schemas.microsoft.com/office/drawing/2014/main" id="{FF59751B-9B7F-498E-8008-A637CE24D547}"/>
-              </a:ext>
-            </a:extLst>
-          </p:cNvPr>
+          <p:cNvPr id="6" name="Footer Placeholder 5"/>
           <p:cNvSpPr>
             <a:spLocks noGrp="1"/>
           </p:cNvSpPr>
@@ -1452,13 +1791,7 @@
       </p:sp>
       <p:sp>
         <p:nvSpPr>
-          <p:cNvPr id="7" name="Slide Number Placeholder 6">
-            <a:extLst>
-              <a:ext uri="{FF2B5EF4-FFF2-40B4-BE49-F238E27FC236}">
-                <a16:creationId xmlns:a16="http://schemas.microsoft.com/office/drawing/2014/main" id="{BE9316A6-4371-4A85-A5B3-1B25F9CADE10}"/>
-              </a:ext>
-            </a:extLst>
-          </p:cNvPr>
+          <p:cNvPr id="7" name="Slide Number Placeholder 6"/>
           <p:cNvSpPr>
             <a:spLocks noGrp="1"/>
           </p:cNvSpPr>
@@ -1471,7 +1804,7 @@
           <a:bodyPr/>
           <a:lstStyle/>
           <a:p>
-            <a:fld id="{9AD6C136-A7CA-403A-9610-0358C3A7E2AE}" type="slidenum">
+            <a:fld id="{B044824F-EBE0-443F-8A8F-F64816AF04DC}" type="slidenum">
               <a:rPr lang="en-US" smtClean="0"/>
               <a:t>‹#›</a:t>
             </a:fld>
@@ -1480,11 +1813,6 @@
         </p:txBody>
       </p:sp>
     </p:spTree>
-    <p:extLst>
-      <p:ext uri="{BB962C8B-B14F-4D97-AF65-F5344CB8AC3E}">
-        <p14:creationId xmlns:p14="http://schemas.microsoft.com/office/powerpoint/2010/main" val="1461897780"/>
-      </p:ext>
-    </p:extLst>
   </p:cSld>
   <p:clrMapOvr>
     <a:masterClrMapping/>
@@ -1511,57 +1839,44 @@
       </p:grpSpPr>
       <p:sp>
         <p:nvSpPr>
-          <p:cNvPr id="2" name="Title 1">
-            <a:extLst>
-              <a:ext uri="{FF2B5EF4-FFF2-40B4-BE49-F238E27FC236}">
-                <a16:creationId xmlns:a16="http://schemas.microsoft.com/office/drawing/2014/main" id="{9A27DD74-F015-4F00-8A4A-F5A008CA4ED3}"/>
-              </a:ext>
-            </a:extLst>
-          </p:cNvPr>
+          <p:cNvPr id="2" name="Title 1"/>
           <p:cNvSpPr>
             <a:spLocks noGrp="1"/>
           </p:cNvSpPr>
           <p:nvPr>
             <p:ph type="title"/>
+          </p:nvPr>
+        </p:nvSpPr>
+        <p:spPr/>
+        <p:txBody>
+          <a:bodyPr/>
+          <a:lstStyle>
+            <a:lvl1pPr>
+              <a:defRPr/>
+            </a:lvl1pPr>
+          </a:lstStyle>
+          <a:p>
+            <a:r>
+              <a:rPr lang="en-US"/>
+              <a:t>Click to edit Master title style</a:t>
+            </a:r>
+          </a:p>
+        </p:txBody>
+      </p:sp>
+      <p:sp>
+        <p:nvSpPr>
+          <p:cNvPr id="3" name="Text Placeholder 2"/>
+          <p:cNvSpPr>
+            <a:spLocks noGrp="1"/>
+          </p:cNvSpPr>
+          <p:nvPr>
+            <p:ph type="body" idx="1"/>
           </p:nvPr>
         </p:nvSpPr>
         <p:spPr>
           <a:xfrm>
-            <a:off x="839788" y="365125"/>
-            <a:ext cx="10515600" cy="1325563"/>
-          </a:xfrm>
-        </p:spPr>
-        <p:txBody>
-          <a:bodyPr/>
-          <a:lstStyle/>
-          <a:p>
-            <a:r>
-              <a:rPr lang="en-US"/>
-              <a:t>Click to edit Master title style</a:t>
-            </a:r>
-          </a:p>
-        </p:txBody>
-      </p:sp>
-      <p:sp>
-        <p:nvSpPr>
-          <p:cNvPr id="3" name="Text Placeholder 2">
-            <a:extLst>
-              <a:ext uri="{FF2B5EF4-FFF2-40B4-BE49-F238E27FC236}">
-                <a16:creationId xmlns:a16="http://schemas.microsoft.com/office/drawing/2014/main" id="{783ECFF1-EE02-4D45-AB51-7FCCE25506B5}"/>
-              </a:ext>
-            </a:extLst>
-          </p:cNvPr>
-          <p:cNvSpPr>
-            <a:spLocks noGrp="1"/>
-          </p:cNvSpPr>
-          <p:nvPr>
-            <p:ph type="body" idx="1"/>
-          </p:nvPr>
-        </p:nvSpPr>
-        <p:spPr>
-          <a:xfrm>
-            <a:off x="839788" y="1681163"/>
-            <a:ext cx="5157787" cy="823912"/>
+            <a:off x="2194560" y="7368542"/>
+            <a:ext cx="19392902" cy="3070858"/>
           </a:xfrm>
         </p:spPr>
         <p:txBody>
@@ -1569,39 +1884,39 @@
           <a:lstStyle>
             <a:lvl1pPr marL="0" indent="0">
               <a:buNone/>
-              <a:defRPr sz="2400" b="1"/>
+              <a:defRPr sz="11520" b="1"/>
             </a:lvl1pPr>
-            <a:lvl2pPr marL="457200" indent="0">
+            <a:lvl2pPr marL="2194560" indent="0">
               <a:buNone/>
-              <a:defRPr sz="2000" b="1"/>
+              <a:defRPr sz="9600" b="1"/>
             </a:lvl2pPr>
-            <a:lvl3pPr marL="914400" indent="0">
+            <a:lvl3pPr marL="4389120" indent="0">
               <a:buNone/>
-              <a:defRPr sz="1800" b="1"/>
+              <a:defRPr sz="8640" b="1"/>
             </a:lvl3pPr>
-            <a:lvl4pPr marL="1371600" indent="0">
+            <a:lvl4pPr marL="6583680" indent="0">
               <a:buNone/>
-              <a:defRPr sz="1600" b="1"/>
+              <a:defRPr sz="7680" b="1"/>
             </a:lvl4pPr>
-            <a:lvl5pPr marL="1828800" indent="0">
+            <a:lvl5pPr marL="8778240" indent="0">
               <a:buNone/>
-              <a:defRPr sz="1600" b="1"/>
+              <a:defRPr sz="7680" b="1"/>
             </a:lvl5pPr>
-            <a:lvl6pPr marL="2286000" indent="0">
+            <a:lvl6pPr marL="10972800" indent="0">
               <a:buNone/>
-              <a:defRPr sz="1600" b="1"/>
+              <a:defRPr sz="7680" b="1"/>
             </a:lvl6pPr>
-            <a:lvl7pPr marL="2743200" indent="0">
+            <a:lvl7pPr marL="13167360" indent="0">
               <a:buNone/>
-              <a:defRPr sz="1600" b="1"/>
+              <a:defRPr sz="7680" b="1"/>
             </a:lvl7pPr>
-            <a:lvl8pPr marL="3200400" indent="0">
+            <a:lvl8pPr marL="15361920" indent="0">
               <a:buNone/>
-              <a:defRPr sz="1600" b="1"/>
+              <a:defRPr sz="7680" b="1"/>
             </a:lvl8pPr>
-            <a:lvl9pPr marL="3657600" indent="0">
+            <a:lvl9pPr marL="17556480" indent="0">
               <a:buNone/>
-              <a:defRPr sz="1600" b="1"/>
+              <a:defRPr sz="7680" b="1"/>
             </a:lvl9pPr>
           </a:lstStyle>
           <a:p>
@@ -1615,13 +1930,7 @@
       </p:sp>
       <p:sp>
         <p:nvSpPr>
-          <p:cNvPr id="4" name="Content Placeholder 3">
-            <a:extLst>
-              <a:ext uri="{FF2B5EF4-FFF2-40B4-BE49-F238E27FC236}">
-                <a16:creationId xmlns:a16="http://schemas.microsoft.com/office/drawing/2014/main" id="{0E308BF9-56D0-4AA1-8427-A2ABEEEAE4DF}"/>
-              </a:ext>
-            </a:extLst>
-          </p:cNvPr>
+          <p:cNvPr id="4" name="Content Placeholder 3"/>
           <p:cNvSpPr>
             <a:spLocks noGrp="1"/>
           </p:cNvSpPr>
@@ -1631,13 +1940,41 @@
         </p:nvSpPr>
         <p:spPr>
           <a:xfrm>
-            <a:off x="839788" y="2505075"/>
-            <a:ext cx="5157787" cy="3684588"/>
+            <a:off x="2194560" y="10439400"/>
+            <a:ext cx="19392902" cy="18966182"/>
           </a:xfrm>
         </p:spPr>
         <p:txBody>
           <a:bodyPr/>
-          <a:lstStyle/>
+          <a:lstStyle>
+            <a:lvl1pPr>
+              <a:defRPr sz="11520"/>
+            </a:lvl1pPr>
+            <a:lvl2pPr>
+              <a:defRPr sz="9600"/>
+            </a:lvl2pPr>
+            <a:lvl3pPr>
+              <a:defRPr sz="8640"/>
+            </a:lvl3pPr>
+            <a:lvl4pPr>
+              <a:defRPr sz="7680"/>
+            </a:lvl4pPr>
+            <a:lvl5pPr>
+              <a:defRPr sz="7680"/>
+            </a:lvl5pPr>
+            <a:lvl6pPr>
+              <a:defRPr sz="7680"/>
+            </a:lvl6pPr>
+            <a:lvl7pPr>
+              <a:defRPr sz="7680"/>
+            </a:lvl7pPr>
+            <a:lvl8pPr>
+              <a:defRPr sz="7680"/>
+            </a:lvl8pPr>
+            <a:lvl9pPr>
+              <a:defRPr sz="7680"/>
+            </a:lvl9pPr>
+          </a:lstStyle>
           <a:p>
             <a:pPr lvl="0"/>
             <a:r>
@@ -1677,13 +2014,7 @@
       </p:sp>
       <p:sp>
         <p:nvSpPr>
-          <p:cNvPr id="5" name="Text Placeholder 4">
-            <a:extLst>
-              <a:ext uri="{FF2B5EF4-FFF2-40B4-BE49-F238E27FC236}">
-                <a16:creationId xmlns:a16="http://schemas.microsoft.com/office/drawing/2014/main" id="{3D20DD3A-1447-4785-A966-AE0DDB3D50DA}"/>
-              </a:ext>
-            </a:extLst>
-          </p:cNvPr>
+          <p:cNvPr id="5" name="Text Placeholder 4"/>
           <p:cNvSpPr>
             <a:spLocks noGrp="1"/>
           </p:cNvSpPr>
@@ -1693,8 +2024,8 @@
         </p:nvSpPr>
         <p:spPr>
           <a:xfrm>
-            <a:off x="6172200" y="1681163"/>
-            <a:ext cx="5183188" cy="823912"/>
+            <a:off x="22296122" y="7368542"/>
+            <a:ext cx="19400520" cy="3070858"/>
           </a:xfrm>
         </p:spPr>
         <p:txBody>
@@ -1702,39 +2033,39 @@
           <a:lstStyle>
             <a:lvl1pPr marL="0" indent="0">
               <a:buNone/>
-              <a:defRPr sz="2400" b="1"/>
+              <a:defRPr sz="11520" b="1"/>
             </a:lvl1pPr>
-            <a:lvl2pPr marL="457200" indent="0">
+            <a:lvl2pPr marL="2194560" indent="0">
               <a:buNone/>
-              <a:defRPr sz="2000" b="1"/>
+              <a:defRPr sz="9600" b="1"/>
             </a:lvl2pPr>
-            <a:lvl3pPr marL="914400" indent="0">
+            <a:lvl3pPr marL="4389120" indent="0">
               <a:buNone/>
-              <a:defRPr sz="1800" b="1"/>
+              <a:defRPr sz="8640" b="1"/>
             </a:lvl3pPr>
-            <a:lvl4pPr marL="1371600" indent="0">
+            <a:lvl4pPr marL="6583680" indent="0">
               <a:buNone/>
-              <a:defRPr sz="1600" b="1"/>
+              <a:defRPr sz="7680" b="1"/>
             </a:lvl4pPr>
-            <a:lvl5pPr marL="1828800" indent="0">
+            <a:lvl5pPr marL="8778240" indent="0">
               <a:buNone/>
-              <a:defRPr sz="1600" b="1"/>
+              <a:defRPr sz="7680" b="1"/>
             </a:lvl5pPr>
-            <a:lvl6pPr marL="2286000" indent="0">
+            <a:lvl6pPr marL="10972800" indent="0">
               <a:buNone/>
-              <a:defRPr sz="1600" b="1"/>
+              <a:defRPr sz="7680" b="1"/>
             </a:lvl6pPr>
-            <a:lvl7pPr marL="2743200" indent="0">
+            <a:lvl7pPr marL="13167360" indent="0">
               <a:buNone/>
-              <a:defRPr sz="1600" b="1"/>
+              <a:defRPr sz="7680" b="1"/>
             </a:lvl7pPr>
-            <a:lvl8pPr marL="3200400" indent="0">
+            <a:lvl8pPr marL="15361920" indent="0">
               <a:buNone/>
-              <a:defRPr sz="1600" b="1"/>
+              <a:defRPr sz="7680" b="1"/>
             </a:lvl8pPr>
-            <a:lvl9pPr marL="3657600" indent="0">
+            <a:lvl9pPr marL="17556480" indent="0">
               <a:buNone/>
-              <a:defRPr sz="1600" b="1"/>
+              <a:defRPr sz="7680" b="1"/>
             </a:lvl9pPr>
           </a:lstStyle>
           <a:p>
@@ -1748,13 +2079,7 @@
       </p:sp>
       <p:sp>
         <p:nvSpPr>
-          <p:cNvPr id="6" name="Content Placeholder 5">
-            <a:extLst>
-              <a:ext uri="{FF2B5EF4-FFF2-40B4-BE49-F238E27FC236}">
-                <a16:creationId xmlns:a16="http://schemas.microsoft.com/office/drawing/2014/main" id="{BA4F2B2E-95F9-4A45-B9A2-01D333004389}"/>
-              </a:ext>
-            </a:extLst>
-          </p:cNvPr>
+          <p:cNvPr id="6" name="Content Placeholder 5"/>
           <p:cNvSpPr>
             <a:spLocks noGrp="1"/>
           </p:cNvSpPr>
@@ -1764,13 +2089,41 @@
         </p:nvSpPr>
         <p:spPr>
           <a:xfrm>
-            <a:off x="6172200" y="2505075"/>
-            <a:ext cx="5183188" cy="3684588"/>
+            <a:off x="22296122" y="10439400"/>
+            <a:ext cx="19400520" cy="18966182"/>
           </a:xfrm>
         </p:spPr>
         <p:txBody>
           <a:bodyPr/>
-          <a:lstStyle/>
+          <a:lstStyle>
+            <a:lvl1pPr>
+              <a:defRPr sz="11520"/>
+            </a:lvl1pPr>
+            <a:lvl2pPr>
+              <a:defRPr sz="9600"/>
+            </a:lvl2pPr>
+            <a:lvl3pPr>
+              <a:defRPr sz="8640"/>
+            </a:lvl3pPr>
+            <a:lvl4pPr>
+              <a:defRPr sz="7680"/>
+            </a:lvl4pPr>
+            <a:lvl5pPr>
+              <a:defRPr sz="7680"/>
+            </a:lvl5pPr>
+            <a:lvl6pPr>
+              <a:defRPr sz="7680"/>
+            </a:lvl6pPr>
+            <a:lvl7pPr>
+              <a:defRPr sz="7680"/>
+            </a:lvl7pPr>
+            <a:lvl8pPr>
+              <a:defRPr sz="7680"/>
+            </a:lvl8pPr>
+            <a:lvl9pPr>
+              <a:defRPr sz="7680"/>
+            </a:lvl9pPr>
+          </a:lstStyle>
           <a:p>
             <a:pPr lvl="0"/>
             <a:r>
@@ -1810,13 +2163,7 @@
       </p:sp>
       <p:sp>
         <p:nvSpPr>
-          <p:cNvPr id="7" name="Date Placeholder 6">
-            <a:extLst>
-              <a:ext uri="{FF2B5EF4-FFF2-40B4-BE49-F238E27FC236}">
-                <a16:creationId xmlns:a16="http://schemas.microsoft.com/office/drawing/2014/main" id="{16C63F2C-06A8-4262-A192-59A01E50D54D}"/>
-              </a:ext>
-            </a:extLst>
-          </p:cNvPr>
+          <p:cNvPr id="7" name="Date Placeholder 6"/>
           <p:cNvSpPr>
             <a:spLocks noGrp="1"/>
           </p:cNvSpPr>
@@ -1829,9 +2176,9 @@
           <a:bodyPr/>
           <a:lstStyle/>
           <a:p>
-            <a:fld id="{CBB000B3-169B-4839-8A9A-95F6F690B480}" type="datetimeFigureOut">
+            <a:fld id="{8102BAB4-8B8D-41DD-85C7-81A0CA962007}" type="datetimeFigureOut">
               <a:rPr lang="en-US" smtClean="0"/>
-              <a:t>4/17/2022</a:t>
+              <a:t>4/23/2022</a:t>
             </a:fld>
             <a:endParaRPr lang="en-US"/>
           </a:p>
@@ -1839,13 +2186,7 @@
       </p:sp>
       <p:sp>
         <p:nvSpPr>
-          <p:cNvPr id="8" name="Footer Placeholder 7">
-            <a:extLst>
-              <a:ext uri="{FF2B5EF4-FFF2-40B4-BE49-F238E27FC236}">
-                <a16:creationId xmlns:a16="http://schemas.microsoft.com/office/drawing/2014/main" id="{B4A5471C-77EF-42E2-AF6D-790E98483A34}"/>
-              </a:ext>
-            </a:extLst>
-          </p:cNvPr>
+          <p:cNvPr id="8" name="Footer Placeholder 7"/>
           <p:cNvSpPr>
             <a:spLocks noGrp="1"/>
           </p:cNvSpPr>
@@ -1864,13 +2205,7 @@
       </p:sp>
       <p:sp>
         <p:nvSpPr>
-          <p:cNvPr id="9" name="Slide Number Placeholder 8">
-            <a:extLst>
-              <a:ext uri="{FF2B5EF4-FFF2-40B4-BE49-F238E27FC236}">
-                <a16:creationId xmlns:a16="http://schemas.microsoft.com/office/drawing/2014/main" id="{10251CAE-9719-47C9-BF43-F17A0FD803FC}"/>
-              </a:ext>
-            </a:extLst>
-          </p:cNvPr>
+          <p:cNvPr id="9" name="Slide Number Placeholder 8"/>
           <p:cNvSpPr>
             <a:spLocks noGrp="1"/>
           </p:cNvSpPr>
@@ -1883,7 +2218,7 @@
           <a:bodyPr/>
           <a:lstStyle/>
           <a:p>
-            <a:fld id="{9AD6C136-A7CA-403A-9610-0358C3A7E2AE}" type="slidenum">
+            <a:fld id="{B044824F-EBE0-443F-8A8F-F64816AF04DC}" type="slidenum">
               <a:rPr lang="en-US" smtClean="0"/>
               <a:t>‹#›</a:t>
             </a:fld>
@@ -1892,11 +2227,6 @@
         </p:txBody>
       </p:sp>
     </p:spTree>
-    <p:extLst>
-      <p:ext uri="{BB962C8B-B14F-4D97-AF65-F5344CB8AC3E}">
-        <p14:creationId xmlns:p14="http://schemas.microsoft.com/office/powerpoint/2010/main" val="365435390"/>
-      </p:ext>
-    </p:extLst>
   </p:cSld>
   <p:clrMapOvr>
     <a:masterClrMapping/>
@@ -1923,13 +2253,7 @@
       </p:grpSpPr>
       <p:sp>
         <p:nvSpPr>
-          <p:cNvPr id="2" name="Title 1">
-            <a:extLst>
-              <a:ext uri="{FF2B5EF4-FFF2-40B4-BE49-F238E27FC236}">
-                <a16:creationId xmlns:a16="http://schemas.microsoft.com/office/drawing/2014/main" id="{73B18C65-D46C-48A0-B8A5-B3EFC41E60A2}"/>
-              </a:ext>
-            </a:extLst>
-          </p:cNvPr>
+          <p:cNvPr id="2" name="Title 1"/>
           <p:cNvSpPr>
             <a:spLocks noGrp="1"/>
           </p:cNvSpPr>
@@ -1951,13 +2275,7 @@
       </p:sp>
       <p:sp>
         <p:nvSpPr>
-          <p:cNvPr id="3" name="Date Placeholder 2">
-            <a:extLst>
-              <a:ext uri="{FF2B5EF4-FFF2-40B4-BE49-F238E27FC236}">
-                <a16:creationId xmlns:a16="http://schemas.microsoft.com/office/drawing/2014/main" id="{536BB8EF-4DF3-4552-8E8B-BF57E06086E9}"/>
-              </a:ext>
-            </a:extLst>
-          </p:cNvPr>
+          <p:cNvPr id="3" name="Date Placeholder 2"/>
           <p:cNvSpPr>
             <a:spLocks noGrp="1"/>
           </p:cNvSpPr>
@@ -1970,9 +2288,9 @@
           <a:bodyPr/>
           <a:lstStyle/>
           <a:p>
-            <a:fld id="{CBB000B3-169B-4839-8A9A-95F6F690B480}" type="datetimeFigureOut">
+            <a:fld id="{8102BAB4-8B8D-41DD-85C7-81A0CA962007}" type="datetimeFigureOut">
               <a:rPr lang="en-US" smtClean="0"/>
-              <a:t>4/17/2022</a:t>
+              <a:t>4/23/2022</a:t>
             </a:fld>
             <a:endParaRPr lang="en-US"/>
           </a:p>
@@ -1980,13 +2298,7 @@
       </p:sp>
       <p:sp>
         <p:nvSpPr>
-          <p:cNvPr id="4" name="Footer Placeholder 3">
-            <a:extLst>
-              <a:ext uri="{FF2B5EF4-FFF2-40B4-BE49-F238E27FC236}">
-                <a16:creationId xmlns:a16="http://schemas.microsoft.com/office/drawing/2014/main" id="{7EE1E1D0-56DF-47FE-A1DD-3C7E96C28A69}"/>
-              </a:ext>
-            </a:extLst>
-          </p:cNvPr>
+          <p:cNvPr id="4" name="Footer Placeholder 3"/>
           <p:cNvSpPr>
             <a:spLocks noGrp="1"/>
           </p:cNvSpPr>
@@ -2005,13 +2317,7 @@
       </p:sp>
       <p:sp>
         <p:nvSpPr>
-          <p:cNvPr id="5" name="Slide Number Placeholder 4">
-            <a:extLst>
-              <a:ext uri="{FF2B5EF4-FFF2-40B4-BE49-F238E27FC236}">
-                <a16:creationId xmlns:a16="http://schemas.microsoft.com/office/drawing/2014/main" id="{29267472-D748-4A30-B635-E1BF7192499B}"/>
-              </a:ext>
-            </a:extLst>
-          </p:cNvPr>
+          <p:cNvPr id="5" name="Slide Number Placeholder 4"/>
           <p:cNvSpPr>
             <a:spLocks noGrp="1"/>
           </p:cNvSpPr>
@@ -2024,7 +2330,7 @@
           <a:bodyPr/>
           <a:lstStyle/>
           <a:p>
-            <a:fld id="{9AD6C136-A7CA-403A-9610-0358C3A7E2AE}" type="slidenum">
+            <a:fld id="{B044824F-EBE0-443F-8A8F-F64816AF04DC}" type="slidenum">
               <a:rPr lang="en-US" smtClean="0"/>
               <a:t>‹#›</a:t>
             </a:fld>
@@ -2033,11 +2339,6 @@
         </p:txBody>
       </p:sp>
     </p:spTree>
-    <p:extLst>
-      <p:ext uri="{BB962C8B-B14F-4D97-AF65-F5344CB8AC3E}">
-        <p14:creationId xmlns:p14="http://schemas.microsoft.com/office/powerpoint/2010/main" val="1568300703"/>
-      </p:ext>
-    </p:extLst>
   </p:cSld>
   <p:clrMapOvr>
     <a:masterClrMapping/>
@@ -2064,13 +2365,7 @@
       </p:grpSpPr>
       <p:sp>
         <p:nvSpPr>
-          <p:cNvPr id="2" name="Date Placeholder 1">
-            <a:extLst>
-              <a:ext uri="{FF2B5EF4-FFF2-40B4-BE49-F238E27FC236}">
-                <a16:creationId xmlns:a16="http://schemas.microsoft.com/office/drawing/2014/main" id="{1CEE36DF-25FB-4B0F-A565-C5746964FC11}"/>
-              </a:ext>
-            </a:extLst>
-          </p:cNvPr>
+          <p:cNvPr id="2" name="Date Placeholder 1"/>
           <p:cNvSpPr>
             <a:spLocks noGrp="1"/>
           </p:cNvSpPr>
@@ -2083,9 +2378,9 @@
           <a:bodyPr/>
           <a:lstStyle/>
           <a:p>
-            <a:fld id="{CBB000B3-169B-4839-8A9A-95F6F690B480}" type="datetimeFigureOut">
+            <a:fld id="{8102BAB4-8B8D-41DD-85C7-81A0CA962007}" type="datetimeFigureOut">
               <a:rPr lang="en-US" smtClean="0"/>
-              <a:t>4/17/2022</a:t>
+              <a:t>4/23/2022</a:t>
             </a:fld>
             <a:endParaRPr lang="en-US"/>
           </a:p>
@@ -2093,13 +2388,7 @@
       </p:sp>
       <p:sp>
         <p:nvSpPr>
-          <p:cNvPr id="3" name="Footer Placeholder 2">
-            <a:extLst>
-              <a:ext uri="{FF2B5EF4-FFF2-40B4-BE49-F238E27FC236}">
-                <a16:creationId xmlns:a16="http://schemas.microsoft.com/office/drawing/2014/main" id="{DF3AD8A2-1507-4972-81AC-13CA0618806F}"/>
-              </a:ext>
-            </a:extLst>
-          </p:cNvPr>
+          <p:cNvPr id="3" name="Footer Placeholder 2"/>
           <p:cNvSpPr>
             <a:spLocks noGrp="1"/>
           </p:cNvSpPr>
@@ -2118,13 +2407,7 @@
       </p:sp>
       <p:sp>
         <p:nvSpPr>
-          <p:cNvPr id="4" name="Slide Number Placeholder 3">
-            <a:extLst>
-              <a:ext uri="{FF2B5EF4-FFF2-40B4-BE49-F238E27FC236}">
-                <a16:creationId xmlns:a16="http://schemas.microsoft.com/office/drawing/2014/main" id="{351C9DA3-F504-4A67-AFA8-1D7C9DA7A152}"/>
-              </a:ext>
-            </a:extLst>
-          </p:cNvPr>
+          <p:cNvPr id="4" name="Slide Number Placeholder 3"/>
           <p:cNvSpPr>
             <a:spLocks noGrp="1"/>
           </p:cNvSpPr>
@@ -2137,7 +2420,7 @@
           <a:bodyPr/>
           <a:lstStyle/>
           <a:p>
-            <a:fld id="{9AD6C136-A7CA-403A-9610-0358C3A7E2AE}" type="slidenum">
+            <a:fld id="{B044824F-EBE0-443F-8A8F-F64816AF04DC}" type="slidenum">
               <a:rPr lang="en-US" smtClean="0"/>
               <a:t>‹#›</a:t>
             </a:fld>
@@ -2146,11 +2429,6 @@
         </p:txBody>
       </p:sp>
     </p:spTree>
-    <p:extLst>
-      <p:ext uri="{BB962C8B-B14F-4D97-AF65-F5344CB8AC3E}">
-        <p14:creationId xmlns:p14="http://schemas.microsoft.com/office/powerpoint/2010/main" val="231931944"/>
-      </p:ext>
-    </p:extLst>
   </p:cSld>
   <p:clrMapOvr>
     <a:masterClrMapping/>
@@ -2177,13 +2455,7 @@
       </p:grpSpPr>
       <p:sp>
         <p:nvSpPr>
-          <p:cNvPr id="2" name="Title 1">
-            <a:extLst>
-              <a:ext uri="{FF2B5EF4-FFF2-40B4-BE49-F238E27FC236}">
-                <a16:creationId xmlns:a16="http://schemas.microsoft.com/office/drawing/2014/main" id="{89E1A2A5-4753-4BE2-9180-FF373DA7431F}"/>
-              </a:ext>
-            </a:extLst>
-          </p:cNvPr>
+          <p:cNvPr id="2" name="Title 1"/>
           <p:cNvSpPr>
             <a:spLocks noGrp="1"/>
           </p:cNvSpPr>
@@ -2193,15 +2465,15 @@
         </p:nvSpPr>
         <p:spPr>
           <a:xfrm>
-            <a:off x="839788" y="457200"/>
-            <a:ext cx="3932237" cy="1600200"/>
+            <a:off x="2194563" y="1310640"/>
+            <a:ext cx="14439902" cy="5577840"/>
           </a:xfrm>
         </p:spPr>
         <p:txBody>
           <a:bodyPr anchor="b"/>
           <a:lstStyle>
-            <a:lvl1pPr>
-              <a:defRPr sz="3200"/>
+            <a:lvl1pPr algn="l">
+              <a:defRPr sz="9600" b="1"/>
             </a:lvl1pPr>
           </a:lstStyle>
           <a:p>
@@ -2214,13 +2486,7 @@
       </p:sp>
       <p:sp>
         <p:nvSpPr>
-          <p:cNvPr id="3" name="Content Placeholder 2">
-            <a:extLst>
-              <a:ext uri="{FF2B5EF4-FFF2-40B4-BE49-F238E27FC236}">
-                <a16:creationId xmlns:a16="http://schemas.microsoft.com/office/drawing/2014/main" id="{D31257BC-600B-4D23-A459-376FA7D7A364}"/>
-              </a:ext>
-            </a:extLst>
-          </p:cNvPr>
+          <p:cNvPr id="3" name="Content Placeholder 2"/>
           <p:cNvSpPr>
             <a:spLocks noGrp="1"/>
           </p:cNvSpPr>
@@ -2230,39 +2496,39 @@
         </p:nvSpPr>
         <p:spPr>
           <a:xfrm>
-            <a:off x="5183188" y="987425"/>
-            <a:ext cx="6172200" cy="4873625"/>
+            <a:off x="17160240" y="1310643"/>
+            <a:ext cx="24536400" cy="28094942"/>
           </a:xfrm>
         </p:spPr>
         <p:txBody>
           <a:bodyPr/>
           <a:lstStyle>
             <a:lvl1pPr>
-              <a:defRPr sz="3200"/>
+              <a:defRPr sz="15360"/>
             </a:lvl1pPr>
             <a:lvl2pPr>
-              <a:defRPr sz="2800"/>
+              <a:defRPr sz="13440"/>
             </a:lvl2pPr>
             <a:lvl3pPr>
-              <a:defRPr sz="2400"/>
+              <a:defRPr sz="11520"/>
             </a:lvl3pPr>
             <a:lvl4pPr>
-              <a:defRPr sz="2000"/>
+              <a:defRPr sz="9600"/>
             </a:lvl4pPr>
             <a:lvl5pPr>
-              <a:defRPr sz="2000"/>
+              <a:defRPr sz="9600"/>
             </a:lvl5pPr>
             <a:lvl6pPr>
-              <a:defRPr sz="2000"/>
+              <a:defRPr sz="9600"/>
             </a:lvl6pPr>
             <a:lvl7pPr>
-              <a:defRPr sz="2000"/>
+              <a:defRPr sz="9600"/>
             </a:lvl7pPr>
             <a:lvl8pPr>
-              <a:defRPr sz="2000"/>
+              <a:defRPr sz="9600"/>
             </a:lvl8pPr>
             <a:lvl9pPr>
-              <a:defRPr sz="2000"/>
+              <a:defRPr sz="9600"/>
             </a:lvl9pPr>
           </a:lstStyle>
           <a:p>
@@ -2304,13 +2570,7 @@
       </p:sp>
       <p:sp>
         <p:nvSpPr>
-          <p:cNvPr id="4" name="Text Placeholder 3">
-            <a:extLst>
-              <a:ext uri="{FF2B5EF4-FFF2-40B4-BE49-F238E27FC236}">
-                <a16:creationId xmlns:a16="http://schemas.microsoft.com/office/drawing/2014/main" id="{15C6AF7B-1BF4-4981-BC29-0EB6E3F894EC}"/>
-              </a:ext>
-            </a:extLst>
-          </p:cNvPr>
+          <p:cNvPr id="4" name="Text Placeholder 3"/>
           <p:cNvSpPr>
             <a:spLocks noGrp="1"/>
           </p:cNvSpPr>
@@ -2320,8 +2580,8 @@
         </p:nvSpPr>
         <p:spPr>
           <a:xfrm>
-            <a:off x="839788" y="2057400"/>
-            <a:ext cx="3932237" cy="3811588"/>
+            <a:off x="2194563" y="6888483"/>
+            <a:ext cx="14439902" cy="22517102"/>
           </a:xfrm>
         </p:spPr>
         <p:txBody>
@@ -2329,39 +2589,39 @@
           <a:lstStyle>
             <a:lvl1pPr marL="0" indent="0">
               <a:buNone/>
-              <a:defRPr sz="1600"/>
+              <a:defRPr sz="6720"/>
             </a:lvl1pPr>
-            <a:lvl2pPr marL="457200" indent="0">
+            <a:lvl2pPr marL="2194560" indent="0">
               <a:buNone/>
-              <a:defRPr sz="1400"/>
+              <a:defRPr sz="5760"/>
             </a:lvl2pPr>
-            <a:lvl3pPr marL="914400" indent="0">
+            <a:lvl3pPr marL="4389120" indent="0">
               <a:buNone/>
-              <a:defRPr sz="1200"/>
+              <a:defRPr sz="4800"/>
             </a:lvl3pPr>
-            <a:lvl4pPr marL="1371600" indent="0">
+            <a:lvl4pPr marL="6583680" indent="0">
               <a:buNone/>
-              <a:defRPr sz="1000"/>
+              <a:defRPr sz="4320"/>
             </a:lvl4pPr>
-            <a:lvl5pPr marL="1828800" indent="0">
+            <a:lvl5pPr marL="8778240" indent="0">
               <a:buNone/>
-              <a:defRPr sz="1000"/>
+              <a:defRPr sz="4320"/>
             </a:lvl5pPr>
-            <a:lvl6pPr marL="2286000" indent="0">
+            <a:lvl6pPr marL="10972800" indent="0">
               <a:buNone/>
-              <a:defRPr sz="1000"/>
+              <a:defRPr sz="4320"/>
             </a:lvl6pPr>
-            <a:lvl7pPr marL="2743200" indent="0">
+            <a:lvl7pPr marL="13167360" indent="0">
               <a:buNone/>
-              <a:defRPr sz="1000"/>
+              <a:defRPr sz="4320"/>
             </a:lvl7pPr>
-            <a:lvl8pPr marL="3200400" indent="0">
+            <a:lvl8pPr marL="15361920" indent="0">
               <a:buNone/>
-              <a:defRPr sz="1000"/>
+              <a:defRPr sz="4320"/>
             </a:lvl8pPr>
-            <a:lvl9pPr marL="3657600" indent="0">
+            <a:lvl9pPr marL="17556480" indent="0">
               <a:buNone/>
-              <a:defRPr sz="1000"/>
+              <a:defRPr sz="4320"/>
             </a:lvl9pPr>
           </a:lstStyle>
           <a:p>
@@ -2375,13 +2635,7 @@
       </p:sp>
       <p:sp>
         <p:nvSpPr>
-          <p:cNvPr id="5" name="Date Placeholder 4">
-            <a:extLst>
-              <a:ext uri="{FF2B5EF4-FFF2-40B4-BE49-F238E27FC236}">
-                <a16:creationId xmlns:a16="http://schemas.microsoft.com/office/drawing/2014/main" id="{DB525AA1-F8B3-4F01-8529-2D873F590605}"/>
-              </a:ext>
-            </a:extLst>
-          </p:cNvPr>
+          <p:cNvPr id="5" name="Date Placeholder 4"/>
           <p:cNvSpPr>
             <a:spLocks noGrp="1"/>
           </p:cNvSpPr>
@@ -2394,9 +2648,9 @@
           <a:bodyPr/>
           <a:lstStyle/>
           <a:p>
-            <a:fld id="{CBB000B3-169B-4839-8A9A-95F6F690B480}" type="datetimeFigureOut">
+            <a:fld id="{8102BAB4-8B8D-41DD-85C7-81A0CA962007}" type="datetimeFigureOut">
               <a:rPr lang="en-US" smtClean="0"/>
-              <a:t>4/17/2022</a:t>
+              <a:t>4/23/2022</a:t>
             </a:fld>
             <a:endParaRPr lang="en-US"/>
           </a:p>
@@ -2404,13 +2658,7 @@
       </p:sp>
       <p:sp>
         <p:nvSpPr>
-          <p:cNvPr id="6" name="Footer Placeholder 5">
-            <a:extLst>
-              <a:ext uri="{FF2B5EF4-FFF2-40B4-BE49-F238E27FC236}">
-                <a16:creationId xmlns:a16="http://schemas.microsoft.com/office/drawing/2014/main" id="{86551B10-292C-4466-B3B9-415AC5403B58}"/>
-              </a:ext>
-            </a:extLst>
-          </p:cNvPr>
+          <p:cNvPr id="6" name="Footer Placeholder 5"/>
           <p:cNvSpPr>
             <a:spLocks noGrp="1"/>
           </p:cNvSpPr>
@@ -2429,13 +2677,7 @@
       </p:sp>
       <p:sp>
         <p:nvSpPr>
-          <p:cNvPr id="7" name="Slide Number Placeholder 6">
-            <a:extLst>
-              <a:ext uri="{FF2B5EF4-FFF2-40B4-BE49-F238E27FC236}">
-                <a16:creationId xmlns:a16="http://schemas.microsoft.com/office/drawing/2014/main" id="{7D811831-9333-4286-855C-5B9122B7555F}"/>
-              </a:ext>
-            </a:extLst>
-          </p:cNvPr>
+          <p:cNvPr id="7" name="Slide Number Placeholder 6"/>
           <p:cNvSpPr>
             <a:spLocks noGrp="1"/>
           </p:cNvSpPr>
@@ -2448,7 +2690,7 @@
           <a:bodyPr/>
           <a:lstStyle/>
           <a:p>
-            <a:fld id="{9AD6C136-A7CA-403A-9610-0358C3A7E2AE}" type="slidenum">
+            <a:fld id="{B044824F-EBE0-443F-8A8F-F64816AF04DC}" type="slidenum">
               <a:rPr lang="en-US" smtClean="0"/>
               <a:t>‹#›</a:t>
             </a:fld>
@@ -2457,11 +2699,6 @@
         </p:txBody>
       </p:sp>
     </p:spTree>
-    <p:extLst>
-      <p:ext uri="{BB962C8B-B14F-4D97-AF65-F5344CB8AC3E}">
-        <p14:creationId xmlns:p14="http://schemas.microsoft.com/office/powerpoint/2010/main" val="1915046593"/>
-      </p:ext>
-    </p:extLst>
   </p:cSld>
   <p:clrMapOvr>
     <a:masterClrMapping/>
@@ -2488,13 +2725,7 @@
       </p:grpSpPr>
       <p:sp>
         <p:nvSpPr>
-          <p:cNvPr id="2" name="Title 1">
-            <a:extLst>
-              <a:ext uri="{FF2B5EF4-FFF2-40B4-BE49-F238E27FC236}">
-                <a16:creationId xmlns:a16="http://schemas.microsoft.com/office/drawing/2014/main" id="{2A55D43A-8E75-4752-A8EE-4719CAF917C4}"/>
-              </a:ext>
-            </a:extLst>
-          </p:cNvPr>
+          <p:cNvPr id="2" name="Title 1"/>
           <p:cNvSpPr>
             <a:spLocks noGrp="1"/>
           </p:cNvSpPr>
@@ -2504,15 +2735,15 @@
         </p:nvSpPr>
         <p:spPr>
           <a:xfrm>
-            <a:off x="839788" y="457200"/>
-            <a:ext cx="3932237" cy="1600200"/>
+            <a:off x="8602982" y="23042880"/>
+            <a:ext cx="26334720" cy="2720342"/>
           </a:xfrm>
         </p:spPr>
         <p:txBody>
           <a:bodyPr anchor="b"/>
           <a:lstStyle>
-            <a:lvl1pPr>
-              <a:defRPr sz="3200"/>
+            <a:lvl1pPr algn="l">
+              <a:defRPr sz="9600" b="1"/>
             </a:lvl1pPr>
           </a:lstStyle>
           <a:p>
@@ -2525,13 +2756,7 @@
       </p:sp>
       <p:sp>
         <p:nvSpPr>
-          <p:cNvPr id="3" name="Picture Placeholder 2">
-            <a:extLst>
-              <a:ext uri="{FF2B5EF4-FFF2-40B4-BE49-F238E27FC236}">
-                <a16:creationId xmlns:a16="http://schemas.microsoft.com/office/drawing/2014/main" id="{857C0B43-30D4-4F74-8AF2-108DEE50D8F8}"/>
-              </a:ext>
-            </a:extLst>
-          </p:cNvPr>
+          <p:cNvPr id="3" name="Picture Placeholder 2"/>
           <p:cNvSpPr>
             <a:spLocks noGrp="1"/>
           </p:cNvSpPr>
@@ -2541,8 +2766,8 @@
         </p:nvSpPr>
         <p:spPr>
           <a:xfrm>
-            <a:off x="5183188" y="987425"/>
-            <a:ext cx="6172200" cy="4873625"/>
+            <a:off x="8602982" y="2941320"/>
+            <a:ext cx="26334720" cy="19751040"/>
           </a:xfrm>
         </p:spPr>
         <p:txBody>
@@ -2550,39 +2775,39 @@
           <a:lstStyle>
             <a:lvl1pPr marL="0" indent="0">
               <a:buNone/>
-              <a:defRPr sz="3200"/>
+              <a:defRPr sz="15360"/>
             </a:lvl1pPr>
-            <a:lvl2pPr marL="457200" indent="0">
+            <a:lvl2pPr marL="2194560" indent="0">
               <a:buNone/>
-              <a:defRPr sz="2800"/>
+              <a:defRPr sz="13440"/>
             </a:lvl2pPr>
-            <a:lvl3pPr marL="914400" indent="0">
+            <a:lvl3pPr marL="4389120" indent="0">
               <a:buNone/>
-              <a:defRPr sz="2400"/>
+              <a:defRPr sz="11520"/>
             </a:lvl3pPr>
-            <a:lvl4pPr marL="1371600" indent="0">
+            <a:lvl4pPr marL="6583680" indent="0">
               <a:buNone/>
-              <a:defRPr sz="2000"/>
+              <a:defRPr sz="9600"/>
             </a:lvl4pPr>
-            <a:lvl5pPr marL="1828800" indent="0">
+            <a:lvl5pPr marL="8778240" indent="0">
               <a:buNone/>
-              <a:defRPr sz="2000"/>
+              <a:defRPr sz="9600"/>
             </a:lvl5pPr>
-            <a:lvl6pPr marL="2286000" indent="0">
+            <a:lvl6pPr marL="10972800" indent="0">
               <a:buNone/>
-              <a:defRPr sz="2000"/>
+              <a:defRPr sz="9600"/>
             </a:lvl6pPr>
-            <a:lvl7pPr marL="2743200" indent="0">
+            <a:lvl7pPr marL="13167360" indent="0">
               <a:buNone/>
-              <a:defRPr sz="2000"/>
+              <a:defRPr sz="9600"/>
             </a:lvl7pPr>
-            <a:lvl8pPr marL="3200400" indent="0">
+            <a:lvl8pPr marL="15361920" indent="0">
               <a:buNone/>
-              <a:defRPr sz="2000"/>
+              <a:defRPr sz="9600"/>
             </a:lvl8pPr>
-            <a:lvl9pPr marL="3657600" indent="0">
+            <a:lvl9pPr marL="17556480" indent="0">
               <a:buNone/>
-              <a:defRPr sz="2000"/>
+              <a:defRPr sz="9600"/>
             </a:lvl9pPr>
           </a:lstStyle>
           <a:p>
@@ -2592,13 +2817,7 @@
       </p:sp>
       <p:sp>
         <p:nvSpPr>
-          <p:cNvPr id="4" name="Text Placeholder 3">
-            <a:extLst>
-              <a:ext uri="{FF2B5EF4-FFF2-40B4-BE49-F238E27FC236}">
-                <a16:creationId xmlns:a16="http://schemas.microsoft.com/office/drawing/2014/main" id="{401FDBF7-71CD-4E9E-BC1D-0FA03A5C97FE}"/>
-              </a:ext>
-            </a:extLst>
-          </p:cNvPr>
+          <p:cNvPr id="4" name="Text Placeholder 3"/>
           <p:cNvSpPr>
             <a:spLocks noGrp="1"/>
           </p:cNvSpPr>
@@ -2608,8 +2827,8 @@
         </p:nvSpPr>
         <p:spPr>
           <a:xfrm>
-            <a:off x="839788" y="2057400"/>
-            <a:ext cx="3932237" cy="3811588"/>
+            <a:off x="8602982" y="25763222"/>
+            <a:ext cx="26334720" cy="3863338"/>
           </a:xfrm>
         </p:spPr>
         <p:txBody>
@@ -2617,39 +2836,39 @@
           <a:lstStyle>
             <a:lvl1pPr marL="0" indent="0">
               <a:buNone/>
-              <a:defRPr sz="1600"/>
+              <a:defRPr sz="6720"/>
             </a:lvl1pPr>
-            <a:lvl2pPr marL="457200" indent="0">
+            <a:lvl2pPr marL="2194560" indent="0">
               <a:buNone/>
-              <a:defRPr sz="1400"/>
+              <a:defRPr sz="5760"/>
             </a:lvl2pPr>
-            <a:lvl3pPr marL="914400" indent="0">
+            <a:lvl3pPr marL="4389120" indent="0">
               <a:buNone/>
-              <a:defRPr sz="1200"/>
+              <a:defRPr sz="4800"/>
             </a:lvl3pPr>
-            <a:lvl4pPr marL="1371600" indent="0">
+            <a:lvl4pPr marL="6583680" indent="0">
               <a:buNone/>
-              <a:defRPr sz="1000"/>
+              <a:defRPr sz="4320"/>
             </a:lvl4pPr>
-            <a:lvl5pPr marL="1828800" indent="0">
+            <a:lvl5pPr marL="8778240" indent="0">
               <a:buNone/>
-              <a:defRPr sz="1000"/>
+              <a:defRPr sz="4320"/>
             </a:lvl5pPr>
-            <a:lvl6pPr marL="2286000" indent="0">
+            <a:lvl6pPr marL="10972800" indent="0">
               <a:buNone/>
-              <a:defRPr sz="1000"/>
+              <a:defRPr sz="4320"/>
             </a:lvl6pPr>
-            <a:lvl7pPr marL="2743200" indent="0">
+            <a:lvl7pPr marL="13167360" indent="0">
               <a:buNone/>
-              <a:defRPr sz="1000"/>
+              <a:defRPr sz="4320"/>
             </a:lvl7pPr>
-            <a:lvl8pPr marL="3200400" indent="0">
+            <a:lvl8pPr marL="15361920" indent="0">
               <a:buNone/>
-              <a:defRPr sz="1000"/>
+              <a:defRPr sz="4320"/>
             </a:lvl8pPr>
-            <a:lvl9pPr marL="3657600" indent="0">
+            <a:lvl9pPr marL="17556480" indent="0">
               <a:buNone/>
-              <a:defRPr sz="1000"/>
+              <a:defRPr sz="4320"/>
             </a:lvl9pPr>
           </a:lstStyle>
           <a:p>
@@ -2663,13 +2882,7 @@
       </p:sp>
       <p:sp>
         <p:nvSpPr>
-          <p:cNvPr id="5" name="Date Placeholder 4">
-            <a:extLst>
-              <a:ext uri="{FF2B5EF4-FFF2-40B4-BE49-F238E27FC236}">
-                <a16:creationId xmlns:a16="http://schemas.microsoft.com/office/drawing/2014/main" id="{D879AFD9-BDBE-443F-B4C0-C198D863977C}"/>
-              </a:ext>
-            </a:extLst>
-          </p:cNvPr>
+          <p:cNvPr id="5" name="Date Placeholder 4"/>
           <p:cNvSpPr>
             <a:spLocks noGrp="1"/>
           </p:cNvSpPr>
@@ -2682,9 +2895,9 @@
           <a:bodyPr/>
           <a:lstStyle/>
           <a:p>
-            <a:fld id="{CBB000B3-169B-4839-8A9A-95F6F690B480}" type="datetimeFigureOut">
+            <a:fld id="{8102BAB4-8B8D-41DD-85C7-81A0CA962007}" type="datetimeFigureOut">
               <a:rPr lang="en-US" smtClean="0"/>
-              <a:t>4/17/2022</a:t>
+              <a:t>4/23/2022</a:t>
             </a:fld>
             <a:endParaRPr lang="en-US"/>
           </a:p>
@@ -2692,13 +2905,7 @@
       </p:sp>
       <p:sp>
         <p:nvSpPr>
-          <p:cNvPr id="6" name="Footer Placeholder 5">
-            <a:extLst>
-              <a:ext uri="{FF2B5EF4-FFF2-40B4-BE49-F238E27FC236}">
-                <a16:creationId xmlns:a16="http://schemas.microsoft.com/office/drawing/2014/main" id="{CB4AEAE4-683C-4DBD-A7A5-DBAC7C6F770B}"/>
-              </a:ext>
-            </a:extLst>
-          </p:cNvPr>
+          <p:cNvPr id="6" name="Footer Placeholder 5"/>
           <p:cNvSpPr>
             <a:spLocks noGrp="1"/>
           </p:cNvSpPr>
@@ -2717,13 +2924,7 @@
       </p:sp>
       <p:sp>
         <p:nvSpPr>
-          <p:cNvPr id="7" name="Slide Number Placeholder 6">
-            <a:extLst>
-              <a:ext uri="{FF2B5EF4-FFF2-40B4-BE49-F238E27FC236}">
-                <a16:creationId xmlns:a16="http://schemas.microsoft.com/office/drawing/2014/main" id="{0000C04F-F605-4298-ABA5-B22B250152C9}"/>
-              </a:ext>
-            </a:extLst>
-          </p:cNvPr>
+          <p:cNvPr id="7" name="Slide Number Placeholder 6"/>
           <p:cNvSpPr>
             <a:spLocks noGrp="1"/>
           </p:cNvSpPr>
@@ -2736,7 +2937,7 @@
           <a:bodyPr/>
           <a:lstStyle/>
           <a:p>
-            <a:fld id="{9AD6C136-A7CA-403A-9610-0358C3A7E2AE}" type="slidenum">
+            <a:fld id="{B044824F-EBE0-443F-8A8F-F64816AF04DC}" type="slidenum">
               <a:rPr lang="en-US" smtClean="0"/>
               <a:t>‹#›</a:t>
             </a:fld>
@@ -2745,11 +2946,6 @@
         </p:txBody>
       </p:sp>
     </p:spTree>
-    <p:extLst>
-      <p:ext uri="{BB962C8B-B14F-4D97-AF65-F5344CB8AC3E}">
-        <p14:creationId xmlns:p14="http://schemas.microsoft.com/office/powerpoint/2010/main" val="3140417488"/>
-      </p:ext>
-    </p:extLst>
   </p:cSld>
   <p:clrMapOvr>
     <a:masterClrMapping/>
@@ -2781,13 +2977,7 @@
       </p:grpSpPr>
       <p:sp>
         <p:nvSpPr>
-          <p:cNvPr id="2" name="Title Placeholder 1">
-            <a:extLst>
-              <a:ext uri="{FF2B5EF4-FFF2-40B4-BE49-F238E27FC236}">
-                <a16:creationId xmlns:a16="http://schemas.microsoft.com/office/drawing/2014/main" id="{5B3C33EB-1CF0-4407-93DB-4039ABA26489}"/>
-              </a:ext>
-            </a:extLst>
-          </p:cNvPr>
+          <p:cNvPr id="2" name="Title Placeholder 1"/>
           <p:cNvSpPr>
             <a:spLocks noGrp="1"/>
           </p:cNvSpPr>
@@ -2797,8 +2987,8 @@
         </p:nvSpPr>
         <p:spPr>
           <a:xfrm>
-            <a:off x="838200" y="365125"/>
-            <a:ext cx="10515600" cy="1325563"/>
+            <a:off x="2194560" y="1318262"/>
+            <a:ext cx="39502080" cy="5486400"/>
           </a:xfrm>
           <a:prstGeom prst="rect">
             <a:avLst/>
@@ -2819,13 +3009,7 @@
       </p:sp>
       <p:sp>
         <p:nvSpPr>
-          <p:cNvPr id="3" name="Text Placeholder 2">
-            <a:extLst>
-              <a:ext uri="{FF2B5EF4-FFF2-40B4-BE49-F238E27FC236}">
-                <a16:creationId xmlns:a16="http://schemas.microsoft.com/office/drawing/2014/main" id="{260AF654-C16C-408F-8CCB-6875433F8E97}"/>
-              </a:ext>
-            </a:extLst>
-          </p:cNvPr>
+          <p:cNvPr id="3" name="Text Placeholder 2"/>
           <p:cNvSpPr>
             <a:spLocks noGrp="1"/>
           </p:cNvSpPr>
@@ -2835,8 +3019,8 @@
         </p:nvSpPr>
         <p:spPr>
           <a:xfrm>
-            <a:off x="838200" y="1825625"/>
-            <a:ext cx="10515600" cy="4351338"/>
+            <a:off x="2194560" y="7680963"/>
+            <a:ext cx="39502080" cy="21724622"/>
           </a:xfrm>
           <a:prstGeom prst="rect">
             <a:avLst/>
@@ -2886,13 +3070,7 @@
       </p:sp>
       <p:sp>
         <p:nvSpPr>
-          <p:cNvPr id="4" name="Date Placeholder 3">
-            <a:extLst>
-              <a:ext uri="{FF2B5EF4-FFF2-40B4-BE49-F238E27FC236}">
-                <a16:creationId xmlns:a16="http://schemas.microsoft.com/office/drawing/2014/main" id="{4E3AC7A5-0B86-4C6B-9C35-A60BA14EC170}"/>
-              </a:ext>
-            </a:extLst>
-          </p:cNvPr>
+          <p:cNvPr id="4" name="Date Placeholder 3"/>
           <p:cNvSpPr>
             <a:spLocks noGrp="1"/>
           </p:cNvSpPr>
@@ -2902,8 +3080,8 @@
         </p:nvSpPr>
         <p:spPr>
           <a:xfrm>
-            <a:off x="838200" y="6356350"/>
-            <a:ext cx="2743200" cy="365125"/>
+            <a:off x="2194560" y="30510482"/>
+            <a:ext cx="10241280" cy="1752600"/>
           </a:xfrm>
           <a:prstGeom prst="rect">
             <a:avLst/>
@@ -2913,7 +3091,7 @@
           <a:bodyPr vert="horz" lIns="91440" tIns="45720" rIns="91440" bIns="45720" rtlCol="0" anchor="ctr"/>
           <a:lstStyle>
             <a:lvl1pPr algn="l">
-              <a:defRPr sz="1200">
+              <a:defRPr sz="5760">
                 <a:solidFill>
                   <a:schemeClr val="tx1">
                     <a:tint val="75000"/>
@@ -2923,9 +3101,9 @@
             </a:lvl1pPr>
           </a:lstStyle>
           <a:p>
-            <a:fld id="{CBB000B3-169B-4839-8A9A-95F6F690B480}" type="datetimeFigureOut">
+            <a:fld id="{8102BAB4-8B8D-41DD-85C7-81A0CA962007}" type="datetimeFigureOut">
               <a:rPr lang="en-US" smtClean="0"/>
-              <a:t>4/17/2022</a:t>
+              <a:t>4/23/2022</a:t>
             </a:fld>
             <a:endParaRPr lang="en-US"/>
           </a:p>
@@ -2933,13 +3111,7 @@
       </p:sp>
       <p:sp>
         <p:nvSpPr>
-          <p:cNvPr id="5" name="Footer Placeholder 4">
-            <a:extLst>
-              <a:ext uri="{FF2B5EF4-FFF2-40B4-BE49-F238E27FC236}">
-                <a16:creationId xmlns:a16="http://schemas.microsoft.com/office/drawing/2014/main" id="{46FAFD4A-5873-4097-BEB7-E00E75B79DA4}"/>
-              </a:ext>
-            </a:extLst>
-          </p:cNvPr>
+          <p:cNvPr id="5" name="Footer Placeholder 4"/>
           <p:cNvSpPr>
             <a:spLocks noGrp="1"/>
           </p:cNvSpPr>
@@ -2949,8 +3121,8 @@
         </p:nvSpPr>
         <p:spPr>
           <a:xfrm>
-            <a:off x="4038600" y="6356350"/>
-            <a:ext cx="4114800" cy="365125"/>
+            <a:off x="14996160" y="30510482"/>
+            <a:ext cx="13898880" cy="1752600"/>
           </a:xfrm>
           <a:prstGeom prst="rect">
             <a:avLst/>
@@ -2960,7 +3132,7 @@
           <a:bodyPr vert="horz" lIns="91440" tIns="45720" rIns="91440" bIns="45720" rtlCol="0" anchor="ctr"/>
           <a:lstStyle>
             <a:lvl1pPr algn="ctr">
-              <a:defRPr sz="1200">
+              <a:defRPr sz="5760">
                 <a:solidFill>
                   <a:schemeClr val="tx1">
                     <a:tint val="75000"/>
@@ -2976,13 +3148,7 @@
       </p:sp>
       <p:sp>
         <p:nvSpPr>
-          <p:cNvPr id="6" name="Slide Number Placeholder 5">
-            <a:extLst>
-              <a:ext uri="{FF2B5EF4-FFF2-40B4-BE49-F238E27FC236}">
-                <a16:creationId xmlns:a16="http://schemas.microsoft.com/office/drawing/2014/main" id="{4180E024-DC14-41B3-8D73-5B7C3291CC4B}"/>
-              </a:ext>
-            </a:extLst>
-          </p:cNvPr>
+          <p:cNvPr id="6" name="Slide Number Placeholder 5"/>
           <p:cNvSpPr>
             <a:spLocks noGrp="1"/>
           </p:cNvSpPr>
@@ -2992,8 +3158,8 @@
         </p:nvSpPr>
         <p:spPr>
           <a:xfrm>
-            <a:off x="8610600" y="6356350"/>
-            <a:ext cx="2743200" cy="365125"/>
+            <a:off x="31455360" y="30510482"/>
+            <a:ext cx="10241280" cy="1752600"/>
           </a:xfrm>
           <a:prstGeom prst="rect">
             <a:avLst/>
@@ -3003,7 +3169,7 @@
           <a:bodyPr vert="horz" lIns="91440" tIns="45720" rIns="91440" bIns="45720" rtlCol="0" anchor="ctr"/>
           <a:lstStyle>
             <a:lvl1pPr algn="r">
-              <a:defRPr sz="1200">
+              <a:defRPr sz="5760">
                 <a:solidFill>
                   <a:schemeClr val="tx1">
                     <a:tint val="75000"/>
@@ -3013,7 +3179,7 @@
             </a:lvl1pPr>
           </a:lstStyle>
           <a:p>
-            <a:fld id="{9AD6C136-A7CA-403A-9610-0358C3A7E2AE}" type="slidenum">
+            <a:fld id="{B044824F-EBE0-443F-8A8F-F64816AF04DC}" type="slidenum">
               <a:rPr lang="en-US" smtClean="0"/>
               <a:t>‹#›</a:t>
             </a:fld>
@@ -3022,11 +3188,6 @@
         </p:txBody>
       </p:sp>
     </p:spTree>
-    <p:extLst>
-      <p:ext uri="{BB962C8B-B14F-4D97-AF65-F5344CB8AC3E}">
-        <p14:creationId xmlns:p14="http://schemas.microsoft.com/office/powerpoint/2010/main" val="1709170008"/>
-      </p:ext>
-    </p:extLst>
   </p:cSld>
   <p:clrMap bg1="lt1" tx1="dk1" bg2="lt2" tx2="dk2" accent1="accent1" accent2="accent2" accent3="accent3" accent4="accent4" accent5="accent5" accent6="accent6" hlink="hlink" folHlink="folHlink"/>
   <p:sldLayoutIdLst>
@@ -3044,15 +3205,12 @@
   </p:sldLayoutIdLst>
   <p:txStyles>
     <p:titleStyle>
-      <a:lvl1pPr algn="l" defTabSz="914400" rtl="0" eaLnBrk="1" latinLnBrk="0" hangingPunct="1">
-        <a:lnSpc>
-          <a:spcPct val="90000"/>
-        </a:lnSpc>
+      <a:lvl1pPr algn="ctr" defTabSz="4389120" rtl="0" eaLnBrk="1" latinLnBrk="0" hangingPunct="1">
         <a:spcBef>
           <a:spcPct val="0"/>
         </a:spcBef>
         <a:buNone/>
-        <a:defRPr sz="4400" kern="1200">
+        <a:defRPr sz="21120" kern="1200">
           <a:solidFill>
             <a:schemeClr val="tx1"/>
           </a:solidFill>
@@ -3063,16 +3221,13 @@
       </a:lvl1pPr>
     </p:titleStyle>
     <p:bodyStyle>
-      <a:lvl1pPr marL="228600" indent="-228600" algn="l" defTabSz="914400" rtl="0" eaLnBrk="1" latinLnBrk="0" hangingPunct="1">
-        <a:lnSpc>
-          <a:spcPct val="90000"/>
-        </a:lnSpc>
+      <a:lvl1pPr marL="1645920" indent="-1645920" algn="l" defTabSz="4389120" rtl="0" eaLnBrk="1" latinLnBrk="0" hangingPunct="1">
         <a:spcBef>
-          <a:spcPts val="1000"/>
+          <a:spcPct val="20000"/>
         </a:spcBef>
-        <a:buFont typeface="Arial" panose="020B0604020202020204" pitchFamily="34" charset="0"/>
+        <a:buFont typeface="Arial" pitchFamily="34" charset="0"/>
         <a:buChar char="•"/>
-        <a:defRPr sz="2800" kern="1200">
+        <a:defRPr sz="15360" kern="1200">
           <a:solidFill>
             <a:schemeClr val="tx1"/>
           </a:solidFill>
@@ -3081,16 +3236,13 @@
           <a:cs typeface="+mn-cs"/>
         </a:defRPr>
       </a:lvl1pPr>
-      <a:lvl2pPr marL="685800" indent="-228600" algn="l" defTabSz="914400" rtl="0" eaLnBrk="1" latinLnBrk="0" hangingPunct="1">
-        <a:lnSpc>
-          <a:spcPct val="90000"/>
-        </a:lnSpc>
+      <a:lvl2pPr marL="3566160" indent="-1371600" algn="l" defTabSz="4389120" rtl="0" eaLnBrk="1" latinLnBrk="0" hangingPunct="1">
         <a:spcBef>
-          <a:spcPts val="500"/>
+          <a:spcPct val="20000"/>
         </a:spcBef>
-        <a:buFont typeface="Arial" panose="020B0604020202020204" pitchFamily="34" charset="0"/>
-        <a:buChar char="•"/>
-        <a:defRPr sz="2400" kern="1200">
+        <a:buFont typeface="Arial" pitchFamily="34" charset="0"/>
+        <a:buChar char="–"/>
+        <a:defRPr sz="13440" kern="1200">
           <a:solidFill>
             <a:schemeClr val="tx1"/>
           </a:solidFill>
@@ -3099,16 +3251,13 @@
           <a:cs typeface="+mn-cs"/>
         </a:defRPr>
       </a:lvl2pPr>
-      <a:lvl3pPr marL="1143000" indent="-228600" algn="l" defTabSz="914400" rtl="0" eaLnBrk="1" latinLnBrk="0" hangingPunct="1">
-        <a:lnSpc>
-          <a:spcPct val="90000"/>
-        </a:lnSpc>
+      <a:lvl3pPr marL="5486400" indent="-1097280" algn="l" defTabSz="4389120" rtl="0" eaLnBrk="1" latinLnBrk="0" hangingPunct="1">
         <a:spcBef>
-          <a:spcPts val="500"/>
+          <a:spcPct val="20000"/>
         </a:spcBef>
-        <a:buFont typeface="Arial" panose="020B0604020202020204" pitchFamily="34" charset="0"/>
+        <a:buFont typeface="Arial" pitchFamily="34" charset="0"/>
         <a:buChar char="•"/>
-        <a:defRPr sz="2000" kern="1200">
+        <a:defRPr sz="11520" kern="1200">
           <a:solidFill>
             <a:schemeClr val="tx1"/>
           </a:solidFill>
@@ -3117,16 +3266,13 @@
           <a:cs typeface="+mn-cs"/>
         </a:defRPr>
       </a:lvl3pPr>
-      <a:lvl4pPr marL="1600200" indent="-228600" algn="l" defTabSz="914400" rtl="0" eaLnBrk="1" latinLnBrk="0" hangingPunct="1">
-        <a:lnSpc>
-          <a:spcPct val="90000"/>
-        </a:lnSpc>
+      <a:lvl4pPr marL="7680960" indent="-1097280" algn="l" defTabSz="4389120" rtl="0" eaLnBrk="1" latinLnBrk="0" hangingPunct="1">
         <a:spcBef>
-          <a:spcPts val="500"/>
+          <a:spcPct val="20000"/>
         </a:spcBef>
-        <a:buFont typeface="Arial" panose="020B0604020202020204" pitchFamily="34" charset="0"/>
-        <a:buChar char="•"/>
-        <a:defRPr sz="1800" kern="1200">
+        <a:buFont typeface="Arial" pitchFamily="34" charset="0"/>
+        <a:buChar char="–"/>
+        <a:defRPr sz="9600" kern="1200">
           <a:solidFill>
             <a:schemeClr val="tx1"/>
           </a:solidFill>
@@ -3135,16 +3281,13 @@
           <a:cs typeface="+mn-cs"/>
         </a:defRPr>
       </a:lvl4pPr>
-      <a:lvl5pPr marL="2057400" indent="-228600" algn="l" defTabSz="914400" rtl="0" eaLnBrk="1" latinLnBrk="0" hangingPunct="1">
-        <a:lnSpc>
-          <a:spcPct val="90000"/>
-        </a:lnSpc>
+      <a:lvl5pPr marL="9875520" indent="-1097280" algn="l" defTabSz="4389120" rtl="0" eaLnBrk="1" latinLnBrk="0" hangingPunct="1">
         <a:spcBef>
-          <a:spcPts val="500"/>
+          <a:spcPct val="20000"/>
         </a:spcBef>
-        <a:buFont typeface="Arial" panose="020B0604020202020204" pitchFamily="34" charset="0"/>
-        <a:buChar char="•"/>
-        <a:defRPr sz="1800" kern="1200">
+        <a:buFont typeface="Arial" pitchFamily="34" charset="0"/>
+        <a:buChar char="»"/>
+        <a:defRPr sz="9600" kern="1200">
           <a:solidFill>
             <a:schemeClr val="tx1"/>
           </a:solidFill>
@@ -3153,16 +3296,13 @@
           <a:cs typeface="+mn-cs"/>
         </a:defRPr>
       </a:lvl5pPr>
-      <a:lvl6pPr marL="2514600" indent="-228600" algn="l" defTabSz="914400" rtl="0" eaLnBrk="1" latinLnBrk="0" hangingPunct="1">
-        <a:lnSpc>
-          <a:spcPct val="90000"/>
-        </a:lnSpc>
+      <a:lvl6pPr marL="12070080" indent="-1097280" algn="l" defTabSz="4389120" rtl="0" eaLnBrk="1" latinLnBrk="0" hangingPunct="1">
         <a:spcBef>
-          <a:spcPts val="500"/>
+          <a:spcPct val="20000"/>
         </a:spcBef>
-        <a:buFont typeface="Arial" panose="020B0604020202020204" pitchFamily="34" charset="0"/>
+        <a:buFont typeface="Arial" pitchFamily="34" charset="0"/>
         <a:buChar char="•"/>
-        <a:defRPr sz="1800" kern="1200">
+        <a:defRPr sz="9600" kern="1200">
           <a:solidFill>
             <a:schemeClr val="tx1"/>
           </a:solidFill>
@@ -3171,16 +3311,13 @@
           <a:cs typeface="+mn-cs"/>
         </a:defRPr>
       </a:lvl6pPr>
-      <a:lvl7pPr marL="2971800" indent="-228600" algn="l" defTabSz="914400" rtl="0" eaLnBrk="1" latinLnBrk="0" hangingPunct="1">
-        <a:lnSpc>
-          <a:spcPct val="90000"/>
-        </a:lnSpc>
+      <a:lvl7pPr marL="14264640" indent="-1097280" algn="l" defTabSz="4389120" rtl="0" eaLnBrk="1" latinLnBrk="0" hangingPunct="1">
         <a:spcBef>
-          <a:spcPts val="500"/>
+          <a:spcPct val="20000"/>
         </a:spcBef>
-        <a:buFont typeface="Arial" panose="020B0604020202020204" pitchFamily="34" charset="0"/>
+        <a:buFont typeface="Arial" pitchFamily="34" charset="0"/>
         <a:buChar char="•"/>
-        <a:defRPr sz="1800" kern="1200">
+        <a:defRPr sz="9600" kern="1200">
           <a:solidFill>
             <a:schemeClr val="tx1"/>
           </a:solidFill>
@@ -3189,16 +3326,13 @@
           <a:cs typeface="+mn-cs"/>
         </a:defRPr>
       </a:lvl7pPr>
-      <a:lvl8pPr marL="3429000" indent="-228600" algn="l" defTabSz="914400" rtl="0" eaLnBrk="1" latinLnBrk="0" hangingPunct="1">
-        <a:lnSpc>
-          <a:spcPct val="90000"/>
-        </a:lnSpc>
+      <a:lvl8pPr marL="16459200" indent="-1097280" algn="l" defTabSz="4389120" rtl="0" eaLnBrk="1" latinLnBrk="0" hangingPunct="1">
         <a:spcBef>
-          <a:spcPts val="500"/>
+          <a:spcPct val="20000"/>
         </a:spcBef>
-        <a:buFont typeface="Arial" panose="020B0604020202020204" pitchFamily="34" charset="0"/>
+        <a:buFont typeface="Arial" pitchFamily="34" charset="0"/>
         <a:buChar char="•"/>
-        <a:defRPr sz="1800" kern="1200">
+        <a:defRPr sz="9600" kern="1200">
           <a:solidFill>
             <a:schemeClr val="tx1"/>
           </a:solidFill>
@@ -3207,16 +3341,13 @@
           <a:cs typeface="+mn-cs"/>
         </a:defRPr>
       </a:lvl8pPr>
-      <a:lvl9pPr marL="3886200" indent="-228600" algn="l" defTabSz="914400" rtl="0" eaLnBrk="1" latinLnBrk="0" hangingPunct="1">
-        <a:lnSpc>
-          <a:spcPct val="90000"/>
-        </a:lnSpc>
+      <a:lvl9pPr marL="18653760" indent="-1097280" algn="l" defTabSz="4389120" rtl="0" eaLnBrk="1" latinLnBrk="0" hangingPunct="1">
         <a:spcBef>
-          <a:spcPts val="500"/>
+          <a:spcPct val="20000"/>
         </a:spcBef>
-        <a:buFont typeface="Arial" panose="020B0604020202020204" pitchFamily="34" charset="0"/>
+        <a:buFont typeface="Arial" pitchFamily="34" charset="0"/>
         <a:buChar char="•"/>
-        <a:defRPr sz="1800" kern="1200">
+        <a:defRPr sz="9600" kern="1200">
           <a:solidFill>
             <a:schemeClr val="tx1"/>
           </a:solidFill>
@@ -3230,8 +3361,8 @@
       <a:defPPr>
         <a:defRPr lang="en-US"/>
       </a:defPPr>
-      <a:lvl1pPr marL="0" algn="l" defTabSz="914400" rtl="0" eaLnBrk="1" latinLnBrk="0" hangingPunct="1">
-        <a:defRPr sz="1800" kern="1200">
+      <a:lvl1pPr marL="0" algn="l" defTabSz="4389120" rtl="0" eaLnBrk="1" latinLnBrk="0" hangingPunct="1">
+        <a:defRPr sz="8640" kern="1200">
           <a:solidFill>
             <a:schemeClr val="tx1"/>
           </a:solidFill>
@@ -3240,8 +3371,8 @@
           <a:cs typeface="+mn-cs"/>
         </a:defRPr>
       </a:lvl1pPr>
-      <a:lvl2pPr marL="457200" algn="l" defTabSz="914400" rtl="0" eaLnBrk="1" latinLnBrk="0" hangingPunct="1">
-        <a:defRPr sz="1800" kern="1200">
+      <a:lvl2pPr marL="2194560" algn="l" defTabSz="4389120" rtl="0" eaLnBrk="1" latinLnBrk="0" hangingPunct="1">
+        <a:defRPr sz="8640" kern="1200">
           <a:solidFill>
             <a:schemeClr val="tx1"/>
           </a:solidFill>
@@ -3250,8 +3381,8 @@
           <a:cs typeface="+mn-cs"/>
         </a:defRPr>
       </a:lvl2pPr>
-      <a:lvl3pPr marL="914400" algn="l" defTabSz="914400" rtl="0" eaLnBrk="1" latinLnBrk="0" hangingPunct="1">
-        <a:defRPr sz="1800" kern="1200">
+      <a:lvl3pPr marL="4389120" algn="l" defTabSz="4389120" rtl="0" eaLnBrk="1" latinLnBrk="0" hangingPunct="1">
+        <a:defRPr sz="8640" kern="1200">
           <a:solidFill>
             <a:schemeClr val="tx1"/>
           </a:solidFill>
@@ -3260,8 +3391,8 @@
           <a:cs typeface="+mn-cs"/>
         </a:defRPr>
       </a:lvl3pPr>
-      <a:lvl4pPr marL="1371600" algn="l" defTabSz="914400" rtl="0" eaLnBrk="1" latinLnBrk="0" hangingPunct="1">
-        <a:defRPr sz="1800" kern="1200">
+      <a:lvl4pPr marL="6583680" algn="l" defTabSz="4389120" rtl="0" eaLnBrk="1" latinLnBrk="0" hangingPunct="1">
+        <a:defRPr sz="8640" kern="1200">
           <a:solidFill>
             <a:schemeClr val="tx1"/>
           </a:solidFill>
@@ -3270,8 +3401,8 @@
           <a:cs typeface="+mn-cs"/>
         </a:defRPr>
       </a:lvl4pPr>
-      <a:lvl5pPr marL="1828800" algn="l" defTabSz="914400" rtl="0" eaLnBrk="1" latinLnBrk="0" hangingPunct="1">
-        <a:defRPr sz="1800" kern="1200">
+      <a:lvl5pPr marL="8778240" algn="l" defTabSz="4389120" rtl="0" eaLnBrk="1" latinLnBrk="0" hangingPunct="1">
+        <a:defRPr sz="8640" kern="1200">
           <a:solidFill>
             <a:schemeClr val="tx1"/>
           </a:solidFill>
@@ -3280,8 +3411,8 @@
           <a:cs typeface="+mn-cs"/>
         </a:defRPr>
       </a:lvl5pPr>
-      <a:lvl6pPr marL="2286000" algn="l" defTabSz="914400" rtl="0" eaLnBrk="1" latinLnBrk="0" hangingPunct="1">
-        <a:defRPr sz="1800" kern="1200">
+      <a:lvl6pPr marL="10972800" algn="l" defTabSz="4389120" rtl="0" eaLnBrk="1" latinLnBrk="0" hangingPunct="1">
+        <a:defRPr sz="8640" kern="1200">
           <a:solidFill>
             <a:schemeClr val="tx1"/>
           </a:solidFill>
@@ -3290,8 +3421,8 @@
           <a:cs typeface="+mn-cs"/>
         </a:defRPr>
       </a:lvl6pPr>
-      <a:lvl7pPr marL="2743200" algn="l" defTabSz="914400" rtl="0" eaLnBrk="1" latinLnBrk="0" hangingPunct="1">
-        <a:defRPr sz="1800" kern="1200">
+      <a:lvl7pPr marL="13167360" algn="l" defTabSz="4389120" rtl="0" eaLnBrk="1" latinLnBrk="0" hangingPunct="1">
+        <a:defRPr sz="8640" kern="1200">
           <a:solidFill>
             <a:schemeClr val="tx1"/>
           </a:solidFill>
@@ -3300,8 +3431,8 @@
           <a:cs typeface="+mn-cs"/>
         </a:defRPr>
       </a:lvl7pPr>
-      <a:lvl8pPr marL="3200400" algn="l" defTabSz="914400" rtl="0" eaLnBrk="1" latinLnBrk="0" hangingPunct="1">
-        <a:defRPr sz="1800" kern="1200">
+      <a:lvl8pPr marL="15361920" algn="l" defTabSz="4389120" rtl="0" eaLnBrk="1" latinLnBrk="0" hangingPunct="1">
+        <a:defRPr sz="8640" kern="1200">
           <a:solidFill>
             <a:schemeClr val="tx1"/>
           </a:solidFill>
@@ -3310,8 +3441,8 @@
           <a:cs typeface="+mn-cs"/>
         </a:defRPr>
       </a:lvl8pPr>
-      <a:lvl9pPr marL="3657600" algn="l" defTabSz="914400" rtl="0" eaLnBrk="1" latinLnBrk="0" hangingPunct="1">
-        <a:defRPr sz="1800" kern="1200">
+      <a:lvl9pPr marL="17556480" algn="l" defTabSz="4389120" rtl="0" eaLnBrk="1" latinLnBrk="0" hangingPunct="1">
+        <a:defRPr sz="8640" kern="1200">
           <a:solidFill>
             <a:schemeClr val="tx1"/>
           </a:solidFill>
@@ -3328,6 +3459,14 @@
 <file path=ppt/slides/slide1.xml><?xml version="1.0" encoding="utf-8"?>
 <p:sld xmlns:a="http://schemas.openxmlformats.org/drawingml/2006/main" xmlns:r="http://schemas.openxmlformats.org/officeDocument/2006/relationships" xmlns:p="http://schemas.openxmlformats.org/presentationml/2006/main">
   <p:cSld>
+    <p:bg>
+      <p:bgPr>
+        <a:solidFill>
+          <a:schemeClr val="bg1"/>
+        </a:solidFill>
+        <a:effectLst/>
+      </p:bgPr>
+    </p:bg>
     <p:spTree>
       <p:nvGrpSpPr>
         <p:cNvPr id="1" name=""/>
@@ -3344,58 +3483,2894 @@
       </p:grpSpPr>
       <p:sp>
         <p:nvSpPr>
-          <p:cNvPr id="2" name="Title 1">
+          <p:cNvPr id="2" name="Rectangle 1"/>
+          <p:cNvSpPr/>
+          <p:nvPr/>
+        </p:nvSpPr>
+        <p:spPr>
+          <a:xfrm>
+            <a:off x="359228" y="381000"/>
+            <a:ext cx="43172744" cy="32080200"/>
+          </a:xfrm>
+          <a:prstGeom prst="rect">
+            <a:avLst/>
+          </a:prstGeom>
+          <a:noFill/>
+          <a:ln w="101600">
+            <a:solidFill>
+              <a:srgbClr val="C00000"/>
+            </a:solidFill>
+          </a:ln>
+        </p:spPr>
+        <p:style>
+          <a:lnRef idx="2">
+            <a:schemeClr val="accent1">
+              <a:shade val="50000"/>
+            </a:schemeClr>
+          </a:lnRef>
+          <a:fillRef idx="1">
+            <a:schemeClr val="accent1"/>
+          </a:fillRef>
+          <a:effectRef idx="0">
+            <a:schemeClr val="accent1"/>
+          </a:effectRef>
+          <a:fontRef idx="minor">
+            <a:schemeClr val="lt1"/>
+          </a:fontRef>
+        </p:style>
+        <p:txBody>
+          <a:bodyPr rtlCol="0" anchor="ctr"/>
+          <a:lstStyle/>
+          <a:p>
+            <a:pPr algn="ctr"/>
+            <a:endParaRPr lang="en-US"/>
+          </a:p>
+        </p:txBody>
+      </p:sp>
+      <p:sp>
+        <p:nvSpPr>
+          <p:cNvPr id="5" name="Snip Diagonal Corner Rectangle 4"/>
+          <p:cNvSpPr/>
+          <p:nvPr/>
+        </p:nvSpPr>
+        <p:spPr>
+          <a:xfrm>
+            <a:off x="914400" y="762000"/>
+            <a:ext cx="41986200" cy="3590208"/>
+          </a:xfrm>
+          <a:prstGeom prst="snip2DiagRect">
+            <a:avLst/>
+          </a:prstGeom>
+          <a:solidFill>
+            <a:schemeClr val="bg1">
+              <a:lumMod val="85000"/>
+            </a:schemeClr>
+          </a:solidFill>
+          <a:ln w="38100">
+            <a:solidFill>
+              <a:schemeClr val="tx1"/>
+            </a:solidFill>
+          </a:ln>
+        </p:spPr>
+        <p:style>
+          <a:lnRef idx="2">
+            <a:schemeClr val="accent1">
+              <a:shade val="50000"/>
+            </a:schemeClr>
+          </a:lnRef>
+          <a:fillRef idx="1">
+            <a:schemeClr val="accent1"/>
+          </a:fillRef>
+          <a:effectRef idx="0">
+            <a:schemeClr val="accent1"/>
+          </a:effectRef>
+          <a:fontRef idx="minor">
+            <a:schemeClr val="lt1"/>
+          </a:fontRef>
+        </p:style>
+        <p:txBody>
+          <a:bodyPr rtlCol="0" anchor="ctr"/>
+          <a:lstStyle/>
+          <a:p>
+            <a:pPr algn="ctr"/>
+            <a:endParaRPr lang="en-US"/>
+          </a:p>
+        </p:txBody>
+      </p:sp>
+      <p:grpSp>
+        <p:nvGrpSpPr>
+          <p:cNvPr id="39" name="Group 38"/>
+          <p:cNvGrpSpPr/>
+          <p:nvPr/>
+        </p:nvGrpSpPr>
+        <p:grpSpPr>
+          <a:xfrm>
+            <a:off x="992203" y="5211558"/>
+            <a:ext cx="11896131" cy="6912376"/>
+            <a:chOff x="914400" y="6478996"/>
+            <a:chExt cx="11658600" cy="6901780"/>
+          </a:xfrm>
+          <a:solidFill>
+            <a:schemeClr val="bg1"/>
+          </a:solidFill>
+        </p:grpSpPr>
+        <p:sp>
+          <p:nvSpPr>
+            <p:cNvPr id="34" name="Rectangle 33"/>
+            <p:cNvSpPr/>
+            <p:nvPr/>
+          </p:nvSpPr>
+          <p:spPr>
+            <a:xfrm>
+              <a:off x="914400" y="6762267"/>
+              <a:ext cx="11658600" cy="6618509"/>
+            </a:xfrm>
+            <a:prstGeom prst="rect">
+              <a:avLst/>
+            </a:prstGeom>
+            <a:grpFill/>
+            <a:ln w="76200">
+              <a:solidFill>
+                <a:schemeClr val="tx1"/>
+              </a:solidFill>
+              <a:prstDash val="solid"/>
+            </a:ln>
+          </p:spPr>
+          <p:style>
+            <a:lnRef idx="2">
+              <a:schemeClr val="accent1">
+                <a:shade val="50000"/>
+              </a:schemeClr>
+            </a:lnRef>
+            <a:fillRef idx="1">
+              <a:schemeClr val="accent1"/>
+            </a:fillRef>
+            <a:effectRef idx="0">
+              <a:schemeClr val="accent1"/>
+            </a:effectRef>
+            <a:fontRef idx="minor">
+              <a:schemeClr val="lt1"/>
+            </a:fontRef>
+          </p:style>
+          <p:txBody>
+            <a:bodyPr lIns="457200" tIns="914400" rIns="457200" rtlCol="0" anchor="t"/>
+            <a:lstStyle/>
+            <a:p>
+              <a:pPr algn="just"/>
+              <a:r>
+                <a:rPr lang="en-US" sz="3200">
+                  <a:solidFill>
+                    <a:schemeClr val="tx1"/>
+                  </a:solidFill>
+                </a:rPr>
+                <a:t>FIR filters are frequency-selective filters utilized in a variety of digital signal processing applications in which linear-phase integrity is important.  Because FIR filters are computationally expensive compared to IIR filters, designing efficient filtering algorithms can be critical in applications with limited memory storage or a low tolerance for latency.  However, FIR filters are inherently stable systems and do not introduce distortion into filtered signals.  This is why FIR filters are often used in audio and image processing. This project investigates FIR filters commonly used in audio effect manipulation, signal restoration, and image edge detection. </a:t>
+              </a:r>
+            </a:p>
+          </p:txBody>
+        </p:sp>
+        <p:sp>
+          <p:nvSpPr>
+            <p:cNvPr id="17" name="TextBox 16"/>
+            <p:cNvSpPr txBox="1"/>
+            <p:nvPr/>
+          </p:nvSpPr>
+          <p:spPr>
+            <a:xfrm>
+              <a:off x="4145744" y="6478996"/>
+              <a:ext cx="5193851" cy="921915"/>
+            </a:xfrm>
+            <a:prstGeom prst="rect">
+              <a:avLst/>
+            </a:prstGeom>
+          </p:spPr>
+          <p:style>
+            <a:lnRef idx="1">
+              <a:schemeClr val="accent2"/>
+            </a:lnRef>
+            <a:fillRef idx="3">
+              <a:schemeClr val="accent2"/>
+            </a:fillRef>
+            <a:effectRef idx="2">
+              <a:schemeClr val="accent2"/>
+            </a:effectRef>
+            <a:fontRef idx="minor">
+              <a:schemeClr val="lt1"/>
+            </a:fontRef>
+          </p:style>
+          <p:txBody>
+            <a:bodyPr wrap="square" rtlCol="0">
+              <a:spAutoFit/>
+            </a:bodyPr>
+            <a:lstStyle/>
+            <a:p>
+              <a:pPr algn="ctr"/>
+              <a:r>
+                <a:rPr lang="en-US" sz="5400" dirty="0">
+                  <a:solidFill>
+                    <a:schemeClr val="bg1"/>
+                  </a:solidFill>
+                  <a:latin typeface="Bangla MN" charset="0"/>
+                  <a:ea typeface="Bangla MN" charset="0"/>
+                  <a:cs typeface="Bangla MN" charset="0"/>
+                </a:rPr>
+                <a:t>Introduction</a:t>
+              </a:r>
+            </a:p>
+          </p:txBody>
+        </p:sp>
+      </p:grpSp>
+      <p:grpSp>
+        <p:nvGrpSpPr>
+          <p:cNvPr id="43" name="Group 42"/>
+          <p:cNvGrpSpPr/>
+          <p:nvPr/>
+        </p:nvGrpSpPr>
+        <p:grpSpPr>
+          <a:xfrm>
+            <a:off x="23774401" y="26974799"/>
+            <a:ext cx="19070847" cy="5125453"/>
+            <a:chOff x="735648" y="18466800"/>
+            <a:chExt cx="12039363" cy="7578610"/>
+          </a:xfrm>
+        </p:grpSpPr>
+        <p:sp>
+          <p:nvSpPr>
+            <p:cNvPr id="44" name="Rectangle 43"/>
+            <p:cNvSpPr/>
+            <p:nvPr/>
+          </p:nvSpPr>
+          <p:spPr>
+            <a:xfrm>
+              <a:off x="735648" y="18895071"/>
+              <a:ext cx="12039363" cy="7150339"/>
+            </a:xfrm>
+            <a:prstGeom prst="rect">
+              <a:avLst/>
+            </a:prstGeom>
+            <a:noFill/>
+            <a:ln w="76200">
+              <a:solidFill>
+                <a:schemeClr val="tx1"/>
+              </a:solidFill>
+            </a:ln>
+          </p:spPr>
+          <p:style>
+            <a:lnRef idx="2">
+              <a:schemeClr val="accent1">
+                <a:shade val="50000"/>
+              </a:schemeClr>
+            </a:lnRef>
+            <a:fillRef idx="1">
+              <a:schemeClr val="accent1"/>
+            </a:fillRef>
+            <a:effectRef idx="0">
+              <a:schemeClr val="accent1"/>
+            </a:effectRef>
+            <a:fontRef idx="minor">
+              <a:schemeClr val="lt1"/>
+            </a:fontRef>
+          </p:style>
+          <p:txBody>
+            <a:bodyPr lIns="457200" tIns="914400" rIns="457200" rtlCol="0" anchor="ctr"/>
+            <a:lstStyle/>
+            <a:p>
+              <a:pPr marL="514350" indent="-514350">
+                <a:buFont typeface="+mj-lt"/>
+                <a:buAutoNum type="arabicPeriod"/>
+              </a:pPr>
+              <a:r>
+                <a:rPr lang="en-US" sz="3200">
+                  <a:solidFill>
+                    <a:schemeClr val="tx1"/>
+                  </a:solidFill>
+                </a:rPr>
+                <a:t>J. G. Proakis and D. G. Manolakis, “Implementation of Discrete-Time systems,” in Digital Signal Processing, Hoboken, NJ: Pearson Education, 2021.</a:t>
+              </a:r>
+            </a:p>
+            <a:p>
+              <a:pPr marL="514350" indent="-514350">
+                <a:buFont typeface="+mj-lt"/>
+                <a:buAutoNum type="arabicPeriod"/>
+              </a:pPr>
+              <a:r>
+                <a:rPr lang="en-US" sz="3200">
+                  <a:solidFill>
+                    <a:schemeClr val="tx1"/>
+                  </a:solidFill>
+                </a:rPr>
+                <a:t>McClellan, J., Schafer, R. and Yoder, M., n.d. DSP first. 2nd ed.</a:t>
+              </a:r>
+            </a:p>
+            <a:p>
+              <a:pPr marL="514350" indent="-514350">
+                <a:buFont typeface="+mj-lt"/>
+                <a:buAutoNum type="arabicPeriod"/>
+              </a:pPr>
+              <a:endParaRPr lang="en-US" sz="3200">
+                <a:solidFill>
+                  <a:schemeClr val="tx1"/>
+                </a:solidFill>
+              </a:endParaRPr>
+            </a:p>
+          </p:txBody>
+        </p:sp>
+        <p:sp>
+          <p:nvSpPr>
+            <p:cNvPr id="45" name="TextBox 44"/>
+            <p:cNvSpPr txBox="1"/>
+            <p:nvPr/>
+          </p:nvSpPr>
+          <p:spPr>
+            <a:xfrm>
+              <a:off x="4457236" y="18466800"/>
+              <a:ext cx="5389812" cy="1604481"/>
+            </a:xfrm>
+            <a:prstGeom prst="rect">
+              <a:avLst/>
+            </a:prstGeom>
+          </p:spPr>
+          <p:style>
+            <a:lnRef idx="1">
+              <a:schemeClr val="accent2"/>
+            </a:lnRef>
+            <a:fillRef idx="3">
+              <a:schemeClr val="accent2"/>
+            </a:fillRef>
+            <a:effectRef idx="2">
+              <a:schemeClr val="accent2"/>
+            </a:effectRef>
+            <a:fontRef idx="minor">
+              <a:schemeClr val="lt1"/>
+            </a:fontRef>
+          </p:style>
+          <p:txBody>
+            <a:bodyPr wrap="square" rtlCol="0">
+              <a:spAutoFit/>
+            </a:bodyPr>
+            <a:lstStyle/>
+            <a:p>
+              <a:pPr algn="ctr"/>
+              <a:r>
+                <a:rPr lang="en-US" sz="5400" dirty="0">
+                  <a:solidFill>
+                    <a:schemeClr val="bg1"/>
+                  </a:solidFill>
+                  <a:latin typeface="Bangla MN" charset="0"/>
+                  <a:ea typeface="Bangla MN" charset="0"/>
+                  <a:cs typeface="Bangla MN" charset="0"/>
+                </a:rPr>
+                <a:t>References</a:t>
+              </a:r>
+            </a:p>
+          </p:txBody>
+        </p:sp>
+      </p:grpSp>
+      <p:sp>
+        <p:nvSpPr>
+          <p:cNvPr id="52" name="TextBox 51"/>
+          <p:cNvSpPr txBox="1"/>
+          <p:nvPr/>
+        </p:nvSpPr>
+        <p:spPr>
+          <a:xfrm>
+            <a:off x="1295401" y="914400"/>
+            <a:ext cx="39242999" cy="1323439"/>
+          </a:xfrm>
+          <a:prstGeom prst="rect">
+            <a:avLst/>
+          </a:prstGeom>
+          <a:noFill/>
+        </p:spPr>
+        <p:txBody>
+          <a:bodyPr wrap="square" rtlCol="0">
+            <a:spAutoFit/>
+          </a:bodyPr>
+          <a:lstStyle/>
+          <a:p>
+            <a:r>
+              <a:rPr lang="en-US" sz="8000" b="1" dirty="0">
+                <a:ln w="3175">
+                  <a:noFill/>
+                </a:ln>
+                <a:solidFill>
+                  <a:srgbClr val="C00000"/>
+                </a:solidFill>
+                <a:latin typeface="Bangla MN" charset="0"/>
+                <a:ea typeface="Bangla MN" charset="0"/>
+                <a:cs typeface="Bangla MN" charset="0"/>
+              </a:rPr>
+              <a:t>FIR Filters</a:t>
+            </a:r>
+          </a:p>
+        </p:txBody>
+      </p:sp>
+      <p:sp>
+        <p:nvSpPr>
+          <p:cNvPr id="115" name="TextBox 114"/>
+          <p:cNvSpPr txBox="1"/>
+          <p:nvPr/>
+        </p:nvSpPr>
+        <p:spPr>
+          <a:xfrm>
+            <a:off x="1243551" y="2141820"/>
+            <a:ext cx="33624261" cy="830997"/>
+          </a:xfrm>
+          <a:prstGeom prst="rect">
+            <a:avLst/>
+          </a:prstGeom>
+          <a:noFill/>
+        </p:spPr>
+        <p:txBody>
+          <a:bodyPr wrap="square" rtlCol="0">
+            <a:spAutoFit/>
+          </a:bodyPr>
+          <a:lstStyle/>
+          <a:p>
+            <a:r>
+              <a:rPr lang="en-US" sz="4800" b="1" dirty="0">
+                <a:latin typeface="Bangla MN" charset="0"/>
+                <a:ea typeface="Bangla MN" charset="0"/>
+                <a:cs typeface="Bangla MN" charset="0"/>
+              </a:rPr>
+              <a:t>Aaron Blanchard</a:t>
+            </a:r>
+            <a:r>
+              <a:rPr lang="en-US" sz="4800" b="1" baseline="30000" dirty="0">
+                <a:solidFill>
+                  <a:schemeClr val="tx1"/>
+                </a:solidFill>
+              </a:rPr>
+              <a:t>1</a:t>
+            </a:r>
+            <a:r>
+              <a:rPr lang="en-US" sz="4800" b="1" dirty="0">
+                <a:latin typeface="Bangla MN" charset="0"/>
+                <a:ea typeface="Bangla MN" charset="0"/>
+                <a:cs typeface="Bangla MN" charset="0"/>
+              </a:rPr>
+              <a:t>, Antonio Santos Aguilera</a:t>
+            </a:r>
+            <a:r>
+              <a:rPr lang="en-US" sz="4800" b="1" baseline="30000" dirty="0">
+                <a:solidFill>
+                  <a:schemeClr val="tx1"/>
+                </a:solidFill>
+              </a:rPr>
+              <a:t>1</a:t>
+            </a:r>
+            <a:r>
+              <a:rPr lang="en-US" sz="4800" b="1" dirty="0">
+                <a:latin typeface="Bangla MN" charset="0"/>
+                <a:ea typeface="Bangla MN" charset="0"/>
+                <a:cs typeface="Bangla MN" charset="0"/>
+              </a:rPr>
+              <a:t>, Caina Fernandes</a:t>
+            </a:r>
+            <a:r>
+              <a:rPr lang="en-US" sz="4800" b="1" baseline="30000" dirty="0">
+                <a:solidFill>
+                  <a:schemeClr val="tx1"/>
+                </a:solidFill>
+              </a:rPr>
+              <a:t>1</a:t>
+            </a:r>
+            <a:r>
+              <a:rPr lang="en-US" sz="4800" b="1" dirty="0">
+                <a:latin typeface="Bangla MN" charset="0"/>
+                <a:ea typeface="Bangla MN" charset="0"/>
+                <a:cs typeface="Bangla MN" charset="0"/>
+              </a:rPr>
+              <a:t>, Jason Porter</a:t>
+            </a:r>
+            <a:r>
+              <a:rPr lang="en-US" sz="4800" b="1" baseline="30000" dirty="0">
+                <a:solidFill>
+                  <a:schemeClr val="tx1"/>
+                </a:solidFill>
+              </a:rPr>
+              <a:t>1</a:t>
+            </a:r>
+            <a:endParaRPr lang="en-US" sz="4800" b="1" baseline="30000" dirty="0">
+              <a:latin typeface="Bangla MN" charset="0"/>
+              <a:ea typeface="Bangla MN" charset="0"/>
+              <a:cs typeface="Bangla MN" charset="0"/>
+            </a:endParaRPr>
+          </a:p>
+        </p:txBody>
+      </p:sp>
+      <p:grpSp>
+        <p:nvGrpSpPr>
+          <p:cNvPr id="40" name="Group 39"/>
+          <p:cNvGrpSpPr/>
+          <p:nvPr/>
+        </p:nvGrpSpPr>
+        <p:grpSpPr>
+          <a:xfrm>
+            <a:off x="992202" y="26974801"/>
+            <a:ext cx="22323609" cy="5105400"/>
+            <a:chOff x="939939" y="19804634"/>
+            <a:chExt cx="11616995" cy="10189459"/>
+          </a:xfrm>
+        </p:grpSpPr>
+        <p:sp>
+          <p:nvSpPr>
+            <p:cNvPr id="41" name="Rectangle 40"/>
+            <p:cNvSpPr/>
+            <p:nvPr/>
+          </p:nvSpPr>
+          <p:spPr>
+            <a:xfrm>
+              <a:off x="939939" y="20347496"/>
+              <a:ext cx="11616995" cy="9646597"/>
+            </a:xfrm>
+            <a:prstGeom prst="rect">
+              <a:avLst/>
+            </a:prstGeom>
+            <a:noFill/>
+            <a:ln w="76200">
+              <a:solidFill>
+                <a:schemeClr val="tx1"/>
+              </a:solidFill>
+              <a:prstDash val="solid"/>
+            </a:ln>
+          </p:spPr>
+          <p:style>
+            <a:lnRef idx="2">
+              <a:schemeClr val="accent1">
+                <a:shade val="50000"/>
+              </a:schemeClr>
+            </a:lnRef>
+            <a:fillRef idx="1">
+              <a:schemeClr val="accent1"/>
+            </a:fillRef>
+            <a:effectRef idx="0">
+              <a:schemeClr val="accent1"/>
+            </a:effectRef>
+            <a:fontRef idx="minor">
+              <a:schemeClr val="lt1"/>
+            </a:fontRef>
+          </p:style>
+          <p:txBody>
+            <a:bodyPr lIns="457200" tIns="914400" rIns="457200" rtlCol="0" anchor="ctr"/>
+            <a:lstStyle/>
+            <a:p>
+              <a:pPr algn="ctr"/>
+              <a:endParaRPr lang="en-US" dirty="0"/>
+            </a:p>
+          </p:txBody>
+        </p:sp>
+        <p:sp>
+          <p:nvSpPr>
+            <p:cNvPr id="42" name="TextBox 41"/>
+            <p:cNvSpPr txBox="1"/>
+            <p:nvPr/>
+          </p:nvSpPr>
+          <p:spPr>
+            <a:xfrm>
+              <a:off x="5596281" y="19804634"/>
+              <a:ext cx="2338935" cy="1842800"/>
+            </a:xfrm>
+            <a:prstGeom prst="rect">
+              <a:avLst/>
+            </a:prstGeom>
+            <a:ln/>
+          </p:spPr>
+          <p:style>
+            <a:lnRef idx="1">
+              <a:schemeClr val="accent2"/>
+            </a:lnRef>
+            <a:fillRef idx="3">
+              <a:schemeClr val="accent2"/>
+            </a:fillRef>
+            <a:effectRef idx="2">
+              <a:schemeClr val="accent2"/>
+            </a:effectRef>
+            <a:fontRef idx="minor">
+              <a:schemeClr val="lt1"/>
+            </a:fontRef>
+          </p:style>
+          <p:txBody>
+            <a:bodyPr wrap="square" rtlCol="0">
+              <a:spAutoFit/>
+            </a:bodyPr>
+            <a:lstStyle/>
+            <a:p>
+              <a:pPr algn="ctr"/>
+              <a:r>
+                <a:rPr lang="en-US" sz="5400">
+                  <a:solidFill>
+                    <a:schemeClr val="bg1"/>
+                  </a:solidFill>
+                  <a:latin typeface="Bangla MN" charset="0"/>
+                  <a:ea typeface="Bangla MN" charset="0"/>
+                  <a:cs typeface="Bangla MN" charset="0"/>
+                </a:rPr>
+                <a:t>Analysis</a:t>
+              </a:r>
+              <a:endParaRPr lang="en-US" sz="5400" dirty="0">
+                <a:solidFill>
+                  <a:schemeClr val="bg1"/>
+                </a:solidFill>
+                <a:latin typeface="Bangla MN" charset="0"/>
+                <a:ea typeface="Bangla MN" charset="0"/>
+                <a:cs typeface="Bangla MN" charset="0"/>
+              </a:endParaRPr>
+            </a:p>
+          </p:txBody>
+        </p:sp>
+      </p:grpSp>
+      <p:sp>
+        <p:nvSpPr>
+          <p:cNvPr id="30" name="TextBox 29">
             <a:extLst>
               <a:ext uri="{FF2B5EF4-FFF2-40B4-BE49-F238E27FC236}">
-                <a16:creationId xmlns:a16="http://schemas.microsoft.com/office/drawing/2014/main" id="{74BA1CC2-D08C-4388-89CD-C935A7E5AD0F}"/>
+                <a16:creationId xmlns:a16="http://schemas.microsoft.com/office/drawing/2014/main" id="{EABD6380-F16B-42AE-AB20-AED81D8BA8F5}"/>
               </a:ext>
             </a:extLst>
           </p:cNvPr>
-          <p:cNvSpPr>
-            <a:spLocks noGrp="1"/>
-          </p:cNvSpPr>
-          <p:nvPr>
-            <p:ph type="ctrTitle"/>
-          </p:nvPr>
-        </p:nvSpPr>
-        <p:spPr/>
-        <p:txBody>
-          <a:bodyPr/>
+          <p:cNvSpPr txBox="1"/>
+          <p:nvPr/>
+        </p:nvSpPr>
+        <p:spPr>
+          <a:xfrm>
+            <a:off x="1295401" y="2884310"/>
+            <a:ext cx="36292239" cy="1200329"/>
+          </a:xfrm>
+          <a:prstGeom prst="rect">
+            <a:avLst/>
+          </a:prstGeom>
+          <a:noFill/>
+        </p:spPr>
+        <p:txBody>
+          <a:bodyPr wrap="square" rtlCol="0">
+            <a:spAutoFit/>
+          </a:bodyPr>
           <a:lstStyle/>
           <a:p>
-            <a:endParaRPr lang="en-US"/>
-          </a:p>
-        </p:txBody>
-      </p:sp>
-      <p:sp>
-        <p:nvSpPr>
-          <p:cNvPr id="3" name="Subtitle 2">
+            <a:r>
+              <a:rPr lang="en-US" sz="3600" b="1" baseline="30000" dirty="0">
+                <a:solidFill>
+                  <a:schemeClr val="tx1"/>
+                </a:solidFill>
+              </a:rPr>
+              <a:t>1</a:t>
+            </a:r>
+            <a:r>
+              <a:rPr lang="en-US" sz="3600" dirty="0">
+                <a:latin typeface="Bangla MN" charset="0"/>
+                <a:ea typeface="Bangla MN" charset="0"/>
+                <a:cs typeface="Bangla MN" charset="0"/>
+              </a:rPr>
+              <a:t>Department of Electrical and Computer Engineering, University of Utah </a:t>
+            </a:r>
+          </a:p>
+          <a:p>
+            <a:r>
+              <a:rPr lang="en-US" sz="3600" dirty="0">
+                <a:latin typeface="Bangla MN" charset="0"/>
+                <a:ea typeface="Bangla MN" charset="0"/>
+                <a:cs typeface="Bangla MN" charset="0"/>
+              </a:rPr>
+              <a:t>Instructor: Neda Nategh</a:t>
+            </a:r>
+            <a:endParaRPr lang="en-US" sz="3600" baseline="30000" dirty="0">
+              <a:latin typeface="Bangla MN" charset="0"/>
+              <a:ea typeface="Bangla MN" charset="0"/>
+              <a:cs typeface="Bangla MN" charset="0"/>
+            </a:endParaRPr>
+          </a:p>
+        </p:txBody>
+      </p:sp>
+      <p:grpSp>
+        <p:nvGrpSpPr>
+          <p:cNvPr id="8" name="Group 7">
             <a:extLst>
               <a:ext uri="{FF2B5EF4-FFF2-40B4-BE49-F238E27FC236}">
-                <a16:creationId xmlns:a16="http://schemas.microsoft.com/office/drawing/2014/main" id="{D2BDBA98-CC2E-4271-A9CC-69BCA8077776}"/>
+                <a16:creationId xmlns:a16="http://schemas.microsoft.com/office/drawing/2014/main" id="{F3A17757-1132-41D3-B375-A1C6758D8BC6}"/>
               </a:ext>
             </a:extLst>
           </p:cNvPr>
-          <p:cNvSpPr>
-            <a:spLocks noGrp="1"/>
-          </p:cNvSpPr>
-          <p:nvPr>
-            <p:ph type="subTitle" idx="1"/>
-          </p:nvPr>
-        </p:nvSpPr>
-        <p:spPr/>
-        <p:txBody>
-          <a:bodyPr/>
+          <p:cNvGrpSpPr/>
+          <p:nvPr/>
+        </p:nvGrpSpPr>
+        <p:grpSpPr>
+          <a:xfrm>
+            <a:off x="12658344" y="5124514"/>
+            <a:ext cx="30240653" cy="6999420"/>
+            <a:chOff x="12617171" y="23698200"/>
+            <a:chExt cx="18153841" cy="9260146"/>
+          </a:xfrm>
+        </p:grpSpPr>
+        <p:grpSp>
+          <p:nvGrpSpPr>
+            <p:cNvPr id="6" name="Group 5"/>
+            <p:cNvGrpSpPr/>
+            <p:nvPr/>
+          </p:nvGrpSpPr>
+          <p:grpSpPr>
+            <a:xfrm>
+              <a:off x="13058880" y="23698200"/>
+              <a:ext cx="17712132" cy="9260146"/>
+              <a:chOff x="13536444" y="20953271"/>
+              <a:chExt cx="13899016" cy="12234346"/>
+            </a:xfrm>
+          </p:grpSpPr>
+          <p:sp>
+            <p:nvSpPr>
+              <p:cNvPr id="50" name="Rectangle 49"/>
+              <p:cNvSpPr/>
+              <p:nvPr/>
+            </p:nvSpPr>
+            <p:spPr>
+              <a:xfrm>
+                <a:off x="13536444" y="21566383"/>
+                <a:ext cx="13899016" cy="11621234"/>
+              </a:xfrm>
+              <a:prstGeom prst="rect">
+                <a:avLst/>
+              </a:prstGeom>
+              <a:noFill/>
+              <a:ln w="76200">
+                <a:solidFill>
+                  <a:schemeClr val="tx1"/>
+                </a:solidFill>
+              </a:ln>
+            </p:spPr>
+            <p:style>
+              <a:lnRef idx="2">
+                <a:schemeClr val="accent1">
+                  <a:shade val="50000"/>
+                </a:schemeClr>
+              </a:lnRef>
+              <a:fillRef idx="1">
+                <a:schemeClr val="accent1"/>
+              </a:fillRef>
+              <a:effectRef idx="0">
+                <a:schemeClr val="accent1"/>
+              </a:effectRef>
+              <a:fontRef idx="minor">
+                <a:schemeClr val="lt1"/>
+              </a:fontRef>
+            </p:style>
+            <p:txBody>
+              <a:bodyPr lIns="457200" tIns="914400" rIns="457200" rtlCol="0" anchor="ctr"/>
+              <a:lstStyle/>
+              <a:p>
+                <a:pPr algn="ctr"/>
+                <a:endParaRPr lang="en-US"/>
+              </a:p>
+            </p:txBody>
+          </p:sp>
+          <p:sp>
+            <p:nvSpPr>
+              <p:cNvPr id="51" name="TextBox 50"/>
+              <p:cNvSpPr txBox="1"/>
+              <p:nvPr/>
+            </p:nvSpPr>
+            <p:spPr>
+              <a:xfrm>
+                <a:off x="18210300" y="20953271"/>
+                <a:ext cx="4006297" cy="1613896"/>
+              </a:xfrm>
+              <a:prstGeom prst="rect">
+                <a:avLst/>
+              </a:prstGeom>
+            </p:spPr>
+            <p:style>
+              <a:lnRef idx="1">
+                <a:schemeClr val="accent2"/>
+              </a:lnRef>
+              <a:fillRef idx="3">
+                <a:schemeClr val="accent2"/>
+              </a:fillRef>
+              <a:effectRef idx="2">
+                <a:schemeClr val="accent2"/>
+              </a:effectRef>
+              <a:fontRef idx="minor">
+                <a:schemeClr val="lt1"/>
+              </a:fontRef>
+            </p:style>
+            <p:txBody>
+              <a:bodyPr wrap="square" rtlCol="0">
+                <a:spAutoFit/>
+              </a:bodyPr>
+              <a:lstStyle/>
+              <a:p>
+                <a:pPr algn="ctr"/>
+                <a:r>
+                  <a:rPr lang="en-US" sz="5400">
+                    <a:solidFill>
+                      <a:schemeClr val="bg1"/>
+                    </a:solidFill>
+                    <a:latin typeface="Bangla MN" charset="0"/>
+                    <a:ea typeface="Bangla MN" charset="0"/>
+                    <a:cs typeface="Bangla MN" charset="0"/>
+                  </a:rPr>
+                  <a:t>Audio Effect</a:t>
+                </a:r>
+                <a:endParaRPr lang="en-US" sz="5400" dirty="0">
+                  <a:solidFill>
+                    <a:schemeClr val="bg1"/>
+                  </a:solidFill>
+                  <a:latin typeface="Bangla MN" charset="0"/>
+                  <a:ea typeface="Bangla MN" charset="0"/>
+                  <a:cs typeface="Bangla MN" charset="0"/>
+                </a:endParaRPr>
+              </a:p>
+            </p:txBody>
+          </p:sp>
+        </p:grpSp>
+        <p:sp>
+          <p:nvSpPr>
+            <p:cNvPr id="18" name="TextBox 17"/>
+            <p:cNvSpPr txBox="1"/>
+            <p:nvPr/>
+          </p:nvSpPr>
+          <p:spPr>
+            <a:xfrm>
+              <a:off x="12617171" y="24652546"/>
+              <a:ext cx="18114021" cy="769441"/>
+            </a:xfrm>
+            <a:prstGeom prst="rect">
+              <a:avLst/>
+            </a:prstGeom>
+            <a:noFill/>
+          </p:spPr>
+          <p:txBody>
+            <a:bodyPr wrap="square" rtlCol="0">
+              <a:spAutoFit/>
+            </a:bodyPr>
+            <a:lstStyle/>
+            <a:p>
+              <a:pPr marL="481012">
+                <a:spcAft>
+                  <a:spcPts val="4000"/>
+                </a:spcAft>
+              </a:pPr>
+              <a:r>
+                <a:rPr lang="en-US" sz="4400" dirty="0">
+                  <a:latin typeface="Al Bayan Plain" charset="-78"/>
+                  <a:ea typeface="Al Bayan Plain" charset="-78"/>
+                  <a:cs typeface="Al Bayan Plain" charset="-78"/>
+                </a:rPr>
+                <a:t> </a:t>
+              </a:r>
+            </a:p>
+          </p:txBody>
+        </p:sp>
+      </p:grpSp>
+      <mc:AlternateContent xmlns:mc="http://schemas.openxmlformats.org/markup-compatibility/2006">
+        <mc:Choice xmlns:a14="http://schemas.microsoft.com/office/drawing/2010/main" Requires="a14">
+          <p:sp>
+            <p:nvSpPr>
+              <p:cNvPr id="77" name="Rectangle 76">
+                <a:extLst>
+                  <a:ext uri="{FF2B5EF4-FFF2-40B4-BE49-F238E27FC236}">
+                    <a16:creationId xmlns:a16="http://schemas.microsoft.com/office/drawing/2014/main" id="{D32A5D87-7F7D-AD4A-AEA5-662F84FE5E2D}"/>
+                  </a:ext>
+                </a:extLst>
+              </p:cNvPr>
+              <p:cNvSpPr/>
+              <p:nvPr/>
+            </p:nvSpPr>
+            <p:spPr>
+              <a:xfrm>
+                <a:off x="1076813" y="12725400"/>
+                <a:ext cx="11850174" cy="13948235"/>
+              </a:xfrm>
+              <a:prstGeom prst="rect">
+                <a:avLst/>
+              </a:prstGeom>
+              <a:solidFill>
+                <a:schemeClr val="bg1"/>
+              </a:solidFill>
+              <a:ln w="76200">
+                <a:solidFill>
+                  <a:schemeClr val="tx1"/>
+                </a:solidFill>
+              </a:ln>
+            </p:spPr>
+            <p:style>
+              <a:lnRef idx="2">
+                <a:schemeClr val="accent1">
+                  <a:shade val="50000"/>
+                </a:schemeClr>
+              </a:lnRef>
+              <a:fillRef idx="1">
+                <a:schemeClr val="accent1"/>
+              </a:fillRef>
+              <a:effectRef idx="0">
+                <a:schemeClr val="accent1"/>
+              </a:effectRef>
+              <a:fontRef idx="minor">
+                <a:schemeClr val="lt1"/>
+              </a:fontRef>
+            </p:style>
+            <p:txBody>
+              <a:bodyPr lIns="457200" tIns="914400" rIns="457200" rtlCol="0" anchor="t"/>
+              <a:lstStyle/>
+              <a:p>
+                <a:pPr algn="just" rtl="0">
+                  <a:spcBef>
+                    <a:spcPts val="0"/>
+                  </a:spcBef>
+                  <a:spcAft>
+                    <a:spcPts val="600"/>
+                  </a:spcAft>
+                </a:pPr>
+                <a:r>
+                  <a:rPr lang="en-US" sz="3200"/>
+                  <a:t> </a:t>
+                </a:r>
+                <a:r>
+                  <a:rPr lang="en-US" sz="3200" b="0" i="0" u="none" strike="noStrike">
+                    <a:solidFill>
+                      <a:srgbClr val="000000"/>
+                    </a:solidFill>
+                    <a:effectLst/>
+                    <a:latin typeface="Calibri" panose="020F0502020204030204" pitchFamily="34" charset="0"/>
+                  </a:rPr>
+                  <a:t>The following FIR filtering techniques were implemented in this research:</a:t>
+                </a:r>
+                <a:endParaRPr lang="en-US" sz="3200" b="0">
+                  <a:effectLst/>
+                </a:endParaRPr>
+              </a:p>
+              <a:p>
+                <a:pPr algn="just" rtl="0">
+                  <a:spcBef>
+                    <a:spcPts val="0"/>
+                  </a:spcBef>
+                  <a:spcAft>
+                    <a:spcPts val="600"/>
+                  </a:spcAft>
+                </a:pPr>
+                <a:r>
+                  <a:rPr lang="en-US" sz="3200" b="1" i="0" u="none" strike="noStrike">
+                    <a:solidFill>
+                      <a:srgbClr val="000000"/>
+                    </a:solidFill>
+                    <a:effectLst/>
+                    <a:latin typeface="Calibri" panose="020F0502020204030204" pitchFamily="34" charset="0"/>
+                  </a:rPr>
+                  <a:t>Echo:</a:t>
+                </a:r>
+                <a:r>
+                  <a:rPr lang="en-US" sz="3200" b="0" i="0" u="none" strike="noStrike">
+                    <a:solidFill>
+                      <a:srgbClr val="000000"/>
+                    </a:solidFill>
+                    <a:effectLst/>
+                    <a:latin typeface="Calibri" panose="020F0502020204030204" pitchFamily="34" charset="0"/>
+                  </a:rPr>
+                  <a:t> </a:t>
+                </a:r>
+              </a:p>
+              <a:p>
+                <a:pPr algn="just" rtl="0">
+                  <a:spcBef>
+                    <a:spcPts val="0"/>
+                  </a:spcBef>
+                  <a:spcAft>
+                    <a:spcPts val="600"/>
+                  </a:spcAft>
+                </a:pPr>
+                <a:r>
+                  <a:rPr lang="en-US" sz="3200" b="0" i="0" u="none" strike="noStrike">
+                    <a:solidFill>
+                      <a:srgbClr val="000000"/>
+                    </a:solidFill>
+                    <a:effectLst/>
+                    <a:latin typeface="Calibri" panose="020F0502020204030204" pitchFamily="34" charset="0"/>
+                  </a:rPr>
+                  <a:t>A linear-phase shift that generates a signal delay with a relative magnitude to the original signal.  This phenomenon produces echoes and reverberations in audio signals, as well as “ghosts” in images.</a:t>
+                </a:r>
+                <a:endParaRPr lang="en-US" sz="3200" b="0">
+                  <a:effectLst/>
+                </a:endParaRPr>
+              </a:p>
+              <a:p>
+                <a:pPr>
+                  <a:spcAft>
+                    <a:spcPts val="600"/>
+                  </a:spcAft>
+                </a:pPr>
+                <a:r>
+                  <a:rPr lang="en-US" sz="3200" b="1" i="0" u="none" strike="noStrike">
+                    <a:solidFill>
+                      <a:srgbClr val="000000"/>
+                    </a:solidFill>
+                    <a:effectLst/>
+                    <a:latin typeface="Calibri" panose="020F0502020204030204" pitchFamily="34" charset="0"/>
+                  </a:rPr>
+                  <a:t>Cascading Systems: </a:t>
+                </a:r>
+              </a:p>
+              <a:p>
+                <a:pPr>
+                  <a:spcAft>
+                    <a:spcPts val="600"/>
+                  </a:spcAft>
+                </a:pPr>
+                <a:r>
+                  <a:rPr lang="en-US" sz="3200" b="0" i="0" u="none" strike="noStrike">
+                    <a:solidFill>
+                      <a:srgbClr val="000000"/>
+                    </a:solidFill>
+                    <a:effectLst/>
+                    <a:latin typeface="Calibri" panose="020F0502020204030204" pitchFamily="34" charset="0"/>
+                  </a:rPr>
+                  <a:t>The process of sequentially convolving two FIR filters on the same signal.  </a:t>
+                </a:r>
+              </a:p>
+              <a:p>
+                <a:pPr algn="just" rtl="0">
+                  <a:spcBef>
+                    <a:spcPts val="0"/>
+                  </a:spcBef>
+                  <a:spcAft>
+                    <a:spcPts val="600"/>
+                  </a:spcAft>
+                </a:pPr>
+                <a:r>
+                  <a:rPr lang="en-US" sz="3200" b="1" i="0" u="none" strike="noStrike">
+                    <a:solidFill>
+                      <a:srgbClr val="000000"/>
+                    </a:solidFill>
+                    <a:effectLst/>
+                    <a:latin typeface="Calibri" panose="020F0502020204030204" pitchFamily="34" charset="0"/>
+                  </a:rPr>
+                  <a:t>Deconvolution:</a:t>
+                </a:r>
+                <a:r>
+                  <a:rPr lang="en-US" sz="3200" b="0" i="0" u="none" strike="noStrike">
+                    <a:solidFill>
+                      <a:srgbClr val="000000"/>
+                    </a:solidFill>
+                    <a:effectLst/>
+                    <a:latin typeface="Calibri" panose="020F0502020204030204" pitchFamily="34" charset="0"/>
+                  </a:rPr>
+                  <a:t> </a:t>
+                </a:r>
+              </a:p>
+              <a:p>
+                <a:pPr algn="just" rtl="0">
+                  <a:spcBef>
+                    <a:spcPts val="0"/>
+                  </a:spcBef>
+                  <a:spcAft>
+                    <a:spcPts val="600"/>
+                  </a:spcAft>
+                </a:pPr>
+                <a:r>
+                  <a:rPr lang="en-US" sz="3200" b="0" i="0" u="none" strike="noStrike">
+                    <a:solidFill>
+                      <a:srgbClr val="000000"/>
+                    </a:solidFill>
+                    <a:effectLst/>
+                    <a:latin typeface="Calibri" panose="020F0502020204030204" pitchFamily="34" charset="0"/>
+                  </a:rPr>
+                  <a:t>A signal processing technique used to rectify an undesired convolution.  This is useful in image restoration.</a:t>
+                </a:r>
+                <a:endParaRPr lang="en-US" sz="3200" b="0">
+                  <a:effectLst/>
+                </a:endParaRPr>
+              </a:p>
+              <a:p>
+                <a:pPr>
+                  <a:spcAft>
+                    <a:spcPts val="600"/>
+                  </a:spcAft>
+                </a:pPr>
+                <a:r>
+                  <a:rPr lang="en-US" sz="3200" b="1" i="0" u="none" strike="noStrike">
+                    <a:solidFill>
+                      <a:srgbClr val="000000"/>
+                    </a:solidFill>
+                    <a:effectLst/>
+                    <a:latin typeface="Calibri" panose="020F0502020204030204" pitchFamily="34" charset="0"/>
+                  </a:rPr>
+                  <a:t>First-Difference Filter: </a:t>
+                </a:r>
+                <a14:m>
+                  <m:oMath xmlns:m="http://schemas.openxmlformats.org/officeDocument/2006/math">
+                    <m:r>
+                      <a:rPr lang="en-US" sz="3200" b="1" i="0" u="none" strike="noStrike" smtClean="0">
+                        <a:solidFill>
+                          <a:srgbClr val="000000"/>
+                        </a:solidFill>
+                        <a:effectLst/>
+                        <a:latin typeface="Cambria Math" panose="02040503050406030204" pitchFamily="18" charset="0"/>
+                      </a:rPr>
+                      <m:t> </m:t>
+                    </m:r>
+                    <m:r>
+                      <a:rPr lang="en-US" sz="3200" b="1" i="1" u="none" strike="noStrike" smtClean="0">
+                        <a:solidFill>
+                          <a:srgbClr val="000000"/>
+                        </a:solidFill>
+                        <a:effectLst/>
+                        <a:latin typeface="Cambria Math" panose="02040503050406030204" pitchFamily="18" charset="0"/>
+                      </a:rPr>
+                      <m:t>𝒚</m:t>
+                    </m:r>
+                    <m:d>
+                      <m:dPr>
+                        <m:ctrlPr>
+                          <a:rPr lang="en-US" sz="3200" b="1" i="1" u="none" strike="noStrike" smtClean="0">
+                            <a:solidFill>
+                              <a:srgbClr val="000000"/>
+                            </a:solidFill>
+                            <a:effectLst/>
+                            <a:latin typeface="Cambria Math" panose="02040503050406030204" pitchFamily="18" charset="0"/>
+                          </a:rPr>
+                        </m:ctrlPr>
+                      </m:dPr>
+                      <m:e>
+                        <m:r>
+                          <a:rPr lang="en-US" sz="3200" b="1" i="1" u="none" strike="noStrike" smtClean="0">
+                            <a:solidFill>
+                              <a:srgbClr val="000000"/>
+                            </a:solidFill>
+                            <a:effectLst/>
+                            <a:latin typeface="Cambria Math" panose="02040503050406030204" pitchFamily="18" charset="0"/>
+                          </a:rPr>
+                          <m:t>𝒏</m:t>
+                        </m:r>
+                      </m:e>
+                    </m:d>
+                    <m:r>
+                      <a:rPr lang="en-US" sz="3200" b="1" i="1" u="none" strike="noStrike" smtClean="0">
+                        <a:solidFill>
+                          <a:srgbClr val="000000"/>
+                        </a:solidFill>
+                        <a:effectLst/>
+                        <a:latin typeface="Cambria Math" panose="02040503050406030204" pitchFamily="18" charset="0"/>
+                      </a:rPr>
+                      <m:t>=</m:t>
+                    </m:r>
+                    <m:r>
+                      <a:rPr lang="en-US" sz="3200" b="1" i="1" u="none" strike="noStrike" smtClean="0">
+                        <a:solidFill>
+                          <a:srgbClr val="000000"/>
+                        </a:solidFill>
+                        <a:effectLst/>
+                        <a:latin typeface="Cambria Math" panose="02040503050406030204" pitchFamily="18" charset="0"/>
+                      </a:rPr>
+                      <m:t>𝒙</m:t>
+                    </m:r>
+                    <m:d>
+                      <m:dPr>
+                        <m:ctrlPr>
+                          <a:rPr lang="en-US" sz="3200" b="1" i="1" u="none" strike="noStrike" smtClean="0">
+                            <a:solidFill>
+                              <a:srgbClr val="000000"/>
+                            </a:solidFill>
+                            <a:effectLst/>
+                            <a:latin typeface="Cambria Math" panose="02040503050406030204" pitchFamily="18" charset="0"/>
+                          </a:rPr>
+                        </m:ctrlPr>
+                      </m:dPr>
+                      <m:e>
+                        <m:r>
+                          <a:rPr lang="en-US" sz="3200" b="1" i="1" u="none" strike="noStrike" smtClean="0">
+                            <a:solidFill>
+                              <a:srgbClr val="000000"/>
+                            </a:solidFill>
+                            <a:effectLst/>
+                            <a:latin typeface="Cambria Math" panose="02040503050406030204" pitchFamily="18" charset="0"/>
+                          </a:rPr>
+                          <m:t>𝒏</m:t>
+                        </m:r>
+                      </m:e>
+                    </m:d>
+                    <m:r>
+                      <a:rPr lang="en-US" sz="3200" b="1" i="1" u="none" strike="noStrike" smtClean="0">
+                        <a:solidFill>
+                          <a:srgbClr val="000000"/>
+                        </a:solidFill>
+                        <a:effectLst/>
+                        <a:latin typeface="Cambria Math" panose="02040503050406030204" pitchFamily="18" charset="0"/>
+                      </a:rPr>
+                      <m:t>−</m:t>
+                    </m:r>
+                    <m:r>
+                      <a:rPr lang="en-US" sz="3200" b="1" i="1" u="none" strike="noStrike" smtClean="0">
+                        <a:solidFill>
+                          <a:srgbClr val="000000"/>
+                        </a:solidFill>
+                        <a:effectLst/>
+                        <a:latin typeface="Cambria Math" panose="02040503050406030204" pitchFamily="18" charset="0"/>
+                      </a:rPr>
+                      <m:t>𝒙</m:t>
+                    </m:r>
+                    <m:r>
+                      <a:rPr lang="en-US" sz="3200" b="1" i="1" u="none" strike="noStrike" smtClean="0">
+                        <a:solidFill>
+                          <a:srgbClr val="000000"/>
+                        </a:solidFill>
+                        <a:effectLst/>
+                        <a:latin typeface="Cambria Math" panose="02040503050406030204" pitchFamily="18" charset="0"/>
+                      </a:rPr>
+                      <m:t>(</m:t>
+                    </m:r>
+                    <m:r>
+                      <a:rPr lang="en-US" sz="3200" b="1" i="1" u="none" strike="noStrike" smtClean="0">
+                        <a:solidFill>
+                          <a:srgbClr val="000000"/>
+                        </a:solidFill>
+                        <a:effectLst/>
+                        <a:latin typeface="Cambria Math" panose="02040503050406030204" pitchFamily="18" charset="0"/>
+                      </a:rPr>
+                      <m:t>𝒏</m:t>
+                    </m:r>
+                    <m:r>
+                      <a:rPr lang="en-US" sz="3200" b="1" i="1" u="none" strike="noStrike" smtClean="0">
+                        <a:solidFill>
+                          <a:srgbClr val="000000"/>
+                        </a:solidFill>
+                        <a:effectLst/>
+                        <a:latin typeface="Cambria Math" panose="02040503050406030204" pitchFamily="18" charset="0"/>
+                      </a:rPr>
+                      <m:t>−</m:t>
+                    </m:r>
+                    <m:r>
+                      <a:rPr lang="en-US" sz="3200" b="1" i="1" u="none" strike="noStrike" smtClean="0">
+                        <a:solidFill>
+                          <a:srgbClr val="000000"/>
+                        </a:solidFill>
+                        <a:effectLst/>
+                        <a:latin typeface="Cambria Math" panose="02040503050406030204" pitchFamily="18" charset="0"/>
+                      </a:rPr>
+                      <m:t>𝟏</m:t>
+                    </m:r>
+                    <m:r>
+                      <a:rPr lang="en-US" sz="3200" b="1" i="1" u="none" strike="noStrike" smtClean="0">
+                        <a:solidFill>
+                          <a:srgbClr val="000000"/>
+                        </a:solidFill>
+                        <a:effectLst/>
+                        <a:latin typeface="Cambria Math" panose="02040503050406030204" pitchFamily="18" charset="0"/>
+                      </a:rPr>
+                      <m:t>)</m:t>
+                    </m:r>
+                  </m:oMath>
+                </a14:m>
+                <a:r>
+                  <a:rPr lang="en-US" sz="3200" b="1" i="0" u="none" strike="noStrike">
+                    <a:solidFill>
+                      <a:srgbClr val="000000"/>
+                    </a:solidFill>
+                    <a:effectLst/>
+                    <a:latin typeface="Calibri" panose="020F0502020204030204" pitchFamily="34" charset="0"/>
+                  </a:rPr>
+                  <a:t> </a:t>
+                </a:r>
+              </a:p>
+              <a:p>
+                <a:pPr>
+                  <a:spcAft>
+                    <a:spcPts val="600"/>
+                  </a:spcAft>
+                </a:pPr>
+                <a:r>
+                  <a:rPr lang="en-US" sz="3200" b="0" i="0" u="none" strike="noStrike">
+                    <a:solidFill>
+                      <a:srgbClr val="000000"/>
+                    </a:solidFill>
+                    <a:effectLst/>
+                    <a:latin typeface="Calibri" panose="020F0502020204030204" pitchFamily="34" charset="0"/>
+                  </a:rPr>
+                  <a:t>A filter designed for detecting significant fluctuations in a signal.  This concept is known as edge detection and can be used in many image processing applications including bar code scanning.</a:t>
+                </a:r>
+                <a:endParaRPr lang="en-US" sz="3200" dirty="0"/>
+              </a:p>
+            </p:txBody>
+          </p:sp>
+        </mc:Choice>
+        <mc:Fallback>
+          <p:sp>
+            <p:nvSpPr>
+              <p:cNvPr id="77" name="Rectangle 76">
+                <a:extLst>
+                  <a:ext uri="{FF2B5EF4-FFF2-40B4-BE49-F238E27FC236}">
+                    <a16:creationId xmlns:a16="http://schemas.microsoft.com/office/drawing/2014/main" id="{D32A5D87-7F7D-AD4A-AEA5-662F84FE5E2D}"/>
+                  </a:ext>
+                </a:extLst>
+              </p:cNvPr>
+              <p:cNvSpPr>
+                <a:spLocks noRot="1" noChangeAspect="1" noMove="1" noResize="1" noEditPoints="1" noAdjustHandles="1" noChangeArrowheads="1" noChangeShapeType="1" noTextEdit="1"/>
+              </p:cNvSpPr>
+              <p:nvPr/>
+            </p:nvSpPr>
+            <p:spPr>
+              <a:xfrm>
+                <a:off x="1076813" y="12725400"/>
+                <a:ext cx="11850174" cy="13948235"/>
+              </a:xfrm>
+              <a:prstGeom prst="rect">
+                <a:avLst/>
+              </a:prstGeom>
+              <a:blipFill>
+                <a:blip r:embed="rId3"/>
+                <a:stretch>
+                  <a:fillRect/>
+                </a:stretch>
+              </a:blipFill>
+              <a:ln w="76200">
+                <a:solidFill>
+                  <a:schemeClr val="tx1"/>
+                </a:solidFill>
+              </a:ln>
+            </p:spPr>
+            <p:txBody>
+              <a:bodyPr/>
+              <a:lstStyle/>
+              <a:p>
+                <a:r>
+                  <a:rPr lang="en-US">
+                    <a:noFill/>
+                  </a:rPr>
+                  <a:t> </a:t>
+                </a:r>
+              </a:p>
+            </p:txBody>
+          </p:sp>
+        </mc:Fallback>
+      </mc:AlternateContent>
+      <p:sp>
+        <p:nvSpPr>
+          <p:cNvPr id="78" name="TextBox 77">
+            <a:extLst>
+              <a:ext uri="{FF2B5EF4-FFF2-40B4-BE49-F238E27FC236}">
+                <a16:creationId xmlns:a16="http://schemas.microsoft.com/office/drawing/2014/main" id="{505F8FE6-358E-B041-960A-E8BB7198256E}"/>
+              </a:ext>
+            </a:extLst>
+          </p:cNvPr>
+          <p:cNvSpPr txBox="1"/>
+          <p:nvPr/>
+        </p:nvSpPr>
+        <p:spPr>
+          <a:xfrm>
+            <a:off x="4131308" y="12411670"/>
+            <a:ext cx="5302415" cy="923330"/>
+          </a:xfrm>
+          <a:prstGeom prst="rect">
+            <a:avLst/>
+          </a:prstGeom>
+          <a:ln/>
+        </p:spPr>
+        <p:style>
+          <a:lnRef idx="1">
+            <a:schemeClr val="accent2"/>
+          </a:lnRef>
+          <a:fillRef idx="3">
+            <a:schemeClr val="accent2"/>
+          </a:fillRef>
+          <a:effectRef idx="2">
+            <a:schemeClr val="accent2"/>
+          </a:effectRef>
+          <a:fontRef idx="minor">
+            <a:schemeClr val="lt1"/>
+          </a:fontRef>
+        </p:style>
+        <p:txBody>
+          <a:bodyPr wrap="square" rtlCol="0">
+            <a:spAutoFit/>
+          </a:bodyPr>
           <a:lstStyle/>
           <a:p>
-            <a:endParaRPr lang="en-US"/>
+            <a:pPr algn="ctr"/>
+            <a:r>
+              <a:rPr lang="en-US" sz="5400" dirty="0">
+                <a:solidFill>
+                  <a:schemeClr val="bg1"/>
+                </a:solidFill>
+                <a:latin typeface="Bangla MN" charset="0"/>
+                <a:ea typeface="Bangla MN" charset="0"/>
+                <a:cs typeface="Bangla MN" charset="0"/>
+              </a:rPr>
+              <a:t>Methods</a:t>
+            </a:r>
+          </a:p>
+        </p:txBody>
+      </p:sp>
+      <p:sp>
+        <p:nvSpPr>
+          <p:cNvPr id="80" name="TextBox 79">
+            <a:extLst>
+              <a:ext uri="{FF2B5EF4-FFF2-40B4-BE49-F238E27FC236}">
+                <a16:creationId xmlns:a16="http://schemas.microsoft.com/office/drawing/2014/main" id="{7E97B591-3EF4-604D-B8F4-85EF95585925}"/>
+              </a:ext>
+            </a:extLst>
+          </p:cNvPr>
+          <p:cNvSpPr txBox="1"/>
+          <p:nvPr/>
+        </p:nvSpPr>
+        <p:spPr>
+          <a:xfrm>
+            <a:off x="37567962" y="1859340"/>
+            <a:ext cx="5027838" cy="1569660"/>
+          </a:xfrm>
+          <a:prstGeom prst="rect">
+            <a:avLst/>
+          </a:prstGeom>
+          <a:noFill/>
+        </p:spPr>
+        <p:txBody>
+          <a:bodyPr wrap="square" rtlCol="0">
+            <a:spAutoFit/>
+          </a:bodyPr>
+          <a:lstStyle/>
+          <a:p>
+            <a:r>
+              <a:rPr lang="en-US" sz="4800" i="1" dirty="0">
+                <a:latin typeface="Lucida Fax" panose="02060602050505020204" pitchFamily="18" charset="77"/>
+                <a:cs typeface="Lucida Grande" panose="020B0600040502020204" pitchFamily="34" charset="0"/>
+              </a:rPr>
+              <a:t>College </a:t>
+            </a:r>
+            <a:r>
+              <a:rPr lang="en-US" sz="4800" dirty="0">
+                <a:latin typeface="Lucida Fax" panose="02060602050505020204" pitchFamily="18" charset="77"/>
+                <a:cs typeface="Lucida Grande" panose="020B0600040502020204" pitchFamily="34" charset="0"/>
+              </a:rPr>
+              <a:t>of</a:t>
+            </a:r>
+          </a:p>
+          <a:p>
+            <a:r>
+              <a:rPr lang="en-US" sz="4800" dirty="0">
+                <a:latin typeface="Lucida Fax" panose="02060602050505020204" pitchFamily="18" charset="77"/>
+                <a:cs typeface="Lucida Grande" panose="020B0600040502020204" pitchFamily="34" charset="0"/>
+              </a:rPr>
+              <a:t>Engineering</a:t>
+            </a:r>
+          </a:p>
+        </p:txBody>
+      </p:sp>
+      <p:pic>
+        <p:nvPicPr>
+          <p:cNvPr id="4" name="Picture 3" descr="Logo, company name&#10;&#10;Description automatically generated">
+            <a:extLst>
+              <a:ext uri="{FF2B5EF4-FFF2-40B4-BE49-F238E27FC236}">
+                <a16:creationId xmlns:a16="http://schemas.microsoft.com/office/drawing/2014/main" id="{9080E450-CA1F-469F-BFE3-A6F71005D86B}"/>
+              </a:ext>
+            </a:extLst>
+          </p:cNvPr>
+          <p:cNvPicPr>
+            <a:picLocks noChangeAspect="1"/>
+          </p:cNvPicPr>
+          <p:nvPr/>
+        </p:nvPicPr>
+        <p:blipFill>
+          <a:blip r:embed="rId4">
+            <a:extLst>
+              <a:ext uri="{28A0092B-C50C-407E-A947-70E740481C1C}">
+                <a14:useLocalDpi xmlns:a14="http://schemas.microsoft.com/office/drawing/2010/main" val="0"/>
+              </a:ext>
+            </a:extLst>
+          </a:blip>
+          <a:stretch>
+            <a:fillRect/>
+          </a:stretch>
+        </p:blipFill>
+        <p:spPr>
+          <a:xfrm>
+            <a:off x="33223200" y="609600"/>
+            <a:ext cx="3810000" cy="3810000"/>
+          </a:xfrm>
+          <a:prstGeom prst="rect">
+            <a:avLst/>
+          </a:prstGeom>
+        </p:spPr>
+      </p:pic>
+      <p:grpSp>
+        <p:nvGrpSpPr>
+          <p:cNvPr id="33" name="Group 32">
+            <a:extLst>
+              <a:ext uri="{FF2B5EF4-FFF2-40B4-BE49-F238E27FC236}">
+                <a16:creationId xmlns:a16="http://schemas.microsoft.com/office/drawing/2014/main" id="{4EC6506A-AF6D-4F28-B8A2-834FB027A84E}"/>
+              </a:ext>
+            </a:extLst>
+          </p:cNvPr>
+          <p:cNvGrpSpPr/>
+          <p:nvPr/>
+        </p:nvGrpSpPr>
+        <p:grpSpPr>
+          <a:xfrm>
+            <a:off x="12663745" y="12396202"/>
+            <a:ext cx="30240653" cy="6999420"/>
+            <a:chOff x="12617171" y="23698200"/>
+            <a:chExt cx="18153841" cy="9260146"/>
+          </a:xfrm>
+        </p:grpSpPr>
+        <p:grpSp>
+          <p:nvGrpSpPr>
+            <p:cNvPr id="38" name="Group 37">
+              <a:extLst>
+                <a:ext uri="{FF2B5EF4-FFF2-40B4-BE49-F238E27FC236}">
+                  <a16:creationId xmlns:a16="http://schemas.microsoft.com/office/drawing/2014/main" id="{334859E0-16F9-49AD-A867-3B46D40513AB}"/>
+                </a:ext>
+              </a:extLst>
+            </p:cNvPr>
+            <p:cNvGrpSpPr/>
+            <p:nvPr/>
+          </p:nvGrpSpPr>
+          <p:grpSpPr>
+            <a:xfrm>
+              <a:off x="13058880" y="23698200"/>
+              <a:ext cx="17712132" cy="9260146"/>
+              <a:chOff x="13536444" y="20953271"/>
+              <a:chExt cx="13899016" cy="12234346"/>
+            </a:xfrm>
+          </p:grpSpPr>
+          <p:sp>
+            <p:nvSpPr>
+              <p:cNvPr id="48" name="Rectangle 47">
+                <a:extLst>
+                  <a:ext uri="{FF2B5EF4-FFF2-40B4-BE49-F238E27FC236}">
+                    <a16:creationId xmlns:a16="http://schemas.microsoft.com/office/drawing/2014/main" id="{4A77DF53-EA55-49EA-8CE3-974137BED516}"/>
+                  </a:ext>
+                </a:extLst>
+              </p:cNvPr>
+              <p:cNvSpPr/>
+              <p:nvPr/>
+            </p:nvSpPr>
+            <p:spPr>
+              <a:xfrm>
+                <a:off x="13536444" y="21566383"/>
+                <a:ext cx="13899016" cy="11621234"/>
+              </a:xfrm>
+              <a:prstGeom prst="rect">
+                <a:avLst/>
+              </a:prstGeom>
+              <a:noFill/>
+              <a:ln w="76200">
+                <a:solidFill>
+                  <a:schemeClr val="tx1"/>
+                </a:solidFill>
+              </a:ln>
+            </p:spPr>
+            <p:style>
+              <a:lnRef idx="2">
+                <a:schemeClr val="accent1">
+                  <a:shade val="50000"/>
+                </a:schemeClr>
+              </a:lnRef>
+              <a:fillRef idx="1">
+                <a:schemeClr val="accent1"/>
+              </a:fillRef>
+              <a:effectRef idx="0">
+                <a:schemeClr val="accent1"/>
+              </a:effectRef>
+              <a:fontRef idx="minor">
+                <a:schemeClr val="lt1"/>
+              </a:fontRef>
+            </p:style>
+            <p:txBody>
+              <a:bodyPr lIns="4572000" tIns="914400" rIns="4572000" rtlCol="0" anchor="t" anchorCtr="0"/>
+              <a:lstStyle/>
+              <a:p>
+                <a:pPr algn="ctr"/>
+                <a:endParaRPr lang="en-US"/>
+              </a:p>
+            </p:txBody>
+          </p:sp>
+          <p:sp>
+            <p:nvSpPr>
+              <p:cNvPr id="49" name="TextBox 48">
+                <a:extLst>
+                  <a:ext uri="{FF2B5EF4-FFF2-40B4-BE49-F238E27FC236}">
+                    <a16:creationId xmlns:a16="http://schemas.microsoft.com/office/drawing/2014/main" id="{6D5B9EFE-F9C9-4CE8-A720-7BE35D672FA1}"/>
+                  </a:ext>
+                </a:extLst>
+              </p:cNvPr>
+              <p:cNvSpPr txBox="1"/>
+              <p:nvPr/>
+            </p:nvSpPr>
+            <p:spPr>
+              <a:xfrm>
+                <a:off x="18210300" y="20953271"/>
+                <a:ext cx="4006297" cy="1613896"/>
+              </a:xfrm>
+              <a:prstGeom prst="rect">
+                <a:avLst/>
+              </a:prstGeom>
+            </p:spPr>
+            <p:style>
+              <a:lnRef idx="1">
+                <a:schemeClr val="accent2"/>
+              </a:lnRef>
+              <a:fillRef idx="3">
+                <a:schemeClr val="accent2"/>
+              </a:fillRef>
+              <a:effectRef idx="2">
+                <a:schemeClr val="accent2"/>
+              </a:effectRef>
+              <a:fontRef idx="minor">
+                <a:schemeClr val="lt1"/>
+              </a:fontRef>
+            </p:style>
+            <p:txBody>
+              <a:bodyPr wrap="square" rtlCol="0">
+                <a:spAutoFit/>
+              </a:bodyPr>
+              <a:lstStyle/>
+              <a:p>
+                <a:pPr algn="ctr"/>
+                <a:r>
+                  <a:rPr lang="en-US" sz="5400">
+                    <a:solidFill>
+                      <a:schemeClr val="bg1"/>
+                    </a:solidFill>
+                    <a:latin typeface="Bangla MN" charset="0"/>
+                    <a:ea typeface="Bangla MN" charset="0"/>
+                    <a:cs typeface="Bangla MN" charset="0"/>
+                  </a:rPr>
+                  <a:t>Image Restoration</a:t>
+                </a:r>
+                <a:endParaRPr lang="en-US" sz="5400" dirty="0">
+                  <a:solidFill>
+                    <a:schemeClr val="bg1"/>
+                  </a:solidFill>
+                  <a:latin typeface="Bangla MN" charset="0"/>
+                  <a:ea typeface="Bangla MN" charset="0"/>
+                  <a:cs typeface="Bangla MN" charset="0"/>
+                </a:endParaRPr>
+              </a:p>
+            </p:txBody>
+          </p:sp>
+        </p:grpSp>
+        <p:sp>
+          <p:nvSpPr>
+            <p:cNvPr id="46" name="TextBox 45">
+              <a:extLst>
+                <a:ext uri="{FF2B5EF4-FFF2-40B4-BE49-F238E27FC236}">
+                  <a16:creationId xmlns:a16="http://schemas.microsoft.com/office/drawing/2014/main" id="{D7E7312D-9F5F-409E-A1FD-3C42EFBAEE90}"/>
+                </a:ext>
+              </a:extLst>
+            </p:cNvPr>
+            <p:cNvSpPr txBox="1"/>
+            <p:nvPr/>
+          </p:nvSpPr>
+          <p:spPr>
+            <a:xfrm>
+              <a:off x="12617171" y="24652546"/>
+              <a:ext cx="18114021" cy="769441"/>
+            </a:xfrm>
+            <a:prstGeom prst="rect">
+              <a:avLst/>
+            </a:prstGeom>
+            <a:noFill/>
+          </p:spPr>
+          <p:txBody>
+            <a:bodyPr wrap="square" rtlCol="0">
+              <a:spAutoFit/>
+            </a:bodyPr>
+            <a:lstStyle/>
+            <a:p>
+              <a:pPr marL="481012">
+                <a:spcAft>
+                  <a:spcPts val="4000"/>
+                </a:spcAft>
+              </a:pPr>
+              <a:r>
+                <a:rPr lang="en-US" sz="4400" dirty="0">
+                  <a:latin typeface="Al Bayan Plain" charset="-78"/>
+                  <a:ea typeface="Al Bayan Plain" charset="-78"/>
+                  <a:cs typeface="Al Bayan Plain" charset="-78"/>
+                </a:rPr>
+                <a:t> </a:t>
+              </a:r>
+            </a:p>
+          </p:txBody>
+        </p:sp>
+      </p:grpSp>
+      <p:grpSp>
+        <p:nvGrpSpPr>
+          <p:cNvPr id="54" name="Group 53">
+            <a:extLst>
+              <a:ext uri="{FF2B5EF4-FFF2-40B4-BE49-F238E27FC236}">
+                <a16:creationId xmlns:a16="http://schemas.microsoft.com/office/drawing/2014/main" id="{9688FD0C-5FE1-4F66-97BD-E827E2C37442}"/>
+              </a:ext>
+            </a:extLst>
+          </p:cNvPr>
+          <p:cNvGrpSpPr/>
+          <p:nvPr/>
+        </p:nvGrpSpPr>
+        <p:grpSpPr>
+          <a:xfrm>
+            <a:off x="12625177" y="19674215"/>
+            <a:ext cx="30240653" cy="6999420"/>
+            <a:chOff x="12617171" y="23698200"/>
+            <a:chExt cx="18153841" cy="9260146"/>
+          </a:xfrm>
+        </p:grpSpPr>
+        <p:grpSp>
+          <p:nvGrpSpPr>
+            <p:cNvPr id="55" name="Group 54">
+              <a:extLst>
+                <a:ext uri="{FF2B5EF4-FFF2-40B4-BE49-F238E27FC236}">
+                  <a16:creationId xmlns:a16="http://schemas.microsoft.com/office/drawing/2014/main" id="{81F2F274-675D-495D-BDAE-522B9D75E0BB}"/>
+                </a:ext>
+              </a:extLst>
+            </p:cNvPr>
+            <p:cNvGrpSpPr/>
+            <p:nvPr/>
+          </p:nvGrpSpPr>
+          <p:grpSpPr>
+            <a:xfrm>
+              <a:off x="13058880" y="23698200"/>
+              <a:ext cx="17712132" cy="9260146"/>
+              <a:chOff x="13536444" y="20953271"/>
+              <a:chExt cx="13899016" cy="12234346"/>
+            </a:xfrm>
+          </p:grpSpPr>
+          <p:sp>
+            <p:nvSpPr>
+              <p:cNvPr id="59" name="Rectangle 58">
+                <a:extLst>
+                  <a:ext uri="{FF2B5EF4-FFF2-40B4-BE49-F238E27FC236}">
+                    <a16:creationId xmlns:a16="http://schemas.microsoft.com/office/drawing/2014/main" id="{32782136-E98F-4ABE-A1ED-505047C0E2EB}"/>
+                  </a:ext>
+                </a:extLst>
+              </p:cNvPr>
+              <p:cNvSpPr/>
+              <p:nvPr/>
+            </p:nvSpPr>
+            <p:spPr>
+              <a:xfrm>
+                <a:off x="13536444" y="21566383"/>
+                <a:ext cx="13899016" cy="11621234"/>
+              </a:xfrm>
+              <a:prstGeom prst="rect">
+                <a:avLst/>
+              </a:prstGeom>
+              <a:noFill/>
+              <a:ln w="76200">
+                <a:solidFill>
+                  <a:schemeClr val="tx1"/>
+                </a:solidFill>
+              </a:ln>
+            </p:spPr>
+            <p:style>
+              <a:lnRef idx="2">
+                <a:schemeClr val="accent1">
+                  <a:shade val="50000"/>
+                </a:schemeClr>
+              </a:lnRef>
+              <a:fillRef idx="1">
+                <a:schemeClr val="accent1"/>
+              </a:fillRef>
+              <a:effectRef idx="0">
+                <a:schemeClr val="accent1"/>
+              </a:effectRef>
+              <a:fontRef idx="minor">
+                <a:schemeClr val="lt1"/>
+              </a:fontRef>
+            </p:style>
+            <p:txBody>
+              <a:bodyPr lIns="457200" tIns="914400" rIns="457200" rtlCol="0" anchor="ctr"/>
+              <a:lstStyle/>
+              <a:p>
+                <a:pPr algn="ctr"/>
+                <a:endParaRPr lang="en-US"/>
+              </a:p>
+            </p:txBody>
+          </p:sp>
+          <p:sp>
+            <p:nvSpPr>
+              <p:cNvPr id="60" name="TextBox 59">
+                <a:extLst>
+                  <a:ext uri="{FF2B5EF4-FFF2-40B4-BE49-F238E27FC236}">
+                    <a16:creationId xmlns:a16="http://schemas.microsoft.com/office/drawing/2014/main" id="{1D262F3C-E3DD-4F7A-8820-2AA38F6BF44E}"/>
+                  </a:ext>
+                </a:extLst>
+              </p:cNvPr>
+              <p:cNvSpPr txBox="1"/>
+              <p:nvPr/>
+            </p:nvSpPr>
+            <p:spPr>
+              <a:xfrm>
+                <a:off x="18210300" y="20953271"/>
+                <a:ext cx="4006297" cy="1613896"/>
+              </a:xfrm>
+              <a:prstGeom prst="rect">
+                <a:avLst/>
+              </a:prstGeom>
+            </p:spPr>
+            <p:style>
+              <a:lnRef idx="1">
+                <a:schemeClr val="accent2"/>
+              </a:lnRef>
+              <a:fillRef idx="3">
+                <a:schemeClr val="accent2"/>
+              </a:fillRef>
+              <a:effectRef idx="2">
+                <a:schemeClr val="accent2"/>
+              </a:effectRef>
+              <a:fontRef idx="minor">
+                <a:schemeClr val="lt1"/>
+              </a:fontRef>
+            </p:style>
+            <p:txBody>
+              <a:bodyPr wrap="square" rtlCol="0">
+                <a:spAutoFit/>
+              </a:bodyPr>
+              <a:lstStyle/>
+              <a:p>
+                <a:pPr algn="ctr"/>
+                <a:r>
+                  <a:rPr lang="en-US" sz="5400">
+                    <a:solidFill>
+                      <a:schemeClr val="bg1"/>
+                    </a:solidFill>
+                    <a:latin typeface="Bangla MN" charset="0"/>
+                    <a:ea typeface="Bangla MN" charset="0"/>
+                    <a:cs typeface="Bangla MN" charset="0"/>
+                  </a:rPr>
+                  <a:t>Edge Detection</a:t>
+                </a:r>
+                <a:endParaRPr lang="en-US" sz="5400" dirty="0">
+                  <a:solidFill>
+                    <a:schemeClr val="bg1"/>
+                  </a:solidFill>
+                  <a:latin typeface="Bangla MN" charset="0"/>
+                  <a:ea typeface="Bangla MN" charset="0"/>
+                  <a:cs typeface="Bangla MN" charset="0"/>
+                </a:endParaRPr>
+              </a:p>
+            </p:txBody>
+          </p:sp>
+        </p:grpSp>
+        <p:sp>
+          <p:nvSpPr>
+            <p:cNvPr id="56" name="TextBox 55">
+              <a:extLst>
+                <a:ext uri="{FF2B5EF4-FFF2-40B4-BE49-F238E27FC236}">
+                  <a16:creationId xmlns:a16="http://schemas.microsoft.com/office/drawing/2014/main" id="{4B8B51E4-D94C-43C3-9637-CA65C5EDB09B}"/>
+                </a:ext>
+              </a:extLst>
+            </p:cNvPr>
+            <p:cNvSpPr txBox="1"/>
+            <p:nvPr/>
+          </p:nvSpPr>
+          <p:spPr>
+            <a:xfrm>
+              <a:off x="12617171" y="24652546"/>
+              <a:ext cx="18114021" cy="769441"/>
+            </a:xfrm>
+            <a:prstGeom prst="rect">
+              <a:avLst/>
+            </a:prstGeom>
+            <a:noFill/>
+          </p:spPr>
+          <p:txBody>
+            <a:bodyPr wrap="square" rtlCol="0">
+              <a:spAutoFit/>
+            </a:bodyPr>
+            <a:lstStyle/>
+            <a:p>
+              <a:pPr marL="481012">
+                <a:spcAft>
+                  <a:spcPts val="4000"/>
+                </a:spcAft>
+              </a:pPr>
+              <a:r>
+                <a:rPr lang="en-US" sz="4400" dirty="0">
+                  <a:latin typeface="Al Bayan Plain" charset="-78"/>
+                  <a:ea typeface="Al Bayan Plain" charset="-78"/>
+                  <a:cs typeface="Al Bayan Plain" charset="-78"/>
+                </a:rPr>
+                <a:t> </a:t>
+              </a:r>
+            </a:p>
+          </p:txBody>
+        </p:sp>
+      </p:grpSp>
+      <p:pic>
+        <p:nvPicPr>
+          <p:cNvPr id="1030" name="Picture 6">
+            <a:extLst>
+              <a:ext uri="{FF2B5EF4-FFF2-40B4-BE49-F238E27FC236}">
+                <a16:creationId xmlns:a16="http://schemas.microsoft.com/office/drawing/2014/main" id="{E28347C8-A879-4FFB-BBF3-65BD971F5127}"/>
+              </a:ext>
+            </a:extLst>
+          </p:cNvPr>
+          <p:cNvPicPr>
+            <a:picLocks noChangeAspect="1" noChangeArrowheads="1"/>
+          </p:cNvPicPr>
+          <p:nvPr/>
+        </p:nvPicPr>
+        <p:blipFill rotWithShape="1">
+          <a:blip r:embed="rId5">
+            <a:extLst>
+              <a:ext uri="{28A0092B-C50C-407E-A947-70E740481C1C}">
+                <a14:useLocalDpi xmlns:a14="http://schemas.microsoft.com/office/drawing/2010/main" val="0"/>
+              </a:ext>
+            </a:extLst>
+          </a:blip>
+          <a:srcRect l="5615" t="15588"/>
+          <a:stretch/>
+        </p:blipFill>
+        <p:spPr bwMode="auto">
+          <a:xfrm>
+            <a:off x="1409884" y="23349309"/>
+            <a:ext cx="10732944" cy="2518100"/>
+          </a:xfrm>
+          <a:prstGeom prst="rect">
+            <a:avLst/>
+          </a:prstGeom>
+          <a:noFill/>
+          <a:extLst>
+            <a:ext uri="{909E8E84-426E-40DD-AFC4-6F175D3DCCD1}">
+              <a14:hiddenFill xmlns:a14="http://schemas.microsoft.com/office/drawing/2010/main">
+                <a:solidFill>
+                  <a:srgbClr val="FFFFFF"/>
+                </a:solidFill>
+              </a14:hiddenFill>
+            </a:ext>
+          </a:extLst>
+        </p:spPr>
+      </p:pic>
+      <p:pic>
+        <p:nvPicPr>
+          <p:cNvPr id="13" name="Picture 12">
+            <a:extLst>
+              <a:ext uri="{FF2B5EF4-FFF2-40B4-BE49-F238E27FC236}">
+                <a16:creationId xmlns:a16="http://schemas.microsoft.com/office/drawing/2014/main" id="{21EB8453-80D2-4DA1-8264-4ED0F6C98416}"/>
+              </a:ext>
+            </a:extLst>
+          </p:cNvPr>
+          <p:cNvPicPr>
+            <a:picLocks noChangeAspect="1"/>
+          </p:cNvPicPr>
+          <p:nvPr/>
+        </p:nvPicPr>
+        <p:blipFill>
+          <a:blip r:embed="rId6" cstate="print">
+            <a:extLst>
+              <a:ext uri="{28A0092B-C50C-407E-A947-70E740481C1C}">
+                <a14:useLocalDpi xmlns:a14="http://schemas.microsoft.com/office/drawing/2010/main" val="0"/>
+              </a:ext>
+            </a:extLst>
+          </a:blip>
+          <a:stretch>
+            <a:fillRect/>
+          </a:stretch>
+        </p:blipFill>
+        <p:spPr>
+          <a:xfrm>
+            <a:off x="31356929" y="21075163"/>
+            <a:ext cx="2868993" cy="1513182"/>
+          </a:xfrm>
+          <a:prstGeom prst="rect">
+            <a:avLst/>
+          </a:prstGeom>
+        </p:spPr>
+      </p:pic>
+      <p:pic>
+        <p:nvPicPr>
+          <p:cNvPr id="61" name="Picture 60">
+            <a:extLst>
+              <a:ext uri="{FF2B5EF4-FFF2-40B4-BE49-F238E27FC236}">
+                <a16:creationId xmlns:a16="http://schemas.microsoft.com/office/drawing/2014/main" id="{C871AA27-AEF0-4429-81B0-9905BC5EE122}"/>
+              </a:ext>
+            </a:extLst>
+          </p:cNvPr>
+          <p:cNvPicPr>
+            <a:picLocks noChangeAspect="1"/>
+          </p:cNvPicPr>
+          <p:nvPr/>
+        </p:nvPicPr>
+        <p:blipFill>
+          <a:blip r:embed="rId7">
+            <a:extLst>
+              <a:ext uri="{28A0092B-C50C-407E-A947-70E740481C1C}">
+                <a14:useLocalDpi xmlns:a14="http://schemas.microsoft.com/office/drawing/2010/main" val="0"/>
+              </a:ext>
+            </a:extLst>
+          </a:blip>
+          <a:srcRect/>
+          <a:stretch>
+            <a:fillRect/>
+          </a:stretch>
+        </p:blipFill>
+        <p:spPr bwMode="auto">
+          <a:xfrm>
+            <a:off x="13673210" y="22614096"/>
+            <a:ext cx="5300590" cy="3979704"/>
+          </a:xfrm>
+          <a:prstGeom prst="rect">
+            <a:avLst/>
+          </a:prstGeom>
+          <a:noFill/>
+          <a:ln>
+            <a:noFill/>
+          </a:ln>
+        </p:spPr>
+      </p:pic>
+      <p:pic>
+        <p:nvPicPr>
+          <p:cNvPr id="62" name="Picture 61">
+            <a:extLst>
+              <a:ext uri="{FF2B5EF4-FFF2-40B4-BE49-F238E27FC236}">
+                <a16:creationId xmlns:a16="http://schemas.microsoft.com/office/drawing/2014/main" id="{343FCAE8-5A04-4CC0-BC0B-9BCA8A4F33F6}"/>
+              </a:ext>
+            </a:extLst>
+          </p:cNvPr>
+          <p:cNvPicPr>
+            <a:picLocks noChangeAspect="1"/>
+          </p:cNvPicPr>
+          <p:nvPr/>
+        </p:nvPicPr>
+        <p:blipFill>
+          <a:blip r:embed="rId8">
+            <a:extLst>
+              <a:ext uri="{28A0092B-C50C-407E-A947-70E740481C1C}">
+                <a14:useLocalDpi xmlns:a14="http://schemas.microsoft.com/office/drawing/2010/main" val="0"/>
+              </a:ext>
+            </a:extLst>
+          </a:blip>
+          <a:srcRect/>
+          <a:stretch>
+            <a:fillRect/>
+          </a:stretch>
+        </p:blipFill>
+        <p:spPr bwMode="auto">
+          <a:xfrm>
+            <a:off x="23926800" y="22588345"/>
+            <a:ext cx="5300589" cy="3979704"/>
+          </a:xfrm>
+          <a:prstGeom prst="rect">
+            <a:avLst/>
+          </a:prstGeom>
+          <a:noFill/>
+          <a:ln>
+            <a:noFill/>
+          </a:ln>
+        </p:spPr>
+      </p:pic>
+      <p:pic>
+        <p:nvPicPr>
+          <p:cNvPr id="63" name="Picture 62">
+            <a:extLst>
+              <a:ext uri="{FF2B5EF4-FFF2-40B4-BE49-F238E27FC236}">
+                <a16:creationId xmlns:a16="http://schemas.microsoft.com/office/drawing/2014/main" id="{E4700027-0992-4BA7-9D47-F06B8C9B450E}"/>
+              </a:ext>
+            </a:extLst>
+          </p:cNvPr>
+          <p:cNvPicPr>
+            <a:picLocks noChangeAspect="1"/>
+          </p:cNvPicPr>
+          <p:nvPr/>
+        </p:nvPicPr>
+        <p:blipFill>
+          <a:blip r:embed="rId9">
+            <a:extLst>
+              <a:ext uri="{28A0092B-C50C-407E-A947-70E740481C1C}">
+                <a14:useLocalDpi xmlns:a14="http://schemas.microsoft.com/office/drawing/2010/main" val="0"/>
+              </a:ext>
+            </a:extLst>
+          </a:blip>
+          <a:srcRect/>
+          <a:stretch>
+            <a:fillRect/>
+          </a:stretch>
+        </p:blipFill>
+        <p:spPr bwMode="auto">
+          <a:xfrm>
+            <a:off x="29946600" y="22614096"/>
+            <a:ext cx="5300589" cy="3979704"/>
+          </a:xfrm>
+          <a:prstGeom prst="rect">
+            <a:avLst/>
+          </a:prstGeom>
+          <a:noFill/>
+          <a:ln>
+            <a:noFill/>
+          </a:ln>
+        </p:spPr>
+      </p:pic>
+      <p:pic>
+        <p:nvPicPr>
+          <p:cNvPr id="64" name="Picture 63">
+            <a:extLst>
+              <a:ext uri="{FF2B5EF4-FFF2-40B4-BE49-F238E27FC236}">
+                <a16:creationId xmlns:a16="http://schemas.microsoft.com/office/drawing/2014/main" id="{E6277C73-3A21-4214-95BB-07DA50C80ECF}"/>
+              </a:ext>
+            </a:extLst>
+          </p:cNvPr>
+          <p:cNvPicPr>
+            <a:picLocks noChangeAspect="1"/>
+          </p:cNvPicPr>
+          <p:nvPr/>
+        </p:nvPicPr>
+        <p:blipFill>
+          <a:blip r:embed="rId10">
+            <a:extLst>
+              <a:ext uri="{28A0092B-C50C-407E-A947-70E740481C1C}">
+                <a14:useLocalDpi xmlns:a14="http://schemas.microsoft.com/office/drawing/2010/main" val="0"/>
+              </a:ext>
+            </a:extLst>
+          </a:blip>
+          <a:srcRect/>
+          <a:stretch>
+            <a:fillRect/>
+          </a:stretch>
+        </p:blipFill>
+        <p:spPr bwMode="auto">
+          <a:xfrm>
+            <a:off x="34899600" y="22614095"/>
+            <a:ext cx="5266293" cy="3953954"/>
+          </a:xfrm>
+          <a:prstGeom prst="rect">
+            <a:avLst/>
+          </a:prstGeom>
+          <a:noFill/>
+          <a:ln>
+            <a:noFill/>
+          </a:ln>
+        </p:spPr>
+      </p:pic>
+      <p:cxnSp>
+        <p:nvCxnSpPr>
+          <p:cNvPr id="19" name="Straight Connector 18">
+            <a:extLst>
+              <a:ext uri="{FF2B5EF4-FFF2-40B4-BE49-F238E27FC236}">
+                <a16:creationId xmlns:a16="http://schemas.microsoft.com/office/drawing/2014/main" id="{B07B1FEF-1965-4022-A758-86F689F2822D}"/>
+              </a:ext>
+            </a:extLst>
+          </p:cNvPr>
+          <p:cNvCxnSpPr/>
+          <p:nvPr/>
+        </p:nvCxnSpPr>
+        <p:spPr>
+          <a:xfrm>
+            <a:off x="29718000" y="21183600"/>
+            <a:ext cx="0" cy="5085990"/>
+          </a:xfrm>
+          <a:prstGeom prst="line">
+            <a:avLst/>
+          </a:prstGeom>
+        </p:spPr>
+        <p:style>
+          <a:lnRef idx="1">
+            <a:schemeClr val="dk1"/>
+          </a:lnRef>
+          <a:fillRef idx="0">
+            <a:schemeClr val="dk1"/>
+          </a:fillRef>
+          <a:effectRef idx="0">
+            <a:schemeClr val="dk1"/>
+          </a:effectRef>
+          <a:fontRef idx="minor">
+            <a:schemeClr val="tx1"/>
+          </a:fontRef>
+        </p:style>
+      </p:cxnSp>
+      <mc:AlternateContent xmlns:mc="http://schemas.openxmlformats.org/markup-compatibility/2006">
+        <mc:Choice xmlns:a14="http://schemas.microsoft.com/office/drawing/2010/main" Requires="a14">
+          <p:sp>
+            <p:nvSpPr>
+              <p:cNvPr id="21" name="Rectangle 20">
+                <a:extLst>
+                  <a:ext uri="{FF2B5EF4-FFF2-40B4-BE49-F238E27FC236}">
+                    <a16:creationId xmlns:a16="http://schemas.microsoft.com/office/drawing/2014/main" id="{68EA4C7A-3579-4B03-9C87-32562BF62FD6}"/>
+                  </a:ext>
+                </a:extLst>
+              </p:cNvPr>
+              <p:cNvSpPr/>
+              <p:nvPr/>
+            </p:nvSpPr>
+            <p:spPr>
+              <a:xfrm>
+                <a:off x="23282645" y="21537799"/>
+                <a:ext cx="3733797" cy="595930"/>
+              </a:xfrm>
+              <a:prstGeom prst="rect">
+                <a:avLst/>
+              </a:prstGeom>
+              <a:noFill/>
+              <a:ln>
+                <a:noFill/>
+              </a:ln>
+            </p:spPr>
+            <p:style>
+              <a:lnRef idx="2">
+                <a:schemeClr val="accent1">
+                  <a:shade val="50000"/>
+                </a:schemeClr>
+              </a:lnRef>
+              <a:fillRef idx="1">
+                <a:schemeClr val="accent1"/>
+              </a:fillRef>
+              <a:effectRef idx="0">
+                <a:schemeClr val="accent1"/>
+              </a:effectRef>
+              <a:fontRef idx="minor">
+                <a:schemeClr val="lt1"/>
+              </a:fontRef>
+            </p:style>
+            <p:txBody>
+              <a:bodyPr rtlCol="0" anchor="ctr"/>
+              <a:lstStyle/>
+              <a:p>
+                <a:pPr algn="ctr"/>
+                <a14:m>
+                  <m:oMathPara xmlns:m="http://schemas.openxmlformats.org/officeDocument/2006/math">
+                    <m:oMathParaPr>
+                      <m:jc m:val="centerGroup"/>
+                    </m:oMathParaPr>
+                    <m:oMath xmlns:m="http://schemas.openxmlformats.org/officeDocument/2006/math">
+                      <m:r>
+                        <a:rPr lang="en-US" sz="3200" b="0" i="1" smtClean="0">
+                          <a:solidFill>
+                            <a:schemeClr val="tx1"/>
+                          </a:solidFill>
+                          <a:latin typeface="Cambria Math" panose="02040503050406030204" pitchFamily="18" charset="0"/>
+                        </a:rPr>
+                        <m:t>h</m:t>
+                      </m:r>
+                      <m:d>
+                        <m:dPr>
+                          <m:ctrlPr>
+                            <a:rPr lang="en-US" sz="3200" b="0" i="1" smtClean="0">
+                              <a:solidFill>
+                                <a:schemeClr val="tx1"/>
+                              </a:solidFill>
+                              <a:latin typeface="Cambria Math" panose="02040503050406030204" pitchFamily="18" charset="0"/>
+                            </a:rPr>
+                          </m:ctrlPr>
+                        </m:dPr>
+                        <m:e>
+                          <m:r>
+                            <a:rPr lang="en-US" sz="3200" b="0" i="1" smtClean="0">
+                              <a:solidFill>
+                                <a:schemeClr val="tx1"/>
+                              </a:solidFill>
+                              <a:latin typeface="Cambria Math" panose="02040503050406030204" pitchFamily="18" charset="0"/>
+                            </a:rPr>
+                            <m:t>𝑛</m:t>
+                          </m:r>
+                        </m:e>
+                      </m:d>
+                      <m:r>
+                        <a:rPr lang="en-US" sz="3200" b="0" i="1" smtClean="0">
+                          <a:solidFill>
+                            <a:schemeClr val="tx1"/>
+                          </a:solidFill>
+                          <a:latin typeface="Cambria Math" panose="02040503050406030204" pitchFamily="18" charset="0"/>
+                        </a:rPr>
+                        <m:t>={1,−1}</m:t>
+                      </m:r>
+                    </m:oMath>
+                  </m:oMathPara>
+                </a14:m>
+                <a:endParaRPr lang="en-US" sz="3200">
+                  <a:solidFill>
+                    <a:schemeClr val="tx1"/>
+                  </a:solidFill>
+                </a:endParaRPr>
+              </a:p>
+            </p:txBody>
+          </p:sp>
+        </mc:Choice>
+        <mc:Fallback>
+          <p:sp>
+            <p:nvSpPr>
+              <p:cNvPr id="21" name="Rectangle 20">
+                <a:extLst>
+                  <a:ext uri="{FF2B5EF4-FFF2-40B4-BE49-F238E27FC236}">
+                    <a16:creationId xmlns:a16="http://schemas.microsoft.com/office/drawing/2014/main" id="{68EA4C7A-3579-4B03-9C87-32562BF62FD6}"/>
+                  </a:ext>
+                </a:extLst>
+              </p:cNvPr>
+              <p:cNvSpPr>
+                <a:spLocks noRot="1" noChangeAspect="1" noMove="1" noResize="1" noEditPoints="1" noAdjustHandles="1" noChangeArrowheads="1" noChangeShapeType="1" noTextEdit="1"/>
+              </p:cNvSpPr>
+              <p:nvPr/>
+            </p:nvSpPr>
+            <p:spPr>
+              <a:xfrm>
+                <a:off x="23282645" y="21537799"/>
+                <a:ext cx="3733797" cy="595930"/>
+              </a:xfrm>
+              <a:prstGeom prst="rect">
+                <a:avLst/>
+              </a:prstGeom>
+              <a:blipFill>
+                <a:blip r:embed="rId11"/>
+                <a:stretch>
+                  <a:fillRect/>
+                </a:stretch>
+              </a:blipFill>
+              <a:ln>
+                <a:noFill/>
+              </a:ln>
+            </p:spPr>
+            <p:txBody>
+              <a:bodyPr/>
+              <a:lstStyle/>
+              <a:p>
+                <a:r>
+                  <a:rPr lang="en-US">
+                    <a:noFill/>
+                  </a:rPr>
+                  <a:t> </a:t>
+                </a:r>
+              </a:p>
+            </p:txBody>
+          </p:sp>
+        </mc:Fallback>
+      </mc:AlternateContent>
+      <p:pic>
+        <p:nvPicPr>
+          <p:cNvPr id="65" name="Picture 64">
+            <a:extLst>
+              <a:ext uri="{FF2B5EF4-FFF2-40B4-BE49-F238E27FC236}">
+                <a16:creationId xmlns:a16="http://schemas.microsoft.com/office/drawing/2014/main" id="{88EBE9BD-8EFA-4035-9753-64767DBABACA}"/>
+              </a:ext>
+            </a:extLst>
+          </p:cNvPr>
+          <p:cNvPicPr>
+            <a:picLocks noChangeAspect="1"/>
+          </p:cNvPicPr>
+          <p:nvPr/>
+        </p:nvPicPr>
+        <p:blipFill>
+          <a:blip r:embed="rId12">
+            <a:extLst>
+              <a:ext uri="{28A0092B-C50C-407E-A947-70E740481C1C}">
+                <a14:useLocalDpi xmlns:a14="http://schemas.microsoft.com/office/drawing/2010/main" val="0"/>
+              </a:ext>
+            </a:extLst>
+          </a:blip>
+          <a:srcRect/>
+          <a:stretch>
+            <a:fillRect/>
+          </a:stretch>
+        </p:blipFill>
+        <p:spPr bwMode="auto">
+          <a:xfrm>
+            <a:off x="18748375" y="22591395"/>
+            <a:ext cx="5330825" cy="4002405"/>
+          </a:xfrm>
+          <a:prstGeom prst="rect">
+            <a:avLst/>
+          </a:prstGeom>
+          <a:noFill/>
+          <a:ln>
+            <a:noFill/>
+          </a:ln>
+        </p:spPr>
+      </p:pic>
+      <p:grpSp>
+        <p:nvGrpSpPr>
+          <p:cNvPr id="24" name="Group 23">
+            <a:extLst>
+              <a:ext uri="{FF2B5EF4-FFF2-40B4-BE49-F238E27FC236}">
+                <a16:creationId xmlns:a16="http://schemas.microsoft.com/office/drawing/2014/main" id="{8C62C1F5-8305-4B55-B0ED-89E0FA6E78C7}"/>
+              </a:ext>
+            </a:extLst>
+          </p:cNvPr>
+          <p:cNvGrpSpPr/>
+          <p:nvPr/>
+        </p:nvGrpSpPr>
+        <p:grpSpPr>
+          <a:xfrm>
+            <a:off x="14297025" y="21290205"/>
+            <a:ext cx="7877175" cy="1341195"/>
+            <a:chOff x="14027867" y="20189138"/>
+            <a:chExt cx="7877175" cy="1341195"/>
+          </a:xfrm>
+        </p:grpSpPr>
+        <p:pic>
+          <p:nvPicPr>
+            <p:cNvPr id="15" name="Picture 14">
+              <a:extLst>
+                <a:ext uri="{FF2B5EF4-FFF2-40B4-BE49-F238E27FC236}">
+                  <a16:creationId xmlns:a16="http://schemas.microsoft.com/office/drawing/2014/main" id="{4133C9B1-C7E9-43DC-A197-F987C392E0C7}"/>
+                </a:ext>
+              </a:extLst>
+            </p:cNvPr>
+            <p:cNvPicPr>
+              <a:picLocks noChangeAspect="1"/>
+            </p:cNvPicPr>
+            <p:nvPr/>
+          </p:nvPicPr>
+          <p:blipFill>
+            <a:blip r:embed="rId13"/>
+            <a:stretch>
+              <a:fillRect/>
+            </a:stretch>
+          </p:blipFill>
+          <p:spPr>
+            <a:xfrm>
+              <a:off x="14027867" y="20473058"/>
+              <a:ext cx="7877175" cy="1057275"/>
+            </a:xfrm>
+            <a:prstGeom prst="rect">
+              <a:avLst/>
+            </a:prstGeom>
+          </p:spPr>
+        </p:pic>
+        <p:sp>
+          <p:nvSpPr>
+            <p:cNvPr id="22" name="Oval 21">
+              <a:extLst>
+                <a:ext uri="{FF2B5EF4-FFF2-40B4-BE49-F238E27FC236}">
+                  <a16:creationId xmlns:a16="http://schemas.microsoft.com/office/drawing/2014/main" id="{05A4592D-B829-45B7-B0C1-05D20783828D}"/>
+                </a:ext>
+              </a:extLst>
+            </p:cNvPr>
+            <p:cNvSpPr/>
+            <p:nvPr/>
+          </p:nvSpPr>
+          <p:spPr>
+            <a:xfrm>
+              <a:off x="14325600" y="20189138"/>
+              <a:ext cx="375795" cy="375795"/>
+            </a:xfrm>
+            <a:prstGeom prst="ellipse">
+              <a:avLst/>
+            </a:prstGeom>
+          </p:spPr>
+          <p:style>
+            <a:lnRef idx="3">
+              <a:schemeClr val="lt1"/>
+            </a:lnRef>
+            <a:fillRef idx="1">
+              <a:schemeClr val="accent2"/>
+            </a:fillRef>
+            <a:effectRef idx="1">
+              <a:schemeClr val="accent2"/>
+            </a:effectRef>
+            <a:fontRef idx="minor">
+              <a:schemeClr val="lt1"/>
+            </a:fontRef>
+          </p:style>
+          <p:txBody>
+            <a:bodyPr rtlCol="0" anchor="ctr"/>
+            <a:lstStyle/>
+            <a:p>
+              <a:pPr algn="ctr"/>
+              <a:r>
+                <a:rPr lang="en-US" sz="3200"/>
+                <a:t>1</a:t>
+              </a:r>
+            </a:p>
+          </p:txBody>
+        </p:sp>
+        <p:sp>
+          <p:nvSpPr>
+            <p:cNvPr id="66" name="Oval 65">
+              <a:extLst>
+                <a:ext uri="{FF2B5EF4-FFF2-40B4-BE49-F238E27FC236}">
+                  <a16:creationId xmlns:a16="http://schemas.microsoft.com/office/drawing/2014/main" id="{11AD71BE-3AAF-4C97-879A-B93D747E2B1D}"/>
+                </a:ext>
+              </a:extLst>
+            </p:cNvPr>
+            <p:cNvSpPr/>
+            <p:nvPr/>
+          </p:nvSpPr>
+          <p:spPr>
+            <a:xfrm>
+              <a:off x="16535400" y="20213685"/>
+              <a:ext cx="375795" cy="375795"/>
+            </a:xfrm>
+            <a:prstGeom prst="ellipse">
+              <a:avLst/>
+            </a:prstGeom>
+          </p:spPr>
+          <p:style>
+            <a:lnRef idx="3">
+              <a:schemeClr val="lt1"/>
+            </a:lnRef>
+            <a:fillRef idx="1">
+              <a:schemeClr val="accent2"/>
+            </a:fillRef>
+            <a:effectRef idx="1">
+              <a:schemeClr val="accent2"/>
+            </a:effectRef>
+            <a:fontRef idx="minor">
+              <a:schemeClr val="lt1"/>
+            </a:fontRef>
+          </p:style>
+          <p:txBody>
+            <a:bodyPr rtlCol="0" anchor="ctr"/>
+            <a:lstStyle/>
+            <a:p>
+              <a:pPr algn="ctr"/>
+              <a:r>
+                <a:rPr lang="en-US" sz="3200"/>
+                <a:t>2</a:t>
+              </a:r>
+            </a:p>
+          </p:txBody>
+        </p:sp>
+        <p:sp>
+          <p:nvSpPr>
+            <p:cNvPr id="67" name="Oval 66">
+              <a:extLst>
+                <a:ext uri="{FF2B5EF4-FFF2-40B4-BE49-F238E27FC236}">
+                  <a16:creationId xmlns:a16="http://schemas.microsoft.com/office/drawing/2014/main" id="{BB9C36F3-517C-499F-A4D7-D0B5FFC5C833}"/>
+                </a:ext>
+              </a:extLst>
+            </p:cNvPr>
+            <p:cNvSpPr/>
+            <p:nvPr/>
+          </p:nvSpPr>
+          <p:spPr>
+            <a:xfrm>
+              <a:off x="18804122" y="20189138"/>
+              <a:ext cx="375795" cy="375795"/>
+            </a:xfrm>
+            <a:prstGeom prst="ellipse">
+              <a:avLst/>
+            </a:prstGeom>
+          </p:spPr>
+          <p:style>
+            <a:lnRef idx="3">
+              <a:schemeClr val="lt1"/>
+            </a:lnRef>
+            <a:fillRef idx="1">
+              <a:schemeClr val="accent2"/>
+            </a:fillRef>
+            <a:effectRef idx="1">
+              <a:schemeClr val="accent2"/>
+            </a:effectRef>
+            <a:fontRef idx="minor">
+              <a:schemeClr val="lt1"/>
+            </a:fontRef>
+          </p:style>
+          <p:txBody>
+            <a:bodyPr rtlCol="0" anchor="ctr"/>
+            <a:lstStyle/>
+            <a:p>
+              <a:pPr algn="ctr"/>
+              <a:r>
+                <a:rPr lang="en-US" sz="3200"/>
+                <a:t>3</a:t>
+              </a:r>
+            </a:p>
+          </p:txBody>
+        </p:sp>
+        <p:sp>
+          <p:nvSpPr>
+            <p:cNvPr id="68" name="Oval 67">
+              <a:extLst>
+                <a:ext uri="{FF2B5EF4-FFF2-40B4-BE49-F238E27FC236}">
+                  <a16:creationId xmlns:a16="http://schemas.microsoft.com/office/drawing/2014/main" id="{6F9FF6A2-8475-41FD-93AC-1D1EE98DA590}"/>
+                </a:ext>
+              </a:extLst>
+            </p:cNvPr>
+            <p:cNvSpPr/>
+            <p:nvPr/>
+          </p:nvSpPr>
+          <p:spPr>
+            <a:xfrm>
+              <a:off x="20972676" y="20205301"/>
+              <a:ext cx="375795" cy="375795"/>
+            </a:xfrm>
+            <a:prstGeom prst="ellipse">
+              <a:avLst/>
+            </a:prstGeom>
+          </p:spPr>
+          <p:style>
+            <a:lnRef idx="3">
+              <a:schemeClr val="lt1"/>
+            </a:lnRef>
+            <a:fillRef idx="1">
+              <a:schemeClr val="accent2"/>
+            </a:fillRef>
+            <a:effectRef idx="1">
+              <a:schemeClr val="accent2"/>
+            </a:effectRef>
+            <a:fontRef idx="minor">
+              <a:schemeClr val="lt1"/>
+            </a:fontRef>
+          </p:style>
+          <p:txBody>
+            <a:bodyPr rtlCol="0" anchor="ctr"/>
+            <a:lstStyle/>
+            <a:p>
+              <a:pPr algn="ctr"/>
+              <a:r>
+                <a:rPr lang="en-US" sz="3200"/>
+                <a:t>4</a:t>
+              </a:r>
+            </a:p>
+          </p:txBody>
+        </p:sp>
+      </p:grpSp>
+      <p:sp>
+        <p:nvSpPr>
+          <p:cNvPr id="69" name="Oval 68">
+            <a:extLst>
+              <a:ext uri="{FF2B5EF4-FFF2-40B4-BE49-F238E27FC236}">
+                <a16:creationId xmlns:a16="http://schemas.microsoft.com/office/drawing/2014/main" id="{0FBCF46A-5418-4F2A-9EF2-04641D10C0E2}"/>
+              </a:ext>
+            </a:extLst>
+          </p:cNvPr>
+          <p:cNvSpPr/>
+          <p:nvPr/>
+        </p:nvSpPr>
+        <p:spPr>
+          <a:xfrm>
+            <a:off x="13436141" y="23412291"/>
+            <a:ext cx="375795" cy="375795"/>
+          </a:xfrm>
+          <a:prstGeom prst="ellipse">
+            <a:avLst/>
+          </a:prstGeom>
+        </p:spPr>
+        <p:style>
+          <a:lnRef idx="3">
+            <a:schemeClr val="lt1"/>
+          </a:lnRef>
+          <a:fillRef idx="1">
+            <a:schemeClr val="accent2"/>
+          </a:fillRef>
+          <a:effectRef idx="1">
+            <a:schemeClr val="accent2"/>
+          </a:effectRef>
+          <a:fontRef idx="minor">
+            <a:schemeClr val="lt1"/>
+          </a:fontRef>
+        </p:style>
+        <p:txBody>
+          <a:bodyPr rtlCol="0" anchor="ctr"/>
+          <a:lstStyle/>
+          <a:p>
+            <a:pPr algn="ctr"/>
+            <a:r>
+              <a:rPr lang="en-US" sz="3200"/>
+              <a:t>1</a:t>
+            </a:r>
+          </a:p>
+        </p:txBody>
+      </p:sp>
+      <p:sp>
+        <p:nvSpPr>
+          <p:cNvPr id="70" name="Oval 69">
+            <a:extLst>
+              <a:ext uri="{FF2B5EF4-FFF2-40B4-BE49-F238E27FC236}">
+                <a16:creationId xmlns:a16="http://schemas.microsoft.com/office/drawing/2014/main" id="{D79E6A9A-6E08-4363-98AC-2E55A6967DA3}"/>
+              </a:ext>
+            </a:extLst>
+          </p:cNvPr>
+          <p:cNvSpPr/>
+          <p:nvPr/>
+        </p:nvSpPr>
+        <p:spPr>
+          <a:xfrm>
+            <a:off x="13452707" y="25237118"/>
+            <a:ext cx="375795" cy="375795"/>
+          </a:xfrm>
+          <a:prstGeom prst="ellipse">
+            <a:avLst/>
+          </a:prstGeom>
+        </p:spPr>
+        <p:style>
+          <a:lnRef idx="3">
+            <a:schemeClr val="lt1"/>
+          </a:lnRef>
+          <a:fillRef idx="1">
+            <a:schemeClr val="accent2"/>
+          </a:fillRef>
+          <a:effectRef idx="1">
+            <a:schemeClr val="accent2"/>
+          </a:effectRef>
+          <a:fontRef idx="minor">
+            <a:schemeClr val="lt1"/>
+          </a:fontRef>
+        </p:style>
+        <p:txBody>
+          <a:bodyPr rtlCol="0" anchor="ctr"/>
+          <a:lstStyle/>
+          <a:p>
+            <a:pPr algn="ctr"/>
+            <a:r>
+              <a:rPr lang="en-US" sz="3200"/>
+              <a:t>2</a:t>
+            </a:r>
+          </a:p>
+        </p:txBody>
+      </p:sp>
+      <p:sp>
+        <p:nvSpPr>
+          <p:cNvPr id="71" name="Oval 70">
+            <a:extLst>
+              <a:ext uri="{FF2B5EF4-FFF2-40B4-BE49-F238E27FC236}">
+                <a16:creationId xmlns:a16="http://schemas.microsoft.com/office/drawing/2014/main" id="{62718788-ECD2-4185-AAD0-51040FF8CC4D}"/>
+              </a:ext>
+            </a:extLst>
+          </p:cNvPr>
+          <p:cNvSpPr/>
+          <p:nvPr/>
+        </p:nvSpPr>
+        <p:spPr>
+          <a:xfrm>
+            <a:off x="18598005" y="24302007"/>
+            <a:ext cx="375795" cy="375795"/>
+          </a:xfrm>
+          <a:prstGeom prst="ellipse">
+            <a:avLst/>
+          </a:prstGeom>
+        </p:spPr>
+        <p:style>
+          <a:lnRef idx="3">
+            <a:schemeClr val="lt1"/>
+          </a:lnRef>
+          <a:fillRef idx="1">
+            <a:schemeClr val="accent2"/>
+          </a:fillRef>
+          <a:effectRef idx="1">
+            <a:schemeClr val="accent2"/>
+          </a:effectRef>
+          <a:fontRef idx="minor">
+            <a:schemeClr val="lt1"/>
+          </a:fontRef>
+        </p:style>
+        <p:txBody>
+          <a:bodyPr rtlCol="0" anchor="ctr"/>
+          <a:lstStyle/>
+          <a:p>
+            <a:pPr algn="ctr"/>
+            <a:r>
+              <a:rPr lang="en-US" sz="3200"/>
+              <a:t>3</a:t>
+            </a:r>
+          </a:p>
+        </p:txBody>
+      </p:sp>
+      <p:sp>
+        <p:nvSpPr>
+          <p:cNvPr id="72" name="Oval 71">
+            <a:extLst>
+              <a:ext uri="{FF2B5EF4-FFF2-40B4-BE49-F238E27FC236}">
+                <a16:creationId xmlns:a16="http://schemas.microsoft.com/office/drawing/2014/main" id="{351B036E-FA44-4EFD-B3B2-071A3878A1CF}"/>
+              </a:ext>
+            </a:extLst>
+          </p:cNvPr>
+          <p:cNvSpPr/>
+          <p:nvPr/>
+        </p:nvSpPr>
+        <p:spPr>
+          <a:xfrm>
+            <a:off x="23703405" y="24306303"/>
+            <a:ext cx="375795" cy="375795"/>
+          </a:xfrm>
+          <a:prstGeom prst="ellipse">
+            <a:avLst/>
+          </a:prstGeom>
+        </p:spPr>
+        <p:style>
+          <a:lnRef idx="3">
+            <a:schemeClr val="lt1"/>
+          </a:lnRef>
+          <a:fillRef idx="1">
+            <a:schemeClr val="accent2"/>
+          </a:fillRef>
+          <a:effectRef idx="1">
+            <a:schemeClr val="accent2"/>
+          </a:effectRef>
+          <a:fontRef idx="minor">
+            <a:schemeClr val="lt1"/>
+          </a:fontRef>
+        </p:style>
+        <p:txBody>
+          <a:bodyPr rtlCol="0" anchor="ctr"/>
+          <a:lstStyle/>
+          <a:p>
+            <a:pPr algn="ctr"/>
+            <a:r>
+              <a:rPr lang="en-US" sz="3200"/>
+              <a:t>4</a:t>
+            </a:r>
+          </a:p>
+        </p:txBody>
+      </p:sp>
+      <p:sp>
+        <p:nvSpPr>
+          <p:cNvPr id="23" name="Rectangle 22">
+            <a:extLst>
+              <a:ext uri="{FF2B5EF4-FFF2-40B4-BE49-F238E27FC236}">
+                <a16:creationId xmlns:a16="http://schemas.microsoft.com/office/drawing/2014/main" id="{E7208714-49F1-488B-8F07-FF5B16AC7B72}"/>
+              </a:ext>
+            </a:extLst>
+          </p:cNvPr>
+          <p:cNvSpPr/>
+          <p:nvPr/>
+        </p:nvSpPr>
+        <p:spPr>
+          <a:xfrm>
+            <a:off x="34867812" y="20377035"/>
+            <a:ext cx="3536988" cy="806565"/>
+          </a:xfrm>
+          <a:prstGeom prst="rect">
+            <a:avLst/>
+          </a:prstGeom>
+        </p:spPr>
+        <p:style>
+          <a:lnRef idx="3">
+            <a:schemeClr val="lt1"/>
+          </a:lnRef>
+          <a:fillRef idx="1">
+            <a:schemeClr val="accent2"/>
+          </a:fillRef>
+          <a:effectRef idx="1">
+            <a:schemeClr val="accent2"/>
+          </a:effectRef>
+          <a:fontRef idx="minor">
+            <a:schemeClr val="lt1"/>
+          </a:fontRef>
+        </p:style>
+        <p:txBody>
+          <a:bodyPr rtlCol="0" anchor="ctr"/>
+          <a:lstStyle/>
+          <a:p>
+            <a:pPr algn="ctr"/>
+            <a:r>
+              <a:rPr lang="en-US" sz="3200"/>
+              <a:t>Bar Code Decoding</a:t>
+            </a:r>
+          </a:p>
+        </p:txBody>
+      </p:sp>
+      <p:sp>
+        <p:nvSpPr>
+          <p:cNvPr id="73" name="Rectangle 72">
+            <a:extLst>
+              <a:ext uri="{FF2B5EF4-FFF2-40B4-BE49-F238E27FC236}">
+                <a16:creationId xmlns:a16="http://schemas.microsoft.com/office/drawing/2014/main" id="{963694A3-02ED-4D1B-8E6C-1CF6180EAD2F}"/>
+              </a:ext>
+            </a:extLst>
+          </p:cNvPr>
+          <p:cNvSpPr/>
+          <p:nvPr/>
+        </p:nvSpPr>
+        <p:spPr>
+          <a:xfrm>
+            <a:off x="15415376" y="20377035"/>
+            <a:ext cx="3536988" cy="806565"/>
+          </a:xfrm>
+          <a:prstGeom prst="rect">
+            <a:avLst/>
+          </a:prstGeom>
+        </p:spPr>
+        <p:style>
+          <a:lnRef idx="3">
+            <a:schemeClr val="lt1"/>
+          </a:lnRef>
+          <a:fillRef idx="1">
+            <a:schemeClr val="accent2"/>
+          </a:fillRef>
+          <a:effectRef idx="1">
+            <a:schemeClr val="accent2"/>
+          </a:effectRef>
+          <a:fontRef idx="minor">
+            <a:schemeClr val="lt1"/>
+          </a:fontRef>
+        </p:style>
+        <p:txBody>
+          <a:bodyPr rtlCol="0" anchor="ctr"/>
+          <a:lstStyle/>
+          <a:p>
+            <a:pPr algn="ctr"/>
+            <a:r>
+              <a:rPr lang="en-US" sz="3200"/>
+              <a:t>Process</a:t>
+            </a:r>
           </a:p>
         </p:txBody>
       </p:sp>
     </p:spTree>
     <p:extLst>
       <p:ext uri="{BB962C8B-B14F-4D97-AF65-F5344CB8AC3E}">
-        <p14:creationId xmlns:p14="http://schemas.microsoft.com/office/powerpoint/2010/main" val="810254537"/>
+        <p14:creationId xmlns:p14="http://schemas.microsoft.com/office/powerpoint/2010/main" val="283623424"/>
       </p:ext>
     </p:extLst>
   </p:cSld>
@@ -3416,44 +6391,44 @@
         <a:sysClr val="window" lastClr="FFFFFF"/>
       </a:lt1>
       <a:dk2>
-        <a:srgbClr val="44546A"/>
+        <a:srgbClr val="1F497D"/>
       </a:dk2>
       <a:lt2>
-        <a:srgbClr val="E7E6E6"/>
+        <a:srgbClr val="EEECE1"/>
       </a:lt2>
       <a:accent1>
-        <a:srgbClr val="4472C4"/>
+        <a:srgbClr val="4F81BD"/>
       </a:accent1>
       <a:accent2>
-        <a:srgbClr val="ED7D31"/>
+        <a:srgbClr val="C0504D"/>
       </a:accent2>
       <a:accent3>
-        <a:srgbClr val="A5A5A5"/>
+        <a:srgbClr val="9BBB59"/>
       </a:accent3>
       <a:accent4>
-        <a:srgbClr val="FFC000"/>
+        <a:srgbClr val="8064A2"/>
       </a:accent4>
       <a:accent5>
-        <a:srgbClr val="5B9BD5"/>
+        <a:srgbClr val="4BACC6"/>
       </a:accent5>
       <a:accent6>
-        <a:srgbClr val="70AD47"/>
+        <a:srgbClr val="F79646"/>
       </a:accent6>
       <a:hlink>
-        <a:srgbClr val="0563C1"/>
+        <a:srgbClr val="0000FF"/>
       </a:hlink>
       <a:folHlink>
-        <a:srgbClr val="954F72"/>
+        <a:srgbClr val="800080"/>
       </a:folHlink>
     </a:clrScheme>
     <a:fontScheme name="Office">
       <a:majorFont>
-        <a:latin typeface="Calibri Light" panose="020F0302020204030204"/>
+        <a:latin typeface="Calibri"/>
         <a:ea typeface=""/>
         <a:cs typeface=""/>
-        <a:font script="Jpan" typeface="游ゴシック Light"/>
+        <a:font script="Jpan" typeface="ＭＳ Ｐゴシック"/>
         <a:font script="Hang" typeface="맑은 고딕"/>
-        <a:font script="Hans" typeface="等线 Light"/>
+        <a:font script="Hans" typeface="宋体"/>
         <a:font script="Hant" typeface="新細明體"/>
         <a:font script="Arab" typeface="Times New Roman"/>
         <a:font script="Hebr" typeface="Times New Roman"/>
@@ -3480,32 +6455,14 @@
         <a:font script="Mong" typeface="Mongolian Baiti"/>
         <a:font script="Viet" typeface="Times New Roman"/>
         <a:font script="Uigh" typeface="Microsoft Uighur"/>
-        <a:font script="Geor" typeface="Sylfaen"/>
-        <a:font script="Armn" typeface="Arial"/>
-        <a:font script="Bugi" typeface="Leelawadee UI"/>
-        <a:font script="Bopo" typeface="Microsoft JhengHei"/>
-        <a:font script="Java" typeface="Javanese Text"/>
-        <a:font script="Lisu" typeface="Segoe UI"/>
-        <a:font script="Mymr" typeface="Myanmar Text"/>
-        <a:font script="Nkoo" typeface="Ebrima"/>
-        <a:font script="Olck" typeface="Nirmala UI"/>
-        <a:font script="Osma" typeface="Ebrima"/>
-        <a:font script="Phag" typeface="Phagspa"/>
-        <a:font script="Syrn" typeface="Estrangelo Edessa"/>
-        <a:font script="Syrj" typeface="Estrangelo Edessa"/>
-        <a:font script="Syre" typeface="Estrangelo Edessa"/>
-        <a:font script="Sora" typeface="Nirmala UI"/>
-        <a:font script="Tale" typeface="Microsoft Tai Le"/>
-        <a:font script="Talu" typeface="Microsoft New Tai Lue"/>
-        <a:font script="Tfng" typeface="Ebrima"/>
       </a:majorFont>
       <a:minorFont>
-        <a:latin typeface="Calibri" panose="020F0502020204030204"/>
+        <a:latin typeface="Calibri"/>
         <a:ea typeface=""/>
         <a:cs typeface=""/>
-        <a:font script="Jpan" typeface="游ゴシック"/>
+        <a:font script="Jpan" typeface="ＭＳ Ｐゴシック"/>
         <a:font script="Hang" typeface="맑은 고딕"/>
-        <a:font script="Hans" typeface="等线"/>
+        <a:font script="Hans" typeface="宋体"/>
         <a:font script="Hant" typeface="新細明體"/>
         <a:font script="Arab" typeface="Arial"/>
         <a:font script="Hebr" typeface="Arial"/>
@@ -3532,24 +6489,6 @@
         <a:font script="Mong" typeface="Mongolian Baiti"/>
         <a:font script="Viet" typeface="Arial"/>
         <a:font script="Uigh" typeface="Microsoft Uighur"/>
-        <a:font script="Geor" typeface="Sylfaen"/>
-        <a:font script="Armn" typeface="Arial"/>
-        <a:font script="Bugi" typeface="Leelawadee UI"/>
-        <a:font script="Bopo" typeface="Microsoft JhengHei"/>
-        <a:font script="Java" typeface="Javanese Text"/>
-        <a:font script="Lisu" typeface="Segoe UI"/>
-        <a:font script="Mymr" typeface="Myanmar Text"/>
-        <a:font script="Nkoo" typeface="Ebrima"/>
-        <a:font script="Olck" typeface="Nirmala UI"/>
-        <a:font script="Osma" typeface="Ebrima"/>
-        <a:font script="Phag" typeface="Phagspa"/>
-        <a:font script="Syrn" typeface="Estrangelo Edessa"/>
-        <a:font script="Syrj" typeface="Estrangelo Edessa"/>
-        <a:font script="Syre" typeface="Estrangelo Edessa"/>
-        <a:font script="Sora" typeface="Nirmala UI"/>
-        <a:font script="Tale" typeface="Microsoft Tai Le"/>
-        <a:font script="Talu" typeface="Microsoft New Tai Lue"/>
-        <a:font script="Tfng" typeface="Ebrima"/>
       </a:minorFont>
     </a:fontScheme>
     <a:fmtScheme name="Office">
@@ -3561,141 +6500,448 @@
           <a:gsLst>
             <a:gs pos="0">
               <a:schemeClr val="phClr">
-                <a:lumMod val="110000"/>
-                <a:satMod val="105000"/>
-                <a:tint val="67000"/>
+                <a:tint val="50000"/>
+                <a:satMod val="300000"/>
               </a:schemeClr>
             </a:gs>
-            <a:gs pos="50000">
+            <a:gs pos="35000">
               <a:schemeClr val="phClr">
-                <a:lumMod val="105000"/>
-                <a:satMod val="103000"/>
-                <a:tint val="73000"/>
+                <a:tint val="37000"/>
+                <a:satMod val="300000"/>
               </a:schemeClr>
             </a:gs>
             <a:gs pos="100000">
               <a:schemeClr val="phClr">
-                <a:lumMod val="105000"/>
-                <a:satMod val="109000"/>
-                <a:tint val="81000"/>
+                <a:tint val="15000"/>
+                <a:satMod val="350000"/>
               </a:schemeClr>
             </a:gs>
           </a:gsLst>
-          <a:lin ang="5400000" scaled="0"/>
+          <a:lin ang="16200000" scaled="1"/>
         </a:gradFill>
         <a:gradFill rotWithShape="1">
           <a:gsLst>
             <a:gs pos="0">
               <a:schemeClr val="phClr">
-                <a:satMod val="103000"/>
-                <a:lumMod val="102000"/>
-                <a:tint val="94000"/>
+                <a:shade val="51000"/>
+                <a:satMod val="130000"/>
               </a:schemeClr>
             </a:gs>
-            <a:gs pos="50000">
+            <a:gs pos="80000">
               <a:schemeClr val="phClr">
-                <a:satMod val="110000"/>
-                <a:lumMod val="100000"/>
-                <a:shade val="100000"/>
+                <a:shade val="93000"/>
+                <a:satMod val="130000"/>
               </a:schemeClr>
             </a:gs>
             <a:gs pos="100000">
               <a:schemeClr val="phClr">
-                <a:lumMod val="99000"/>
-                <a:satMod val="120000"/>
-                <a:shade val="78000"/>
+                <a:shade val="94000"/>
+                <a:satMod val="135000"/>
               </a:schemeClr>
             </a:gs>
           </a:gsLst>
-          <a:lin ang="5400000" scaled="0"/>
+          <a:lin ang="16200000" scaled="0"/>
         </a:gradFill>
       </a:fillStyleLst>
       <a:lnStyleLst>
-        <a:ln w="6350" cap="flat" cmpd="sng" algn="ctr">
+        <a:ln w="9525" cap="flat" cmpd="sng" algn="ctr">
+          <a:solidFill>
+            <a:schemeClr val="phClr">
+              <a:shade val="95000"/>
+              <a:satMod val="105000"/>
+            </a:schemeClr>
+          </a:solidFill>
+          <a:prstDash val="solid"/>
+        </a:ln>
+        <a:ln w="25400" cap="flat" cmpd="sng" algn="ctr">
           <a:solidFill>
             <a:schemeClr val="phClr"/>
           </a:solidFill>
           <a:prstDash val="solid"/>
-          <a:miter lim="800000"/>
         </a:ln>
-        <a:ln w="12700" cap="flat" cmpd="sng" algn="ctr">
+        <a:ln w="38100" cap="flat" cmpd="sng" algn="ctr">
           <a:solidFill>
             <a:schemeClr val="phClr"/>
           </a:solidFill>
           <a:prstDash val="solid"/>
-          <a:miter lim="800000"/>
-        </a:ln>
-        <a:ln w="19050" cap="flat" cmpd="sng" algn="ctr">
-          <a:solidFill>
-            <a:schemeClr val="phClr"/>
-          </a:solidFill>
-          <a:prstDash val="solid"/>
-          <a:miter lim="800000"/>
         </a:ln>
       </a:lnStyleLst>
       <a:effectStyleLst>
         <a:effectStyle>
-          <a:effectLst/>
-        </a:effectStyle>
-        <a:effectStyle>
-          <a:effectLst/>
+          <a:effectLst>
+            <a:outerShdw blurRad="40000" dist="20000" dir="5400000" rotWithShape="0">
+              <a:srgbClr val="000000">
+                <a:alpha val="38000"/>
+              </a:srgbClr>
+            </a:outerShdw>
+          </a:effectLst>
         </a:effectStyle>
         <a:effectStyle>
           <a:effectLst>
-            <a:outerShdw blurRad="57150" dist="19050" dir="5400000" algn="ctr" rotWithShape="0">
+            <a:outerShdw blurRad="40000" dist="23000" dir="5400000" rotWithShape="0">
               <a:srgbClr val="000000">
-                <a:alpha val="63000"/>
+                <a:alpha val="35000"/>
               </a:srgbClr>
             </a:outerShdw>
           </a:effectLst>
+        </a:effectStyle>
+        <a:effectStyle>
+          <a:effectLst>
+            <a:outerShdw blurRad="40000" dist="23000" dir="5400000" rotWithShape="0">
+              <a:srgbClr val="000000">
+                <a:alpha val="35000"/>
+              </a:srgbClr>
+            </a:outerShdw>
+          </a:effectLst>
+          <a:scene3d>
+            <a:camera prst="orthographicFront">
+              <a:rot lat="0" lon="0" rev="0"/>
+            </a:camera>
+            <a:lightRig rig="threePt" dir="t">
+              <a:rot lat="0" lon="0" rev="1200000"/>
+            </a:lightRig>
+          </a:scene3d>
+          <a:sp3d>
+            <a:bevelT w="63500" h="25400"/>
+          </a:sp3d>
         </a:effectStyle>
       </a:effectStyleLst>
       <a:bgFillStyleLst>
         <a:solidFill>
           <a:schemeClr val="phClr"/>
         </a:solidFill>
-        <a:solidFill>
-          <a:schemeClr val="phClr">
-            <a:tint val="95000"/>
-            <a:satMod val="170000"/>
-          </a:schemeClr>
-        </a:solidFill>
         <a:gradFill rotWithShape="1">
           <a:gsLst>
             <a:gs pos="0">
               <a:schemeClr val="phClr">
-                <a:tint val="93000"/>
-                <a:satMod val="150000"/>
-                <a:shade val="98000"/>
-                <a:lumMod val="102000"/>
+                <a:tint val="40000"/>
+                <a:satMod val="350000"/>
               </a:schemeClr>
             </a:gs>
-            <a:gs pos="50000">
+            <a:gs pos="40000">
               <a:schemeClr val="phClr">
-                <a:tint val="98000"/>
-                <a:satMod val="130000"/>
-                <a:shade val="90000"/>
-                <a:lumMod val="103000"/>
+                <a:tint val="45000"/>
+                <a:shade val="99000"/>
+                <a:satMod val="350000"/>
               </a:schemeClr>
             </a:gs>
             <a:gs pos="100000">
               <a:schemeClr val="phClr">
-                <a:shade val="63000"/>
-                <a:satMod val="120000"/>
+                <a:shade val="20000"/>
+                <a:satMod val="255000"/>
               </a:schemeClr>
             </a:gs>
           </a:gsLst>
-          <a:lin ang="5400000" scaled="0"/>
+          <a:path path="circle">
+            <a:fillToRect l="50000" t="-80000" r="50000" b="180000"/>
+          </a:path>
+        </a:gradFill>
+        <a:gradFill rotWithShape="1">
+          <a:gsLst>
+            <a:gs pos="0">
+              <a:schemeClr val="phClr">
+                <a:tint val="80000"/>
+                <a:satMod val="300000"/>
+              </a:schemeClr>
+            </a:gs>
+            <a:gs pos="100000">
+              <a:schemeClr val="phClr">
+                <a:shade val="30000"/>
+                <a:satMod val="200000"/>
+              </a:schemeClr>
+            </a:gs>
+          </a:gsLst>
+          <a:path path="circle">
+            <a:fillToRect l="50000" t="50000" r="50000" b="50000"/>
+          </a:path>
         </a:gradFill>
       </a:bgFillStyleLst>
     </a:fmtScheme>
   </a:themeElements>
   <a:objectDefaults/>
   <a:extraClrSchemeLst/>
-  <a:extLst>
-    <a:ext uri="{05A4C25C-085E-4340-85A3-A5531E510DB2}">
-      <thm15:themeFamily xmlns:thm15="http://schemas.microsoft.com/office/thememl/2012/main" name="Office Theme" id="{62F939B6-93AF-4DB8-9C6B-D6C7DFDC589F}" vid="{4A3C46E8-61CC-4603-A589-7422A47A8E4A}"/>
-    </a:ext>
-  </a:extLst>
+</a:theme>
+</file>
+
+<file path=ppt/theme/theme2.xml><?xml version="1.0" encoding="utf-8"?>
+<a:theme xmlns:a="http://schemas.openxmlformats.org/drawingml/2006/main" name="Office Theme">
+  <a:themeElements>
+    <a:clrScheme name="Office">
+      <a:dk1>
+        <a:sysClr val="windowText" lastClr="000000"/>
+      </a:dk1>
+      <a:lt1>
+        <a:sysClr val="window" lastClr="FFFFFF"/>
+      </a:lt1>
+      <a:dk2>
+        <a:srgbClr val="1F497D"/>
+      </a:dk2>
+      <a:lt2>
+        <a:srgbClr val="EEECE1"/>
+      </a:lt2>
+      <a:accent1>
+        <a:srgbClr val="4F81BD"/>
+      </a:accent1>
+      <a:accent2>
+        <a:srgbClr val="C0504D"/>
+      </a:accent2>
+      <a:accent3>
+        <a:srgbClr val="9BBB59"/>
+      </a:accent3>
+      <a:accent4>
+        <a:srgbClr val="8064A2"/>
+      </a:accent4>
+      <a:accent5>
+        <a:srgbClr val="4BACC6"/>
+      </a:accent5>
+      <a:accent6>
+        <a:srgbClr val="F79646"/>
+      </a:accent6>
+      <a:hlink>
+        <a:srgbClr val="0000FF"/>
+      </a:hlink>
+      <a:folHlink>
+        <a:srgbClr val="800080"/>
+      </a:folHlink>
+    </a:clrScheme>
+    <a:fontScheme name="Office">
+      <a:majorFont>
+        <a:latin typeface="Calibri"/>
+        <a:ea typeface=""/>
+        <a:cs typeface=""/>
+        <a:font script="Jpan" typeface="ＭＳ Ｐゴシック"/>
+        <a:font script="Hang" typeface="맑은 고딕"/>
+        <a:font script="Hans" typeface="宋体"/>
+        <a:font script="Hant" typeface="新細明體"/>
+        <a:font script="Arab" typeface="Times New Roman"/>
+        <a:font script="Hebr" typeface="Times New Roman"/>
+        <a:font script="Thai" typeface="Angsana New"/>
+        <a:font script="Ethi" typeface="Nyala"/>
+        <a:font script="Beng" typeface="Vrinda"/>
+        <a:font script="Gujr" typeface="Shruti"/>
+        <a:font script="Khmr" typeface="MoolBoran"/>
+        <a:font script="Knda" typeface="Tunga"/>
+        <a:font script="Guru" typeface="Raavi"/>
+        <a:font script="Cans" typeface="Euphemia"/>
+        <a:font script="Cher" typeface="Plantagenet Cherokee"/>
+        <a:font script="Yiii" typeface="Microsoft Yi Baiti"/>
+        <a:font script="Tibt" typeface="Microsoft Himalaya"/>
+        <a:font script="Thaa" typeface="MV Boli"/>
+        <a:font script="Deva" typeface="Mangal"/>
+        <a:font script="Telu" typeface="Gautami"/>
+        <a:font script="Taml" typeface="Latha"/>
+        <a:font script="Syrc" typeface="Estrangelo Edessa"/>
+        <a:font script="Orya" typeface="Kalinga"/>
+        <a:font script="Mlym" typeface="Kartika"/>
+        <a:font script="Laoo" typeface="DokChampa"/>
+        <a:font script="Sinh" typeface="Iskoola Pota"/>
+        <a:font script="Mong" typeface="Mongolian Baiti"/>
+        <a:font script="Viet" typeface="Times New Roman"/>
+        <a:font script="Uigh" typeface="Microsoft Uighur"/>
+      </a:majorFont>
+      <a:minorFont>
+        <a:latin typeface="Calibri"/>
+        <a:ea typeface=""/>
+        <a:cs typeface=""/>
+        <a:font script="Jpan" typeface="ＭＳ Ｐゴシック"/>
+        <a:font script="Hang" typeface="맑은 고딕"/>
+        <a:font script="Hans" typeface="宋体"/>
+        <a:font script="Hant" typeface="新細明體"/>
+        <a:font script="Arab" typeface="Arial"/>
+        <a:font script="Hebr" typeface="Arial"/>
+        <a:font script="Thai" typeface="Cordia New"/>
+        <a:font script="Ethi" typeface="Nyala"/>
+        <a:font script="Beng" typeface="Vrinda"/>
+        <a:font script="Gujr" typeface="Shruti"/>
+        <a:font script="Khmr" typeface="DaunPenh"/>
+        <a:font script="Knda" typeface="Tunga"/>
+        <a:font script="Guru" typeface="Raavi"/>
+        <a:font script="Cans" typeface="Euphemia"/>
+        <a:font script="Cher" typeface="Plantagenet Cherokee"/>
+        <a:font script="Yiii" typeface="Microsoft Yi Baiti"/>
+        <a:font script="Tibt" typeface="Microsoft Himalaya"/>
+        <a:font script="Thaa" typeface="MV Boli"/>
+        <a:font script="Deva" typeface="Mangal"/>
+        <a:font script="Telu" typeface="Gautami"/>
+        <a:font script="Taml" typeface="Latha"/>
+        <a:font script="Syrc" typeface="Estrangelo Edessa"/>
+        <a:font script="Orya" typeface="Kalinga"/>
+        <a:font script="Mlym" typeface="Kartika"/>
+        <a:font script="Laoo" typeface="DokChampa"/>
+        <a:font script="Sinh" typeface="Iskoola Pota"/>
+        <a:font script="Mong" typeface="Mongolian Baiti"/>
+        <a:font script="Viet" typeface="Arial"/>
+        <a:font script="Uigh" typeface="Microsoft Uighur"/>
+      </a:minorFont>
+    </a:fontScheme>
+    <a:fmtScheme name="Office">
+      <a:fillStyleLst>
+        <a:solidFill>
+          <a:schemeClr val="phClr"/>
+        </a:solidFill>
+        <a:gradFill rotWithShape="1">
+          <a:gsLst>
+            <a:gs pos="0">
+              <a:schemeClr val="phClr">
+                <a:tint val="50000"/>
+                <a:satMod val="300000"/>
+              </a:schemeClr>
+            </a:gs>
+            <a:gs pos="35000">
+              <a:schemeClr val="phClr">
+                <a:tint val="37000"/>
+                <a:satMod val="300000"/>
+              </a:schemeClr>
+            </a:gs>
+            <a:gs pos="100000">
+              <a:schemeClr val="phClr">
+                <a:tint val="15000"/>
+                <a:satMod val="350000"/>
+              </a:schemeClr>
+            </a:gs>
+          </a:gsLst>
+          <a:lin ang="16200000" scaled="1"/>
+        </a:gradFill>
+        <a:gradFill rotWithShape="1">
+          <a:gsLst>
+            <a:gs pos="0">
+              <a:schemeClr val="phClr">
+                <a:shade val="51000"/>
+                <a:satMod val="130000"/>
+              </a:schemeClr>
+            </a:gs>
+            <a:gs pos="80000">
+              <a:schemeClr val="phClr">
+                <a:shade val="93000"/>
+                <a:satMod val="130000"/>
+              </a:schemeClr>
+            </a:gs>
+            <a:gs pos="100000">
+              <a:schemeClr val="phClr">
+                <a:shade val="94000"/>
+                <a:satMod val="135000"/>
+              </a:schemeClr>
+            </a:gs>
+          </a:gsLst>
+          <a:lin ang="16200000" scaled="0"/>
+        </a:gradFill>
+      </a:fillStyleLst>
+      <a:lnStyleLst>
+        <a:ln w="9525" cap="flat" cmpd="sng" algn="ctr">
+          <a:solidFill>
+            <a:schemeClr val="phClr">
+              <a:shade val="95000"/>
+              <a:satMod val="105000"/>
+            </a:schemeClr>
+          </a:solidFill>
+          <a:prstDash val="solid"/>
+        </a:ln>
+        <a:ln w="25400" cap="flat" cmpd="sng" algn="ctr">
+          <a:solidFill>
+            <a:schemeClr val="phClr"/>
+          </a:solidFill>
+          <a:prstDash val="solid"/>
+        </a:ln>
+        <a:ln w="38100" cap="flat" cmpd="sng" algn="ctr">
+          <a:solidFill>
+            <a:schemeClr val="phClr"/>
+          </a:solidFill>
+          <a:prstDash val="solid"/>
+        </a:ln>
+      </a:lnStyleLst>
+      <a:effectStyleLst>
+        <a:effectStyle>
+          <a:effectLst>
+            <a:outerShdw blurRad="40000" dist="20000" dir="5400000" rotWithShape="0">
+              <a:srgbClr val="000000">
+                <a:alpha val="38000"/>
+              </a:srgbClr>
+            </a:outerShdw>
+          </a:effectLst>
+        </a:effectStyle>
+        <a:effectStyle>
+          <a:effectLst>
+            <a:outerShdw blurRad="40000" dist="23000" dir="5400000" rotWithShape="0">
+              <a:srgbClr val="000000">
+                <a:alpha val="35000"/>
+              </a:srgbClr>
+            </a:outerShdw>
+          </a:effectLst>
+        </a:effectStyle>
+        <a:effectStyle>
+          <a:effectLst>
+            <a:outerShdw blurRad="40000" dist="23000" dir="5400000" rotWithShape="0">
+              <a:srgbClr val="000000">
+                <a:alpha val="35000"/>
+              </a:srgbClr>
+            </a:outerShdw>
+          </a:effectLst>
+          <a:scene3d>
+            <a:camera prst="orthographicFront">
+              <a:rot lat="0" lon="0" rev="0"/>
+            </a:camera>
+            <a:lightRig rig="threePt" dir="t">
+              <a:rot lat="0" lon="0" rev="1200000"/>
+            </a:lightRig>
+          </a:scene3d>
+          <a:sp3d>
+            <a:bevelT w="63500" h="25400"/>
+          </a:sp3d>
+        </a:effectStyle>
+      </a:effectStyleLst>
+      <a:bgFillStyleLst>
+        <a:solidFill>
+          <a:schemeClr val="phClr"/>
+        </a:solidFill>
+        <a:gradFill rotWithShape="1">
+          <a:gsLst>
+            <a:gs pos="0">
+              <a:schemeClr val="phClr">
+                <a:tint val="40000"/>
+                <a:satMod val="350000"/>
+              </a:schemeClr>
+            </a:gs>
+            <a:gs pos="40000">
+              <a:schemeClr val="phClr">
+                <a:tint val="45000"/>
+                <a:shade val="99000"/>
+                <a:satMod val="350000"/>
+              </a:schemeClr>
+            </a:gs>
+            <a:gs pos="100000">
+              <a:schemeClr val="phClr">
+                <a:shade val="20000"/>
+                <a:satMod val="255000"/>
+              </a:schemeClr>
+            </a:gs>
+          </a:gsLst>
+          <a:path path="circle">
+            <a:fillToRect l="50000" t="-80000" r="50000" b="180000"/>
+          </a:path>
+        </a:gradFill>
+        <a:gradFill rotWithShape="1">
+          <a:gsLst>
+            <a:gs pos="0">
+              <a:schemeClr val="phClr">
+                <a:tint val="80000"/>
+                <a:satMod val="300000"/>
+              </a:schemeClr>
+            </a:gs>
+            <a:gs pos="100000">
+              <a:schemeClr val="phClr">
+                <a:shade val="30000"/>
+                <a:satMod val="200000"/>
+              </a:schemeClr>
+            </a:gs>
+          </a:gsLst>
+          <a:path path="circle">
+            <a:fillToRect l="50000" t="50000" r="50000" b="50000"/>
+          </a:path>
+        </a:gradFill>
+      </a:bgFillStyleLst>
+    </a:fmtScheme>
+  </a:themeElements>
+  <a:objectDefaults/>
+  <a:extraClrSchemeLst/>
 </a:theme>
 </file>
--- a/C - Submittals/Poster/FIR Poster.pptx
+++ b/C - Submittals/Poster/FIR Poster.pptx
@@ -108,6 +108,15 @@
     </a:lvl9pPr>
   </p:defaultTextStyle>
   <p:extLst>
+    <p:ext uri="{521415D9-36F7-43E2-AB2F-B90AF26B5E84}">
+      <p14:sectionLst xmlns:p14="http://schemas.microsoft.com/office/powerpoint/2010/main">
+        <p14:section name="Untitled Section" id="{4BD8691A-F4EC-4F40-AB9D-C54DBA417E93}">
+          <p14:sldIdLst>
+            <p14:sldId id="258"/>
+          </p14:sldIdLst>
+        </p14:section>
+      </p14:sectionLst>
+    </p:ext>
     <p:ext uri="{EFAFB233-063F-42B5-8137-9DF3F51BA10A}">
       <p15:sldGuideLst xmlns:p15="http://schemas.microsoft.com/office/powerpoint/2012/main">
         <p15:guide id="1" pos="27456" userDrawn="1">
@@ -126,12 +135,45 @@
 </p:presentation>
 </file>
 
+<file path=ppt/authors.xml><?xml version="1.0" encoding="utf-8"?>
+<p188:authorLst xmlns:a="http://schemas.openxmlformats.org/drawingml/2006/main" xmlns:r="http://schemas.openxmlformats.org/officeDocument/2006/relationships" xmlns:p188="http://schemas.microsoft.com/office/powerpoint/2018/8/main">
+  <p188:author id="{00000000-0000-0000-0000-000000000000}" name="Author" initials="A" userId="Author" providerId="AD"/>
+</p188:authorLst>
+</file>
+
 <file path=ppt/revisionInfo.xml><?xml version="1.0" encoding="utf-8"?>
 <p1510:revInfo xmlns:a="http://schemas.openxmlformats.org/drawingml/2006/main" xmlns:r="http://schemas.openxmlformats.org/officeDocument/2006/relationships" xmlns:p1510="http://schemas.microsoft.com/office/powerpoint/2015/10/main">
   <p1510:revLst>
-    <p1510:client id="{9D7371E3-9799-4692-8D0E-6D07B82488CD}" v="1" dt="2022-04-18T02:47:31.874"/>
+    <p1510:client id="{236A447F-FB32-4C8F-9392-36F95E965F77}" v="495" dt="2022-04-24T18:25:10.852"/>
   </p1510:revLst>
 </p1510:revInfo>
+</file>
+
+<file path=ppt/comments/modernComment_102_10E7C000.xml><?xml version="1.0" encoding="utf-8"?>
+<p188:cmLst xmlns:a="http://schemas.openxmlformats.org/drawingml/2006/main" xmlns:r="http://schemas.openxmlformats.org/officeDocument/2006/relationships" xmlns:p188="http://schemas.microsoft.com/office/powerpoint/2018/8/main">
+  <p188:cm id="{B3B1C28A-0C40-4D0A-B2AE-1BF3CCE89CDD}" authorId="{00000000-0000-0000-0000-000000000000}" created="2022-04-24T21:07:10.311">
+    <ac:txMkLst xmlns:ac="http://schemas.microsoft.com/office/drawing/2013/main/command">
+      <pc:docMk xmlns:pc="http://schemas.microsoft.com/office/powerpoint/2013/main/command"/>
+      <pc:sldMk xmlns:pc="http://schemas.microsoft.com/office/powerpoint/2013/main/command" cId="283623424" sldId="258"/>
+      <ac:spMk id="34" creationId="{00000000-0000-0000-0000-000000000000}"/>
+      <ac:txMk cp="364" len="107">
+        <ac:context len="669" hash="2402541150"/>
+      </ac:txMk>
+    </ac:txMkLst>
+    <p188:pos x="11656997" y="4105936"/>
+    <p188:txBody>
+      <a:bodyPr/>
+      <a:lstStyle/>
+      <a:p>
+        <a:r>
+          <a:rPr lang="en-US"/>
+          <a:t>I believe FIR Filters can be utilized to introduce distortion to signals?
+That is the objective of FIR Filter 1 in the image processing experiment.</a:t>
+        </a:r>
+      </a:p>
+    </p188:txBody>
+  </p188:cm>
+</p188:cmLst>
 </file>
 
 <file path=ppt/notesMasters/notesMaster1.xml><?xml version="1.0" encoding="utf-8"?>
@@ -216,7 +258,7 @@
           <a:p>
             <a:fld id="{D0FE861C-486B-4E18-A0E9-A790238A915C}" type="datetimeFigureOut">
               <a:rPr lang="en-US" smtClean="0"/>
-              <a:t>4/23/2022</a:t>
+              <a:t>4/24/2022</a:t>
             </a:fld>
             <a:endParaRPr lang="en-US"/>
           </a:p>
@@ -745,7 +787,7 @@
           <a:p>
             <a:fld id="{8102BAB4-8B8D-41DD-85C7-81A0CA962007}" type="datetimeFigureOut">
               <a:rPr lang="en-US" smtClean="0"/>
-              <a:t>4/23/2022</a:t>
+              <a:t>4/24/2022</a:t>
             </a:fld>
             <a:endParaRPr lang="en-US"/>
           </a:p>
@@ -908,7 +950,7 @@
           <a:p>
             <a:fld id="{8102BAB4-8B8D-41DD-85C7-81A0CA962007}" type="datetimeFigureOut">
               <a:rPr lang="en-US" smtClean="0"/>
-              <a:t>4/23/2022</a:t>
+              <a:t>4/24/2022</a:t>
             </a:fld>
             <a:endParaRPr lang="en-US"/>
           </a:p>
@@ -1081,7 +1123,7 @@
           <a:p>
             <a:fld id="{8102BAB4-8B8D-41DD-85C7-81A0CA962007}" type="datetimeFigureOut">
               <a:rPr lang="en-US" smtClean="0"/>
-              <a:t>4/23/2022</a:t>
+              <a:t>4/24/2022</a:t>
             </a:fld>
             <a:endParaRPr lang="en-US"/>
           </a:p>
@@ -1244,7 +1286,7 @@
           <a:p>
             <a:fld id="{8102BAB4-8B8D-41DD-85C7-81A0CA962007}" type="datetimeFigureOut">
               <a:rPr lang="en-US" smtClean="0"/>
-              <a:t>4/23/2022</a:t>
+              <a:t>4/24/2022</a:t>
             </a:fld>
             <a:endParaRPr lang="en-US"/>
           </a:p>
@@ -1484,7 +1526,7 @@
           <a:p>
             <a:fld id="{8102BAB4-8B8D-41DD-85C7-81A0CA962007}" type="datetimeFigureOut">
               <a:rPr lang="en-US" smtClean="0"/>
-              <a:t>4/23/2022</a:t>
+              <a:t>4/24/2022</a:t>
             </a:fld>
             <a:endParaRPr lang="en-US"/>
           </a:p>
@@ -1764,7 +1806,7 @@
           <a:p>
             <a:fld id="{8102BAB4-8B8D-41DD-85C7-81A0CA962007}" type="datetimeFigureOut">
               <a:rPr lang="en-US" smtClean="0"/>
-              <a:t>4/23/2022</a:t>
+              <a:t>4/24/2022</a:t>
             </a:fld>
             <a:endParaRPr lang="en-US"/>
           </a:p>
@@ -2178,7 +2220,7 @@
           <a:p>
             <a:fld id="{8102BAB4-8B8D-41DD-85C7-81A0CA962007}" type="datetimeFigureOut">
               <a:rPr lang="en-US" smtClean="0"/>
-              <a:t>4/23/2022</a:t>
+              <a:t>4/24/2022</a:t>
             </a:fld>
             <a:endParaRPr lang="en-US"/>
           </a:p>
@@ -2290,7 +2332,7 @@
           <a:p>
             <a:fld id="{8102BAB4-8B8D-41DD-85C7-81A0CA962007}" type="datetimeFigureOut">
               <a:rPr lang="en-US" smtClean="0"/>
-              <a:t>4/23/2022</a:t>
+              <a:t>4/24/2022</a:t>
             </a:fld>
             <a:endParaRPr lang="en-US"/>
           </a:p>
@@ -2380,7 +2422,7 @@
           <a:p>
             <a:fld id="{8102BAB4-8B8D-41DD-85C7-81A0CA962007}" type="datetimeFigureOut">
               <a:rPr lang="en-US" smtClean="0"/>
-              <a:t>4/23/2022</a:t>
+              <a:t>4/24/2022</a:t>
             </a:fld>
             <a:endParaRPr lang="en-US"/>
           </a:p>
@@ -2650,7 +2692,7 @@
           <a:p>
             <a:fld id="{8102BAB4-8B8D-41DD-85C7-81A0CA962007}" type="datetimeFigureOut">
               <a:rPr lang="en-US" smtClean="0"/>
-              <a:t>4/23/2022</a:t>
+              <a:t>4/24/2022</a:t>
             </a:fld>
             <a:endParaRPr lang="en-US"/>
           </a:p>
@@ -2897,7 +2939,7 @@
           <a:p>
             <a:fld id="{8102BAB4-8B8D-41DD-85C7-81A0CA962007}" type="datetimeFigureOut">
               <a:rPr lang="en-US" smtClean="0"/>
-              <a:t>4/23/2022</a:t>
+              <a:t>4/24/2022</a:t>
             </a:fld>
             <a:endParaRPr lang="en-US"/>
           </a:p>
@@ -3103,7 +3145,7 @@
           <a:p>
             <a:fld id="{8102BAB4-8B8D-41DD-85C7-81A0CA962007}" type="datetimeFigureOut">
               <a:rPr lang="en-US" smtClean="0"/>
-              <a:t>4/23/2022</a:t>
+              <a:t>4/24/2022</a:t>
             </a:fld>
             <a:endParaRPr lang="en-US"/>
           </a:p>
@@ -3638,12 +3680,31 @@
             <a:p>
               <a:pPr algn="just"/>
               <a:r>
-                <a:rPr lang="en-US" sz="3200">
+                <a:rPr lang="en-US" sz="3000" dirty="0">
                   <a:solidFill>
                     <a:schemeClr val="tx1"/>
                   </a:solidFill>
                 </a:rPr>
-                <a:t>FIR filters are frequency-selective filters utilized in a variety of digital signal processing applications in which linear-phase integrity is important.  Because FIR filters are computationally expensive compared to IIR filters, designing efficient filtering algorithms can be critical in applications with limited memory storage or a low tolerance for latency.  However, FIR filters are inherently stable systems and do not introduce distortion into filtered signals.  This is why FIR filters are often used in audio and image processing. This project investigates FIR filters commonly used in audio effect manipulation, signal restoration, and image edge detection. </a:t>
+                <a:t>FIR filters are frequency-selective filters utilized in a variety of digital signal processing applications in which linear-phase integrity is important.  Because FIR filters are computationally expensive compared to IIR filters, designing efficient filtering algorithms can be critical in applications with limited memory storage or a low tolerance for latency.  </a:t>
+              </a:r>
+              <a:r>
+                <a:rPr lang="en-US" sz="3000" dirty="0">
+                  <a:solidFill>
+                    <a:schemeClr val="tx1"/>
+                  </a:solidFill>
+                  <a:highlight>
+                    <a:srgbClr val="FFFF00"/>
+                  </a:highlight>
+                </a:rPr>
+                <a:t>However, FIR filters are inherently stable systems and do not introduce distortion into filtered signals</a:t>
+              </a:r>
+              <a:r>
+                <a:rPr lang="en-US" sz="3000" dirty="0">
+                  <a:solidFill>
+                    <a:schemeClr val="tx1"/>
+                  </a:solidFill>
+                </a:rPr>
+                <a:t>.  Therefore, FIR filters are often used in audio and image processing. This project investigates FIR filters commonly used in audio effect manipulation, signal restoration, and image edge detection. </a:t>
               </a:r>
             </a:p>
           </p:txBody>
@@ -4077,7 +4138,7 @@
             <a:p>
               <a:pPr algn="ctr"/>
               <a:r>
-                <a:rPr lang="en-US" sz="5400">
+                <a:rPr lang="en-US" sz="5400" dirty="0">
                   <a:solidFill>
                     <a:schemeClr val="bg1"/>
                   </a:solidFill>
@@ -4085,16 +4146,8 @@
                   <a:ea typeface="Bangla MN" charset="0"/>
                   <a:cs typeface="Bangla MN" charset="0"/>
                 </a:rPr>
-                <a:t>Analysis</a:t>
+                <a:t>Summary</a:t>
               </a:r>
-              <a:endParaRPr lang="en-US" sz="5400" dirty="0">
-                <a:solidFill>
-                  <a:schemeClr val="bg1"/>
-                </a:solidFill>
-                <a:latin typeface="Bangla MN" charset="0"/>
-                <a:ea typeface="Bangla MN" charset="0"/>
-                <a:cs typeface="Bangla MN" charset="0"/>
-              </a:endParaRPr>
             </a:p>
           </p:txBody>
         </p:sp>
@@ -4161,184 +4214,140 @@
           </a:p>
         </p:txBody>
       </p:sp>
-      <p:grpSp>
-        <p:nvGrpSpPr>
-          <p:cNvPr id="8" name="Group 7">
-            <a:extLst>
-              <a:ext uri="{FF2B5EF4-FFF2-40B4-BE49-F238E27FC236}">
-                <a16:creationId xmlns:a16="http://schemas.microsoft.com/office/drawing/2014/main" id="{F3A17757-1132-41D3-B375-A1C6758D8BC6}"/>
-              </a:ext>
-            </a:extLst>
-          </p:cNvPr>
-          <p:cNvGrpSpPr/>
+      <p:sp>
+        <p:nvSpPr>
+          <p:cNvPr id="50" name="Rectangle 49"/>
+          <p:cNvSpPr/>
           <p:nvPr/>
-        </p:nvGrpSpPr>
-        <p:grpSpPr>
+        </p:nvSpPr>
+        <p:spPr>
           <a:xfrm>
-            <a:off x="12658344" y="5124514"/>
-            <a:ext cx="30240653" cy="6999420"/>
-            <a:chOff x="12617171" y="23698200"/>
-            <a:chExt cx="18153841" cy="9260146"/>
+            <a:off x="13394142" y="5475283"/>
+            <a:ext cx="29504855" cy="6539919"/>
           </a:xfrm>
-        </p:grpSpPr>
-        <p:grpSp>
-          <p:nvGrpSpPr>
-            <p:cNvPr id="6" name="Group 5"/>
-            <p:cNvGrpSpPr/>
-            <p:nvPr/>
-          </p:nvGrpSpPr>
-          <p:grpSpPr>
-            <a:xfrm>
-              <a:off x="13058880" y="23698200"/>
-              <a:ext cx="17712132" cy="9260146"/>
-              <a:chOff x="13536444" y="20953271"/>
-              <a:chExt cx="13899016" cy="12234346"/>
-            </a:xfrm>
-          </p:grpSpPr>
-          <p:sp>
-            <p:nvSpPr>
-              <p:cNvPr id="50" name="Rectangle 49"/>
-              <p:cNvSpPr/>
-              <p:nvPr/>
-            </p:nvSpPr>
-            <p:spPr>
-              <a:xfrm>
-                <a:off x="13536444" y="21566383"/>
-                <a:ext cx="13899016" cy="11621234"/>
-              </a:xfrm>
-              <a:prstGeom prst="rect">
-                <a:avLst/>
-              </a:prstGeom>
-              <a:noFill/>
-              <a:ln w="76200">
+          <a:prstGeom prst="rect">
+            <a:avLst/>
+          </a:prstGeom>
+          <a:noFill/>
+          <a:ln w="76200">
+            <a:solidFill>
+              <a:schemeClr val="tx1"/>
+            </a:solidFill>
+          </a:ln>
+        </p:spPr>
+        <p:style>
+          <a:lnRef idx="2">
+            <a:schemeClr val="accent1">
+              <a:shade val="50000"/>
+            </a:schemeClr>
+          </a:lnRef>
+          <a:fillRef idx="1">
+            <a:schemeClr val="accent1"/>
+          </a:fillRef>
+          <a:effectRef idx="0">
+            <a:schemeClr val="accent1"/>
+          </a:effectRef>
+          <a:fontRef idx="minor">
+            <a:schemeClr val="lt1"/>
+          </a:fontRef>
+        </p:style>
+        <p:txBody>
+          <a:bodyPr lIns="457200" tIns="914400" rIns="457200" rtlCol="0" anchor="ctr"/>
+          <a:lstStyle/>
+          <a:p>
+            <a:pPr algn="ctr"/>
+            <a:endParaRPr lang="en-US"/>
+          </a:p>
+        </p:txBody>
+      </p:sp>
+      <p:sp>
+        <p:nvSpPr>
+          <p:cNvPr id="51" name="TextBox 50"/>
+          <p:cNvSpPr txBox="1"/>
+          <p:nvPr/>
+        </p:nvSpPr>
+        <p:spPr>
+          <a:xfrm>
+            <a:off x="23315812" y="5124514"/>
+            <a:ext cx="8504574" cy="923330"/>
+          </a:xfrm>
+          <a:prstGeom prst="rect">
+            <a:avLst/>
+          </a:prstGeom>
+        </p:spPr>
+        <p:style>
+          <a:lnRef idx="1">
+            <a:schemeClr val="accent2"/>
+          </a:lnRef>
+          <a:fillRef idx="3">
+            <a:schemeClr val="accent2"/>
+          </a:fillRef>
+          <a:effectRef idx="2">
+            <a:schemeClr val="accent2"/>
+          </a:effectRef>
+          <a:fontRef idx="minor">
+            <a:schemeClr val="lt1"/>
+          </a:fontRef>
+        </p:style>
+        <p:txBody>
+          <a:bodyPr wrap="square" rtlCol="0">
+            <a:spAutoFit/>
+          </a:bodyPr>
+          <a:lstStyle/>
+          <a:p>
+            <a:pPr algn="ctr"/>
+            <a:r>
+              <a:rPr lang="en-US" sz="5400" dirty="0">
                 <a:solidFill>
-                  <a:schemeClr val="tx1"/>
+                  <a:schemeClr val="bg1"/>
                 </a:solidFill>
-              </a:ln>
-            </p:spPr>
-            <p:style>
-              <a:lnRef idx="2">
-                <a:schemeClr val="accent1">
-                  <a:shade val="50000"/>
-                </a:schemeClr>
-              </a:lnRef>
-              <a:fillRef idx="1">
-                <a:schemeClr val="accent1"/>
-              </a:fillRef>
-              <a:effectRef idx="0">
-                <a:schemeClr val="accent1"/>
-              </a:effectRef>
-              <a:fontRef idx="minor">
-                <a:schemeClr val="lt1"/>
-              </a:fontRef>
-            </p:style>
-            <p:txBody>
-              <a:bodyPr lIns="457200" tIns="914400" rIns="457200" rtlCol="0" anchor="ctr"/>
-              <a:lstStyle/>
-              <a:p>
-                <a:pPr algn="ctr"/>
-                <a:endParaRPr lang="en-US"/>
-              </a:p>
-            </p:txBody>
-          </p:sp>
-          <p:sp>
-            <p:nvSpPr>
-              <p:cNvPr id="51" name="TextBox 50"/>
-              <p:cNvSpPr txBox="1"/>
-              <p:nvPr/>
-            </p:nvSpPr>
-            <p:spPr>
-              <a:xfrm>
-                <a:off x="18210300" y="20953271"/>
-                <a:ext cx="4006297" cy="1613896"/>
-              </a:xfrm>
-              <a:prstGeom prst="rect">
-                <a:avLst/>
-              </a:prstGeom>
-            </p:spPr>
-            <p:style>
-              <a:lnRef idx="1">
-                <a:schemeClr val="accent2"/>
-              </a:lnRef>
-              <a:fillRef idx="3">
-                <a:schemeClr val="accent2"/>
-              </a:fillRef>
-              <a:effectRef idx="2">
-                <a:schemeClr val="accent2"/>
-              </a:effectRef>
-              <a:fontRef idx="minor">
-                <a:schemeClr val="lt1"/>
-              </a:fontRef>
-            </p:style>
-            <p:txBody>
-              <a:bodyPr wrap="square" rtlCol="0">
-                <a:spAutoFit/>
-              </a:bodyPr>
-              <a:lstStyle/>
-              <a:p>
-                <a:pPr algn="ctr"/>
-                <a:r>
-                  <a:rPr lang="en-US" sz="5400">
-                    <a:solidFill>
-                      <a:schemeClr val="bg1"/>
-                    </a:solidFill>
-                    <a:latin typeface="Bangla MN" charset="0"/>
-                    <a:ea typeface="Bangla MN" charset="0"/>
-                    <a:cs typeface="Bangla MN" charset="0"/>
-                  </a:rPr>
-                  <a:t>Audio Effect</a:t>
-                </a:r>
-                <a:endParaRPr lang="en-US" sz="5400" dirty="0">
-                  <a:solidFill>
-                    <a:schemeClr val="bg1"/>
-                  </a:solidFill>
-                  <a:latin typeface="Bangla MN" charset="0"/>
-                  <a:ea typeface="Bangla MN" charset="0"/>
-                  <a:cs typeface="Bangla MN" charset="0"/>
-                </a:endParaRPr>
-              </a:p>
-            </p:txBody>
-          </p:sp>
-        </p:grpSp>
-        <p:sp>
-          <p:nvSpPr>
-            <p:cNvPr id="18" name="TextBox 17"/>
-            <p:cNvSpPr txBox="1"/>
-            <p:nvPr/>
-          </p:nvSpPr>
-          <p:spPr>
-            <a:xfrm>
-              <a:off x="12617171" y="24652546"/>
-              <a:ext cx="18114021" cy="769441"/>
-            </a:xfrm>
-            <a:prstGeom prst="rect">
-              <a:avLst/>
-            </a:prstGeom>
-            <a:noFill/>
-          </p:spPr>
-          <p:txBody>
-            <a:bodyPr wrap="square" rtlCol="0">
-              <a:spAutoFit/>
-            </a:bodyPr>
-            <a:lstStyle/>
-            <a:p>
-              <a:pPr marL="481012">
-                <a:spcAft>
-                  <a:spcPts val="4000"/>
-                </a:spcAft>
-              </a:pPr>
-              <a:r>
-                <a:rPr lang="en-US" sz="4400" dirty="0">
-                  <a:latin typeface="Al Bayan Plain" charset="-78"/>
-                  <a:ea typeface="Al Bayan Plain" charset="-78"/>
-                  <a:cs typeface="Al Bayan Plain" charset="-78"/>
-                </a:rPr>
-                <a:t> </a:t>
-              </a:r>
-            </a:p>
-          </p:txBody>
-        </p:sp>
-      </p:grpSp>
+                <a:latin typeface="Bangla MN" charset="0"/>
+                <a:ea typeface="Bangla MN" charset="0"/>
+                <a:cs typeface="Bangla MN" charset="0"/>
+              </a:rPr>
+              <a:t>Audio Effect</a:t>
+            </a:r>
+          </a:p>
+        </p:txBody>
+      </p:sp>
+      <p:sp>
+        <p:nvSpPr>
+          <p:cNvPr id="18" name="TextBox 17"/>
+          <p:cNvSpPr txBox="1"/>
+          <p:nvPr/>
+        </p:nvSpPr>
+        <p:spPr>
+          <a:xfrm>
+            <a:off x="12658344" y="5845871"/>
+            <a:ext cx="30174321" cy="581594"/>
+          </a:xfrm>
+          <a:prstGeom prst="rect">
+            <a:avLst/>
+          </a:prstGeom>
+          <a:noFill/>
+        </p:spPr>
+        <p:txBody>
+          <a:bodyPr wrap="square" rtlCol="0">
+            <a:spAutoFit/>
+          </a:bodyPr>
+          <a:lstStyle/>
+          <a:p>
+            <a:pPr marL="481012">
+              <a:spcAft>
+                <a:spcPts val="4000"/>
+              </a:spcAft>
+            </a:pPr>
+            <a:r>
+              <a:rPr lang="en-US" sz="4400" dirty="0">
+                <a:latin typeface="Al Bayan Plain" charset="-78"/>
+                <a:ea typeface="Al Bayan Plain" charset="-78"/>
+                <a:cs typeface="Al Bayan Plain" charset="-78"/>
+              </a:rPr>
+              <a:t> </a:t>
+            </a:r>
+          </a:p>
+        </p:txBody>
+      </p:sp>
       <mc:AlternateContent xmlns:mc="http://schemas.openxmlformats.org/markup-compatibility/2006">
         <mc:Choice xmlns:a14="http://schemas.microsoft.com/office/drawing/2010/main" Requires="a14">
           <p:sp>
@@ -4399,11 +4408,7 @@
                   </a:spcAft>
                 </a:pPr>
                 <a:r>
-                  <a:rPr lang="en-US" sz="3200"/>
-                  <a:t> </a:t>
-                </a:r>
-                <a:r>
-                  <a:rPr lang="en-US" sz="3200" b="0" i="0" u="none" strike="noStrike">
+                  <a:rPr lang="en-US" sz="2800" b="0" i="0" u="none" strike="noStrike" dirty="0">
                     <a:solidFill>
                       <a:srgbClr val="000000"/>
                     </a:solidFill>
@@ -4412,7 +4417,7 @@
                   </a:rPr>
                   <a:t>The following FIR filtering techniques were implemented in this research:</a:t>
                 </a:r>
-                <a:endParaRPr lang="en-US" sz="3200" b="0">
+                <a:endParaRPr lang="en-US" sz="2800" b="0" dirty="0">
                   <a:effectLst/>
                 </a:endParaRPr>
               </a:p>
@@ -4426,7 +4431,7 @@
                   </a:spcAft>
                 </a:pPr>
                 <a:r>
-                  <a:rPr lang="en-US" sz="3200" b="1" i="0" u="none" strike="noStrike">
+                  <a:rPr lang="en-US" sz="2800" b="1" i="0" u="none" strike="noStrike" dirty="0">
                     <a:solidFill>
                       <a:srgbClr val="000000"/>
                     </a:solidFill>
@@ -4436,7 +4441,7 @@
                   <a:t>Echo:</a:t>
                 </a:r>
                 <a:r>
-                  <a:rPr lang="en-US" sz="3200" b="0" i="0" u="none" strike="noStrike">
+                  <a:rPr lang="en-US" sz="2800" b="0" i="0" u="none" strike="noStrike" dirty="0">
                     <a:solidFill>
                       <a:srgbClr val="000000"/>
                     </a:solidFill>
@@ -4456,7 +4461,7 @@
                   </a:spcAft>
                 </a:pPr>
                 <a:r>
-                  <a:rPr lang="en-US" sz="3200" b="0" i="0" u="none" strike="noStrike">
+                  <a:rPr lang="en-US" sz="2800" b="0" i="0" u="none" strike="noStrike" dirty="0">
                     <a:solidFill>
                       <a:srgbClr val="000000"/>
                     </a:solidFill>
@@ -4465,9 +4470,6 @@
                   </a:rPr>
                   <a:t>A linear-phase shift that generates a signal delay with a relative magnitude to the original signal.  This phenomenon produces echoes and reverberations in audio signals, as well as “ghosts” in images.</a:t>
                 </a:r>
-                <a:endParaRPr lang="en-US" sz="3200" b="0">
-                  <a:effectLst/>
-                </a:endParaRPr>
               </a:p>
               <a:p>
                 <a:pPr>
@@ -4476,7 +4478,7 @@
                   </a:spcAft>
                 </a:pPr>
                 <a:r>
-                  <a:rPr lang="en-US" sz="3200" b="1" i="0" u="none" strike="noStrike">
+                  <a:rPr lang="en-US" sz="2800" b="1" i="0" u="none" strike="noStrike" dirty="0">
                     <a:solidFill>
                       <a:srgbClr val="000000"/>
                     </a:solidFill>
@@ -4493,14 +4495,624 @@
                   </a:spcAft>
                 </a:pPr>
                 <a:r>
-                  <a:rPr lang="en-US" sz="3200" b="0" i="0" u="none" strike="noStrike">
+                  <a:rPr lang="en-US" sz="2800" dirty="0">
                     <a:solidFill>
                       <a:srgbClr val="000000"/>
                     </a:solidFill>
-                    <a:effectLst/>
                     <a:latin typeface="Calibri" panose="020F0502020204030204" pitchFamily="34" charset="0"/>
                   </a:rPr>
-                  <a:t>The process of sequentially convolving two FIR filters on the same signal.  </a:t>
+                  <a:t>The output of the first system is the input to the second system, and the overall output of the cascade system is taken to be the output of the second system. </a:t>
+                </a:r>
+              </a:p>
+              <a:p>
+                <a:pPr>
+                  <a:spcAft>
+                    <a:spcPts val="600"/>
+                  </a:spcAft>
+                </a:pPr>
+                <a:r>
+                  <a:rPr lang="en-US" sz="2800" dirty="0">
+                    <a:solidFill>
+                      <a:srgbClr val="000000"/>
+                    </a:solidFill>
+                    <a:latin typeface="Calibri" panose="020F0502020204030204" pitchFamily="34" charset="0"/>
+                  </a:rPr>
+                  <a:t> </a:t>
+                </a:r>
+              </a:p>
+              <a:p>
+                <a:pPr>
+                  <a:spcAft>
+                    <a:spcPts val="600"/>
+                  </a:spcAft>
+                </a:pPr>
+                <a:endParaRPr lang="en-US" sz="2800" dirty="0">
+                  <a:solidFill>
+                    <a:srgbClr val="000000"/>
+                  </a:solidFill>
+                  <a:latin typeface="Calibri" panose="020F0502020204030204" pitchFamily="34" charset="0"/>
+                </a:endParaRPr>
+              </a:p>
+              <a:p>
+                <a:pPr algn="ctr">
+                  <a:spcAft>
+                    <a:spcPts val="600"/>
+                  </a:spcAft>
+                </a:pPr>
+                <a14:m>
+                  <m:oMathPara xmlns:m="http://schemas.openxmlformats.org/officeDocument/2006/math">
+                    <m:oMathParaPr>
+                      <m:jc m:val="centerGroup"/>
+                    </m:oMathParaPr>
+                    <m:oMath xmlns:m="http://schemas.openxmlformats.org/officeDocument/2006/math">
+                      <m:eqArr>
+                        <m:eqArrPr>
+                          <m:ctrlPr>
+                            <a:rPr lang="en-US" sz="2800" b="0" i="1" smtClean="0">
+                              <a:solidFill>
+                                <a:srgbClr val="000000"/>
+                              </a:solidFill>
+                              <a:latin typeface="Cambria Math" panose="02040503050406030204" pitchFamily="18" charset="0"/>
+                            </a:rPr>
+                          </m:ctrlPr>
+                        </m:eqArrPr>
+                        <m:e>
+                          <m:r>
+                            <a:rPr lang="en-US" sz="2800" b="0" i="1" smtClean="0">
+                              <a:solidFill>
+                                <a:srgbClr val="000000"/>
+                              </a:solidFill>
+                              <a:latin typeface="Cambria Math" panose="02040503050406030204" pitchFamily="18" charset="0"/>
+                            </a:rPr>
+                            <m:t>𝑤</m:t>
+                          </m:r>
+                          <m:d>
+                            <m:dPr>
+                              <m:begChr m:val="["/>
+                              <m:endChr m:val="]"/>
+                              <m:ctrlPr>
+                                <a:rPr lang="en-US" sz="2800" b="0" i="1" smtClean="0">
+                                  <a:solidFill>
+                                    <a:srgbClr val="000000"/>
+                                  </a:solidFill>
+                                  <a:latin typeface="Cambria Math" panose="02040503050406030204" pitchFamily="18" charset="0"/>
+                                </a:rPr>
+                              </m:ctrlPr>
+                            </m:dPr>
+                            <m:e>
+                              <m:r>
+                                <a:rPr lang="en-US" sz="2800" b="0" i="1" smtClean="0">
+                                  <a:solidFill>
+                                    <a:srgbClr val="000000"/>
+                                  </a:solidFill>
+                                  <a:latin typeface="Cambria Math" panose="02040503050406030204" pitchFamily="18" charset="0"/>
+                                </a:rPr>
+                                <m:t>𝑛</m:t>
+                              </m:r>
+                            </m:e>
+                          </m:d>
+                          <m:r>
+                            <a:rPr lang="en-US" sz="2800" b="0" i="1" smtClean="0">
+                              <a:solidFill>
+                                <a:srgbClr val="000000"/>
+                              </a:solidFill>
+                              <a:latin typeface="Cambria Math" panose="02040503050406030204" pitchFamily="18" charset="0"/>
+                            </a:rPr>
+                            <m:t>=</m:t>
+                          </m:r>
+                          <m:r>
+                            <a:rPr lang="en-US" sz="2800" b="0" i="1" smtClean="0">
+                              <a:solidFill>
+                                <a:srgbClr val="000000"/>
+                              </a:solidFill>
+                              <a:latin typeface="Cambria Math" panose="02040503050406030204" pitchFamily="18" charset="0"/>
+                            </a:rPr>
+                            <m:t>𝑥</m:t>
+                          </m:r>
+                          <m:d>
+                            <m:dPr>
+                              <m:begChr m:val="["/>
+                              <m:endChr m:val="]"/>
+                              <m:ctrlPr>
+                                <a:rPr lang="en-US" sz="2800" b="0" i="1" smtClean="0">
+                                  <a:solidFill>
+                                    <a:srgbClr val="000000"/>
+                                  </a:solidFill>
+                                  <a:latin typeface="Cambria Math" panose="02040503050406030204" pitchFamily="18" charset="0"/>
+                                </a:rPr>
+                              </m:ctrlPr>
+                            </m:dPr>
+                            <m:e>
+                              <m:r>
+                                <a:rPr lang="en-US" sz="2800" b="0" i="1" smtClean="0">
+                                  <a:solidFill>
+                                    <a:srgbClr val="000000"/>
+                                  </a:solidFill>
+                                  <a:latin typeface="Cambria Math" panose="02040503050406030204" pitchFamily="18" charset="0"/>
+                                </a:rPr>
+                                <m:t>𝑛</m:t>
+                              </m:r>
+                            </m:e>
+                          </m:d>
+                          <m:r>
+                            <a:rPr lang="en-US" sz="2800" b="0" i="1" smtClean="0">
+                              <a:solidFill>
+                                <a:srgbClr val="000000"/>
+                              </a:solidFill>
+                              <a:latin typeface="Cambria Math" panose="02040503050406030204" pitchFamily="18" charset="0"/>
+                            </a:rPr>
+                            <m:t>−</m:t>
+                          </m:r>
+                          <m:r>
+                            <a:rPr lang="en-US" sz="2800" b="0" i="1" smtClean="0">
+                              <a:solidFill>
+                                <a:srgbClr val="000000"/>
+                              </a:solidFill>
+                              <a:latin typeface="Cambria Math" panose="02040503050406030204" pitchFamily="18" charset="0"/>
+                            </a:rPr>
+                            <m:t>𝑞</m:t>
+                          </m:r>
+                          <m:d>
+                            <m:dPr>
+                              <m:begChr m:val="["/>
+                              <m:endChr m:val="]"/>
+                              <m:ctrlPr>
+                                <a:rPr lang="en-US" sz="2800" b="0" i="1" smtClean="0">
+                                  <a:solidFill>
+                                    <a:srgbClr val="000000"/>
+                                  </a:solidFill>
+                                  <a:latin typeface="Cambria Math" panose="02040503050406030204" pitchFamily="18" charset="0"/>
+                                </a:rPr>
+                              </m:ctrlPr>
+                            </m:dPr>
+                            <m:e>
+                              <m:r>
+                                <a:rPr lang="en-US" sz="2800" b="0" i="1" smtClean="0">
+                                  <a:solidFill>
+                                    <a:srgbClr val="000000"/>
+                                  </a:solidFill>
+                                  <a:latin typeface="Cambria Math" panose="02040503050406030204" pitchFamily="18" charset="0"/>
+                                </a:rPr>
+                                <m:t>𝑛</m:t>
+                              </m:r>
+                              <m:r>
+                                <a:rPr lang="en-US" sz="2800" b="0" i="1" smtClean="0">
+                                  <a:solidFill>
+                                    <a:srgbClr val="000000"/>
+                                  </a:solidFill>
+                                  <a:latin typeface="Cambria Math" panose="02040503050406030204" pitchFamily="18" charset="0"/>
+                                </a:rPr>
+                                <m:t>−1</m:t>
+                              </m:r>
+                            </m:e>
+                          </m:d>
+                          <m:r>
+                            <a:rPr lang="en-US" sz="2800" b="0" i="1" smtClean="0">
+                              <a:solidFill>
+                                <a:srgbClr val="000000"/>
+                              </a:solidFill>
+                              <a:latin typeface="Cambria Math" panose="02040503050406030204" pitchFamily="18" charset="0"/>
+                            </a:rPr>
+                            <m:t>#</m:t>
+                          </m:r>
+                          <m:d>
+                            <m:dPr>
+                              <m:ctrlPr>
+                                <a:rPr lang="en-US" sz="2800" b="0" i="1" smtClean="0">
+                                  <a:solidFill>
+                                    <a:srgbClr val="000000"/>
+                                  </a:solidFill>
+                                  <a:latin typeface="Cambria Math" panose="02040503050406030204" pitchFamily="18" charset="0"/>
+                                </a:rPr>
+                              </m:ctrlPr>
+                            </m:dPr>
+                            <m:e>
+                              <m:r>
+                                <a:rPr lang="en-US" sz="2800" b="0" i="1" smtClean="0">
+                                  <a:solidFill>
+                                    <a:srgbClr val="000000"/>
+                                  </a:solidFill>
+                                  <a:latin typeface="Cambria Math" panose="02040503050406030204" pitchFamily="18" charset="0"/>
+                                </a:rPr>
+                                <m:t>𝐹𝐼𝑅</m:t>
+                              </m:r>
+                              <m:r>
+                                <a:rPr lang="en-US" sz="2800" b="0" i="1" smtClean="0">
+                                  <a:solidFill>
+                                    <a:srgbClr val="000000"/>
+                                  </a:solidFill>
+                                  <a:latin typeface="Cambria Math" panose="02040503050406030204" pitchFamily="18" charset="0"/>
+                                </a:rPr>
+                                <m:t> </m:t>
+                              </m:r>
+                              <m:r>
+                                <a:rPr lang="en-US" sz="2800" b="0" i="1" smtClean="0">
+                                  <a:solidFill>
+                                    <a:srgbClr val="000000"/>
+                                  </a:solidFill>
+                                  <a:latin typeface="Cambria Math" panose="02040503050406030204" pitchFamily="18" charset="0"/>
+                                </a:rPr>
+                                <m:t>𝐹𝑖𝑙𝑡𝑒𝑟</m:t>
+                              </m:r>
+                              <m:r>
+                                <a:rPr lang="en-US" sz="2800" b="0" i="1" smtClean="0">
+                                  <a:solidFill>
+                                    <a:srgbClr val="000000"/>
+                                  </a:solidFill>
+                                  <a:latin typeface="Cambria Math" panose="02040503050406030204" pitchFamily="18" charset="0"/>
+                                </a:rPr>
+                                <m:t> 1</m:t>
+                              </m:r>
+                            </m:e>
+                          </m:d>
+                        </m:e>
+                      </m:eqArr>
+                    </m:oMath>
+                  </m:oMathPara>
+                </a14:m>
+                <a:endParaRPr lang="en-US" sz="2800" b="0" dirty="0">
+                  <a:solidFill>
+                    <a:srgbClr val="000000"/>
+                  </a:solidFill>
+                  <a:latin typeface="Calibri" panose="020F0502020204030204" pitchFamily="34" charset="0"/>
+                </a:endParaRPr>
+              </a:p>
+              <a:p>
+                <a:pPr algn="ctr">
+                  <a:spcAft>
+                    <a:spcPts val="600"/>
+                  </a:spcAft>
+                </a:pPr>
+                <a:endParaRPr lang="en-US" sz="2800" b="0" dirty="0">
+                  <a:solidFill>
+                    <a:srgbClr val="000000"/>
+                  </a:solidFill>
+                  <a:latin typeface="Calibri" panose="020F0502020204030204" pitchFamily="34" charset="0"/>
+                </a:endParaRPr>
+              </a:p>
+              <a:p>
+                <a:pPr algn="ctr">
+                  <a:spcAft>
+                    <a:spcPts val="600"/>
+                  </a:spcAft>
+                </a:pPr>
+                <a14:m>
+                  <m:oMathPara xmlns:m="http://schemas.openxmlformats.org/officeDocument/2006/math">
+                    <m:oMathParaPr>
+                      <m:jc m:val="centerGroup"/>
+                    </m:oMathParaPr>
+                    <m:oMath xmlns:m="http://schemas.openxmlformats.org/officeDocument/2006/math">
+                      <m:eqArr>
+                        <m:eqArrPr>
+                          <m:ctrlPr>
+                            <a:rPr lang="en-US" sz="2800" b="0" i="1" smtClean="0">
+                              <a:solidFill>
+                                <a:srgbClr val="000000"/>
+                              </a:solidFill>
+                              <a:latin typeface="Cambria Math" panose="02040503050406030204" pitchFamily="18" charset="0"/>
+                            </a:rPr>
+                          </m:ctrlPr>
+                        </m:eqArrPr>
+                        <m:e>
+                          <m:r>
+                            <a:rPr lang="en-US" sz="2800" b="0" i="1" smtClean="0">
+                              <a:solidFill>
+                                <a:srgbClr val="000000"/>
+                              </a:solidFill>
+                              <a:latin typeface="Cambria Math" panose="02040503050406030204" pitchFamily="18" charset="0"/>
+                            </a:rPr>
+                            <m:t>𝑦</m:t>
+                          </m:r>
+                          <m:d>
+                            <m:dPr>
+                              <m:begChr m:val="["/>
+                              <m:endChr m:val="]"/>
+                              <m:ctrlPr>
+                                <a:rPr lang="en-US" sz="2800" b="0" i="1" smtClean="0">
+                                  <a:solidFill>
+                                    <a:srgbClr val="000000"/>
+                                  </a:solidFill>
+                                  <a:latin typeface="Cambria Math" panose="02040503050406030204" pitchFamily="18" charset="0"/>
+                                </a:rPr>
+                              </m:ctrlPr>
+                            </m:dPr>
+                            <m:e>
+                              <m:r>
+                                <a:rPr lang="en-US" sz="2800" b="0" i="1" smtClean="0">
+                                  <a:solidFill>
+                                    <a:srgbClr val="000000"/>
+                                  </a:solidFill>
+                                  <a:latin typeface="Cambria Math" panose="02040503050406030204" pitchFamily="18" charset="0"/>
+                                </a:rPr>
+                                <m:t>𝑛</m:t>
+                              </m:r>
+                            </m:e>
+                          </m:d>
+                          <m:r>
+                            <a:rPr lang="en-US" sz="2800" b="0" i="1" smtClean="0">
+                              <a:solidFill>
+                                <a:srgbClr val="000000"/>
+                              </a:solidFill>
+                              <a:latin typeface="Cambria Math" panose="02040503050406030204" pitchFamily="18" charset="0"/>
+                            </a:rPr>
+                            <m:t>=</m:t>
+                          </m:r>
+                          <m:nary>
+                            <m:naryPr>
+                              <m:chr m:val="∑"/>
+                              <m:limLoc m:val="subSup"/>
+                              <m:ctrlPr>
+                                <a:rPr lang="en-US" sz="2800" b="0" i="1" smtClean="0">
+                                  <a:solidFill>
+                                    <a:srgbClr val="000000"/>
+                                  </a:solidFill>
+                                  <a:latin typeface="Cambria Math" panose="02040503050406030204" pitchFamily="18" charset="0"/>
+                                </a:rPr>
+                              </m:ctrlPr>
+                            </m:naryPr>
+                            <m:sub>
+                              <m:r>
+                                <m:rPr>
+                                  <m:brk m:alnAt="25"/>
+                                </m:rPr>
+                                <a:rPr lang="en-US" sz="2800" b="0" i="1" smtClean="0">
+                                  <a:solidFill>
+                                    <a:srgbClr val="000000"/>
+                                  </a:solidFill>
+                                  <a:latin typeface="Cambria Math" panose="02040503050406030204" pitchFamily="18" charset="0"/>
+                                </a:rPr>
+                                <m:t>𝑙</m:t>
+                              </m:r>
+                              <m:r>
+                                <a:rPr lang="en-US" sz="2800" b="0" i="1" smtClean="0">
+                                  <a:solidFill>
+                                    <a:srgbClr val="000000"/>
+                                  </a:solidFill>
+                                  <a:latin typeface="Cambria Math" panose="02040503050406030204" pitchFamily="18" charset="0"/>
+                                </a:rPr>
+                                <m:t>=0</m:t>
+                              </m:r>
+                            </m:sub>
+                            <m:sup>
+                              <m:r>
+                                <a:rPr lang="en-US" sz="2800" b="0" i="1" smtClean="0">
+                                  <a:solidFill>
+                                    <a:srgbClr val="000000"/>
+                                  </a:solidFill>
+                                  <a:latin typeface="Cambria Math" panose="02040503050406030204" pitchFamily="18" charset="0"/>
+                                </a:rPr>
+                                <m:t>𝑀</m:t>
+                              </m:r>
+                            </m:sup>
+                            <m:e>
+                              <m:sSup>
+                                <m:sSupPr>
+                                  <m:ctrlPr>
+                                    <a:rPr lang="en-US" sz="2800" b="0" i="1" smtClean="0">
+                                      <a:solidFill>
+                                        <a:srgbClr val="000000"/>
+                                      </a:solidFill>
+                                      <a:latin typeface="Cambria Math" panose="02040503050406030204" pitchFamily="18" charset="0"/>
+                                    </a:rPr>
+                                  </m:ctrlPr>
+                                </m:sSupPr>
+                                <m:e>
+                                  <m:r>
+                                    <a:rPr lang="en-US" sz="2800" b="0" i="1" smtClean="0">
+                                      <a:solidFill>
+                                        <a:srgbClr val="000000"/>
+                                      </a:solidFill>
+                                      <a:latin typeface="Cambria Math" panose="02040503050406030204" pitchFamily="18" charset="0"/>
+                                    </a:rPr>
+                                    <m:t>𝑟</m:t>
+                                  </m:r>
+                                </m:e>
+                                <m:sup>
+                                  <m:r>
+                                    <a:rPr lang="en-US" sz="2800" b="0" i="1" smtClean="0">
+                                      <a:solidFill>
+                                        <a:srgbClr val="000000"/>
+                                      </a:solidFill>
+                                      <a:latin typeface="Cambria Math" panose="02040503050406030204" pitchFamily="18" charset="0"/>
+                                    </a:rPr>
+                                    <m:t>𝑙</m:t>
+                                  </m:r>
+                                </m:sup>
+                              </m:sSup>
+                              <m:r>
+                                <a:rPr lang="en-US" sz="2800" b="0" i="1" smtClean="0">
+                                  <a:solidFill>
+                                    <a:srgbClr val="000000"/>
+                                  </a:solidFill>
+                                  <a:latin typeface="Cambria Math" panose="02040503050406030204" pitchFamily="18" charset="0"/>
+                                </a:rPr>
+                                <m:t>𝑤</m:t>
+                              </m:r>
+                              <m:d>
+                                <m:dPr>
+                                  <m:begChr m:val="["/>
+                                  <m:endChr m:val="]"/>
+                                  <m:ctrlPr>
+                                    <a:rPr lang="en-US" sz="2800" b="0" i="1" smtClean="0">
+                                      <a:solidFill>
+                                        <a:srgbClr val="000000"/>
+                                      </a:solidFill>
+                                      <a:latin typeface="Cambria Math" panose="02040503050406030204" pitchFamily="18" charset="0"/>
+                                    </a:rPr>
+                                  </m:ctrlPr>
+                                </m:dPr>
+                                <m:e>
+                                  <m:r>
+                                    <a:rPr lang="en-US" sz="2800" b="0" i="1" smtClean="0">
+                                      <a:solidFill>
+                                        <a:srgbClr val="000000"/>
+                                      </a:solidFill>
+                                      <a:latin typeface="Cambria Math" panose="02040503050406030204" pitchFamily="18" charset="0"/>
+                                    </a:rPr>
+                                    <m:t>𝑛</m:t>
+                                  </m:r>
+                                  <m:r>
+                                    <a:rPr lang="en-US" sz="2800" b="0" i="1" smtClean="0">
+                                      <a:solidFill>
+                                        <a:srgbClr val="000000"/>
+                                      </a:solidFill>
+                                      <a:latin typeface="Cambria Math" panose="02040503050406030204" pitchFamily="18" charset="0"/>
+                                    </a:rPr>
+                                    <m:t>−</m:t>
+                                  </m:r>
+                                  <m:r>
+                                    <a:rPr lang="en-US" sz="2800" b="0" i="1" smtClean="0">
+                                      <a:solidFill>
+                                        <a:srgbClr val="000000"/>
+                                      </a:solidFill>
+                                      <a:latin typeface="Cambria Math" panose="02040503050406030204" pitchFamily="18" charset="0"/>
+                                    </a:rPr>
+                                    <m:t>𝑙</m:t>
+                                  </m:r>
+                                </m:e>
+                              </m:d>
+                            </m:e>
+                          </m:nary>
+                          <m:r>
+                            <a:rPr lang="en-US" sz="2800" b="0" i="1" smtClean="0">
+                              <a:solidFill>
+                                <a:srgbClr val="000000"/>
+                              </a:solidFill>
+                              <a:latin typeface="Cambria Math" panose="02040503050406030204" pitchFamily="18" charset="0"/>
+                            </a:rPr>
+                            <m:t>#</m:t>
+                          </m:r>
+                          <m:d>
+                            <m:dPr>
+                              <m:ctrlPr>
+                                <a:rPr lang="en-US" sz="2800" b="0" i="1" smtClean="0">
+                                  <a:solidFill>
+                                    <a:srgbClr val="000000"/>
+                                  </a:solidFill>
+                                  <a:latin typeface="Cambria Math" panose="02040503050406030204" pitchFamily="18" charset="0"/>
+                                </a:rPr>
+                              </m:ctrlPr>
+                            </m:dPr>
+                            <m:e>
+                              <m:r>
+                                <a:rPr lang="en-US" sz="2800" b="0" i="1" smtClean="0">
+                                  <a:solidFill>
+                                    <a:srgbClr val="000000"/>
+                                  </a:solidFill>
+                                  <a:latin typeface="Cambria Math" panose="02040503050406030204" pitchFamily="18" charset="0"/>
+                                </a:rPr>
+                                <m:t>𝐹𝐼𝑅</m:t>
+                              </m:r>
+                              <m:r>
+                                <a:rPr lang="en-US" sz="2800" b="0" i="1" smtClean="0">
+                                  <a:solidFill>
+                                    <a:srgbClr val="000000"/>
+                                  </a:solidFill>
+                                  <a:latin typeface="Cambria Math" panose="02040503050406030204" pitchFamily="18" charset="0"/>
+                                </a:rPr>
+                                <m:t> </m:t>
+                              </m:r>
+                              <m:r>
+                                <a:rPr lang="en-US" sz="2800" b="0" i="1" smtClean="0">
+                                  <a:solidFill>
+                                    <a:srgbClr val="000000"/>
+                                  </a:solidFill>
+                                  <a:latin typeface="Cambria Math" panose="02040503050406030204" pitchFamily="18" charset="0"/>
+                                </a:rPr>
+                                <m:t>𝐹𝑖𝑙𝑡𝑒𝑟</m:t>
+                              </m:r>
+                              <m:r>
+                                <a:rPr lang="en-US" sz="2800" b="0" i="1" smtClean="0">
+                                  <a:solidFill>
+                                    <a:srgbClr val="000000"/>
+                                  </a:solidFill>
+                                  <a:latin typeface="Cambria Math" panose="02040503050406030204" pitchFamily="18" charset="0"/>
+                                </a:rPr>
+                                <m:t> 2</m:t>
+                              </m:r>
+                            </m:e>
+                          </m:d>
+                        </m:e>
+                      </m:eqArr>
+                    </m:oMath>
+                  </m:oMathPara>
+                </a14:m>
+                <a:br>
+                  <a:rPr lang="en-US" sz="2800" b="0" dirty="0">
+                    <a:solidFill>
+                      <a:srgbClr val="000000"/>
+                    </a:solidFill>
+                    <a:latin typeface="Calibri" panose="020F0502020204030204" pitchFamily="34" charset="0"/>
+                  </a:rPr>
+                </a:br>
+                <a:endParaRPr lang="en-US" sz="2800" b="0" dirty="0">
+                  <a:solidFill>
+                    <a:srgbClr val="000000"/>
+                  </a:solidFill>
+                  <a:latin typeface="Calibri" panose="020F0502020204030204" pitchFamily="34" charset="0"/>
+                </a:endParaRPr>
+              </a:p>
+              <a:p>
+                <a:pPr algn="ctr">
+                  <a:spcAft>
+                    <a:spcPts val="600"/>
+                  </a:spcAft>
+                </a:pPr>
+                <a:endParaRPr lang="en-US" sz="2800" b="0" dirty="0">
+                  <a:solidFill>
+                    <a:srgbClr val="000000"/>
+                  </a:solidFill>
+                  <a:latin typeface="Calibri" panose="020F0502020204030204" pitchFamily="34" charset="0"/>
+                </a:endParaRPr>
+              </a:p>
+              <a:p>
+                <a:pPr>
+                  <a:spcAft>
+                    <a:spcPts val="600"/>
+                  </a:spcAft>
+                </a:pPr>
+                <a:r>
+                  <a:rPr lang="en-US" sz="2400" dirty="0">
+                    <a:solidFill>
+                      <a:srgbClr val="000000"/>
+                    </a:solidFill>
+                    <a:latin typeface="Calibri" panose="020F0502020204030204" pitchFamily="34" charset="0"/>
+                  </a:rPr>
+                  <a:t>FIR Filter 1: utilized to create echoes on signals and data sets (audio, and image data).</a:t>
+                </a:r>
+              </a:p>
+              <a:p>
+                <a:pPr>
+                  <a:spcAft>
+                    <a:spcPts val="600"/>
+                  </a:spcAft>
+                </a:pPr>
+                <a:r>
+                  <a:rPr lang="en-US" sz="2400" dirty="0">
+                    <a:solidFill>
+                      <a:srgbClr val="000000"/>
+                    </a:solidFill>
+                    <a:latin typeface="Calibri" panose="020F0502020204030204" pitchFamily="34" charset="0"/>
+                  </a:rPr>
+                  <a:t>FIR Filter 2: utilized to (approximately) undo the effect of FIR-Filter 1 . This type of application is called </a:t>
+                </a:r>
+                <a:r>
+                  <a:rPr lang="en-US" sz="2400" i="1" dirty="0">
+                    <a:solidFill>
+                      <a:srgbClr val="000000"/>
+                    </a:solidFill>
+                    <a:latin typeface="Calibri" panose="020F0502020204030204" pitchFamily="34" charset="0"/>
+                  </a:rPr>
+                  <a:t>Deconvolution</a:t>
+                </a:r>
+                <a:r>
+                  <a:rPr lang="en-US" sz="2400" dirty="0">
+                    <a:solidFill>
+                      <a:srgbClr val="000000"/>
+                    </a:solidFill>
+                    <a:latin typeface="Calibri" panose="020F0502020204030204" pitchFamily="34" charset="0"/>
+                  </a:rPr>
+                  <a:t>.</a:t>
                 </a:r>
               </a:p>
               <a:p>
@@ -4513,7 +5125,7 @@
                   </a:spcAft>
                 </a:pPr>
                 <a:r>
-                  <a:rPr lang="en-US" sz="3200" b="1" i="0" u="none" strike="noStrike">
+                  <a:rPr lang="en-US" sz="2800" b="1" i="0" u="none" strike="noStrike" dirty="0">
                     <a:solidFill>
                       <a:srgbClr val="000000"/>
                     </a:solidFill>
@@ -4522,16 +5134,13 @@
                   </a:rPr>
                   <a:t>Deconvolution:</a:t>
                 </a:r>
-                <a:r>
-                  <a:rPr lang="en-US" sz="3200" b="0" i="0" u="none" strike="noStrike">
-                    <a:solidFill>
-                      <a:srgbClr val="000000"/>
-                    </a:solidFill>
-                    <a:effectLst/>
-                    <a:latin typeface="Calibri" panose="020F0502020204030204" pitchFamily="34" charset="0"/>
-                  </a:rPr>
-                  <a:t> </a:t>
-                </a:r>
+                <a:endParaRPr lang="en-US" sz="2800" b="0" i="0" u="none" strike="noStrike" dirty="0">
+                  <a:solidFill>
+                    <a:srgbClr val="000000"/>
+                  </a:solidFill>
+                  <a:effectLst/>
+                  <a:latin typeface="Calibri" panose="020F0502020204030204" pitchFamily="34" charset="0"/>
+                </a:endParaRPr>
               </a:p>
               <a:p>
                 <a:pPr algn="just" rtl="0">
@@ -4543,7 +5152,7 @@
                   </a:spcAft>
                 </a:pPr>
                 <a:r>
-                  <a:rPr lang="en-US" sz="3200" b="0" i="0" u="none" strike="noStrike">
+                  <a:rPr lang="en-US" sz="2800" b="0" i="0" u="none" strike="noStrike" dirty="0">
                     <a:solidFill>
                       <a:srgbClr val="000000"/>
                     </a:solidFill>
@@ -4552,9 +5161,6 @@
                   </a:rPr>
                   <a:t>A signal processing technique used to rectify an undesired convolution.  This is useful in image restoration.</a:t>
                 </a:r>
-                <a:endParaRPr lang="en-US" sz="3200" b="0">
-                  <a:effectLst/>
-                </a:endParaRPr>
               </a:p>
               <a:p>
                 <a:pPr>
@@ -4563,7 +5169,7 @@
                   </a:spcAft>
                 </a:pPr>
                 <a:r>
-                  <a:rPr lang="en-US" sz="3200" b="1" i="0" u="none" strike="noStrike">
+                  <a:rPr lang="en-US" sz="2800" b="1" i="0" u="none" strike="noStrike" dirty="0">
                     <a:solidFill>
                       <a:srgbClr val="000000"/>
                     </a:solidFill>
@@ -4575,7 +5181,7 @@
                 <a14:m>
                   <m:oMath xmlns:m="http://schemas.openxmlformats.org/officeDocument/2006/math">
                     <m:r>
-                      <a:rPr lang="en-US" sz="3200" b="1" i="0" u="none" strike="noStrike" smtClean="0">
+                      <a:rPr lang="en-US" sz="2800" b="1" i="0" u="none" strike="noStrike" smtClean="0">
                         <a:solidFill>
                           <a:srgbClr val="000000"/>
                         </a:solidFill>
@@ -4585,7 +5191,7 @@
                       <m:t> </m:t>
                     </m:r>
                     <m:r>
-                      <a:rPr lang="en-US" sz="3200" b="1" i="1" u="none" strike="noStrike" smtClean="0">
+                      <a:rPr lang="en-US" sz="2800" b="1" i="1" u="none" strike="noStrike" smtClean="0">
                         <a:solidFill>
                           <a:srgbClr val="000000"/>
                         </a:solidFill>
@@ -4597,7 +5203,7 @@
                     <m:d>
                       <m:dPr>
                         <m:ctrlPr>
-                          <a:rPr lang="en-US" sz="3200" b="1" i="1" u="none" strike="noStrike" smtClean="0">
+                          <a:rPr lang="en-US" sz="2800" b="1" i="1" u="none" strike="noStrike" smtClean="0">
                             <a:solidFill>
                               <a:srgbClr val="000000"/>
                             </a:solidFill>
@@ -4608,7 +5214,7 @@
                       </m:dPr>
                       <m:e>
                         <m:r>
-                          <a:rPr lang="en-US" sz="3200" b="1" i="1" u="none" strike="noStrike" smtClean="0">
+                          <a:rPr lang="en-US" sz="2800" b="1" i="1" u="none" strike="noStrike" smtClean="0">
                             <a:solidFill>
                               <a:srgbClr val="000000"/>
                             </a:solidFill>
@@ -4620,7 +5226,7 @@
                       </m:e>
                     </m:d>
                     <m:r>
-                      <a:rPr lang="en-US" sz="3200" b="1" i="1" u="none" strike="noStrike" smtClean="0">
+                      <a:rPr lang="en-US" sz="2800" b="1" i="1" u="none" strike="noStrike" smtClean="0">
                         <a:solidFill>
                           <a:srgbClr val="000000"/>
                         </a:solidFill>
@@ -4630,7 +5236,7 @@
                       <m:t>=</m:t>
                     </m:r>
                     <m:r>
-                      <a:rPr lang="en-US" sz="3200" b="1" i="1" u="none" strike="noStrike" smtClean="0">
+                      <a:rPr lang="en-US" sz="2800" b="1" i="1" u="none" strike="noStrike" smtClean="0">
                         <a:solidFill>
                           <a:srgbClr val="000000"/>
                         </a:solidFill>
@@ -4642,7 +5248,7 @@
                     <m:d>
                       <m:dPr>
                         <m:ctrlPr>
-                          <a:rPr lang="en-US" sz="3200" b="1" i="1" u="none" strike="noStrike" smtClean="0">
+                          <a:rPr lang="en-US" sz="2800" b="1" i="1" u="none" strike="noStrike" smtClean="0">
                             <a:solidFill>
                               <a:srgbClr val="000000"/>
                             </a:solidFill>
@@ -4653,7 +5259,7 @@
                       </m:dPr>
                       <m:e>
                         <m:r>
-                          <a:rPr lang="en-US" sz="3200" b="1" i="1" u="none" strike="noStrike" smtClean="0">
+                          <a:rPr lang="en-US" sz="2800" b="1" i="1" u="none" strike="noStrike" smtClean="0">
                             <a:solidFill>
                               <a:srgbClr val="000000"/>
                             </a:solidFill>
@@ -4665,7 +5271,7 @@
                       </m:e>
                     </m:d>
                     <m:r>
-                      <a:rPr lang="en-US" sz="3200" b="1" i="1" u="none" strike="noStrike" smtClean="0">
+                      <a:rPr lang="en-US" sz="2800" b="1" i="1" u="none" strike="noStrike" smtClean="0">
                         <a:solidFill>
                           <a:srgbClr val="000000"/>
                         </a:solidFill>
@@ -4675,7 +5281,7 @@
                       <m:t>−</m:t>
                     </m:r>
                     <m:r>
-                      <a:rPr lang="en-US" sz="3200" b="1" i="1" u="none" strike="noStrike" smtClean="0">
+                      <a:rPr lang="en-US" sz="2800" b="1" i="1" u="none" strike="noStrike" smtClean="0">
                         <a:solidFill>
                           <a:srgbClr val="000000"/>
                         </a:solidFill>
@@ -4685,7 +5291,7 @@
                       <m:t>𝒙</m:t>
                     </m:r>
                     <m:r>
-                      <a:rPr lang="en-US" sz="3200" b="1" i="1" u="none" strike="noStrike" smtClean="0">
+                      <a:rPr lang="en-US" sz="2800" b="1" i="1" u="none" strike="noStrike" smtClean="0">
                         <a:solidFill>
                           <a:srgbClr val="000000"/>
                         </a:solidFill>
@@ -4695,7 +5301,7 @@
                       <m:t>(</m:t>
                     </m:r>
                     <m:r>
-                      <a:rPr lang="en-US" sz="3200" b="1" i="1" u="none" strike="noStrike" smtClean="0">
+                      <a:rPr lang="en-US" sz="2800" b="1" i="1" u="none" strike="noStrike" smtClean="0">
                         <a:solidFill>
                           <a:srgbClr val="000000"/>
                         </a:solidFill>
@@ -4705,7 +5311,7 @@
                       <m:t>𝒏</m:t>
                     </m:r>
                     <m:r>
-                      <a:rPr lang="en-US" sz="3200" b="1" i="1" u="none" strike="noStrike" smtClean="0">
+                      <a:rPr lang="en-US" sz="2800" b="1" i="1" u="none" strike="noStrike" smtClean="0">
                         <a:solidFill>
                           <a:srgbClr val="000000"/>
                         </a:solidFill>
@@ -4715,7 +5321,7 @@
                       <m:t>−</m:t>
                     </m:r>
                     <m:r>
-                      <a:rPr lang="en-US" sz="3200" b="1" i="1" u="none" strike="noStrike" smtClean="0">
+                      <a:rPr lang="en-US" sz="2800" b="1" i="1" u="none" strike="noStrike" smtClean="0">
                         <a:solidFill>
                           <a:srgbClr val="000000"/>
                         </a:solidFill>
@@ -4725,7 +5331,7 @@
                       <m:t>𝟏</m:t>
                     </m:r>
                     <m:r>
-                      <a:rPr lang="en-US" sz="3200" b="1" i="1" u="none" strike="noStrike" smtClean="0">
+                      <a:rPr lang="en-US" sz="2800" b="1" i="1" u="none" strike="noStrike" smtClean="0">
                         <a:solidFill>
                           <a:srgbClr val="000000"/>
                         </a:solidFill>
@@ -4737,7 +5343,7 @@
                   </m:oMath>
                 </a14:m>
                 <a:r>
-                  <a:rPr lang="en-US" sz="3200" b="1" i="0" u="none" strike="noStrike">
+                  <a:rPr lang="en-US" sz="2800" b="1" i="0" u="none" strike="noStrike" dirty="0">
                     <a:solidFill>
                       <a:srgbClr val="000000"/>
                     </a:solidFill>
@@ -4754,7 +5360,7 @@
                   </a:spcAft>
                 </a:pPr>
                 <a:r>
-                  <a:rPr lang="en-US" sz="3200" b="0" i="0" u="none" strike="noStrike">
+                  <a:rPr lang="en-US" sz="2800" b="0" i="0" u="none" strike="noStrike" dirty="0">
                     <a:solidFill>
                       <a:srgbClr val="000000"/>
                     </a:solidFill>
@@ -4763,7 +5369,7 @@
                   </a:rPr>
                   <a:t>A filter designed for detecting significant fluctuations in a signal.  This concept is known as edge detection and can be used in many image processing applications including bar code scanning.</a:t>
                 </a:r>
-                <a:endParaRPr lang="en-US" sz="3200" dirty="0"/>
+                <a:endParaRPr lang="en-US" sz="2800" dirty="0"/>
               </a:p>
             </p:txBody>
           </p:sp>
@@ -4792,7 +5398,7 @@
                 <a:avLst/>
               </a:prstGeom>
               <a:blipFill>
-                <a:blip r:embed="rId3"/>
+                <a:blip r:embed="rId8"/>
                 <a:stretch>
                   <a:fillRect/>
                 </a:stretch>
@@ -4944,7 +5550,7 @@
           <p:nvPr/>
         </p:nvPicPr>
         <p:blipFill>
-          <a:blip r:embed="rId4">
+          <a:blip r:embed="rId9">
             <a:extLst>
               <a:ext uri="{28A0092B-C50C-407E-A947-70E740481C1C}">
                 <a14:useLocalDpi xmlns:a14="http://schemas.microsoft.com/office/drawing/2010/main" val="0"/>
@@ -5371,51 +5977,6 @@
       </p:grpSp>
       <p:pic>
         <p:nvPicPr>
-          <p:cNvPr id="1030" name="Picture 6">
-            <a:extLst>
-              <a:ext uri="{FF2B5EF4-FFF2-40B4-BE49-F238E27FC236}">
-                <a16:creationId xmlns:a16="http://schemas.microsoft.com/office/drawing/2014/main" id="{E28347C8-A879-4FFB-BBF3-65BD971F5127}"/>
-              </a:ext>
-            </a:extLst>
-          </p:cNvPr>
-          <p:cNvPicPr>
-            <a:picLocks noChangeAspect="1" noChangeArrowheads="1"/>
-          </p:cNvPicPr>
-          <p:nvPr/>
-        </p:nvPicPr>
-        <p:blipFill rotWithShape="1">
-          <a:blip r:embed="rId5">
-            <a:extLst>
-              <a:ext uri="{28A0092B-C50C-407E-A947-70E740481C1C}">
-                <a14:useLocalDpi xmlns:a14="http://schemas.microsoft.com/office/drawing/2010/main" val="0"/>
-              </a:ext>
-            </a:extLst>
-          </a:blip>
-          <a:srcRect l="5615" t="15588"/>
-          <a:stretch/>
-        </p:blipFill>
-        <p:spPr bwMode="auto">
-          <a:xfrm>
-            <a:off x="1409884" y="23349309"/>
-            <a:ext cx="10732944" cy="2518100"/>
-          </a:xfrm>
-          <a:prstGeom prst="rect">
-            <a:avLst/>
-          </a:prstGeom>
-          <a:noFill/>
-          <a:extLst>
-            <a:ext uri="{909E8E84-426E-40DD-AFC4-6F175D3DCCD1}">
-              <a14:hiddenFill xmlns:a14="http://schemas.microsoft.com/office/drawing/2010/main">
-                <a:solidFill>
-                  <a:srgbClr val="FFFFFF"/>
-                </a:solidFill>
-              </a14:hiddenFill>
-            </a:ext>
-          </a:extLst>
-        </p:spPr>
-      </p:pic>
-      <p:pic>
-        <p:nvPicPr>
           <p:cNvPr id="13" name="Picture 12">
             <a:extLst>
               <a:ext uri="{FF2B5EF4-FFF2-40B4-BE49-F238E27FC236}">
@@ -5429,7 +5990,7 @@
           <p:nvPr/>
         </p:nvPicPr>
         <p:blipFill>
-          <a:blip r:embed="rId6" cstate="print">
+          <a:blip r:embed="rId10" cstate="print">
             <a:extLst>
               <a:ext uri="{28A0092B-C50C-407E-A947-70E740481C1C}">
                 <a14:useLocalDpi xmlns:a14="http://schemas.microsoft.com/office/drawing/2010/main" val="0"/>
@@ -5465,7 +6026,7 @@
           <p:nvPr/>
         </p:nvPicPr>
         <p:blipFill>
-          <a:blip r:embed="rId7">
+          <a:blip r:embed="rId11">
             <a:extLst>
               <a:ext uri="{28A0092B-C50C-407E-A947-70E740481C1C}">
                 <a14:useLocalDpi xmlns:a14="http://schemas.microsoft.com/office/drawing/2010/main" val="0"/>
@@ -5506,7 +6067,7 @@
           <p:nvPr/>
         </p:nvPicPr>
         <p:blipFill>
-          <a:blip r:embed="rId8">
+          <a:blip r:embed="rId12">
             <a:extLst>
               <a:ext uri="{28A0092B-C50C-407E-A947-70E740481C1C}">
                 <a14:useLocalDpi xmlns:a14="http://schemas.microsoft.com/office/drawing/2010/main" val="0"/>
@@ -5547,7 +6108,7 @@
           <p:nvPr/>
         </p:nvPicPr>
         <p:blipFill>
-          <a:blip r:embed="rId9">
+          <a:blip r:embed="rId13">
             <a:extLst>
               <a:ext uri="{28A0092B-C50C-407E-A947-70E740481C1C}">
                 <a14:useLocalDpi xmlns:a14="http://schemas.microsoft.com/office/drawing/2010/main" val="0"/>
@@ -5588,7 +6149,7 @@
           <p:nvPr/>
         </p:nvPicPr>
         <p:blipFill>
-          <a:blip r:embed="rId10">
+          <a:blip r:embed="rId14">
             <a:extLst>
               <a:ext uri="{28A0092B-C50C-407E-A947-70E740481C1C}">
                 <a14:useLocalDpi xmlns:a14="http://schemas.microsoft.com/office/drawing/2010/main" val="0"/>
@@ -5602,7 +6163,7 @@
         </p:blipFill>
         <p:spPr bwMode="auto">
           <a:xfrm>
-            <a:off x="34899600" y="22614095"/>
+            <a:off x="36262707" y="22614095"/>
             <a:ext cx="5266293" cy="3953954"/>
           </a:xfrm>
           <a:prstGeom prst="rect">
@@ -5781,7 +6342,7 @@
                 <a:avLst/>
               </a:prstGeom>
               <a:blipFill>
-                <a:blip r:embed="rId11"/>
+                <a:blip r:embed="rId15"/>
                 <a:stretch>
                   <a:fillRect/>
                 </a:stretch>
@@ -5820,7 +6381,7 @@
           <p:nvPr/>
         </p:nvPicPr>
         <p:blipFill>
-          <a:blip r:embed="rId12">
+          <a:blip r:embed="rId16">
             <a:extLst>
               <a:ext uri="{28A0092B-C50C-407E-A947-70E740481C1C}">
                 <a14:useLocalDpi xmlns:a14="http://schemas.microsoft.com/office/drawing/2010/main" val="0"/>
@@ -5848,10 +6409,10 @@
       </p:pic>
       <p:grpSp>
         <p:nvGrpSpPr>
-          <p:cNvPr id="24" name="Group 23">
+          <p:cNvPr id="31" name="Group 30">
             <a:extLst>
               <a:ext uri="{FF2B5EF4-FFF2-40B4-BE49-F238E27FC236}">
-                <a16:creationId xmlns:a16="http://schemas.microsoft.com/office/drawing/2014/main" id="{8C62C1F5-8305-4B55-B0ED-89E0FA6E78C7}"/>
+                <a16:creationId xmlns:a16="http://schemas.microsoft.com/office/drawing/2014/main" id="{E8E8EF39-E980-46AA-B2B5-62C1758324AA}"/>
               </a:ext>
             </a:extLst>
           </p:cNvPr>
@@ -5860,9 +6421,9 @@
         </p:nvGrpSpPr>
         <p:grpSpPr>
           <a:xfrm>
-            <a:off x="14297025" y="21290205"/>
+            <a:off x="14297025" y="21336000"/>
             <a:ext cx="7877175" cy="1341195"/>
-            <a:chOff x="14027867" y="20189138"/>
+            <a:chOff x="14297025" y="21336000"/>
             <a:chExt cx="7877175" cy="1341195"/>
           </a:xfrm>
         </p:grpSpPr>
@@ -5881,14 +6442,14 @@
             <p:nvPr/>
           </p:nvPicPr>
           <p:blipFill>
-            <a:blip r:embed="rId13"/>
+            <a:blip r:embed="rId17"/>
             <a:stretch>
               <a:fillRect/>
             </a:stretch>
           </p:blipFill>
           <p:spPr>
             <a:xfrm>
-              <a:off x="14027867" y="20473058"/>
+              <a:off x="14297025" y="21619920"/>
               <a:ext cx="7877175" cy="1057275"/>
             </a:xfrm>
             <a:prstGeom prst="rect">
@@ -5910,7 +6471,7 @@
           </p:nvSpPr>
           <p:spPr>
             <a:xfrm>
-              <a:off x="14325600" y="20189138"/>
+              <a:off x="14594758" y="21336000"/>
               <a:ext cx="375795" cy="375795"/>
             </a:xfrm>
             <a:prstGeom prst="ellipse">
@@ -5937,7 +6498,7 @@
             <a:p>
               <a:pPr algn="ctr"/>
               <a:r>
-                <a:rPr lang="en-US" sz="3200"/>
+                <a:rPr lang="en-US" sz="3200" dirty="0"/>
                 <a:t>1</a:t>
               </a:r>
             </a:p>
@@ -5957,7 +6518,7 @@
           </p:nvSpPr>
           <p:spPr>
             <a:xfrm>
-              <a:off x="16535400" y="20213685"/>
+              <a:off x="16804558" y="21360547"/>
               <a:ext cx="375795" cy="375795"/>
             </a:xfrm>
             <a:prstGeom prst="ellipse">
@@ -5984,7 +6545,7 @@
             <a:p>
               <a:pPr algn="ctr"/>
               <a:r>
-                <a:rPr lang="en-US" sz="3200"/>
+                <a:rPr lang="en-US" sz="3200" dirty="0"/>
                 <a:t>2</a:t>
               </a:r>
             </a:p>
@@ -6004,7 +6565,7 @@
           </p:nvSpPr>
           <p:spPr>
             <a:xfrm>
-              <a:off x="18804122" y="20189138"/>
+              <a:off x="19073280" y="21336000"/>
               <a:ext cx="375795" cy="375795"/>
             </a:xfrm>
             <a:prstGeom prst="ellipse">
@@ -6051,7 +6612,7 @@
           </p:nvSpPr>
           <p:spPr>
             <a:xfrm>
-              <a:off x="20972676" y="20205301"/>
+              <a:off x="21241834" y="21352163"/>
               <a:ext cx="375795" cy="375795"/>
             </a:xfrm>
             <a:prstGeom prst="ellipse">
@@ -6126,7 +6687,7 @@
           <a:p>
             <a:pPr algn="ctr"/>
             <a:r>
-              <a:rPr lang="en-US" sz="3200"/>
+              <a:rPr lang="en-US" sz="3200" dirty="0"/>
               <a:t>1</a:t>
             </a:r>
           </a:p>
@@ -6220,7 +6781,7 @@
           <a:p>
             <a:pPr algn="ctr"/>
             <a:r>
-              <a:rPr lang="en-US" sz="3200"/>
+              <a:rPr lang="en-US" sz="3200" dirty="0"/>
               <a:t>3</a:t>
             </a:r>
           </a:p>
@@ -6314,7 +6875,7 @@
           <a:p>
             <a:pPr algn="ctr"/>
             <a:r>
-              <a:rPr lang="en-US" sz="3200"/>
+              <a:rPr lang="en-US" sz="3200" dirty="0"/>
               <a:t>Bar Code Decoding</a:t>
             </a:r>
           </a:p>
@@ -6367,6 +6928,3198 @@
           </a:p>
         </p:txBody>
       </p:sp>
+      <p:sp>
+        <p:nvSpPr>
+          <p:cNvPr id="74" name="Rectangle 73">
+            <a:extLst>
+              <a:ext uri="{FF2B5EF4-FFF2-40B4-BE49-F238E27FC236}">
+                <a16:creationId xmlns:a16="http://schemas.microsoft.com/office/drawing/2014/main" id="{36EA6D3A-9483-438B-8FF6-022F485F4782}"/>
+              </a:ext>
+            </a:extLst>
+          </p:cNvPr>
+          <p:cNvSpPr/>
+          <p:nvPr/>
+        </p:nvSpPr>
+        <p:spPr>
+          <a:xfrm>
+            <a:off x="15415376" y="13070885"/>
+            <a:ext cx="3536988" cy="806565"/>
+          </a:xfrm>
+          <a:prstGeom prst="rect">
+            <a:avLst/>
+          </a:prstGeom>
+        </p:spPr>
+        <p:style>
+          <a:lnRef idx="3">
+            <a:schemeClr val="lt1"/>
+          </a:lnRef>
+          <a:fillRef idx="1">
+            <a:schemeClr val="accent2"/>
+          </a:fillRef>
+          <a:effectRef idx="1">
+            <a:schemeClr val="accent2"/>
+          </a:effectRef>
+          <a:fontRef idx="minor">
+            <a:schemeClr val="lt1"/>
+          </a:fontRef>
+        </p:style>
+        <p:txBody>
+          <a:bodyPr rtlCol="0" anchor="ctr"/>
+          <a:lstStyle/>
+          <a:p>
+            <a:pPr algn="ctr"/>
+            <a:r>
+              <a:rPr lang="en-US" sz="3200" dirty="0"/>
+              <a:t>Process</a:t>
+            </a:r>
+          </a:p>
+        </p:txBody>
+      </p:sp>
+      <p:cxnSp>
+        <p:nvCxnSpPr>
+          <p:cNvPr id="75" name="Straight Connector 74">
+            <a:extLst>
+              <a:ext uri="{FF2B5EF4-FFF2-40B4-BE49-F238E27FC236}">
+                <a16:creationId xmlns:a16="http://schemas.microsoft.com/office/drawing/2014/main" id="{478BD28B-5C9C-4036-ABF7-27F670DE7746}"/>
+              </a:ext>
+            </a:extLst>
+          </p:cNvPr>
+          <p:cNvCxnSpPr/>
+          <p:nvPr/>
+        </p:nvCxnSpPr>
+        <p:spPr>
+          <a:xfrm>
+            <a:off x="29632656" y="13699153"/>
+            <a:ext cx="0" cy="5085990"/>
+          </a:xfrm>
+          <a:prstGeom prst="line">
+            <a:avLst/>
+          </a:prstGeom>
+        </p:spPr>
+        <p:style>
+          <a:lnRef idx="1">
+            <a:schemeClr val="dk1"/>
+          </a:lnRef>
+          <a:fillRef idx="0">
+            <a:schemeClr val="dk1"/>
+          </a:fillRef>
+          <a:effectRef idx="0">
+            <a:schemeClr val="dk1"/>
+          </a:effectRef>
+          <a:fontRef idx="minor">
+            <a:schemeClr val="tx1"/>
+          </a:fontRef>
+        </p:style>
+      </p:cxnSp>
+      <p:pic>
+        <p:nvPicPr>
+          <p:cNvPr id="76" name="Picture 75">
+            <a:extLst>
+              <a:ext uri="{FF2B5EF4-FFF2-40B4-BE49-F238E27FC236}">
+                <a16:creationId xmlns:a16="http://schemas.microsoft.com/office/drawing/2014/main" id="{7881803F-AA35-4CF7-9E93-47071E2C7E01}"/>
+              </a:ext>
+            </a:extLst>
+          </p:cNvPr>
+          <p:cNvPicPr>
+            <a:picLocks noChangeAspect="1"/>
+          </p:cNvPicPr>
+          <p:nvPr/>
+        </p:nvPicPr>
+        <p:blipFill rotWithShape="1">
+          <a:blip r:embed="rId18"/>
+          <a:srcRect t="27459" b="10515"/>
+          <a:stretch/>
+        </p:blipFill>
+        <p:spPr>
+          <a:xfrm>
+            <a:off x="3720184" y="17704782"/>
+            <a:ext cx="6338216" cy="888018"/>
+          </a:xfrm>
+          <a:prstGeom prst="rect">
+            <a:avLst/>
+          </a:prstGeom>
+        </p:spPr>
+      </p:pic>
+      <p:pic>
+        <p:nvPicPr>
+          <p:cNvPr id="20" name="Picture 19">
+            <a:extLst>
+              <a:ext uri="{FF2B5EF4-FFF2-40B4-BE49-F238E27FC236}">
+                <a16:creationId xmlns:a16="http://schemas.microsoft.com/office/drawing/2014/main" id="{9497F57C-2F6C-41FE-9288-7F85AC6249FD}"/>
+              </a:ext>
+            </a:extLst>
+          </p:cNvPr>
+          <p:cNvPicPr>
+            <a:picLocks noChangeAspect="1"/>
+          </p:cNvPicPr>
+          <p:nvPr/>
+        </p:nvPicPr>
+        <p:blipFill rotWithShape="1">
+          <a:blip r:embed="rId18"/>
+          <a:srcRect t="27459" b="10515"/>
+          <a:stretch/>
+        </p:blipFill>
+        <p:spPr>
+          <a:xfrm>
+            <a:off x="15378784" y="14428182"/>
+            <a:ext cx="6338216" cy="888018"/>
+          </a:xfrm>
+          <a:prstGeom prst="rect">
+            <a:avLst/>
+          </a:prstGeom>
+        </p:spPr>
+      </p:pic>
+      <p:sp>
+        <p:nvSpPr>
+          <p:cNvPr id="81" name="Oval 80">
+            <a:extLst>
+              <a:ext uri="{FF2B5EF4-FFF2-40B4-BE49-F238E27FC236}">
+                <a16:creationId xmlns:a16="http://schemas.microsoft.com/office/drawing/2014/main" id="{E09E2E77-3F33-4E9D-8F3F-AF0568AD0D82}"/>
+              </a:ext>
+            </a:extLst>
+          </p:cNvPr>
+          <p:cNvSpPr/>
+          <p:nvPr/>
+        </p:nvSpPr>
+        <p:spPr>
+          <a:xfrm>
+            <a:off x="15574200" y="14009455"/>
+            <a:ext cx="375795" cy="375795"/>
+          </a:xfrm>
+          <a:prstGeom prst="ellipse">
+            <a:avLst/>
+          </a:prstGeom>
+        </p:spPr>
+        <p:style>
+          <a:lnRef idx="3">
+            <a:schemeClr val="lt1"/>
+          </a:lnRef>
+          <a:fillRef idx="1">
+            <a:schemeClr val="accent2"/>
+          </a:fillRef>
+          <a:effectRef idx="1">
+            <a:schemeClr val="accent2"/>
+          </a:effectRef>
+          <a:fontRef idx="minor">
+            <a:schemeClr val="lt1"/>
+          </a:fontRef>
+        </p:style>
+        <p:txBody>
+          <a:bodyPr rtlCol="0" anchor="ctr"/>
+          <a:lstStyle/>
+          <a:p>
+            <a:pPr algn="ctr"/>
+            <a:r>
+              <a:rPr lang="en-US" sz="3200" dirty="0"/>
+              <a:t>1</a:t>
+            </a:r>
+          </a:p>
+        </p:txBody>
+      </p:sp>
+      <p:sp>
+        <p:nvSpPr>
+          <p:cNvPr id="82" name="Oval 81">
+            <a:extLst>
+              <a:ext uri="{FF2B5EF4-FFF2-40B4-BE49-F238E27FC236}">
+                <a16:creationId xmlns:a16="http://schemas.microsoft.com/office/drawing/2014/main" id="{DAE3F25D-4F46-468D-9EDC-3AD9E50E197B}"/>
+              </a:ext>
+            </a:extLst>
+          </p:cNvPr>
+          <p:cNvSpPr/>
+          <p:nvPr/>
+        </p:nvSpPr>
+        <p:spPr>
+          <a:xfrm>
+            <a:off x="17781541" y="14047183"/>
+            <a:ext cx="375795" cy="375795"/>
+          </a:xfrm>
+          <a:prstGeom prst="ellipse">
+            <a:avLst/>
+          </a:prstGeom>
+        </p:spPr>
+        <p:style>
+          <a:lnRef idx="3">
+            <a:schemeClr val="lt1"/>
+          </a:lnRef>
+          <a:fillRef idx="1">
+            <a:schemeClr val="accent2"/>
+          </a:fillRef>
+          <a:effectRef idx="1">
+            <a:schemeClr val="accent2"/>
+          </a:effectRef>
+          <a:fontRef idx="minor">
+            <a:schemeClr val="lt1"/>
+          </a:fontRef>
+        </p:style>
+        <p:txBody>
+          <a:bodyPr rtlCol="0" anchor="ctr"/>
+          <a:lstStyle/>
+          <a:p>
+            <a:pPr algn="ctr"/>
+            <a:r>
+              <a:rPr lang="en-US" sz="3200" dirty="0"/>
+              <a:t>2</a:t>
+            </a:r>
+          </a:p>
+        </p:txBody>
+      </p:sp>
+      <p:sp>
+        <p:nvSpPr>
+          <p:cNvPr id="83" name="Oval 82">
+            <a:extLst>
+              <a:ext uri="{FF2B5EF4-FFF2-40B4-BE49-F238E27FC236}">
+                <a16:creationId xmlns:a16="http://schemas.microsoft.com/office/drawing/2014/main" id="{B281123A-3054-4AAB-93DF-07E162ECC0C3}"/>
+              </a:ext>
+            </a:extLst>
+          </p:cNvPr>
+          <p:cNvSpPr/>
+          <p:nvPr/>
+        </p:nvSpPr>
+        <p:spPr>
+          <a:xfrm>
+            <a:off x="20560093" y="14047183"/>
+            <a:ext cx="375795" cy="375795"/>
+          </a:xfrm>
+          <a:prstGeom prst="ellipse">
+            <a:avLst/>
+          </a:prstGeom>
+        </p:spPr>
+        <p:style>
+          <a:lnRef idx="3">
+            <a:schemeClr val="lt1"/>
+          </a:lnRef>
+          <a:fillRef idx="1">
+            <a:schemeClr val="accent2"/>
+          </a:fillRef>
+          <a:effectRef idx="1">
+            <a:schemeClr val="accent2"/>
+          </a:effectRef>
+          <a:fontRef idx="minor">
+            <a:schemeClr val="lt1"/>
+          </a:fontRef>
+        </p:style>
+        <p:txBody>
+          <a:bodyPr rtlCol="0" anchor="ctr"/>
+          <a:lstStyle/>
+          <a:p>
+            <a:pPr algn="ctr"/>
+            <a:r>
+              <a:rPr lang="en-US" sz="3200"/>
+              <a:t>3</a:t>
+            </a:r>
+          </a:p>
+        </p:txBody>
+      </p:sp>
+      <p:pic>
+        <p:nvPicPr>
+          <p:cNvPr id="1031" name="Picture 7">
+            <a:extLst>
+              <a:ext uri="{FF2B5EF4-FFF2-40B4-BE49-F238E27FC236}">
+                <a16:creationId xmlns:a16="http://schemas.microsoft.com/office/drawing/2014/main" id="{B9F9C7BC-A656-4B33-906E-6BC442E620F1}"/>
+              </a:ext>
+            </a:extLst>
+          </p:cNvPr>
+          <p:cNvPicPr>
+            <a:picLocks noChangeAspect="1" noChangeArrowheads="1"/>
+          </p:cNvPicPr>
+          <p:nvPr/>
+        </p:nvPicPr>
+        <p:blipFill rotWithShape="1">
+          <a:blip r:embed="rId19">
+            <a:extLst>
+              <a:ext uri="{28A0092B-C50C-407E-A947-70E740481C1C}">
+                <a14:useLocalDpi xmlns:a14="http://schemas.microsoft.com/office/drawing/2010/main" val="0"/>
+              </a:ext>
+            </a:extLst>
+          </a:blip>
+          <a:srcRect l="6697" t="5396" b="25409"/>
+          <a:stretch/>
+        </p:blipFill>
+        <p:spPr bwMode="auto">
+          <a:xfrm>
+            <a:off x="13864752" y="15637552"/>
+            <a:ext cx="4992326" cy="3488648"/>
+          </a:xfrm>
+          <a:prstGeom prst="rect">
+            <a:avLst/>
+          </a:prstGeom>
+          <a:noFill/>
+          <a:extLst>
+            <a:ext uri="{909E8E84-426E-40DD-AFC4-6F175D3DCCD1}">
+              <a14:hiddenFill xmlns:a14="http://schemas.microsoft.com/office/drawing/2010/main">
+                <a:solidFill>
+                  <a:srgbClr val="FFFFFF"/>
+                </a:solidFill>
+              </a14:hiddenFill>
+            </a:ext>
+          </a:extLst>
+        </p:spPr>
+      </p:pic>
+      <p:pic>
+        <p:nvPicPr>
+          <p:cNvPr id="89" name="Picture 9">
+            <a:extLst>
+              <a:ext uri="{FF2B5EF4-FFF2-40B4-BE49-F238E27FC236}">
+                <a16:creationId xmlns:a16="http://schemas.microsoft.com/office/drawing/2014/main" id="{435897F6-06F0-462C-8641-DDC017AAA804}"/>
+              </a:ext>
+            </a:extLst>
+          </p:cNvPr>
+          <p:cNvPicPr>
+            <a:picLocks noChangeAspect="1" noChangeArrowheads="1"/>
+          </p:cNvPicPr>
+          <p:nvPr/>
+        </p:nvPicPr>
+        <p:blipFill rotWithShape="1">
+          <a:blip r:embed="rId20">
+            <a:extLst>
+              <a:ext uri="{28A0092B-C50C-407E-A947-70E740481C1C}">
+                <a14:useLocalDpi xmlns:a14="http://schemas.microsoft.com/office/drawing/2010/main" val="0"/>
+              </a:ext>
+            </a:extLst>
+          </a:blip>
+          <a:srcRect t="48232"/>
+          <a:stretch/>
+        </p:blipFill>
+        <p:spPr bwMode="auto">
+          <a:xfrm>
+            <a:off x="24071722" y="15170970"/>
+            <a:ext cx="5112878" cy="4031430"/>
+          </a:xfrm>
+          <a:prstGeom prst="rect">
+            <a:avLst/>
+          </a:prstGeom>
+          <a:noFill/>
+          <a:extLst>
+            <a:ext uri="{909E8E84-426E-40DD-AFC4-6F175D3DCCD1}">
+              <a14:hiddenFill xmlns:a14="http://schemas.microsoft.com/office/drawing/2010/main">
+                <a:solidFill>
+                  <a:srgbClr val="FFFFFF"/>
+                </a:solidFill>
+              </a14:hiddenFill>
+            </a:ext>
+          </a:extLst>
+        </p:spPr>
+      </p:pic>
+      <p:pic>
+        <p:nvPicPr>
+          <p:cNvPr id="1033" name="Picture 9">
+            <a:extLst>
+              <a:ext uri="{FF2B5EF4-FFF2-40B4-BE49-F238E27FC236}">
+                <a16:creationId xmlns:a16="http://schemas.microsoft.com/office/drawing/2014/main" id="{A72D4C9C-F0B2-434D-BB0F-F15B17107541}"/>
+              </a:ext>
+            </a:extLst>
+          </p:cNvPr>
+          <p:cNvPicPr>
+            <a:picLocks noChangeAspect="1" noChangeArrowheads="1"/>
+          </p:cNvPicPr>
+          <p:nvPr/>
+        </p:nvPicPr>
+        <p:blipFill rotWithShape="1">
+          <a:blip r:embed="rId20">
+            <a:extLst>
+              <a:ext uri="{28A0092B-C50C-407E-A947-70E740481C1C}">
+                <a14:useLocalDpi xmlns:a14="http://schemas.microsoft.com/office/drawing/2010/main" val="0"/>
+              </a:ext>
+            </a:extLst>
+          </a:blip>
+          <a:srcRect t="22143" b="50991"/>
+          <a:stretch/>
+        </p:blipFill>
+        <p:spPr bwMode="auto">
+          <a:xfrm>
+            <a:off x="18973800" y="15946503"/>
+            <a:ext cx="4921690" cy="2013944"/>
+          </a:xfrm>
+          <a:prstGeom prst="rect">
+            <a:avLst/>
+          </a:prstGeom>
+          <a:noFill/>
+          <a:extLst>
+            <a:ext uri="{909E8E84-426E-40DD-AFC4-6F175D3DCCD1}">
+              <a14:hiddenFill xmlns:a14="http://schemas.microsoft.com/office/drawing/2010/main">
+                <a:solidFill>
+                  <a:srgbClr val="FFFFFF"/>
+                </a:solidFill>
+              </a14:hiddenFill>
+            </a:ext>
+          </a:extLst>
+        </p:spPr>
+      </p:pic>
+      <p:pic>
+        <p:nvPicPr>
+          <p:cNvPr id="1037" name="Picture 13">
+            <a:extLst>
+              <a:ext uri="{FF2B5EF4-FFF2-40B4-BE49-F238E27FC236}">
+                <a16:creationId xmlns:a16="http://schemas.microsoft.com/office/drawing/2014/main" id="{E3ECFE6A-B1B8-4181-AEE0-BA2FE05C96A6}"/>
+              </a:ext>
+            </a:extLst>
+          </p:cNvPr>
+          <p:cNvPicPr>
+            <a:picLocks noChangeAspect="1" noChangeArrowheads="1"/>
+          </p:cNvPicPr>
+          <p:nvPr/>
+        </p:nvPicPr>
+        <p:blipFill rotWithShape="1">
+          <a:blip r:embed="rId21">
+            <a:extLst>
+              <a:ext uri="{28A0092B-C50C-407E-A947-70E740481C1C}">
+                <a14:useLocalDpi xmlns:a14="http://schemas.microsoft.com/office/drawing/2010/main" val="0"/>
+              </a:ext>
+            </a:extLst>
+          </a:blip>
+          <a:srcRect t="29500" b="6038"/>
+          <a:stretch/>
+        </p:blipFill>
+        <p:spPr bwMode="auto">
+          <a:xfrm>
+            <a:off x="33118480" y="16764000"/>
+            <a:ext cx="8791520" cy="2514600"/>
+          </a:xfrm>
+          <a:prstGeom prst="rect">
+            <a:avLst/>
+          </a:prstGeom>
+          <a:noFill/>
+          <a:extLst>
+            <a:ext uri="{909E8E84-426E-40DD-AFC4-6F175D3DCCD1}">
+              <a14:hiddenFill xmlns:a14="http://schemas.microsoft.com/office/drawing/2010/main">
+                <a:solidFill>
+                  <a:srgbClr val="FFFFFF"/>
+                </a:solidFill>
+              </a14:hiddenFill>
+            </a:ext>
+          </a:extLst>
+        </p:spPr>
+      </p:pic>
+      <p:sp>
+        <p:nvSpPr>
+          <p:cNvPr id="96" name="Rectangle 95">
+            <a:extLst>
+              <a:ext uri="{FF2B5EF4-FFF2-40B4-BE49-F238E27FC236}">
+                <a16:creationId xmlns:a16="http://schemas.microsoft.com/office/drawing/2014/main" id="{E080C097-1AF4-4DE5-B79A-16CD6497671B}"/>
+              </a:ext>
+            </a:extLst>
+          </p:cNvPr>
+          <p:cNvSpPr/>
+          <p:nvPr/>
+        </p:nvSpPr>
+        <p:spPr>
+          <a:xfrm>
+            <a:off x="35061579" y="13070885"/>
+            <a:ext cx="3536988" cy="806565"/>
+          </a:xfrm>
+          <a:prstGeom prst="rect">
+            <a:avLst/>
+          </a:prstGeom>
+        </p:spPr>
+        <p:style>
+          <a:lnRef idx="3">
+            <a:schemeClr val="lt1"/>
+          </a:lnRef>
+          <a:fillRef idx="1">
+            <a:schemeClr val="accent2"/>
+          </a:fillRef>
+          <a:effectRef idx="1">
+            <a:schemeClr val="accent2"/>
+          </a:effectRef>
+          <a:fontRef idx="minor">
+            <a:schemeClr val="lt1"/>
+          </a:fontRef>
+        </p:style>
+        <p:txBody>
+          <a:bodyPr rtlCol="0" anchor="ctr"/>
+          <a:lstStyle/>
+          <a:p>
+            <a:pPr algn="ctr"/>
+            <a:r>
+              <a:rPr lang="en-US" sz="2800" dirty="0"/>
+              <a:t> Application</a:t>
+            </a:r>
+          </a:p>
+        </p:txBody>
+      </p:sp>
+      <p:sp>
+        <p:nvSpPr>
+          <p:cNvPr id="98" name="Rectangle 97">
+            <a:extLst>
+              <a:ext uri="{FF2B5EF4-FFF2-40B4-BE49-F238E27FC236}">
+                <a16:creationId xmlns:a16="http://schemas.microsoft.com/office/drawing/2014/main" id="{E2EEDE79-7948-431A-BBF9-38B2D6C84837}"/>
+              </a:ext>
+            </a:extLst>
+          </p:cNvPr>
+          <p:cNvSpPr/>
+          <p:nvPr/>
+        </p:nvSpPr>
+        <p:spPr>
+          <a:xfrm>
+            <a:off x="23538322" y="13802582"/>
+            <a:ext cx="5112878" cy="1361218"/>
+          </a:xfrm>
+          <a:prstGeom prst="rect">
+            <a:avLst/>
+          </a:prstGeom>
+          <a:noFill/>
+          <a:ln>
+            <a:noFill/>
+          </a:ln>
+        </p:spPr>
+        <p:style>
+          <a:lnRef idx="2">
+            <a:schemeClr val="accent1">
+              <a:shade val="50000"/>
+            </a:schemeClr>
+          </a:lnRef>
+          <a:fillRef idx="1">
+            <a:schemeClr val="accent1"/>
+          </a:fillRef>
+          <a:effectRef idx="0">
+            <a:schemeClr val="accent1"/>
+          </a:effectRef>
+          <a:fontRef idx="minor">
+            <a:schemeClr val="lt1"/>
+          </a:fontRef>
+        </p:style>
+        <p:txBody>
+          <a:bodyPr rtlCol="0" anchor="ctr"/>
+          <a:lstStyle/>
+          <a:p>
+            <a:pPr/>
+            <a:r>
+              <a:rPr lang="en-US" sz="2800" b="1" dirty="0">
+                <a:solidFill>
+                  <a:schemeClr val="tx1"/>
+                </a:solidFill>
+              </a:rPr>
+              <a:t>Filter coefficients</a:t>
+            </a:r>
+          </a:p>
+          <a:p>
+            <a:pPr/>
+            <a:r>
+              <a:rPr lang="en-US" sz="2800" dirty="0">
+                <a:solidFill>
+                  <a:schemeClr val="tx1"/>
+                </a:solidFill>
+              </a:rPr>
+              <a:t>FIR Filter 1: q=0.9</a:t>
+            </a:r>
+          </a:p>
+          <a:p>
+            <a:pPr/>
+            <a:r>
+              <a:rPr lang="en-US" sz="2800" dirty="0">
+                <a:solidFill>
+                  <a:schemeClr val="tx1"/>
+                </a:solidFill>
+              </a:rPr>
+              <a:t>FIR Filter 2: r=0.9, M=22</a:t>
+            </a:r>
+          </a:p>
+        </p:txBody>
+      </p:sp>
+      <p:sp>
+        <p:nvSpPr>
+          <p:cNvPr id="99" name="Oval 98">
+            <a:extLst>
+              <a:ext uri="{FF2B5EF4-FFF2-40B4-BE49-F238E27FC236}">
+                <a16:creationId xmlns:a16="http://schemas.microsoft.com/office/drawing/2014/main" id="{19C528C6-27FA-440D-AE13-FBB7400806F2}"/>
+              </a:ext>
+            </a:extLst>
+          </p:cNvPr>
+          <p:cNvSpPr/>
+          <p:nvPr/>
+        </p:nvSpPr>
+        <p:spPr>
+          <a:xfrm>
+            <a:off x="13436141" y="15972955"/>
+            <a:ext cx="375795" cy="375795"/>
+          </a:xfrm>
+          <a:prstGeom prst="ellipse">
+            <a:avLst/>
+          </a:prstGeom>
+        </p:spPr>
+        <p:style>
+          <a:lnRef idx="3">
+            <a:schemeClr val="lt1"/>
+          </a:lnRef>
+          <a:fillRef idx="1">
+            <a:schemeClr val="accent2"/>
+          </a:fillRef>
+          <a:effectRef idx="1">
+            <a:schemeClr val="accent2"/>
+          </a:effectRef>
+          <a:fontRef idx="minor">
+            <a:schemeClr val="lt1"/>
+          </a:fontRef>
+        </p:style>
+        <p:txBody>
+          <a:bodyPr rtlCol="0" anchor="ctr"/>
+          <a:lstStyle/>
+          <a:p>
+            <a:pPr algn="ctr"/>
+            <a:r>
+              <a:rPr lang="en-US" sz="3200" dirty="0"/>
+              <a:t>1</a:t>
+            </a:r>
+          </a:p>
+        </p:txBody>
+      </p:sp>
+      <p:sp>
+        <p:nvSpPr>
+          <p:cNvPr id="100" name="Oval 99">
+            <a:extLst>
+              <a:ext uri="{FF2B5EF4-FFF2-40B4-BE49-F238E27FC236}">
+                <a16:creationId xmlns:a16="http://schemas.microsoft.com/office/drawing/2014/main" id="{F85652C7-315C-4074-A4E9-273254FF80F6}"/>
+              </a:ext>
+            </a:extLst>
+          </p:cNvPr>
+          <p:cNvSpPr/>
+          <p:nvPr/>
+        </p:nvSpPr>
+        <p:spPr>
+          <a:xfrm>
+            <a:off x="13436141" y="17844804"/>
+            <a:ext cx="375795" cy="375795"/>
+          </a:xfrm>
+          <a:prstGeom prst="ellipse">
+            <a:avLst/>
+          </a:prstGeom>
+        </p:spPr>
+        <p:style>
+          <a:lnRef idx="3">
+            <a:schemeClr val="lt1"/>
+          </a:lnRef>
+          <a:fillRef idx="1">
+            <a:schemeClr val="accent2"/>
+          </a:fillRef>
+          <a:effectRef idx="1">
+            <a:schemeClr val="accent2"/>
+          </a:effectRef>
+          <a:fontRef idx="minor">
+            <a:schemeClr val="lt1"/>
+          </a:fontRef>
+        </p:style>
+        <p:txBody>
+          <a:bodyPr rtlCol="0" anchor="ctr"/>
+          <a:lstStyle/>
+          <a:p>
+            <a:pPr algn="ctr"/>
+            <a:r>
+              <a:rPr lang="en-US" sz="3200" dirty="0"/>
+              <a:t>2</a:t>
+            </a:r>
+          </a:p>
+        </p:txBody>
+      </p:sp>
+      <p:sp>
+        <p:nvSpPr>
+          <p:cNvPr id="101" name="Oval 100">
+            <a:extLst>
+              <a:ext uri="{FF2B5EF4-FFF2-40B4-BE49-F238E27FC236}">
+                <a16:creationId xmlns:a16="http://schemas.microsoft.com/office/drawing/2014/main" id="{75E83835-768F-4DB8-8047-2F3EF699362D}"/>
+              </a:ext>
+            </a:extLst>
+          </p:cNvPr>
+          <p:cNvSpPr/>
+          <p:nvPr/>
+        </p:nvSpPr>
+        <p:spPr>
+          <a:xfrm>
+            <a:off x="18598005" y="16569829"/>
+            <a:ext cx="375795" cy="375795"/>
+          </a:xfrm>
+          <a:prstGeom prst="ellipse">
+            <a:avLst/>
+          </a:prstGeom>
+        </p:spPr>
+        <p:style>
+          <a:lnRef idx="3">
+            <a:schemeClr val="lt1"/>
+          </a:lnRef>
+          <a:fillRef idx="1">
+            <a:schemeClr val="accent2"/>
+          </a:fillRef>
+          <a:effectRef idx="1">
+            <a:schemeClr val="accent2"/>
+          </a:effectRef>
+          <a:fontRef idx="minor">
+            <a:schemeClr val="lt1"/>
+          </a:fontRef>
+        </p:style>
+        <p:txBody>
+          <a:bodyPr rtlCol="0" anchor="ctr"/>
+          <a:lstStyle/>
+          <a:p>
+            <a:pPr algn="ctr"/>
+            <a:r>
+              <a:rPr lang="en-US" sz="3200"/>
+              <a:t>3</a:t>
+            </a:r>
+          </a:p>
+        </p:txBody>
+      </p:sp>
+      <p:sp>
+        <p:nvSpPr>
+          <p:cNvPr id="102" name="Rectangle 101">
+            <a:extLst>
+              <a:ext uri="{FF2B5EF4-FFF2-40B4-BE49-F238E27FC236}">
+                <a16:creationId xmlns:a16="http://schemas.microsoft.com/office/drawing/2014/main" id="{D2B1017A-F80C-4207-B241-2E84A666A90F}"/>
+              </a:ext>
+            </a:extLst>
+          </p:cNvPr>
+          <p:cNvSpPr/>
+          <p:nvPr/>
+        </p:nvSpPr>
+        <p:spPr>
+          <a:xfrm>
+            <a:off x="29801766" y="17460182"/>
+            <a:ext cx="10218278" cy="1361218"/>
+          </a:xfrm>
+          <a:prstGeom prst="rect">
+            <a:avLst/>
+          </a:prstGeom>
+          <a:noFill/>
+          <a:ln>
+            <a:noFill/>
+          </a:ln>
+        </p:spPr>
+        <p:style>
+          <a:lnRef idx="2">
+            <a:schemeClr val="accent1">
+              <a:shade val="50000"/>
+            </a:schemeClr>
+          </a:lnRef>
+          <a:fillRef idx="1">
+            <a:schemeClr val="accent1"/>
+          </a:fillRef>
+          <a:effectRef idx="0">
+            <a:schemeClr val="accent1"/>
+          </a:effectRef>
+          <a:fontRef idx="minor">
+            <a:schemeClr val="lt1"/>
+          </a:fontRef>
+        </p:style>
+        <p:txBody>
+          <a:bodyPr rtlCol="0" anchor="ctr"/>
+          <a:lstStyle/>
+          <a:p>
+            <a:pPr/>
+            <a:r>
+              <a:rPr lang="en-US" sz="2800" dirty="0">
+                <a:solidFill>
+                  <a:schemeClr val="tx1"/>
+                </a:solidFill>
+              </a:rPr>
+              <a:t>Varying </a:t>
+            </a:r>
+            <a:r>
+              <a:rPr lang="en-US" sz="2800" i="1" dirty="0">
+                <a:solidFill>
+                  <a:schemeClr val="tx1"/>
+                </a:solidFill>
+              </a:rPr>
+              <a:t>M</a:t>
+            </a:r>
+            <a:r>
+              <a:rPr lang="en-US" sz="2800" dirty="0">
+                <a:solidFill>
+                  <a:schemeClr val="tx1"/>
+                </a:solidFill>
+              </a:rPr>
+              <a:t>:</a:t>
+            </a:r>
+          </a:p>
+        </p:txBody>
+      </p:sp>
+      <p:sp>
+        <p:nvSpPr>
+          <p:cNvPr id="103" name="Rectangle 102">
+            <a:extLst>
+              <a:ext uri="{FF2B5EF4-FFF2-40B4-BE49-F238E27FC236}">
+                <a16:creationId xmlns:a16="http://schemas.microsoft.com/office/drawing/2014/main" id="{B87A3562-C49D-4D71-A0D1-BBBF85CBAD9D}"/>
+              </a:ext>
+            </a:extLst>
+          </p:cNvPr>
+          <p:cNvSpPr/>
+          <p:nvPr/>
+        </p:nvSpPr>
+        <p:spPr>
+          <a:xfrm>
+            <a:off x="29959867" y="14640116"/>
+            <a:ext cx="5112878" cy="1361218"/>
+          </a:xfrm>
+          <a:prstGeom prst="rect">
+            <a:avLst/>
+          </a:prstGeom>
+          <a:noFill/>
+          <a:ln>
+            <a:noFill/>
+          </a:ln>
+        </p:spPr>
+        <p:style>
+          <a:lnRef idx="2">
+            <a:schemeClr val="accent1">
+              <a:shade val="50000"/>
+            </a:schemeClr>
+          </a:lnRef>
+          <a:fillRef idx="1">
+            <a:schemeClr val="accent1"/>
+          </a:fillRef>
+          <a:effectRef idx="0">
+            <a:schemeClr val="accent1"/>
+          </a:effectRef>
+          <a:fontRef idx="minor">
+            <a:schemeClr val="lt1"/>
+          </a:fontRef>
+        </p:style>
+        <p:txBody>
+          <a:bodyPr rtlCol="0" anchor="ctr"/>
+          <a:lstStyle/>
+          <a:p>
+            <a:pPr/>
+            <a:endParaRPr lang="en-US" sz="2800" b="1" dirty="0">
+              <a:solidFill>
+                <a:schemeClr val="tx1"/>
+              </a:solidFill>
+            </a:endParaRPr>
+          </a:p>
+        </p:txBody>
+      </p:sp>
+      <p:grpSp>
+        <p:nvGrpSpPr>
+          <p:cNvPr id="85" name="Group 84">
+            <a:extLst>
+              <a:ext uri="{FF2B5EF4-FFF2-40B4-BE49-F238E27FC236}">
+                <a16:creationId xmlns:a16="http://schemas.microsoft.com/office/drawing/2014/main" id="{8B55BCD9-134C-4D3C-94A8-7528F9FE1103}"/>
+              </a:ext>
+            </a:extLst>
+          </p:cNvPr>
+          <p:cNvGrpSpPr/>
+          <p:nvPr/>
+        </p:nvGrpSpPr>
+        <p:grpSpPr>
+          <a:xfrm>
+            <a:off x="33314244" y="13834924"/>
+            <a:ext cx="8519556" cy="2929076"/>
+            <a:chOff x="32918400" y="13834924"/>
+            <a:chExt cx="8519556" cy="2929076"/>
+          </a:xfrm>
+        </p:grpSpPr>
+        <p:pic>
+          <p:nvPicPr>
+            <p:cNvPr id="1035" name="Picture 11">
+              <a:extLst>
+                <a:ext uri="{FF2B5EF4-FFF2-40B4-BE49-F238E27FC236}">
+                  <a16:creationId xmlns:a16="http://schemas.microsoft.com/office/drawing/2014/main" id="{74444120-BCA5-4C2D-81B0-6A310AEBE288}"/>
+                </a:ext>
+              </a:extLst>
+            </p:cNvPr>
+            <p:cNvPicPr>
+              <a:picLocks noChangeAspect="1" noChangeArrowheads="1"/>
+            </p:cNvPicPr>
+            <p:nvPr/>
+          </p:nvPicPr>
+          <p:blipFill rotWithShape="1">
+            <a:blip r:embed="rId22">
+              <a:extLst>
+                <a:ext uri="{28A0092B-C50C-407E-A947-70E740481C1C}">
+                  <a14:useLocalDpi xmlns:a14="http://schemas.microsoft.com/office/drawing/2010/main" val="0"/>
+                </a:ext>
+              </a:extLst>
+            </a:blip>
+            <a:srcRect t="24889"/>
+            <a:stretch/>
+          </p:blipFill>
+          <p:spPr bwMode="auto">
+            <a:xfrm>
+              <a:off x="33070800" y="13834924"/>
+              <a:ext cx="8367156" cy="2929076"/>
+            </a:xfrm>
+            <a:prstGeom prst="rect">
+              <a:avLst/>
+            </a:prstGeom>
+            <a:noFill/>
+            <a:extLst>
+              <a:ext uri="{909E8E84-426E-40DD-AFC4-6F175D3DCCD1}">
+                <a14:hiddenFill xmlns:a14="http://schemas.microsoft.com/office/drawing/2010/main">
+                  <a:solidFill>
+                    <a:srgbClr val="FFFFFF"/>
+                  </a:solidFill>
+                </a14:hiddenFill>
+              </a:ext>
+            </a:extLst>
+          </p:spPr>
+        </p:pic>
+        <p:sp>
+          <p:nvSpPr>
+            <p:cNvPr id="104" name="Oval 103">
+              <a:extLst>
+                <a:ext uri="{FF2B5EF4-FFF2-40B4-BE49-F238E27FC236}">
+                  <a16:creationId xmlns:a16="http://schemas.microsoft.com/office/drawing/2014/main" id="{6C7FCADF-7D9D-4CDF-9012-28BCDE259799}"/>
+                </a:ext>
+              </a:extLst>
+            </p:cNvPr>
+            <p:cNvSpPr/>
+            <p:nvPr/>
+          </p:nvSpPr>
+          <p:spPr>
+            <a:xfrm>
+              <a:off x="32918400" y="15011400"/>
+              <a:ext cx="375795" cy="375795"/>
+            </a:xfrm>
+            <a:prstGeom prst="ellipse">
+              <a:avLst/>
+            </a:prstGeom>
+          </p:spPr>
+          <p:style>
+            <a:lnRef idx="3">
+              <a:schemeClr val="lt1"/>
+            </a:lnRef>
+            <a:fillRef idx="1">
+              <a:schemeClr val="accent2"/>
+            </a:fillRef>
+            <a:effectRef idx="1">
+              <a:schemeClr val="accent2"/>
+            </a:effectRef>
+            <a:fontRef idx="minor">
+              <a:schemeClr val="lt1"/>
+            </a:fontRef>
+          </p:style>
+          <p:txBody>
+            <a:bodyPr rtlCol="0" anchor="ctr"/>
+            <a:lstStyle/>
+            <a:p>
+              <a:pPr algn="ctr"/>
+              <a:r>
+                <a:rPr lang="en-US" sz="3200" dirty="0"/>
+                <a:t>1</a:t>
+              </a:r>
+            </a:p>
+          </p:txBody>
+        </p:sp>
+        <p:sp>
+          <p:nvSpPr>
+            <p:cNvPr id="105" name="Oval 104">
+              <a:extLst>
+                <a:ext uri="{FF2B5EF4-FFF2-40B4-BE49-F238E27FC236}">
+                  <a16:creationId xmlns:a16="http://schemas.microsoft.com/office/drawing/2014/main" id="{E99A277E-AE7F-4F96-BBBF-D7EB4A5D1166}"/>
+                </a:ext>
+              </a:extLst>
+            </p:cNvPr>
+            <p:cNvSpPr/>
+            <p:nvPr/>
+          </p:nvSpPr>
+          <p:spPr>
+            <a:xfrm>
+              <a:off x="35737800" y="15011400"/>
+              <a:ext cx="375795" cy="375795"/>
+            </a:xfrm>
+            <a:prstGeom prst="ellipse">
+              <a:avLst/>
+            </a:prstGeom>
+          </p:spPr>
+          <p:style>
+            <a:lnRef idx="3">
+              <a:schemeClr val="lt1"/>
+            </a:lnRef>
+            <a:fillRef idx="1">
+              <a:schemeClr val="accent2"/>
+            </a:fillRef>
+            <a:effectRef idx="1">
+              <a:schemeClr val="accent2"/>
+            </a:effectRef>
+            <a:fontRef idx="minor">
+              <a:schemeClr val="lt1"/>
+            </a:fontRef>
+          </p:style>
+          <p:txBody>
+            <a:bodyPr rtlCol="0" anchor="ctr"/>
+            <a:lstStyle/>
+            <a:p>
+              <a:pPr algn="ctr"/>
+              <a:r>
+                <a:rPr lang="en-US" sz="3200" dirty="0"/>
+                <a:t>2</a:t>
+              </a:r>
+            </a:p>
+          </p:txBody>
+        </p:sp>
+        <p:sp>
+          <p:nvSpPr>
+            <p:cNvPr id="106" name="Oval 105">
+              <a:extLst>
+                <a:ext uri="{FF2B5EF4-FFF2-40B4-BE49-F238E27FC236}">
+                  <a16:creationId xmlns:a16="http://schemas.microsoft.com/office/drawing/2014/main" id="{9158ED6E-51ED-459C-92F8-DFA9C7187844}"/>
+                </a:ext>
+              </a:extLst>
+            </p:cNvPr>
+            <p:cNvSpPr/>
+            <p:nvPr/>
+          </p:nvSpPr>
+          <p:spPr>
+            <a:xfrm>
+              <a:off x="38486205" y="15016605"/>
+              <a:ext cx="375795" cy="375795"/>
+            </a:xfrm>
+            <a:prstGeom prst="ellipse">
+              <a:avLst/>
+            </a:prstGeom>
+          </p:spPr>
+          <p:style>
+            <a:lnRef idx="3">
+              <a:schemeClr val="lt1"/>
+            </a:lnRef>
+            <a:fillRef idx="1">
+              <a:schemeClr val="accent2"/>
+            </a:fillRef>
+            <a:effectRef idx="1">
+              <a:schemeClr val="accent2"/>
+            </a:effectRef>
+            <a:fontRef idx="minor">
+              <a:schemeClr val="lt1"/>
+            </a:fontRef>
+          </p:style>
+          <p:txBody>
+            <a:bodyPr rtlCol="0" anchor="ctr"/>
+            <a:lstStyle/>
+            <a:p>
+              <a:pPr algn="ctr"/>
+              <a:r>
+                <a:rPr lang="en-US" sz="3200" dirty="0"/>
+                <a:t>3</a:t>
+              </a:r>
+            </a:p>
+          </p:txBody>
+        </p:sp>
+      </p:grpSp>
+      <mc:AlternateContent xmlns:mc="http://schemas.openxmlformats.org/markup-compatibility/2006">
+        <mc:Choice xmlns:a14="http://schemas.microsoft.com/office/drawing/2010/main" Requires="a14">
+          <p:sp>
+            <p:nvSpPr>
+              <p:cNvPr id="108" name="Rectangle 107">
+                <a:extLst>
+                  <a:ext uri="{FF2B5EF4-FFF2-40B4-BE49-F238E27FC236}">
+                    <a16:creationId xmlns:a16="http://schemas.microsoft.com/office/drawing/2014/main" id="{CE4A42E5-E9A1-47D1-BF41-9B23A8E59735}"/>
+                  </a:ext>
+                </a:extLst>
+              </p:cNvPr>
+              <p:cNvSpPr/>
+              <p:nvPr/>
+            </p:nvSpPr>
+            <p:spPr>
+              <a:xfrm>
+                <a:off x="20802600" y="7565178"/>
+                <a:ext cx="22467392" cy="1361218"/>
+              </a:xfrm>
+              <a:prstGeom prst="rect">
+                <a:avLst/>
+              </a:prstGeom>
+              <a:noFill/>
+              <a:ln>
+                <a:noFill/>
+              </a:ln>
+            </p:spPr>
+            <p:style>
+              <a:lnRef idx="2">
+                <a:schemeClr val="accent1">
+                  <a:shade val="50000"/>
+                </a:schemeClr>
+              </a:lnRef>
+              <a:fillRef idx="1">
+                <a:schemeClr val="accent1"/>
+              </a:fillRef>
+              <a:effectRef idx="0">
+                <a:schemeClr val="accent1"/>
+              </a:effectRef>
+              <a:fontRef idx="minor">
+                <a:schemeClr val="lt1"/>
+              </a:fontRef>
+            </p:style>
+            <p:txBody>
+              <a:bodyPr rtlCol="0" anchor="ctr"/>
+              <a:lstStyle/>
+              <a:p>
+                <a:pPr/>
+                <a:r>
+                  <a:rPr lang="en-US" sz="2800" dirty="0">
+                    <a:solidFill>
+                      <a:schemeClr val="tx1"/>
+                    </a:solidFill>
+                  </a:rPr>
+                  <a:t>Example:</a:t>
+                </a:r>
+              </a:p>
+              <a:p>
+                <a:pPr/>
+                <a:r>
+                  <a:rPr lang="en-US" sz="2800" dirty="0">
+                    <a:solidFill>
+                      <a:schemeClr val="tx1"/>
+                    </a:solidFill>
+                  </a:rPr>
+                  <a:t>You have an audio signal sampled at </a:t>
+                </a:r>
+                <a14:m>
+                  <m:oMath xmlns:m="http://schemas.openxmlformats.org/officeDocument/2006/math">
+                    <m:sSub>
+                      <m:sSubPr>
+                        <m:ctrlPr>
+                          <a:rPr lang="en-US" sz="2800" b="0" i="1" smtClean="0">
+                            <a:solidFill>
+                              <a:schemeClr val="tx1"/>
+                            </a:solidFill>
+                            <a:latin typeface="Cambria Math" panose="02040503050406030204" pitchFamily="18" charset="0"/>
+                          </a:rPr>
+                        </m:ctrlPr>
+                      </m:sSubPr>
+                      <m:e>
+                        <m:r>
+                          <a:rPr lang="en-US" sz="2800" b="0" i="1" smtClean="0">
+                            <a:solidFill>
+                              <a:schemeClr val="tx1"/>
+                            </a:solidFill>
+                            <a:latin typeface="Cambria Math" panose="02040503050406030204" pitchFamily="18" charset="0"/>
+                          </a:rPr>
+                          <m:t>𝑓</m:t>
+                        </m:r>
+                      </m:e>
+                      <m:sub>
+                        <m:r>
+                          <a:rPr lang="en-US" sz="2800" b="0" i="1" smtClean="0">
+                            <a:solidFill>
+                              <a:schemeClr val="tx1"/>
+                            </a:solidFill>
+                            <a:latin typeface="Cambria Math" panose="02040503050406030204" pitchFamily="18" charset="0"/>
+                          </a:rPr>
+                          <m:t>𝑠</m:t>
+                        </m:r>
+                      </m:sub>
+                    </m:sSub>
+                    <m:r>
+                      <a:rPr lang="en-US" sz="2800" b="0" i="1" smtClean="0">
+                        <a:solidFill>
+                          <a:schemeClr val="tx1"/>
+                        </a:solidFill>
+                        <a:latin typeface="Cambria Math" panose="02040503050406030204" pitchFamily="18" charset="0"/>
+                      </a:rPr>
+                      <m:t> </m:t>
+                    </m:r>
+                  </m:oMath>
+                </a14:m>
+                <a:r>
+                  <a:rPr lang="en-US" sz="2800" dirty="0">
+                    <a:solidFill>
+                      <a:schemeClr val="tx1"/>
+                    </a:solidFill>
+                  </a:rPr>
+                  <a:t>=8000 Hz and would like to add a delayed version to simulate an echo. The time delay of echo should be 0.2 seconds, and strength of the echo should be 90% of the original.</a:t>
+                </a:r>
+              </a:p>
+              <a:p>
+                <a:pPr/>
+                <a:r>
+                  <a:rPr lang="en-US" sz="2800" dirty="0">
+                    <a:solidFill>
+                      <a:schemeClr val="tx1"/>
+                    </a:solidFill>
+                  </a:rPr>
+                  <a:t>Implement this filter.</a:t>
+                </a:r>
+              </a:p>
+            </p:txBody>
+          </p:sp>
+        </mc:Choice>
+        <mc:Fallback>
+          <p:sp>
+            <p:nvSpPr>
+              <p:cNvPr id="108" name="Rectangle 107">
+                <a:extLst>
+                  <a:ext uri="{FF2B5EF4-FFF2-40B4-BE49-F238E27FC236}">
+                    <a16:creationId xmlns:a16="http://schemas.microsoft.com/office/drawing/2014/main" id="{CE4A42E5-E9A1-47D1-BF41-9B23A8E59735}"/>
+                  </a:ext>
+                </a:extLst>
+              </p:cNvPr>
+              <p:cNvSpPr>
+                <a:spLocks noRot="1" noChangeAspect="1" noMove="1" noResize="1" noEditPoints="1" noAdjustHandles="1" noChangeArrowheads="1" noChangeShapeType="1" noTextEdit="1"/>
+              </p:cNvSpPr>
+              <p:nvPr/>
+            </p:nvSpPr>
+            <p:spPr>
+              <a:xfrm>
+                <a:off x="20802600" y="7565178"/>
+                <a:ext cx="22467392" cy="1361218"/>
+              </a:xfrm>
+              <a:prstGeom prst="rect">
+                <a:avLst/>
+              </a:prstGeom>
+              <a:blipFill>
+                <a:blip r:embed="rId23"/>
+                <a:stretch>
+                  <a:fillRect l="-570" t="-20179" b="-29148"/>
+                </a:stretch>
+              </a:blipFill>
+              <a:ln>
+                <a:noFill/>
+              </a:ln>
+            </p:spPr>
+            <p:txBody>
+              <a:bodyPr/>
+              <a:lstStyle/>
+              <a:p>
+                <a:r>
+                  <a:rPr lang="en-US">
+                    <a:noFill/>
+                  </a:rPr>
+                  <a:t> </a:t>
+                </a:r>
+              </a:p>
+            </p:txBody>
+          </p:sp>
+        </mc:Fallback>
+      </mc:AlternateContent>
+      <p:sp>
+        <p:nvSpPr>
+          <p:cNvPr id="112" name="Rectangle 111">
+            <a:extLst>
+              <a:ext uri="{FF2B5EF4-FFF2-40B4-BE49-F238E27FC236}">
+                <a16:creationId xmlns:a16="http://schemas.microsoft.com/office/drawing/2014/main" id="{97A23ECC-55DB-48C1-B738-B5C7BB7ECE00}"/>
+              </a:ext>
+            </a:extLst>
+          </p:cNvPr>
+          <p:cNvSpPr/>
+          <p:nvPr/>
+        </p:nvSpPr>
+        <p:spPr>
+          <a:xfrm>
+            <a:off x="15415376" y="6202991"/>
+            <a:ext cx="3536988" cy="806565"/>
+          </a:xfrm>
+          <a:prstGeom prst="rect">
+            <a:avLst/>
+          </a:prstGeom>
+        </p:spPr>
+        <p:style>
+          <a:lnRef idx="3">
+            <a:schemeClr val="lt1"/>
+          </a:lnRef>
+          <a:fillRef idx="1">
+            <a:schemeClr val="accent2"/>
+          </a:fillRef>
+          <a:effectRef idx="1">
+            <a:schemeClr val="accent2"/>
+          </a:effectRef>
+          <a:fontRef idx="minor">
+            <a:schemeClr val="lt1"/>
+          </a:fontRef>
+        </p:style>
+        <p:txBody>
+          <a:bodyPr rtlCol="0" anchor="ctr"/>
+          <a:lstStyle/>
+          <a:p>
+            <a:pPr algn="ctr"/>
+            <a:r>
+              <a:rPr lang="en-US" sz="3200" dirty="0"/>
+              <a:t>Process</a:t>
+            </a:r>
+          </a:p>
+        </p:txBody>
+      </p:sp>
+      <p:sp>
+        <p:nvSpPr>
+          <p:cNvPr id="93" name="Rectangle 92">
+            <a:extLst>
+              <a:ext uri="{FF2B5EF4-FFF2-40B4-BE49-F238E27FC236}">
+                <a16:creationId xmlns:a16="http://schemas.microsoft.com/office/drawing/2014/main" id="{EEB2F3FB-9849-48CD-BFA4-3E11522BBC80}"/>
+              </a:ext>
+            </a:extLst>
+          </p:cNvPr>
+          <p:cNvSpPr/>
+          <p:nvPr/>
+        </p:nvSpPr>
+        <p:spPr>
+          <a:xfrm>
+            <a:off x="15808753" y="7874982"/>
+            <a:ext cx="603647" cy="339755"/>
+          </a:xfrm>
+          <a:prstGeom prst="rect">
+            <a:avLst/>
+          </a:prstGeom>
+          <a:solidFill>
+            <a:schemeClr val="bg1"/>
+          </a:solidFill>
+          <a:ln>
+            <a:solidFill>
+              <a:schemeClr val="bg1"/>
+            </a:solidFill>
+          </a:ln>
+        </p:spPr>
+        <p:style>
+          <a:lnRef idx="2">
+            <a:schemeClr val="accent1">
+              <a:shade val="50000"/>
+            </a:schemeClr>
+          </a:lnRef>
+          <a:fillRef idx="1">
+            <a:schemeClr val="accent1"/>
+          </a:fillRef>
+          <a:effectRef idx="0">
+            <a:schemeClr val="accent1"/>
+          </a:effectRef>
+          <a:fontRef idx="minor">
+            <a:schemeClr val="lt1"/>
+          </a:fontRef>
+        </p:style>
+        <p:txBody>
+          <a:bodyPr rtlCol="0" anchor="ctr"/>
+          <a:lstStyle/>
+          <a:p>
+            <a:pPr algn="ctr"/>
+            <a:endParaRPr lang="en-US"/>
+          </a:p>
+        </p:txBody>
+      </p:sp>
+      <p:sp>
+        <p:nvSpPr>
+          <p:cNvPr id="94" name="Rectangle 93">
+            <a:extLst>
+              <a:ext uri="{FF2B5EF4-FFF2-40B4-BE49-F238E27FC236}">
+                <a16:creationId xmlns:a16="http://schemas.microsoft.com/office/drawing/2014/main" id="{81A9DB1B-191D-4742-ADDE-7501999C5B97}"/>
+              </a:ext>
+            </a:extLst>
+          </p:cNvPr>
+          <p:cNvSpPr/>
+          <p:nvPr/>
+        </p:nvSpPr>
+        <p:spPr>
+          <a:xfrm>
+            <a:off x="18229185" y="7874982"/>
+            <a:ext cx="603647" cy="339755"/>
+          </a:xfrm>
+          <a:prstGeom prst="rect">
+            <a:avLst/>
+          </a:prstGeom>
+          <a:solidFill>
+            <a:schemeClr val="bg1"/>
+          </a:solidFill>
+          <a:ln>
+            <a:solidFill>
+              <a:schemeClr val="bg1"/>
+            </a:solidFill>
+          </a:ln>
+        </p:spPr>
+        <p:style>
+          <a:lnRef idx="2">
+            <a:schemeClr val="accent1">
+              <a:shade val="50000"/>
+            </a:schemeClr>
+          </a:lnRef>
+          <a:fillRef idx="1">
+            <a:schemeClr val="accent1"/>
+          </a:fillRef>
+          <a:effectRef idx="0">
+            <a:schemeClr val="accent1"/>
+          </a:effectRef>
+          <a:fontRef idx="minor">
+            <a:schemeClr val="lt1"/>
+          </a:fontRef>
+        </p:style>
+        <p:txBody>
+          <a:bodyPr rtlCol="0" anchor="ctr"/>
+          <a:lstStyle/>
+          <a:p>
+            <a:pPr algn="ctr"/>
+            <a:endParaRPr lang="en-US"/>
+          </a:p>
+        </p:txBody>
+      </p:sp>
+      <p:pic>
+        <p:nvPicPr>
+          <p:cNvPr id="125" name="Picture 124">
+            <a:extLst>
+              <a:ext uri="{FF2B5EF4-FFF2-40B4-BE49-F238E27FC236}">
+                <a16:creationId xmlns:a16="http://schemas.microsoft.com/office/drawing/2014/main" id="{2472D7CB-803F-4BE4-9ABD-03EC5AE5DD49}"/>
+              </a:ext>
+            </a:extLst>
+          </p:cNvPr>
+          <p:cNvPicPr>
+            <a:picLocks noChangeAspect="1"/>
+          </p:cNvPicPr>
+          <p:nvPr/>
+        </p:nvPicPr>
+        <p:blipFill rotWithShape="1">
+          <a:blip r:embed="rId24"/>
+          <a:srcRect l="9152" t="23263"/>
+          <a:stretch/>
+        </p:blipFill>
+        <p:spPr>
+          <a:xfrm>
+            <a:off x="15437336" y="8495777"/>
+            <a:ext cx="562719" cy="293111"/>
+          </a:xfrm>
+          <a:prstGeom prst="rect">
+            <a:avLst/>
+          </a:prstGeom>
+        </p:spPr>
+      </p:pic>
+      <p:grpSp>
+        <p:nvGrpSpPr>
+          <p:cNvPr id="1036" name="Group 1035">
+            <a:extLst>
+              <a:ext uri="{FF2B5EF4-FFF2-40B4-BE49-F238E27FC236}">
+                <a16:creationId xmlns:a16="http://schemas.microsoft.com/office/drawing/2014/main" id="{985E5365-79CB-4FE3-9C1E-4FD2C3277451}"/>
+              </a:ext>
+            </a:extLst>
+          </p:cNvPr>
+          <p:cNvGrpSpPr/>
+          <p:nvPr/>
+        </p:nvGrpSpPr>
+        <p:grpSpPr>
+          <a:xfrm>
+            <a:off x="13944600" y="10318899"/>
+            <a:ext cx="6455408" cy="806301"/>
+            <a:chOff x="13521309" y="8921794"/>
+            <a:chExt cx="6455408" cy="806301"/>
+          </a:xfrm>
+        </p:grpSpPr>
+        <mc:AlternateContent xmlns:mc="http://schemas.openxmlformats.org/markup-compatibility/2006">
+          <mc:Choice xmlns:a14="http://schemas.microsoft.com/office/drawing/2010/main" Requires="a14">
+            <p:sp>
+              <p:nvSpPr>
+                <p:cNvPr id="141" name="TextBox 140">
+                  <a:extLst>
+                    <a:ext uri="{FF2B5EF4-FFF2-40B4-BE49-F238E27FC236}">
+                      <a16:creationId xmlns:a16="http://schemas.microsoft.com/office/drawing/2014/main" id="{0888E1F3-1D66-4165-B3E1-ADFB450F4425}"/>
+                    </a:ext>
+                  </a:extLst>
+                </p:cNvPr>
+                <p:cNvSpPr txBox="1"/>
+                <p:nvPr/>
+              </p:nvSpPr>
+              <p:spPr>
+                <a:xfrm>
+                  <a:off x="15621000" y="9067800"/>
+                  <a:ext cx="4355717" cy="461665"/>
+                </a:xfrm>
+                <a:prstGeom prst="rect">
+                  <a:avLst/>
+                </a:prstGeom>
+                <a:noFill/>
+              </p:spPr>
+              <p:txBody>
+                <a:bodyPr wrap="square">
+                  <a:spAutoFit/>
+                </a:bodyPr>
+                <a:lstStyle/>
+                <a:p>
+                  <a:pPr/>
+                  <a14:m>
+                    <m:oMathPara xmlns:m="http://schemas.openxmlformats.org/officeDocument/2006/math">
+                      <m:oMathParaPr>
+                        <m:jc m:val="centerGroup"/>
+                      </m:oMathParaPr>
+                      <m:oMath xmlns:m="http://schemas.openxmlformats.org/officeDocument/2006/math">
+                        <m:sSub>
+                          <m:sSubPr>
+                            <m:ctrlPr>
+                              <a:rPr lang="en-US" sz="2400" b="0" i="1" smtClean="0">
+                                <a:solidFill>
+                                  <a:srgbClr val="000000"/>
+                                </a:solidFill>
+                                <a:latin typeface="Cambria Math" panose="02040503050406030204" pitchFamily="18" charset="0"/>
+                              </a:rPr>
+                            </m:ctrlPr>
+                          </m:sSubPr>
+                          <m:e>
+                            <m:r>
+                              <a:rPr lang="en-US" sz="2400" b="0" i="1" smtClean="0">
+                                <a:solidFill>
+                                  <a:srgbClr val="000000"/>
+                                </a:solidFill>
+                                <a:latin typeface="Cambria Math" panose="02040503050406030204" pitchFamily="18" charset="0"/>
+                              </a:rPr>
+                              <m:t>𝑦</m:t>
+                            </m:r>
+                          </m:e>
+                          <m:sub>
+                            <m:r>
+                              <a:rPr lang="en-US" sz="2400" b="0" i="1" smtClean="0">
+                                <a:solidFill>
+                                  <a:srgbClr val="000000"/>
+                                </a:solidFill>
+                                <a:latin typeface="Cambria Math" panose="02040503050406030204" pitchFamily="18" charset="0"/>
+                              </a:rPr>
+                              <m:t>1</m:t>
+                            </m:r>
+                          </m:sub>
+                        </m:sSub>
+                        <m:d>
+                          <m:dPr>
+                            <m:begChr m:val="["/>
+                            <m:endChr m:val="]"/>
+                            <m:ctrlPr>
+                              <a:rPr lang="en-US" sz="2400" b="0" i="1" smtClean="0">
+                                <a:solidFill>
+                                  <a:srgbClr val="000000"/>
+                                </a:solidFill>
+                                <a:latin typeface="Cambria Math" panose="02040503050406030204" pitchFamily="18" charset="0"/>
+                              </a:rPr>
+                            </m:ctrlPr>
+                          </m:dPr>
+                          <m:e>
+                            <m:r>
+                              <a:rPr lang="en-US" sz="2400" b="0" i="1" smtClean="0">
+                                <a:solidFill>
+                                  <a:srgbClr val="000000"/>
+                                </a:solidFill>
+                                <a:latin typeface="Cambria Math" panose="02040503050406030204" pitchFamily="18" charset="0"/>
+                              </a:rPr>
+                              <m:t>𝑛</m:t>
+                            </m:r>
+                          </m:e>
+                        </m:d>
+                        <m:r>
+                          <a:rPr lang="en-US" sz="2400" b="0" i="1" smtClean="0">
+                            <a:solidFill>
+                              <a:srgbClr val="000000"/>
+                            </a:solidFill>
+                            <a:latin typeface="Cambria Math" panose="02040503050406030204" pitchFamily="18" charset="0"/>
+                          </a:rPr>
+                          <m:t>=</m:t>
+                        </m:r>
+                        <m:sSub>
+                          <m:sSubPr>
+                            <m:ctrlPr>
+                              <a:rPr lang="en-US" sz="2400" b="0" i="1" smtClean="0">
+                                <a:solidFill>
+                                  <a:srgbClr val="000000"/>
+                                </a:solidFill>
+                                <a:latin typeface="Cambria Math" panose="02040503050406030204" pitchFamily="18" charset="0"/>
+                              </a:rPr>
+                            </m:ctrlPr>
+                          </m:sSubPr>
+                          <m:e>
+                            <m:r>
+                              <a:rPr lang="en-US" sz="2400" b="0" i="1" smtClean="0">
+                                <a:solidFill>
+                                  <a:srgbClr val="000000"/>
+                                </a:solidFill>
+                                <a:latin typeface="Cambria Math" panose="02040503050406030204" pitchFamily="18" charset="0"/>
+                              </a:rPr>
+                              <m:t>𝑥</m:t>
+                            </m:r>
+                          </m:e>
+                          <m:sub>
+                            <m:r>
+                              <a:rPr lang="en-US" sz="2400" b="0" i="1" smtClean="0">
+                                <a:solidFill>
+                                  <a:srgbClr val="000000"/>
+                                </a:solidFill>
+                                <a:latin typeface="Cambria Math" panose="02040503050406030204" pitchFamily="18" charset="0"/>
+                              </a:rPr>
+                              <m:t>1</m:t>
+                            </m:r>
+                          </m:sub>
+                        </m:sSub>
+                        <m:d>
+                          <m:dPr>
+                            <m:begChr m:val="["/>
+                            <m:endChr m:val="]"/>
+                            <m:ctrlPr>
+                              <a:rPr lang="en-US" sz="2400" b="0" i="1" smtClean="0">
+                                <a:solidFill>
+                                  <a:srgbClr val="000000"/>
+                                </a:solidFill>
+                                <a:latin typeface="Cambria Math" panose="02040503050406030204" pitchFamily="18" charset="0"/>
+                              </a:rPr>
+                            </m:ctrlPr>
+                          </m:dPr>
+                          <m:e>
+                            <m:r>
+                              <a:rPr lang="en-US" sz="2400" b="0" i="1" smtClean="0">
+                                <a:solidFill>
+                                  <a:srgbClr val="000000"/>
+                                </a:solidFill>
+                                <a:latin typeface="Cambria Math" panose="02040503050406030204" pitchFamily="18" charset="0"/>
+                              </a:rPr>
+                              <m:t>𝑛</m:t>
+                            </m:r>
+                          </m:e>
+                        </m:d>
+                        <m:r>
+                          <a:rPr lang="en-US" sz="2400" b="0" i="1" smtClean="0">
+                            <a:solidFill>
+                              <a:srgbClr val="000000"/>
+                            </a:solidFill>
+                            <a:latin typeface="Cambria Math" panose="02040503050406030204" pitchFamily="18" charset="0"/>
+                          </a:rPr>
+                          <m:t>−</m:t>
+                        </m:r>
+                        <m:r>
+                          <a:rPr lang="en-US" sz="2400" b="0" i="1" smtClean="0">
+                            <a:solidFill>
+                              <a:srgbClr val="000000"/>
+                            </a:solidFill>
+                            <a:latin typeface="Cambria Math" panose="02040503050406030204" pitchFamily="18" charset="0"/>
+                          </a:rPr>
+                          <m:t>𝑟</m:t>
+                        </m:r>
+                        <m:r>
+                          <a:rPr lang="en-US" sz="2400" b="0" i="1" smtClean="0">
+                            <a:solidFill>
+                              <a:srgbClr val="000000"/>
+                            </a:solidFill>
+                            <a:latin typeface="Cambria Math" panose="02040503050406030204" pitchFamily="18" charset="0"/>
+                          </a:rPr>
+                          <m:t> </m:t>
+                        </m:r>
+                        <m:sSub>
+                          <m:sSubPr>
+                            <m:ctrlPr>
+                              <a:rPr lang="en-US" sz="2400" b="0" i="1" smtClean="0">
+                                <a:solidFill>
+                                  <a:srgbClr val="000000"/>
+                                </a:solidFill>
+                                <a:latin typeface="Cambria Math" panose="02040503050406030204" pitchFamily="18" charset="0"/>
+                              </a:rPr>
+                            </m:ctrlPr>
+                          </m:sSubPr>
+                          <m:e>
+                            <m:r>
+                              <a:rPr lang="en-US" sz="2400" b="0" i="1" smtClean="0">
+                                <a:solidFill>
+                                  <a:srgbClr val="000000"/>
+                                </a:solidFill>
+                                <a:latin typeface="Cambria Math" panose="02040503050406030204" pitchFamily="18" charset="0"/>
+                              </a:rPr>
+                              <m:t>𝑥</m:t>
+                            </m:r>
+                          </m:e>
+                          <m:sub>
+                            <m:r>
+                              <a:rPr lang="en-US" sz="2400" b="0" i="1" smtClean="0">
+                                <a:solidFill>
+                                  <a:srgbClr val="000000"/>
+                                </a:solidFill>
+                                <a:latin typeface="Cambria Math" panose="02040503050406030204" pitchFamily="18" charset="0"/>
+                              </a:rPr>
+                              <m:t>1</m:t>
+                            </m:r>
+                          </m:sub>
+                        </m:sSub>
+                        <m:d>
+                          <m:dPr>
+                            <m:begChr m:val="["/>
+                            <m:endChr m:val="]"/>
+                            <m:ctrlPr>
+                              <a:rPr lang="en-US" sz="2400" b="0" i="1" smtClean="0">
+                                <a:solidFill>
+                                  <a:srgbClr val="000000"/>
+                                </a:solidFill>
+                                <a:latin typeface="Cambria Math" panose="02040503050406030204" pitchFamily="18" charset="0"/>
+                              </a:rPr>
+                            </m:ctrlPr>
+                          </m:dPr>
+                          <m:e>
+                            <m:r>
+                              <a:rPr lang="en-US" sz="2400" b="0" i="1" smtClean="0">
+                                <a:solidFill>
+                                  <a:srgbClr val="000000"/>
+                                </a:solidFill>
+                                <a:latin typeface="Cambria Math" panose="02040503050406030204" pitchFamily="18" charset="0"/>
+                              </a:rPr>
+                              <m:t>𝑛</m:t>
+                            </m:r>
+                            <m:r>
+                              <a:rPr lang="en-US" sz="2400" b="0" i="1" smtClean="0">
+                                <a:solidFill>
+                                  <a:srgbClr val="000000"/>
+                                </a:solidFill>
+                                <a:latin typeface="Cambria Math" panose="02040503050406030204" pitchFamily="18" charset="0"/>
+                              </a:rPr>
+                              <m:t>−</m:t>
+                            </m:r>
+                            <m:r>
+                              <a:rPr lang="en-US" sz="2400" b="0" i="1" smtClean="0">
+                                <a:solidFill>
+                                  <a:srgbClr val="000000"/>
+                                </a:solidFill>
+                                <a:latin typeface="Cambria Math" panose="02040503050406030204" pitchFamily="18" charset="0"/>
+                              </a:rPr>
+                              <m:t>𝑃</m:t>
+                            </m:r>
+                          </m:e>
+                        </m:d>
+                      </m:oMath>
+                    </m:oMathPara>
+                  </a14:m>
+                  <a:endParaRPr lang="en-US" sz="2000" dirty="0"/>
+                </a:p>
+              </p:txBody>
+            </p:sp>
+          </mc:Choice>
+          <mc:Fallback>
+            <p:sp>
+              <p:nvSpPr>
+                <p:cNvPr id="141" name="TextBox 140">
+                  <a:extLst>
+                    <a:ext uri="{FF2B5EF4-FFF2-40B4-BE49-F238E27FC236}">
+                      <a16:creationId xmlns:a16="http://schemas.microsoft.com/office/drawing/2014/main" id="{0888E1F3-1D66-4165-B3E1-ADFB450F4425}"/>
+                    </a:ext>
+                  </a:extLst>
+                </p:cNvPr>
+                <p:cNvSpPr txBox="1">
+                  <a:spLocks noRot="1" noChangeAspect="1" noMove="1" noResize="1" noEditPoints="1" noAdjustHandles="1" noChangeArrowheads="1" noChangeShapeType="1" noTextEdit="1"/>
+                </p:cNvSpPr>
+                <p:nvPr/>
+              </p:nvSpPr>
+              <p:spPr>
+                <a:xfrm>
+                  <a:off x="15621000" y="9067800"/>
+                  <a:ext cx="4355717" cy="461665"/>
+                </a:xfrm>
+                <a:prstGeom prst="rect">
+                  <a:avLst/>
+                </a:prstGeom>
+                <a:blipFill>
+                  <a:blip r:embed="rId25"/>
+                  <a:stretch>
+                    <a:fillRect b="-10667"/>
+                  </a:stretch>
+                </a:blipFill>
+              </p:spPr>
+              <p:txBody>
+                <a:bodyPr/>
+                <a:lstStyle/>
+                <a:p>
+                  <a:r>
+                    <a:rPr lang="en-US">
+                      <a:noFill/>
+                    </a:rPr>
+                    <a:t> </a:t>
+                  </a:r>
+                </a:p>
+              </p:txBody>
+            </p:sp>
+          </mc:Fallback>
+        </mc:AlternateContent>
+        <p:sp>
+          <p:nvSpPr>
+            <p:cNvPr id="143" name="Rectangle 142">
+              <a:extLst>
+                <a:ext uri="{FF2B5EF4-FFF2-40B4-BE49-F238E27FC236}">
+                  <a16:creationId xmlns:a16="http://schemas.microsoft.com/office/drawing/2014/main" id="{2D52B42C-D989-4CBF-B683-FB0494925646}"/>
+                </a:ext>
+              </a:extLst>
+            </p:cNvPr>
+            <p:cNvSpPr/>
+            <p:nvPr/>
+          </p:nvSpPr>
+          <p:spPr>
+            <a:xfrm>
+              <a:off x="13521309" y="8921794"/>
+              <a:ext cx="2382687" cy="806301"/>
+            </a:xfrm>
+            <a:prstGeom prst="rect">
+              <a:avLst/>
+            </a:prstGeom>
+            <a:noFill/>
+            <a:ln>
+              <a:noFill/>
+            </a:ln>
+          </p:spPr>
+          <p:style>
+            <a:lnRef idx="2">
+              <a:schemeClr val="accent1">
+                <a:shade val="50000"/>
+              </a:schemeClr>
+            </a:lnRef>
+            <a:fillRef idx="1">
+              <a:schemeClr val="accent1"/>
+            </a:fillRef>
+            <a:effectRef idx="0">
+              <a:schemeClr val="accent1"/>
+            </a:effectRef>
+            <a:fontRef idx="minor">
+              <a:schemeClr val="lt1"/>
+            </a:fontRef>
+          </p:style>
+          <p:txBody>
+            <a:bodyPr rtlCol="0" anchor="ctr"/>
+            <a:lstStyle/>
+            <a:p>
+              <a:pPr/>
+              <a:r>
+                <a:rPr lang="en-US" sz="2800" dirty="0">
+                  <a:solidFill>
+                    <a:schemeClr val="tx1"/>
+                  </a:solidFill>
+                </a:rPr>
+                <a:t>An Echo Filter:</a:t>
+              </a:r>
+            </a:p>
+          </p:txBody>
+        </p:sp>
+      </p:grpSp>
+      <p:sp>
+        <p:nvSpPr>
+          <p:cNvPr id="144" name="Rectangle 143">
+            <a:extLst>
+              <a:ext uri="{FF2B5EF4-FFF2-40B4-BE49-F238E27FC236}">
+                <a16:creationId xmlns:a16="http://schemas.microsoft.com/office/drawing/2014/main" id="{8D35F2BD-E4CB-4EA5-A912-7E27F6C29B04}"/>
+              </a:ext>
+            </a:extLst>
+          </p:cNvPr>
+          <p:cNvSpPr/>
+          <p:nvPr/>
+        </p:nvSpPr>
+        <p:spPr>
+          <a:xfrm>
+            <a:off x="29305212" y="6172200"/>
+            <a:ext cx="3536988" cy="806565"/>
+          </a:xfrm>
+          <a:prstGeom prst="rect">
+            <a:avLst/>
+          </a:prstGeom>
+        </p:spPr>
+        <p:style>
+          <a:lnRef idx="3">
+            <a:schemeClr val="lt1"/>
+          </a:lnRef>
+          <a:fillRef idx="1">
+            <a:schemeClr val="accent2"/>
+          </a:fillRef>
+          <a:effectRef idx="1">
+            <a:schemeClr val="accent2"/>
+          </a:effectRef>
+          <a:fontRef idx="minor">
+            <a:schemeClr val="lt1"/>
+          </a:fontRef>
+        </p:style>
+        <p:txBody>
+          <a:bodyPr rtlCol="0" anchor="ctr"/>
+          <a:lstStyle/>
+          <a:p>
+            <a:pPr algn="ctr"/>
+            <a:r>
+              <a:rPr lang="en-US" sz="3200" dirty="0"/>
+              <a:t>Application</a:t>
+            </a:r>
+          </a:p>
+        </p:txBody>
+      </p:sp>
+      <p:cxnSp>
+        <p:nvCxnSpPr>
+          <p:cNvPr id="145" name="Straight Connector 144">
+            <a:extLst>
+              <a:ext uri="{FF2B5EF4-FFF2-40B4-BE49-F238E27FC236}">
+                <a16:creationId xmlns:a16="http://schemas.microsoft.com/office/drawing/2014/main" id="{4B5B442B-8F03-4AF7-82B4-7B73E9904C79}"/>
+              </a:ext>
+            </a:extLst>
+          </p:cNvPr>
+          <p:cNvCxnSpPr/>
+          <p:nvPr/>
+        </p:nvCxnSpPr>
+        <p:spPr>
+          <a:xfrm>
+            <a:off x="20497800" y="6161585"/>
+            <a:ext cx="0" cy="5085990"/>
+          </a:xfrm>
+          <a:prstGeom prst="line">
+            <a:avLst/>
+          </a:prstGeom>
+        </p:spPr>
+        <p:style>
+          <a:lnRef idx="1">
+            <a:schemeClr val="dk1"/>
+          </a:lnRef>
+          <a:fillRef idx="0">
+            <a:schemeClr val="dk1"/>
+          </a:fillRef>
+          <a:effectRef idx="0">
+            <a:schemeClr val="dk1"/>
+          </a:effectRef>
+          <a:fontRef idx="minor">
+            <a:schemeClr val="tx1"/>
+          </a:fontRef>
+        </p:style>
+      </p:cxnSp>
+      <p:sp>
+        <p:nvSpPr>
+          <p:cNvPr id="147" name="Rectangle 146">
+            <a:extLst>
+              <a:ext uri="{FF2B5EF4-FFF2-40B4-BE49-F238E27FC236}">
+                <a16:creationId xmlns:a16="http://schemas.microsoft.com/office/drawing/2014/main" id="{5D60840B-7B6E-483C-989E-1E0BFDA084D5}"/>
+              </a:ext>
+            </a:extLst>
+          </p:cNvPr>
+          <p:cNvSpPr/>
+          <p:nvPr/>
+        </p:nvSpPr>
+        <p:spPr>
+          <a:xfrm>
+            <a:off x="29954166" y="15087600"/>
+            <a:ext cx="3421434" cy="1361218"/>
+          </a:xfrm>
+          <a:prstGeom prst="rect">
+            <a:avLst/>
+          </a:prstGeom>
+          <a:noFill/>
+          <a:ln>
+            <a:noFill/>
+          </a:ln>
+        </p:spPr>
+        <p:style>
+          <a:lnRef idx="2">
+            <a:schemeClr val="accent1">
+              <a:shade val="50000"/>
+            </a:schemeClr>
+          </a:lnRef>
+          <a:fillRef idx="1">
+            <a:schemeClr val="accent1"/>
+          </a:fillRef>
+          <a:effectRef idx="0">
+            <a:schemeClr val="accent1"/>
+          </a:effectRef>
+          <a:fontRef idx="minor">
+            <a:schemeClr val="lt1"/>
+          </a:fontRef>
+        </p:style>
+        <p:txBody>
+          <a:bodyPr rtlCol="0" anchor="ctr"/>
+          <a:lstStyle/>
+          <a:p>
+            <a:pPr/>
+            <a:r>
+              <a:rPr lang="en-US" sz="2800" dirty="0">
+                <a:solidFill>
+                  <a:schemeClr val="tx1"/>
+                </a:solidFill>
+              </a:rPr>
+              <a:t>Distorting and Restoring an Image:</a:t>
+            </a:r>
+          </a:p>
+        </p:txBody>
+      </p:sp>
+      <mc:AlternateContent xmlns:mc="http://schemas.openxmlformats.org/markup-compatibility/2006">
+        <mc:Choice xmlns:a14="http://schemas.microsoft.com/office/drawing/2010/main" Requires="a14">
+          <p:sp>
+            <p:nvSpPr>
+              <p:cNvPr id="148" name="Rectangle 147">
+                <a:extLst>
+                  <a:ext uri="{FF2B5EF4-FFF2-40B4-BE49-F238E27FC236}">
+                    <a16:creationId xmlns:a16="http://schemas.microsoft.com/office/drawing/2014/main" id="{DC0AE893-DE28-43F6-954C-180E0F3B11D2}"/>
+                  </a:ext>
+                </a:extLst>
+              </p:cNvPr>
+              <p:cNvSpPr/>
+              <p:nvPr/>
+            </p:nvSpPr>
+            <p:spPr>
+              <a:xfrm>
+                <a:off x="20955000" y="8661334"/>
+                <a:ext cx="7978073" cy="2921066"/>
+              </a:xfrm>
+              <a:prstGeom prst="rect">
+                <a:avLst/>
+              </a:prstGeom>
+              <a:noFill/>
+              <a:ln>
+                <a:noFill/>
+              </a:ln>
+            </p:spPr>
+            <p:style>
+              <a:lnRef idx="2">
+                <a:schemeClr val="accent1">
+                  <a:shade val="50000"/>
+                </a:schemeClr>
+              </a:lnRef>
+              <a:fillRef idx="1">
+                <a:schemeClr val="accent1"/>
+              </a:fillRef>
+              <a:effectRef idx="0">
+                <a:schemeClr val="accent1"/>
+              </a:effectRef>
+              <a:fontRef idx="minor">
+                <a:schemeClr val="lt1"/>
+              </a:fontRef>
+            </p:style>
+            <p:txBody>
+              <a:bodyPr rtlCol="0" anchor="ctr"/>
+              <a:lstStyle/>
+              <a:p>
+                <a:pPr/>
+                <a:endParaRPr lang="en-US" sz="2800" dirty="0">
+                  <a:solidFill>
+                    <a:schemeClr val="tx1"/>
+                  </a:solidFill>
+                  <a:latin typeface="Cambria Math" panose="02040503050406030204" pitchFamily="18" charset="0"/>
+                </a:endParaRPr>
+              </a:p>
+              <a:p>
+                <a:pPr/>
+                <a:endParaRPr lang="en-US" sz="2800" dirty="0">
+                  <a:solidFill>
+                    <a:schemeClr val="tx1"/>
+                  </a:solidFill>
+                  <a:latin typeface="Cambria Math" panose="02040503050406030204" pitchFamily="18" charset="0"/>
+                </a:endParaRPr>
+              </a:p>
+              <a:p>
+                <a:pPr/>
+                <a:endParaRPr lang="en-US" sz="2800" dirty="0">
+                  <a:solidFill>
+                    <a:schemeClr val="tx1"/>
+                  </a:solidFill>
+                  <a:latin typeface="Cambria Math" panose="02040503050406030204" pitchFamily="18" charset="0"/>
+                </a:endParaRPr>
+              </a:p>
+              <a:p>
+                <a:pPr/>
+                <a:r>
+                  <a:rPr lang="en-US" sz="2800" dirty="0">
+                    <a:solidFill>
+                      <a:schemeClr val="tx1"/>
+                    </a:solidFill>
+                    <a:latin typeface="Cambria Math" panose="02040503050406030204" pitchFamily="18" charset="0"/>
+                  </a:rPr>
+                  <a:t>Given,</a:t>
+                </a:r>
+                <a:br>
+                  <a:rPr lang="en-US" sz="2800" dirty="0">
+                    <a:solidFill>
+                      <a:schemeClr val="tx1"/>
+                    </a:solidFill>
+                    <a:latin typeface="Cambria Math" panose="02040503050406030204" pitchFamily="18" charset="0"/>
+                  </a:rPr>
+                </a:br>
+                <a14:m>
+                  <m:oMath xmlns:m="http://schemas.openxmlformats.org/officeDocument/2006/math">
+                    <m:sSub>
+                      <m:sSubPr>
+                        <m:ctrlPr>
+                          <a:rPr lang="en-US" sz="2800" b="0" i="1" smtClean="0">
+                            <a:solidFill>
+                              <a:schemeClr val="tx1"/>
+                            </a:solidFill>
+                            <a:latin typeface="Cambria Math" panose="02040503050406030204" pitchFamily="18" charset="0"/>
+                          </a:rPr>
+                        </m:ctrlPr>
+                      </m:sSubPr>
+                      <m:e>
+                        <m:r>
+                          <a:rPr lang="en-US" sz="2800" b="0" i="1" smtClean="0">
+                            <a:solidFill>
+                              <a:schemeClr val="tx1"/>
+                            </a:solidFill>
+                            <a:latin typeface="Cambria Math" panose="02040503050406030204" pitchFamily="18" charset="0"/>
+                          </a:rPr>
+                          <m:t>𝑓</m:t>
+                        </m:r>
+                      </m:e>
+                      <m:sub>
+                        <m:r>
+                          <a:rPr lang="en-US" sz="2800" b="0" i="1" smtClean="0">
+                            <a:solidFill>
+                              <a:schemeClr val="tx1"/>
+                            </a:solidFill>
+                            <a:latin typeface="Cambria Math" panose="02040503050406030204" pitchFamily="18" charset="0"/>
+                          </a:rPr>
+                          <m:t>𝑠</m:t>
+                        </m:r>
+                      </m:sub>
+                    </m:sSub>
+                  </m:oMath>
+                </a14:m>
+                <a:r>
+                  <a:rPr lang="en-US" sz="2800" dirty="0">
+                    <a:solidFill>
+                      <a:schemeClr val="tx1"/>
+                    </a:solidFill>
+                    <a:latin typeface="Cambria Math" panose="02040503050406030204" pitchFamily="18" charset="0"/>
+                  </a:rPr>
+                  <a:t>=8000 Hz</a:t>
+                </a:r>
+              </a:p>
+              <a:p>
+                <a:pPr/>
+                <a:r>
+                  <a:rPr lang="en-US" sz="2800" i="1" dirty="0">
+                    <a:solidFill>
+                      <a:schemeClr val="tx1"/>
+                    </a:solidFill>
+                    <a:latin typeface="Cambria Math" panose="02040503050406030204" pitchFamily="18" charset="0"/>
+                  </a:rPr>
+                  <a:t>delay </a:t>
+                </a:r>
+                <a:r>
+                  <a:rPr lang="en-US" sz="2800" dirty="0">
+                    <a:solidFill>
+                      <a:schemeClr val="tx1"/>
+                    </a:solidFill>
+                    <a:latin typeface="Cambria Math" panose="02040503050406030204" pitchFamily="18" charset="0"/>
+                  </a:rPr>
+                  <a:t>=0.2 s</a:t>
+                </a:r>
+              </a:p>
+              <a:p>
+                <a:pPr/>
+                <a:r>
+                  <a:rPr lang="en-US" sz="2800" i="1" dirty="0">
+                    <a:solidFill>
+                      <a:schemeClr val="tx1"/>
+                    </a:solidFill>
+                    <a:latin typeface="Cambria Math" panose="02040503050406030204" pitchFamily="18" charset="0"/>
+                  </a:rPr>
+                  <a:t>r </a:t>
+                </a:r>
+                <a:r>
+                  <a:rPr lang="en-US" sz="2800" dirty="0">
+                    <a:solidFill>
+                      <a:schemeClr val="tx1"/>
+                    </a:solidFill>
+                    <a:latin typeface="Cambria Math" panose="02040503050406030204" pitchFamily="18" charset="0"/>
+                  </a:rPr>
+                  <a:t>=0.9 (90% of the original)</a:t>
+                </a:r>
+                <a:br>
+                  <a:rPr lang="en-US" sz="2800" dirty="0">
+                    <a:solidFill>
+                      <a:schemeClr val="tx1"/>
+                    </a:solidFill>
+                    <a:latin typeface="Cambria Math" panose="02040503050406030204" pitchFamily="18" charset="0"/>
+                  </a:rPr>
+                </a:br>
+                <a:endParaRPr lang="en-US" sz="2800" b="0" dirty="0">
+                  <a:solidFill>
+                    <a:schemeClr val="tx1"/>
+                  </a:solidFill>
+                  <a:latin typeface="Cambria Math" panose="02040503050406030204" pitchFamily="18" charset="0"/>
+                </a:endParaRPr>
+              </a:p>
+              <a:p>
+                <a:pPr/>
+                <a:endParaRPr lang="en-US" sz="2800" dirty="0">
+                  <a:solidFill>
+                    <a:schemeClr val="tx1"/>
+                  </a:solidFill>
+                </a:endParaRPr>
+              </a:p>
+            </p:txBody>
+          </p:sp>
+        </mc:Choice>
+        <mc:Fallback>
+          <p:sp>
+            <p:nvSpPr>
+              <p:cNvPr id="148" name="Rectangle 147">
+                <a:extLst>
+                  <a:ext uri="{FF2B5EF4-FFF2-40B4-BE49-F238E27FC236}">
+                    <a16:creationId xmlns:a16="http://schemas.microsoft.com/office/drawing/2014/main" id="{DC0AE893-DE28-43F6-954C-180E0F3B11D2}"/>
+                  </a:ext>
+                </a:extLst>
+              </p:cNvPr>
+              <p:cNvSpPr>
+                <a:spLocks noRot="1" noChangeAspect="1" noMove="1" noResize="1" noEditPoints="1" noAdjustHandles="1" noChangeArrowheads="1" noChangeShapeType="1" noTextEdit="1"/>
+              </p:cNvSpPr>
+              <p:nvPr/>
+            </p:nvSpPr>
+            <p:spPr>
+              <a:xfrm>
+                <a:off x="20955000" y="8661334"/>
+                <a:ext cx="7978073" cy="2921066"/>
+              </a:xfrm>
+              <a:prstGeom prst="rect">
+                <a:avLst/>
+              </a:prstGeom>
+              <a:blipFill>
+                <a:blip r:embed="rId26"/>
+                <a:stretch>
+                  <a:fillRect l="-1606"/>
+                </a:stretch>
+              </a:blipFill>
+              <a:ln>
+                <a:noFill/>
+              </a:ln>
+            </p:spPr>
+            <p:txBody>
+              <a:bodyPr/>
+              <a:lstStyle/>
+              <a:p>
+                <a:r>
+                  <a:rPr lang="en-US">
+                    <a:noFill/>
+                  </a:rPr>
+                  <a:t> </a:t>
+                </a:r>
+              </a:p>
+            </p:txBody>
+          </p:sp>
+        </mc:Fallback>
+      </mc:AlternateContent>
+      <mc:AlternateContent xmlns:mc="http://schemas.openxmlformats.org/markup-compatibility/2006">
+        <mc:Choice xmlns:a14="http://schemas.microsoft.com/office/drawing/2010/main" Requires="a14">
+          <p:sp>
+            <p:nvSpPr>
+              <p:cNvPr id="1034" name="TextBox 1033">
+                <a:extLst>
+                  <a:ext uri="{FF2B5EF4-FFF2-40B4-BE49-F238E27FC236}">
+                    <a16:creationId xmlns:a16="http://schemas.microsoft.com/office/drawing/2014/main" id="{DE67EC08-9283-4256-AB8F-0779B813E5BB}"/>
+                  </a:ext>
+                </a:extLst>
+              </p:cNvPr>
+              <p:cNvSpPr txBox="1"/>
+              <p:nvPr/>
+            </p:nvSpPr>
+            <p:spPr>
+              <a:xfrm>
+                <a:off x="25628813" y="9923729"/>
+                <a:ext cx="7002110" cy="1847685"/>
+              </a:xfrm>
+              <a:prstGeom prst="rect">
+                <a:avLst/>
+              </a:prstGeom>
+              <a:noFill/>
+            </p:spPr>
+            <p:txBody>
+              <a:bodyPr wrap="square" rtlCol="0">
+                <a:spAutoFit/>
+              </a:bodyPr>
+              <a:lstStyle/>
+              <a:p>
+                <a14:m>
+                  <m:oMathPara xmlns:m="http://schemas.openxmlformats.org/officeDocument/2006/math">
+                    <m:oMathParaPr>
+                      <m:jc m:val="centerGroup"/>
+                    </m:oMathParaPr>
+                    <m:oMath xmlns:m="http://schemas.openxmlformats.org/officeDocument/2006/math">
+                      <m:r>
+                        <a:rPr lang="en-US" sz="2800" b="0" i="1" smtClean="0">
+                          <a:solidFill>
+                            <a:schemeClr val="tx1"/>
+                          </a:solidFill>
+                          <a:latin typeface="Cambria Math" panose="02040503050406030204" pitchFamily="18" charset="0"/>
+                        </a:rPr>
+                        <m:t>𝑇𝑠</m:t>
+                      </m:r>
+                      <m:r>
+                        <a:rPr lang="en-US" sz="2800" b="0" i="1" smtClean="0">
+                          <a:solidFill>
+                            <a:schemeClr val="tx1"/>
+                          </a:solidFill>
+                          <a:latin typeface="Cambria Math" panose="02040503050406030204" pitchFamily="18" charset="0"/>
+                        </a:rPr>
+                        <m:t>=</m:t>
+                      </m:r>
+                      <m:f>
+                        <m:fPr>
+                          <m:ctrlPr>
+                            <a:rPr lang="en-US" sz="2800" b="0" i="1" smtClean="0">
+                              <a:solidFill>
+                                <a:schemeClr val="tx1"/>
+                              </a:solidFill>
+                              <a:latin typeface="Cambria Math" panose="02040503050406030204" pitchFamily="18" charset="0"/>
+                            </a:rPr>
+                          </m:ctrlPr>
+                        </m:fPr>
+                        <m:num>
+                          <m:r>
+                            <a:rPr lang="en-US" sz="2800" b="0" i="1" smtClean="0">
+                              <a:solidFill>
+                                <a:schemeClr val="tx1"/>
+                              </a:solidFill>
+                              <a:latin typeface="Cambria Math" panose="02040503050406030204" pitchFamily="18" charset="0"/>
+                            </a:rPr>
+                            <m:t>1</m:t>
+                          </m:r>
+                        </m:num>
+                        <m:den>
+                          <m:sSub>
+                            <m:sSubPr>
+                              <m:ctrlPr>
+                                <a:rPr lang="en-US" sz="2800" b="0" i="1" smtClean="0">
+                                  <a:solidFill>
+                                    <a:schemeClr val="tx1"/>
+                                  </a:solidFill>
+                                  <a:latin typeface="Cambria Math" panose="02040503050406030204" pitchFamily="18" charset="0"/>
+                                </a:rPr>
+                              </m:ctrlPr>
+                            </m:sSubPr>
+                            <m:e>
+                              <m:r>
+                                <a:rPr lang="en-US" sz="2800" b="0" i="1" smtClean="0">
+                                  <a:solidFill>
+                                    <a:schemeClr val="tx1"/>
+                                  </a:solidFill>
+                                  <a:latin typeface="Cambria Math" panose="02040503050406030204" pitchFamily="18" charset="0"/>
+                                </a:rPr>
+                                <m:t>𝑓</m:t>
+                              </m:r>
+                            </m:e>
+                            <m:sub>
+                              <m:r>
+                                <a:rPr lang="en-US" sz="2800" b="0" i="1" smtClean="0">
+                                  <a:solidFill>
+                                    <a:schemeClr val="tx1"/>
+                                  </a:solidFill>
+                                  <a:latin typeface="Cambria Math" panose="02040503050406030204" pitchFamily="18" charset="0"/>
+                                </a:rPr>
+                                <m:t>𝑠</m:t>
+                              </m:r>
+                            </m:sub>
+                          </m:sSub>
+                        </m:den>
+                      </m:f>
+                      <m:r>
+                        <a:rPr lang="en-US" sz="2800" b="0" i="1" smtClean="0">
+                          <a:solidFill>
+                            <a:schemeClr val="tx1"/>
+                          </a:solidFill>
+                          <a:latin typeface="Cambria Math" panose="02040503050406030204" pitchFamily="18" charset="0"/>
+                        </a:rPr>
+                        <m:t>⇒</m:t>
+                      </m:r>
+                      <m:r>
+                        <a:rPr lang="en-US" sz="2800" b="0" i="1" smtClean="0">
+                          <a:solidFill>
+                            <a:schemeClr val="tx1"/>
+                          </a:solidFill>
+                          <a:latin typeface="Cambria Math" panose="02040503050406030204" pitchFamily="18" charset="0"/>
+                        </a:rPr>
+                        <m:t>𝑃</m:t>
+                      </m:r>
+                      <m:r>
+                        <a:rPr lang="en-US" sz="2800" b="0" i="1" smtClean="0">
+                          <a:solidFill>
+                            <a:schemeClr val="tx1"/>
+                          </a:solidFill>
+                          <a:latin typeface="Cambria Math" panose="02040503050406030204" pitchFamily="18" charset="0"/>
+                        </a:rPr>
+                        <m:t>=</m:t>
+                      </m:r>
+                      <m:f>
+                        <m:fPr>
+                          <m:ctrlPr>
+                            <a:rPr lang="en-US" sz="2800" b="0" i="1" smtClean="0">
+                              <a:solidFill>
+                                <a:schemeClr val="tx1"/>
+                              </a:solidFill>
+                              <a:latin typeface="Cambria Math" panose="02040503050406030204" pitchFamily="18" charset="0"/>
+                            </a:rPr>
+                          </m:ctrlPr>
+                        </m:fPr>
+                        <m:num>
+                          <m:r>
+                            <a:rPr lang="en-US" sz="2800" b="0" i="1" smtClean="0">
+                              <a:solidFill>
+                                <a:schemeClr val="tx1"/>
+                              </a:solidFill>
+                              <a:latin typeface="Cambria Math" panose="02040503050406030204" pitchFamily="18" charset="0"/>
+                            </a:rPr>
+                            <m:t>𝑑𝑒𝑙𝑎𝑦</m:t>
+                          </m:r>
+                        </m:num>
+                        <m:den>
+                          <m:sSub>
+                            <m:sSubPr>
+                              <m:ctrlPr>
+                                <a:rPr lang="en-US" sz="2800" b="0" i="1" smtClean="0">
+                                  <a:solidFill>
+                                    <a:schemeClr val="tx1"/>
+                                  </a:solidFill>
+                                  <a:latin typeface="Cambria Math" panose="02040503050406030204" pitchFamily="18" charset="0"/>
+                                </a:rPr>
+                              </m:ctrlPr>
+                            </m:sSubPr>
+                            <m:e>
+                              <m:r>
+                                <a:rPr lang="en-US" sz="2800" b="0" i="1" smtClean="0">
+                                  <a:solidFill>
+                                    <a:schemeClr val="tx1"/>
+                                  </a:solidFill>
+                                  <a:latin typeface="Cambria Math" panose="02040503050406030204" pitchFamily="18" charset="0"/>
+                                </a:rPr>
+                                <m:t>𝑇</m:t>
+                              </m:r>
+                            </m:e>
+                            <m:sub>
+                              <m:r>
+                                <a:rPr lang="en-US" sz="2800" b="0" i="1" smtClean="0">
+                                  <a:solidFill>
+                                    <a:schemeClr val="tx1"/>
+                                  </a:solidFill>
+                                  <a:latin typeface="Cambria Math" panose="02040503050406030204" pitchFamily="18" charset="0"/>
+                                </a:rPr>
+                                <m:t>𝑠</m:t>
+                              </m:r>
+                            </m:sub>
+                          </m:sSub>
+                        </m:den>
+                      </m:f>
+                      <m:r>
+                        <a:rPr lang="en-US" sz="2800" b="0" i="1" smtClean="0">
+                          <a:solidFill>
+                            <a:schemeClr val="tx1"/>
+                          </a:solidFill>
+                          <a:latin typeface="Cambria Math" panose="02040503050406030204" pitchFamily="18" charset="0"/>
+                        </a:rPr>
+                        <m:t>=1600</m:t>
+                      </m:r>
+                    </m:oMath>
+                  </m:oMathPara>
+                </a14:m>
+                <a:endParaRPr lang="en-US" sz="2800" b="0" i="1" dirty="0">
+                  <a:solidFill>
+                    <a:schemeClr val="tx1"/>
+                  </a:solidFill>
+                  <a:latin typeface="Cambria Math" panose="02040503050406030204" pitchFamily="18" charset="0"/>
+                </a:endParaRPr>
+              </a:p>
+              <a:p>
+                <a:endParaRPr lang="en-US" sz="2800" b="0" dirty="0">
+                  <a:solidFill>
+                    <a:schemeClr val="tx1"/>
+                  </a:solidFill>
+                </a:endParaRPr>
+              </a:p>
+              <a:p>
+                <a:endParaRPr lang="en-US" sz="2800" dirty="0"/>
+              </a:p>
+            </p:txBody>
+          </p:sp>
+        </mc:Choice>
+        <mc:Fallback>
+          <p:sp>
+            <p:nvSpPr>
+              <p:cNvPr id="1034" name="TextBox 1033">
+                <a:extLst>
+                  <a:ext uri="{FF2B5EF4-FFF2-40B4-BE49-F238E27FC236}">
+                    <a16:creationId xmlns:a16="http://schemas.microsoft.com/office/drawing/2014/main" id="{DE67EC08-9283-4256-AB8F-0779B813E5BB}"/>
+                  </a:ext>
+                </a:extLst>
+              </p:cNvPr>
+              <p:cNvSpPr txBox="1">
+                <a:spLocks noRot="1" noChangeAspect="1" noMove="1" noResize="1" noEditPoints="1" noAdjustHandles="1" noChangeArrowheads="1" noChangeShapeType="1" noTextEdit="1"/>
+              </p:cNvSpPr>
+              <p:nvPr/>
+            </p:nvSpPr>
+            <p:spPr>
+              <a:xfrm>
+                <a:off x="25628813" y="9923729"/>
+                <a:ext cx="7002110" cy="1847685"/>
+              </a:xfrm>
+              <a:prstGeom prst="rect">
+                <a:avLst/>
+              </a:prstGeom>
+              <a:blipFill>
+                <a:blip r:embed="rId27"/>
+                <a:stretch>
+                  <a:fillRect/>
+                </a:stretch>
+              </a:blipFill>
+            </p:spPr>
+            <p:txBody>
+              <a:bodyPr/>
+              <a:lstStyle/>
+              <a:p>
+                <a:r>
+                  <a:rPr lang="en-US">
+                    <a:noFill/>
+                  </a:rPr>
+                  <a:t> </a:t>
+                </a:r>
+              </a:p>
+            </p:txBody>
+          </p:sp>
+        </mc:Fallback>
+      </mc:AlternateContent>
+      <p:grpSp>
+        <p:nvGrpSpPr>
+          <p:cNvPr id="1039" name="Group 1038">
+            <a:extLst>
+              <a:ext uri="{FF2B5EF4-FFF2-40B4-BE49-F238E27FC236}">
+                <a16:creationId xmlns:a16="http://schemas.microsoft.com/office/drawing/2014/main" id="{CD35897E-27B3-48E0-AEEA-10591342B5F4}"/>
+              </a:ext>
+            </a:extLst>
+          </p:cNvPr>
+          <p:cNvGrpSpPr/>
+          <p:nvPr/>
+        </p:nvGrpSpPr>
+        <p:grpSpPr>
+          <a:xfrm>
+            <a:off x="14706600" y="8001000"/>
+            <a:ext cx="5227696" cy="1358707"/>
+            <a:chOff x="14706600" y="8001000"/>
+            <a:chExt cx="5227696" cy="1358707"/>
+          </a:xfrm>
+        </p:grpSpPr>
+        <p:grpSp>
+          <p:nvGrpSpPr>
+            <p:cNvPr id="1038" name="Group 1037">
+              <a:extLst>
+                <a:ext uri="{FF2B5EF4-FFF2-40B4-BE49-F238E27FC236}">
+                  <a16:creationId xmlns:a16="http://schemas.microsoft.com/office/drawing/2014/main" id="{7A498427-225A-4EB1-AF89-5F7C7E512348}"/>
+                </a:ext>
+              </a:extLst>
+            </p:cNvPr>
+            <p:cNvGrpSpPr/>
+            <p:nvPr/>
+          </p:nvGrpSpPr>
+          <p:grpSpPr>
+            <a:xfrm>
+              <a:off x="14706600" y="8001000"/>
+              <a:ext cx="5227696" cy="1358707"/>
+              <a:chOff x="15078016" y="7447582"/>
+              <a:chExt cx="5227696" cy="1358707"/>
+            </a:xfrm>
+          </p:grpSpPr>
+          <p:grpSp>
+            <p:nvGrpSpPr>
+              <p:cNvPr id="1026" name="Group 1025">
+                <a:extLst>
+                  <a:ext uri="{FF2B5EF4-FFF2-40B4-BE49-F238E27FC236}">
+                    <a16:creationId xmlns:a16="http://schemas.microsoft.com/office/drawing/2014/main" id="{80F6294B-B737-4CB4-8714-19DCABE1C8BB}"/>
+                  </a:ext>
+                </a:extLst>
+              </p:cNvPr>
+              <p:cNvGrpSpPr/>
+              <p:nvPr/>
+            </p:nvGrpSpPr>
+            <p:grpSpPr>
+              <a:xfrm>
+                <a:off x="15078016" y="7890358"/>
+                <a:ext cx="4363504" cy="915931"/>
+                <a:chOff x="15078016" y="7890358"/>
+                <a:chExt cx="4363504" cy="915931"/>
+              </a:xfrm>
+            </p:grpSpPr>
+            <p:grpSp>
+              <p:nvGrpSpPr>
+                <p:cNvPr id="1025" name="Group 1024">
+                  <a:extLst>
+                    <a:ext uri="{FF2B5EF4-FFF2-40B4-BE49-F238E27FC236}">
+                      <a16:creationId xmlns:a16="http://schemas.microsoft.com/office/drawing/2014/main" id="{C9595D18-0202-4E65-97FA-F428C666522A}"/>
+                    </a:ext>
+                  </a:extLst>
+                </p:cNvPr>
+                <p:cNvGrpSpPr/>
+                <p:nvPr/>
+              </p:nvGrpSpPr>
+              <p:grpSpPr>
+                <a:xfrm>
+                  <a:off x="15643845" y="7890358"/>
+                  <a:ext cx="3797675" cy="888018"/>
+                  <a:chOff x="15643845" y="7890358"/>
+                  <a:chExt cx="3797675" cy="888018"/>
+                </a:xfrm>
+              </p:grpSpPr>
+              <p:pic>
+                <p:nvPicPr>
+                  <p:cNvPr id="127" name="Picture 126">
+                    <a:extLst>
+                      <a:ext uri="{FF2B5EF4-FFF2-40B4-BE49-F238E27FC236}">
+                        <a16:creationId xmlns:a16="http://schemas.microsoft.com/office/drawing/2014/main" id="{C981B7F9-D8B0-4645-B04F-1FA4B204299D}"/>
+                      </a:ext>
+                    </a:extLst>
+                  </p:cNvPr>
+                  <p:cNvPicPr>
+                    <a:picLocks noChangeAspect="1"/>
+                  </p:cNvPicPr>
+                  <p:nvPr/>
+                </p:nvPicPr>
+                <p:blipFill rotWithShape="1">
+                  <a:blip r:embed="rId18"/>
+                  <a:srcRect t="27459" r="40083" b="10515"/>
+                  <a:stretch/>
+                </p:blipFill>
+                <p:spPr>
+                  <a:xfrm>
+                    <a:off x="15643845" y="7890358"/>
+                    <a:ext cx="3797675" cy="888018"/>
+                  </a:xfrm>
+                  <a:prstGeom prst="rect">
+                    <a:avLst/>
+                  </a:prstGeom>
+                </p:spPr>
+              </p:pic>
+              <p:sp>
+                <p:nvSpPr>
+                  <p:cNvPr id="126" name="Rectangle 125">
+                    <a:extLst>
+                      <a:ext uri="{FF2B5EF4-FFF2-40B4-BE49-F238E27FC236}">
+                        <a16:creationId xmlns:a16="http://schemas.microsoft.com/office/drawing/2014/main" id="{AAD5148C-E530-4B2F-BA2B-7E47C97BB35B}"/>
+                      </a:ext>
+                    </a:extLst>
+                  </p:cNvPr>
+                  <p:cNvSpPr/>
+                  <p:nvPr/>
+                </p:nvSpPr>
+                <p:spPr>
+                  <a:xfrm>
+                    <a:off x="17493672" y="8266439"/>
+                    <a:ext cx="255541" cy="238657"/>
+                  </a:xfrm>
+                  <a:prstGeom prst="rect">
+                    <a:avLst/>
+                  </a:prstGeom>
+                  <a:solidFill>
+                    <a:schemeClr val="bg1"/>
+                  </a:solidFill>
+                  <a:ln>
+                    <a:solidFill>
+                      <a:schemeClr val="bg1"/>
+                    </a:solidFill>
+                  </a:ln>
+                </p:spPr>
+                <p:style>
+                  <a:lnRef idx="2">
+                    <a:schemeClr val="accent1">
+                      <a:shade val="50000"/>
+                    </a:schemeClr>
+                  </a:lnRef>
+                  <a:fillRef idx="1">
+                    <a:schemeClr val="accent1"/>
+                  </a:fillRef>
+                  <a:effectRef idx="0">
+                    <a:schemeClr val="accent1"/>
+                  </a:effectRef>
+                  <a:fontRef idx="minor">
+                    <a:schemeClr val="lt1"/>
+                  </a:fontRef>
+                </p:style>
+                <p:txBody>
+                  <a:bodyPr rtlCol="0" anchor="ctr"/>
+                  <a:lstStyle/>
+                  <a:p>
+                    <a:pPr algn="ctr"/>
+                    <a:endParaRPr lang="en-US"/>
+                  </a:p>
+                </p:txBody>
+              </p:sp>
+            </p:grpSp>
+            <p:sp>
+              <p:nvSpPr>
+                <p:cNvPr id="130" name="Rectangle 129">
+                  <a:extLst>
+                    <a:ext uri="{FF2B5EF4-FFF2-40B4-BE49-F238E27FC236}">
+                      <a16:creationId xmlns:a16="http://schemas.microsoft.com/office/drawing/2014/main" id="{91FA0755-DC20-4686-A304-ABEED5AF426B}"/>
+                    </a:ext>
+                  </a:extLst>
+                </p:cNvPr>
+                <p:cNvSpPr/>
+                <p:nvPr/>
+              </p:nvSpPr>
+              <p:spPr>
+                <a:xfrm>
+                  <a:off x="15078016" y="8200165"/>
+                  <a:ext cx="2382687" cy="606124"/>
+                </a:xfrm>
+                <a:prstGeom prst="rect">
+                  <a:avLst/>
+                </a:prstGeom>
+                <a:noFill/>
+                <a:ln>
+                  <a:noFill/>
+                </a:ln>
+              </p:spPr>
+              <p:style>
+                <a:lnRef idx="2">
+                  <a:schemeClr val="accent1">
+                    <a:shade val="50000"/>
+                  </a:schemeClr>
+                </a:lnRef>
+                <a:fillRef idx="1">
+                  <a:schemeClr val="accent1"/>
+                </a:fillRef>
+                <a:effectRef idx="0">
+                  <a:schemeClr val="accent1"/>
+                </a:effectRef>
+                <a:fontRef idx="minor">
+                  <a:schemeClr val="lt1"/>
+                </a:fontRef>
+              </p:style>
+              <p:txBody>
+                <a:bodyPr rtlCol="0" anchor="ctr"/>
+                <a:lstStyle/>
+                <a:p>
+                  <a:pPr/>
+                  <a:r>
+                    <a:rPr lang="en-US" sz="2000" dirty="0">
+                      <a:solidFill>
+                        <a:schemeClr val="tx1"/>
+                      </a:solidFill>
+                    </a:rPr>
+                    <a:t>Original Audio</a:t>
+                  </a:r>
+                </a:p>
+              </p:txBody>
+            </p:sp>
+          </p:grpSp>
+          <p:sp>
+            <p:nvSpPr>
+              <p:cNvPr id="114" name="Oval 113">
+                <a:extLst>
+                  <a:ext uri="{FF2B5EF4-FFF2-40B4-BE49-F238E27FC236}">
+                    <a16:creationId xmlns:a16="http://schemas.microsoft.com/office/drawing/2014/main" id="{A27A6778-DAD1-483C-98C1-ED8747AAF35C}"/>
+                  </a:ext>
+                </a:extLst>
+              </p:cNvPr>
+              <p:cNvSpPr/>
+              <p:nvPr/>
+            </p:nvSpPr>
+            <p:spPr>
+              <a:xfrm>
+                <a:off x="16021844" y="7447582"/>
+                <a:ext cx="375795" cy="375795"/>
+              </a:xfrm>
+              <a:prstGeom prst="ellipse">
+                <a:avLst/>
+              </a:prstGeom>
+            </p:spPr>
+            <p:style>
+              <a:lnRef idx="3">
+                <a:schemeClr val="lt1"/>
+              </a:lnRef>
+              <a:fillRef idx="1">
+                <a:schemeClr val="accent2"/>
+              </a:fillRef>
+              <a:effectRef idx="1">
+                <a:schemeClr val="accent2"/>
+              </a:effectRef>
+              <a:fontRef idx="minor">
+                <a:schemeClr val="lt1"/>
+              </a:fontRef>
+            </p:style>
+            <p:txBody>
+              <a:bodyPr rtlCol="0" anchor="ctr"/>
+              <a:lstStyle/>
+              <a:p>
+                <a:pPr algn="ctr"/>
+                <a:r>
+                  <a:rPr lang="en-US" sz="3200" dirty="0"/>
+                  <a:t>1</a:t>
+                </a:r>
+              </a:p>
+            </p:txBody>
+          </p:sp>
+          <p:sp>
+            <p:nvSpPr>
+              <p:cNvPr id="116" name="Oval 115">
+                <a:extLst>
+                  <a:ext uri="{FF2B5EF4-FFF2-40B4-BE49-F238E27FC236}">
+                    <a16:creationId xmlns:a16="http://schemas.microsoft.com/office/drawing/2014/main" id="{96E68330-FADB-47DD-B5B3-7C8FF0EFCBA2}"/>
+                  </a:ext>
+                </a:extLst>
+              </p:cNvPr>
+              <p:cNvSpPr/>
+              <p:nvPr/>
+            </p:nvSpPr>
+            <p:spPr>
+              <a:xfrm>
+                <a:off x="18229185" y="7447582"/>
+                <a:ext cx="375795" cy="375795"/>
+              </a:xfrm>
+              <a:prstGeom prst="ellipse">
+                <a:avLst/>
+              </a:prstGeom>
+            </p:spPr>
+            <p:style>
+              <a:lnRef idx="3">
+                <a:schemeClr val="lt1"/>
+              </a:lnRef>
+              <a:fillRef idx="1">
+                <a:schemeClr val="accent2"/>
+              </a:fillRef>
+              <a:effectRef idx="1">
+                <a:schemeClr val="accent2"/>
+              </a:effectRef>
+              <a:fontRef idx="minor">
+                <a:schemeClr val="lt1"/>
+              </a:fontRef>
+            </p:style>
+            <p:txBody>
+              <a:bodyPr rtlCol="0" anchor="ctr"/>
+              <a:lstStyle/>
+              <a:p>
+                <a:pPr algn="ctr"/>
+                <a:r>
+                  <a:rPr lang="en-US" sz="3200" dirty="0"/>
+                  <a:t>2</a:t>
+                </a:r>
+              </a:p>
+            </p:txBody>
+          </p:sp>
+          <p:sp>
+            <p:nvSpPr>
+              <p:cNvPr id="131" name="Rectangle 130">
+                <a:extLst>
+                  <a:ext uri="{FF2B5EF4-FFF2-40B4-BE49-F238E27FC236}">
+                    <a16:creationId xmlns:a16="http://schemas.microsoft.com/office/drawing/2014/main" id="{77644BBF-54AF-4FC2-BD6F-652ADF522985}"/>
+                  </a:ext>
+                </a:extLst>
+              </p:cNvPr>
+              <p:cNvSpPr/>
+              <p:nvPr/>
+            </p:nvSpPr>
+            <p:spPr>
+              <a:xfrm>
+                <a:off x="17867235" y="8199420"/>
+                <a:ext cx="2438477" cy="606124"/>
+              </a:xfrm>
+              <a:prstGeom prst="rect">
+                <a:avLst/>
+              </a:prstGeom>
+              <a:noFill/>
+              <a:ln>
+                <a:noFill/>
+              </a:ln>
+            </p:spPr>
+            <p:style>
+              <a:lnRef idx="2">
+                <a:schemeClr val="accent1">
+                  <a:shade val="50000"/>
+                </a:schemeClr>
+              </a:lnRef>
+              <a:fillRef idx="1">
+                <a:schemeClr val="accent1"/>
+              </a:fillRef>
+              <a:effectRef idx="0">
+                <a:schemeClr val="accent1"/>
+              </a:effectRef>
+              <a:fontRef idx="minor">
+                <a:schemeClr val="lt1"/>
+              </a:fontRef>
+            </p:style>
+            <p:txBody>
+              <a:bodyPr rtlCol="0" anchor="ctr"/>
+              <a:lstStyle/>
+              <a:p>
+                <a:pPr/>
+                <a:r>
+                  <a:rPr lang="en-US" sz="2000" dirty="0">
+                    <a:solidFill>
+                      <a:schemeClr val="tx1"/>
+                    </a:solidFill>
+                  </a:rPr>
+                  <a:t>Audio with Echo</a:t>
+                </a:r>
+              </a:p>
+            </p:txBody>
+          </p:sp>
+        </p:grpSp>
+        <p:pic>
+          <p:nvPicPr>
+            <p:cNvPr id="119" name="Picture 118">
+              <a:extLst>
+                <a:ext uri="{FF2B5EF4-FFF2-40B4-BE49-F238E27FC236}">
+                  <a16:creationId xmlns:a16="http://schemas.microsoft.com/office/drawing/2014/main" id="{5EC5B995-06E7-49A9-8820-A794C6D2C4A4}"/>
+                </a:ext>
+              </a:extLst>
+            </p:cNvPr>
+            <p:cNvPicPr>
+              <a:picLocks noChangeAspect="1"/>
+            </p:cNvPicPr>
+            <p:nvPr/>
+          </p:nvPicPr>
+          <p:blipFill rotWithShape="1">
+            <a:blip r:embed="rId28"/>
+            <a:srcRect t="26345"/>
+            <a:stretch/>
+          </p:blipFill>
+          <p:spPr>
+            <a:xfrm>
+              <a:off x="17830800" y="8534400"/>
+              <a:ext cx="570678" cy="245194"/>
+            </a:xfrm>
+            <a:prstGeom prst="rect">
+              <a:avLst/>
+            </a:prstGeom>
+          </p:spPr>
+        </p:pic>
+      </p:grpSp>
+      <p:grpSp>
+        <p:nvGrpSpPr>
+          <p:cNvPr id="1049" name="Group 1048">
+            <a:extLst>
+              <a:ext uri="{FF2B5EF4-FFF2-40B4-BE49-F238E27FC236}">
+                <a16:creationId xmlns:a16="http://schemas.microsoft.com/office/drawing/2014/main" id="{B2310244-D74E-4AF8-B757-0FCB4E5574CD}"/>
+              </a:ext>
+            </a:extLst>
+          </p:cNvPr>
+          <p:cNvGrpSpPr/>
+          <p:nvPr/>
+        </p:nvGrpSpPr>
+        <p:grpSpPr>
+          <a:xfrm>
+            <a:off x="33728795" y="9144000"/>
+            <a:ext cx="10305835" cy="851835"/>
+            <a:chOff x="33770752" y="8607122"/>
+            <a:chExt cx="10305835" cy="851835"/>
+          </a:xfrm>
+        </p:grpSpPr>
+        <p:pic>
+          <p:nvPicPr>
+            <p:cNvPr id="1041" name="labmat">
+              <a:hlinkClick r:id="" action="ppaction://media"/>
+              <a:extLst>
+                <a:ext uri="{FF2B5EF4-FFF2-40B4-BE49-F238E27FC236}">
+                  <a16:creationId xmlns:a16="http://schemas.microsoft.com/office/drawing/2014/main" id="{81AF8062-F17C-47C4-9F37-AC8B70506B01}"/>
+                </a:ext>
+              </a:extLst>
+            </p:cNvPr>
+            <p:cNvPicPr>
+              <a:picLocks noChangeAspect="1"/>
+            </p:cNvPicPr>
+            <p:nvPr>
+              <a:audioFile r:link="rId4"/>
+              <p:extLst>
+                <p:ext uri="{DAA4B4D4-6D71-4841-9C94-3DE7FCFB9230}">
+                  <p14:media xmlns:p14="http://schemas.microsoft.com/office/powerpoint/2010/main" r:embed="rId3"/>
+                </p:ext>
+              </p:extLst>
+            </p:nvPr>
+          </p:nvPicPr>
+          <p:blipFill>
+            <a:blip r:embed="rId29"/>
+            <a:stretch>
+              <a:fillRect/>
+            </a:stretch>
+          </p:blipFill>
+          <p:spPr>
+            <a:xfrm>
+              <a:off x="40378674" y="8866768"/>
+              <a:ext cx="487363" cy="487363"/>
+            </a:xfrm>
+            <a:prstGeom prst="rect">
+              <a:avLst/>
+            </a:prstGeom>
+          </p:spPr>
+        </p:pic>
+        <p:grpSp>
+          <p:nvGrpSpPr>
+            <p:cNvPr id="168" name="Group 167">
+              <a:extLst>
+                <a:ext uri="{FF2B5EF4-FFF2-40B4-BE49-F238E27FC236}">
+                  <a16:creationId xmlns:a16="http://schemas.microsoft.com/office/drawing/2014/main" id="{9986CAE9-903C-4401-B2B9-036B3EEF2C7A}"/>
+                </a:ext>
+              </a:extLst>
+            </p:cNvPr>
+            <p:cNvGrpSpPr/>
+            <p:nvPr/>
+          </p:nvGrpSpPr>
+          <p:grpSpPr>
+            <a:xfrm>
+              <a:off x="33770752" y="8607122"/>
+              <a:ext cx="10305835" cy="851835"/>
+              <a:chOff x="13594681" y="9450472"/>
+              <a:chExt cx="6069546" cy="851835"/>
+            </a:xfrm>
+          </p:grpSpPr>
+          <p:sp>
+            <p:nvSpPr>
+              <p:cNvPr id="169" name="TextBox 168">
+                <a:extLst>
+                  <a:ext uri="{FF2B5EF4-FFF2-40B4-BE49-F238E27FC236}">
+                    <a16:creationId xmlns:a16="http://schemas.microsoft.com/office/drawing/2014/main" id="{CDE34BBF-9987-4218-80BF-D57E8C9AC982}"/>
+                  </a:ext>
+                </a:extLst>
+              </p:cNvPr>
+              <p:cNvSpPr txBox="1"/>
+              <p:nvPr/>
+            </p:nvSpPr>
+            <p:spPr>
+              <a:xfrm>
+                <a:off x="15308510" y="9450472"/>
+                <a:ext cx="4355717" cy="400110"/>
+              </a:xfrm>
+              <a:prstGeom prst="rect">
+                <a:avLst/>
+              </a:prstGeom>
+              <a:noFill/>
+            </p:spPr>
+            <p:txBody>
+              <a:bodyPr wrap="square">
+                <a:spAutoFit/>
+              </a:bodyPr>
+              <a:lstStyle/>
+              <a:p>
+                <a:pPr/>
+                <a:endParaRPr lang="en-US" sz="2000" dirty="0"/>
+              </a:p>
+            </p:txBody>
+          </p:sp>
+          <p:sp>
+            <p:nvSpPr>
+              <p:cNvPr id="170" name="Rectangle 169">
+                <a:extLst>
+                  <a:ext uri="{FF2B5EF4-FFF2-40B4-BE49-F238E27FC236}">
+                    <a16:creationId xmlns:a16="http://schemas.microsoft.com/office/drawing/2014/main" id="{9169CCFD-A94A-43A0-9202-D06026E4CB93}"/>
+                  </a:ext>
+                </a:extLst>
+              </p:cNvPr>
+              <p:cNvSpPr/>
+              <p:nvPr/>
+            </p:nvSpPr>
+            <p:spPr>
+              <a:xfrm>
+                <a:off x="13594681" y="9496006"/>
+                <a:ext cx="3740907" cy="806301"/>
+              </a:xfrm>
+              <a:prstGeom prst="rect">
+                <a:avLst/>
+              </a:prstGeom>
+              <a:noFill/>
+              <a:ln>
+                <a:noFill/>
+              </a:ln>
+            </p:spPr>
+            <p:style>
+              <a:lnRef idx="2">
+                <a:schemeClr val="accent1">
+                  <a:shade val="50000"/>
+                </a:schemeClr>
+              </a:lnRef>
+              <a:fillRef idx="1">
+                <a:schemeClr val="accent1"/>
+              </a:fillRef>
+              <a:effectRef idx="0">
+                <a:schemeClr val="accent1"/>
+              </a:effectRef>
+              <a:fontRef idx="minor">
+                <a:schemeClr val="lt1"/>
+              </a:fontRef>
+            </p:style>
+            <p:txBody>
+              <a:bodyPr rtlCol="0" anchor="ctr"/>
+              <a:lstStyle/>
+              <a:p>
+                <a:pPr/>
+                <a:r>
+                  <a:rPr lang="en-US" sz="2800" dirty="0">
+                    <a:solidFill>
+                      <a:schemeClr val="tx1"/>
+                    </a:solidFill>
+                  </a:rPr>
+                  <a:t>Click here to listen to Original Audio:</a:t>
+                </a:r>
+              </a:p>
+            </p:txBody>
+          </p:sp>
+        </p:grpSp>
+      </p:grpSp>
+      <p:grpSp>
+        <p:nvGrpSpPr>
+          <p:cNvPr id="1050" name="Group 1049">
+            <a:extLst>
+              <a:ext uri="{FF2B5EF4-FFF2-40B4-BE49-F238E27FC236}">
+                <a16:creationId xmlns:a16="http://schemas.microsoft.com/office/drawing/2014/main" id="{9B58C31E-0C73-4317-9B80-AD3692F076D9}"/>
+              </a:ext>
+            </a:extLst>
+          </p:cNvPr>
+          <p:cNvGrpSpPr/>
+          <p:nvPr/>
+        </p:nvGrpSpPr>
+        <p:grpSpPr>
+          <a:xfrm>
+            <a:off x="33680400" y="10450304"/>
+            <a:ext cx="7143679" cy="806301"/>
+            <a:chOff x="33722357" y="10055669"/>
+            <a:chExt cx="7143679" cy="806301"/>
+          </a:xfrm>
+        </p:grpSpPr>
+        <p:pic>
+          <p:nvPicPr>
+            <p:cNvPr id="1048" name="labmat_echoed">
+              <a:hlinkClick r:id="" action="ppaction://media"/>
+              <a:extLst>
+                <a:ext uri="{FF2B5EF4-FFF2-40B4-BE49-F238E27FC236}">
+                  <a16:creationId xmlns:a16="http://schemas.microsoft.com/office/drawing/2014/main" id="{AAE6A4E6-D7A8-4691-B0F9-6CC1407EEFBA}"/>
+                </a:ext>
+              </a:extLst>
+            </p:cNvPr>
+            <p:cNvPicPr>
+              <a:picLocks noChangeAspect="1"/>
+            </p:cNvPicPr>
+            <p:nvPr>
+              <a:audioFile r:link="rId2"/>
+              <p:extLst>
+                <p:ext uri="{DAA4B4D4-6D71-4841-9C94-3DE7FCFB9230}">
+                  <p14:media xmlns:p14="http://schemas.microsoft.com/office/powerpoint/2010/main" r:embed="rId1"/>
+                </p:ext>
+              </p:extLst>
+            </p:nvPr>
+          </p:nvPicPr>
+          <p:blipFill>
+            <a:blip r:embed="rId29"/>
+            <a:stretch>
+              <a:fillRect/>
+            </a:stretch>
+          </p:blipFill>
+          <p:spPr>
+            <a:xfrm>
+              <a:off x="40378673" y="10220279"/>
+              <a:ext cx="487363" cy="487363"/>
+            </a:xfrm>
+            <a:prstGeom prst="rect">
+              <a:avLst/>
+            </a:prstGeom>
+          </p:spPr>
+        </p:pic>
+        <p:sp>
+          <p:nvSpPr>
+            <p:cNvPr id="171" name="Rectangle 170">
+              <a:extLst>
+                <a:ext uri="{FF2B5EF4-FFF2-40B4-BE49-F238E27FC236}">
+                  <a16:creationId xmlns:a16="http://schemas.microsoft.com/office/drawing/2014/main" id="{422CF151-FDEE-4132-995B-8D8AEA336DDF}"/>
+                </a:ext>
+              </a:extLst>
+            </p:cNvPr>
+            <p:cNvSpPr/>
+            <p:nvPr/>
+          </p:nvSpPr>
+          <p:spPr>
+            <a:xfrm>
+              <a:off x="33722357" y="10055669"/>
+              <a:ext cx="6351904" cy="806301"/>
+            </a:xfrm>
+            <a:prstGeom prst="rect">
+              <a:avLst/>
+            </a:prstGeom>
+            <a:noFill/>
+            <a:ln>
+              <a:noFill/>
+            </a:ln>
+          </p:spPr>
+          <p:style>
+            <a:lnRef idx="2">
+              <a:schemeClr val="accent1">
+                <a:shade val="50000"/>
+              </a:schemeClr>
+            </a:lnRef>
+            <a:fillRef idx="1">
+              <a:schemeClr val="accent1"/>
+            </a:fillRef>
+            <a:effectRef idx="0">
+              <a:schemeClr val="accent1"/>
+            </a:effectRef>
+            <a:fontRef idx="minor">
+              <a:schemeClr val="lt1"/>
+            </a:fontRef>
+          </p:style>
+          <p:txBody>
+            <a:bodyPr rtlCol="0" anchor="ctr"/>
+            <a:lstStyle/>
+            <a:p>
+              <a:pPr/>
+              <a:r>
+                <a:rPr lang="en-US" sz="2800" dirty="0">
+                  <a:solidFill>
+                    <a:schemeClr val="tx1"/>
+                  </a:solidFill>
+                </a:rPr>
+                <a:t>Click here to listen to Audio with Echo:</a:t>
+              </a:r>
+            </a:p>
+          </p:txBody>
+        </p:sp>
+      </p:grpSp>
     </p:spTree>
     <p:extLst>
       <p:ext uri="{BB962C8B-B14F-4D97-AF65-F5344CB8AC3E}">
@@ -6377,6 +10130,59 @@
   <p:clrMapOvr>
     <a:masterClrMapping/>
   </p:clrMapOvr>
+  <p:timing>
+    <p:tnLst>
+      <p:par>
+        <p:cTn id="1" dur="indefinite" restart="never" nodeType="tmRoot">
+          <p:childTnLst>
+            <p:audio>
+              <p:cMediaNode vol="80000">
+                <p:cTn id="2" fill="hold" display="0">
+                  <p:stCondLst>
+                    <p:cond delay="indefinite"/>
+                  </p:stCondLst>
+                  <p:endCondLst>
+                    <p:cond evt="onStopAudio" delay="0">
+                      <p:tgtEl>
+                        <p:sldTgt/>
+                      </p:tgtEl>
+                    </p:cond>
+                  </p:endCondLst>
+                </p:cTn>
+                <p:tgtEl>
+                  <p:spTgt spid="1041"/>
+                </p:tgtEl>
+              </p:cMediaNode>
+            </p:audio>
+            <p:audio>
+              <p:cMediaNode vol="80000">
+                <p:cTn id="3" fill="hold" display="0">
+                  <p:stCondLst>
+                    <p:cond delay="indefinite"/>
+                  </p:stCondLst>
+                  <p:endCondLst>
+                    <p:cond evt="onStopAudio" delay="0">
+                      <p:tgtEl>
+                        <p:sldTgt/>
+                      </p:tgtEl>
+                    </p:cond>
+                  </p:endCondLst>
+                </p:cTn>
+                <p:tgtEl>
+                  <p:spTgt spid="1048"/>
+                </p:tgtEl>
+              </p:cMediaNode>
+            </p:audio>
+          </p:childTnLst>
+        </p:cTn>
+      </p:par>
+    </p:tnLst>
+  </p:timing>
+  <p:extLst>
+    <p:ext uri="{6950BFC3-D8DA-4A85-94F7-54DA5524770B}">
+      <p188:commentRel xmlns:p188="http://schemas.microsoft.com/office/powerpoint/2018/8/main" r:id="rId7"/>
+    </p:ext>
+  </p:extLst>
 </p:sld>
 </file>
 

--- a/C - Submittals/Poster/FIR Poster.pptx
+++ b/C - Submittals/Poster/FIR Poster.pptx
@@ -4348,8 +4348,8 @@
           </a:p>
         </p:txBody>
       </p:sp>
-      <mc:AlternateContent xmlns:mc="http://schemas.openxmlformats.org/markup-compatibility/2006">
-        <mc:Choice xmlns:a14="http://schemas.microsoft.com/office/drawing/2010/main" Requires="a14">
+      <mc:AlternateContent xmlns:mc="http://schemas.openxmlformats.org/markup-compatibility/2006" xmlns:a14="http://schemas.microsoft.com/office/drawing/2010/main">
+        <mc:Choice Requires="a14">
           <p:sp>
             <p:nvSpPr>
               <p:cNvPr id="77" name="Rectangle 76">
@@ -5374,7 +5374,7 @@
             </p:txBody>
           </p:sp>
         </mc:Choice>
-        <mc:Fallback>
+        <mc:Fallback xmlns="">
           <p:sp>
             <p:nvSpPr>
               <p:cNvPr id="77" name="Rectangle 76">
@@ -6211,8 +6211,8 @@
           </a:fontRef>
         </p:style>
       </p:cxnSp>
-      <mc:AlternateContent xmlns:mc="http://schemas.openxmlformats.org/markup-compatibility/2006">
-        <mc:Choice xmlns:a14="http://schemas.microsoft.com/office/drawing/2010/main" Requires="a14">
+      <mc:AlternateContent xmlns:mc="http://schemas.openxmlformats.org/markup-compatibility/2006" xmlns:a14="http://schemas.microsoft.com/office/drawing/2010/main">
+        <mc:Choice Requires="a14">
           <p:sp>
             <p:nvSpPr>
               <p:cNvPr id="21" name="Rectangle 20">
@@ -6318,7 +6318,7 @@
             </p:txBody>
           </p:sp>
         </mc:Choice>
-        <mc:Fallback>
+        <mc:Fallback xmlns="">
           <p:sp>
             <p:nvSpPr>
               <p:cNvPr id="21" name="Rectangle 20">
@@ -7482,7 +7482,6 @@
           <a:bodyPr rtlCol="0" anchor="ctr"/>
           <a:lstStyle/>
           <a:p>
-            <a:pPr/>
             <a:r>
               <a:rPr lang="en-US" sz="2800" b="1" dirty="0">
                 <a:solidFill>
@@ -7493,7 +7492,6 @@
             </a:r>
           </a:p>
           <a:p>
-            <a:pPr/>
             <a:r>
               <a:rPr lang="en-US" sz="2800" dirty="0">
                 <a:solidFill>
@@ -7504,7 +7502,6 @@
             </a:r>
           </a:p>
           <a:p>
-            <a:pPr/>
             <a:r>
               <a:rPr lang="en-US" sz="2800" dirty="0">
                 <a:solidFill>
@@ -7702,7 +7699,6 @@
           <a:bodyPr rtlCol="0" anchor="ctr"/>
           <a:lstStyle/>
           <a:p>
-            <a:pPr/>
             <a:r>
               <a:rPr lang="en-US" sz="2800" dirty="0">
                 <a:solidFill>
@@ -7775,7 +7771,6 @@
           <a:bodyPr rtlCol="0" anchor="ctr"/>
           <a:lstStyle/>
           <a:p>
-            <a:pPr/>
             <a:endParaRPr lang="en-US" sz="2800" b="1" dirty="0">
               <a:solidFill>
                 <a:schemeClr val="tx1"/>
@@ -7991,8 +7986,8 @@
           </p:txBody>
         </p:sp>
       </p:grpSp>
-      <mc:AlternateContent xmlns:mc="http://schemas.openxmlformats.org/markup-compatibility/2006">
-        <mc:Choice xmlns:a14="http://schemas.microsoft.com/office/drawing/2010/main" Requires="a14">
+      <mc:AlternateContent xmlns:mc="http://schemas.openxmlformats.org/markup-compatibility/2006" xmlns:a14="http://schemas.microsoft.com/office/drawing/2010/main">
+        <mc:Choice Requires="a14">
           <p:sp>
             <p:nvSpPr>
               <p:cNvPr id="108" name="Rectangle 107">
@@ -8038,7 +8033,6 @@
               <a:bodyPr rtlCol="0" anchor="ctr"/>
               <a:lstStyle/>
               <a:p>
-                <a:pPr/>
                 <a:r>
                   <a:rPr lang="en-US" sz="2800" dirty="0">
                     <a:solidFill>
@@ -8049,7 +8043,6 @@
                 </a:r>
               </a:p>
               <a:p>
-                <a:pPr/>
                 <a:r>
                   <a:rPr lang="en-US" sz="2800" dirty="0">
                     <a:solidFill>
@@ -8115,7 +8108,6 @@
                 </a:r>
               </a:p>
               <a:p>
-                <a:pPr/>
                 <a:r>
                   <a:rPr lang="en-US" sz="2800" dirty="0">
                     <a:solidFill>
@@ -8128,7 +8120,7 @@
             </p:txBody>
           </p:sp>
         </mc:Choice>
-        <mc:Fallback>
+        <mc:Fallback xmlns="">
           <p:sp>
             <p:nvSpPr>
               <p:cNvPr id="108" name="Rectangle 107">
@@ -8380,8 +8372,8 @@
             <a:chExt cx="6455408" cy="806301"/>
           </a:xfrm>
         </p:grpSpPr>
-        <mc:AlternateContent xmlns:mc="http://schemas.openxmlformats.org/markup-compatibility/2006">
-          <mc:Choice xmlns:a14="http://schemas.microsoft.com/office/drawing/2010/main" Requires="a14">
+        <mc:AlternateContent xmlns:mc="http://schemas.openxmlformats.org/markup-compatibility/2006" xmlns:a14="http://schemas.microsoft.com/office/drawing/2010/main">
+          <mc:Choice Requires="a14">
             <p:sp>
               <p:nvSpPr>
                 <p:cNvPr id="141" name="TextBox 140">
@@ -8656,7 +8648,7 @@
               </p:txBody>
             </p:sp>
           </mc:Choice>
-          <mc:Fallback>
+          <mc:Fallback xmlns="">
             <p:sp>
               <p:nvSpPr>
                 <p:cNvPr id="141" name="TextBox 140">
@@ -8746,7 +8738,6 @@
             <a:bodyPr rtlCol="0" anchor="ctr"/>
             <a:lstStyle/>
             <a:p>
-              <a:pPr/>
               <a:r>
                 <a:rPr lang="en-US" sz="2800" dirty="0">
                   <a:solidFill>
@@ -8887,7 +8878,6 @@
           <a:bodyPr rtlCol="0" anchor="ctr"/>
           <a:lstStyle/>
           <a:p>
-            <a:pPr/>
             <a:r>
               <a:rPr lang="en-US" sz="2800" dirty="0">
                 <a:solidFill>
@@ -8899,8 +8889,8 @@
           </a:p>
         </p:txBody>
       </p:sp>
-      <mc:AlternateContent xmlns:mc="http://schemas.openxmlformats.org/markup-compatibility/2006">
-        <mc:Choice xmlns:a14="http://schemas.microsoft.com/office/drawing/2010/main" Requires="a14">
+      <mc:AlternateContent xmlns:mc="http://schemas.openxmlformats.org/markup-compatibility/2006" xmlns:a14="http://schemas.microsoft.com/office/drawing/2010/main">
+        <mc:Choice Requires="a14">
           <p:sp>
             <p:nvSpPr>
               <p:cNvPr id="148" name="Rectangle 147">
@@ -8946,7 +8936,6 @@
               <a:bodyPr rtlCol="0" anchor="ctr"/>
               <a:lstStyle/>
               <a:p>
-                <a:pPr/>
                 <a:endParaRPr lang="en-US" sz="2800" dirty="0">
                   <a:solidFill>
                     <a:schemeClr val="tx1"/>
@@ -8955,7 +8944,6 @@
                 </a:endParaRPr>
               </a:p>
               <a:p>
-                <a:pPr/>
                 <a:endParaRPr lang="en-US" sz="2800" dirty="0">
                   <a:solidFill>
                     <a:schemeClr val="tx1"/>
@@ -8964,7 +8952,6 @@
                 </a:endParaRPr>
               </a:p>
               <a:p>
-                <a:pPr/>
                 <a:endParaRPr lang="en-US" sz="2800" dirty="0">
                   <a:solidFill>
                     <a:schemeClr val="tx1"/>
@@ -8973,7 +8960,6 @@
                 </a:endParaRPr>
               </a:p>
               <a:p>
-                <a:pPr/>
                 <a:r>
                   <a:rPr lang="en-US" sz="2800" dirty="0">
                     <a:solidFill>
@@ -9040,7 +9026,6 @@
                 </a:r>
               </a:p>
               <a:p>
-                <a:pPr/>
                 <a:r>
                   <a:rPr lang="en-US" sz="2800" i="1" dirty="0">
                     <a:solidFill>
@@ -9061,7 +9046,6 @@
                 </a:r>
               </a:p>
               <a:p>
-                <a:pPr/>
                 <a:r>
                   <a:rPr lang="en-US" sz="2800" i="1" dirty="0">
                     <a:solidFill>
@@ -9096,7 +9080,6 @@
                 </a:endParaRPr>
               </a:p>
               <a:p>
-                <a:pPr/>
                 <a:endParaRPr lang="en-US" sz="2800" dirty="0">
                   <a:solidFill>
                     <a:schemeClr val="tx1"/>
@@ -9106,7 +9089,7 @@
             </p:txBody>
           </p:sp>
         </mc:Choice>
-        <mc:Fallback>
+        <mc:Fallback xmlns="">
           <p:sp>
             <p:nvSpPr>
               <p:cNvPr id="148" name="Rectangle 147">
@@ -9154,8 +9137,8 @@
           </p:sp>
         </mc:Fallback>
       </mc:AlternateContent>
-      <mc:AlternateContent xmlns:mc="http://schemas.openxmlformats.org/markup-compatibility/2006">
-        <mc:Choice xmlns:a14="http://schemas.microsoft.com/office/drawing/2010/main" Requires="a14">
+      <mc:AlternateContent xmlns:mc="http://schemas.openxmlformats.org/markup-compatibility/2006" xmlns:a14="http://schemas.microsoft.com/office/drawing/2010/main">
+        <mc:Choice Requires="a14">
           <p:sp>
             <p:nvSpPr>
               <p:cNvPr id="1034" name="TextBox 1033">
@@ -9184,6 +9167,7 @@
               </a:bodyPr>
               <a:lstStyle/>
               <a:p>
+                <a:pPr/>
                 <a14:m>
                   <m:oMathPara xmlns:m="http://schemas.openxmlformats.org/officeDocument/2006/math">
                     <m:oMathParaPr>
@@ -9385,7 +9369,7 @@
             </p:txBody>
           </p:sp>
         </mc:Choice>
-        <mc:Fallback>
+        <mc:Fallback xmlns="">
           <p:sp>
             <p:nvSpPr>
               <p:cNvPr id="1034" name="TextBox 1033">
@@ -9639,7 +9623,6 @@
                 <a:bodyPr rtlCol="0" anchor="ctr"/>
                 <a:lstStyle/>
                 <a:p>
-                  <a:pPr/>
                   <a:r>
                     <a:rPr lang="en-US" sz="2000" dirty="0">
                       <a:solidFill>
@@ -9791,7 +9774,6 @@
               <a:bodyPr rtlCol="0" anchor="ctr"/>
               <a:lstStyle/>
               <a:p>
-                <a:pPr/>
                 <a:r>
                   <a:rPr lang="en-US" sz="2000" dirty="0">
                     <a:solidFill>
@@ -9940,7 +9922,6 @@
               </a:bodyPr>
               <a:lstStyle/>
               <a:p>
-                <a:pPr/>
                 <a:endParaRPr lang="en-US" sz="2000" dirty="0"/>
               </a:p>
             </p:txBody>
@@ -9990,7 +9971,6 @@
               <a:bodyPr rtlCol="0" anchor="ctr"/>
               <a:lstStyle/>
               <a:p>
-                <a:pPr/>
                 <a:r>
                   <a:rPr lang="en-US" sz="2800" dirty="0">
                     <a:solidFill>
@@ -10107,7 +10087,6 @@
             <a:bodyPr rtlCol="0" anchor="ctr"/>
             <a:lstStyle/>
             <a:p>
-              <a:pPr/>
               <a:r>
                 <a:rPr lang="en-US" sz="2800" dirty="0">
                   <a:solidFill>
@@ -10120,6 +10099,88 @@
           </p:txBody>
         </p:sp>
       </p:grpSp>
+      <p:sp>
+        <p:nvSpPr>
+          <p:cNvPr id="6" name="TextBox 5">
+            <a:extLst>
+              <a:ext uri="{FF2B5EF4-FFF2-40B4-BE49-F238E27FC236}">
+                <a16:creationId xmlns:a16="http://schemas.microsoft.com/office/drawing/2014/main" id="{45B864FC-37FA-4D81-BD8A-2E60C51CEBE7}"/>
+              </a:ext>
+            </a:extLst>
+          </p:cNvPr>
+          <p:cNvSpPr txBox="1"/>
+          <p:nvPr/>
+        </p:nvSpPr>
+        <p:spPr>
+          <a:xfrm>
+            <a:off x="1295401" y="27898130"/>
+            <a:ext cx="21792276" cy="3426579"/>
+          </a:xfrm>
+          <a:prstGeom prst="rect">
+            <a:avLst/>
+          </a:prstGeom>
+          <a:noFill/>
+        </p:spPr>
+        <p:txBody>
+          <a:bodyPr wrap="square" rtlCol="0">
+            <a:spAutoFit/>
+          </a:bodyPr>
+          <a:lstStyle/>
+          <a:p>
+            <a:pPr algn="just" rtl="0">
+              <a:spcBef>
+                <a:spcPts val="0"/>
+              </a:spcBef>
+              <a:spcAft>
+                <a:spcPts val="800"/>
+              </a:spcAft>
+            </a:pPr>
+            <a:r>
+              <a:rPr lang="en-US" sz="3000" b="0" i="0" u="none" strike="noStrike" dirty="0">
+                <a:solidFill>
+                  <a:srgbClr val="000000"/>
+                </a:solidFill>
+                <a:effectLst/>
+                <a:latin typeface="Calibri" panose="020F0502020204030204" pitchFamily="34" charset="0"/>
+              </a:rPr>
+              <a:t>In this experiment we have shown different applications of FIR-Filters. It can be utilized for creating echo/ “ghosts” in audio sets and images. It can also be utilized to (closely) restore signals back to what it was before it got echoed (modified). Distorted signals can be better restored depending on the FIR-Filter. Theoretically, it is possible to achieve perfect deconvolution with the proper coefficients. </a:t>
+            </a:r>
+          </a:p>
+          <a:p>
+            <a:pPr rtl="0">
+              <a:spcBef>
+                <a:spcPts val="0"/>
+              </a:spcBef>
+              <a:spcAft>
+                <a:spcPts val="800"/>
+              </a:spcAft>
+            </a:pPr>
+            <a:r>
+              <a:rPr lang="en-US" sz="3000" dirty="0">
+                <a:solidFill>
+                  <a:srgbClr val="000000"/>
+                </a:solidFill>
+                <a:latin typeface="Calibri" panose="020F0502020204030204" pitchFamily="34" charset="0"/>
+              </a:rPr>
+              <a:t>To perform deconvolution of a signal in a plausible way, it usually requires that the characteristics of the distortion are know; other alternative would be performing a blind deconvolution, which is a problem that has no general solution, the approach must be tailored toa a particular application.</a:t>
+            </a:r>
+            <a:r>
+              <a:rPr lang="en-US" sz="3000" b="0" i="0" u="none" strike="noStrike" dirty="0">
+                <a:solidFill>
+                  <a:srgbClr val="000000"/>
+                </a:solidFill>
+                <a:effectLst/>
+                <a:latin typeface="Calibri" panose="020F0502020204030204" pitchFamily="34" charset="0"/>
+              </a:rPr>
+              <a:t>  </a:t>
+            </a:r>
+            <a:br>
+              <a:rPr lang="en-US" sz="3000" dirty="0"/>
+            </a:br>
+            <a:endParaRPr lang="en-US" sz="3000" dirty="0"/>
+          </a:p>
+        </p:txBody>
+      </p:sp>
     </p:spTree>
     <p:extLst>
       <p:ext uri="{BB962C8B-B14F-4D97-AF65-F5344CB8AC3E}">

--- a/C - Submittals/Poster/FIR Poster.pptx
+++ b/C - Submittals/Poster/FIR Poster.pptx
@@ -145,6 +145,7 @@
 <p1510:revInfo xmlns:a="http://schemas.openxmlformats.org/drawingml/2006/main" xmlns:r="http://schemas.openxmlformats.org/officeDocument/2006/relationships" xmlns:p1510="http://schemas.microsoft.com/office/powerpoint/2015/10/main">
   <p1510:revLst>
     <p1510:client id="{236A447F-FB32-4C8F-9392-36F95E965F77}" v="495" dt="2022-04-24T18:25:10.852"/>
+    <p1510:client id="{7FEFF030-11A3-477D-9E14-BE0DA071C94B}" v="4" dt="2022-04-25T02:57:18.446"/>
   </p1510:revLst>
 </p1510:revInfo>
 </file>
@@ -3531,7 +3532,7 @@
         </p:nvSpPr>
         <p:spPr>
           <a:xfrm>
-            <a:off x="359228" y="381000"/>
+            <a:off x="359228" y="419100"/>
             <a:ext cx="43172744" cy="32080200"/>
           </a:xfrm>
           <a:prstGeom prst="rect">
@@ -3760,152 +3761,176 @@
           </p:txBody>
         </p:sp>
       </p:grpSp>
-      <p:grpSp>
-        <p:nvGrpSpPr>
-          <p:cNvPr id="43" name="Group 42"/>
-          <p:cNvGrpSpPr/>
+      <p:sp>
+        <p:nvSpPr>
+          <p:cNvPr id="44" name="Rectangle 43"/>
+          <p:cNvSpPr/>
           <p:nvPr/>
-        </p:nvGrpSpPr>
-        <p:grpSpPr>
+        </p:nvSpPr>
+        <p:spPr>
           <a:xfrm>
-            <a:off x="23774401" y="26974799"/>
-            <a:ext cx="19070847" cy="5125453"/>
-            <a:chOff x="735648" y="18466800"/>
-            <a:chExt cx="12039363" cy="7578610"/>
+            <a:off x="23774401" y="27264441"/>
+            <a:ext cx="19070847" cy="4835811"/>
           </a:xfrm>
-        </p:grpSpPr>
-        <p:sp>
-          <p:nvSpPr>
-            <p:cNvPr id="44" name="Rectangle 43"/>
-            <p:cNvSpPr/>
-            <p:nvPr/>
-          </p:nvSpPr>
-          <p:spPr>
-            <a:xfrm>
-              <a:off x="735648" y="18895071"/>
-              <a:ext cx="12039363" cy="7150339"/>
-            </a:xfrm>
-            <a:prstGeom prst="rect">
-              <a:avLst/>
-            </a:prstGeom>
-            <a:noFill/>
-            <a:ln w="76200">
+          <a:prstGeom prst="rect">
+            <a:avLst/>
+          </a:prstGeom>
+          <a:noFill/>
+          <a:ln w="76200">
+            <a:solidFill>
+              <a:schemeClr val="tx1"/>
+            </a:solidFill>
+          </a:ln>
+        </p:spPr>
+        <p:style>
+          <a:lnRef idx="2">
+            <a:schemeClr val="accent1">
+              <a:shade val="50000"/>
+            </a:schemeClr>
+          </a:lnRef>
+          <a:fillRef idx="1">
+            <a:schemeClr val="accent1"/>
+          </a:fillRef>
+          <a:effectRef idx="0">
+            <a:schemeClr val="accent1"/>
+          </a:effectRef>
+          <a:fontRef idx="minor">
+            <a:schemeClr val="lt1"/>
+          </a:fontRef>
+        </p:style>
+        <p:txBody>
+          <a:bodyPr lIns="457200" tIns="914400" rIns="457200" rtlCol="0" anchor="ctr"/>
+          <a:lstStyle/>
+          <a:p>
+            <a:pPr marL="514350" indent="-514350">
+              <a:buFont typeface="+mj-lt"/>
+              <a:buAutoNum type="arabicPeriod"/>
+            </a:pPr>
+            <a:r>
+              <a:rPr lang="en-US" sz="3200" dirty="0">
+                <a:solidFill>
+                  <a:schemeClr val="tx1"/>
+                </a:solidFill>
+              </a:rPr>
+              <a:t>J. G. </a:t>
+            </a:r>
+            <a:r>
+              <a:rPr lang="en-US" sz="3200" dirty="0" err="1">
+                <a:solidFill>
+                  <a:schemeClr val="tx1"/>
+                </a:solidFill>
+              </a:rPr>
+              <a:t>Proakis</a:t>
+            </a:r>
+            <a:r>
+              <a:rPr lang="en-US" sz="3200" dirty="0">
+                <a:solidFill>
+                  <a:schemeClr val="tx1"/>
+                </a:solidFill>
+              </a:rPr>
+              <a:t> and D. G. </a:t>
+            </a:r>
+            <a:r>
+              <a:rPr lang="en-US" sz="3200" dirty="0" err="1">
+                <a:solidFill>
+                  <a:schemeClr val="tx1"/>
+                </a:solidFill>
+              </a:rPr>
+              <a:t>Manolakis</a:t>
+            </a:r>
+            <a:r>
+              <a:rPr lang="en-US" sz="3200" dirty="0">
+                <a:solidFill>
+                  <a:schemeClr val="tx1"/>
+                </a:solidFill>
+              </a:rPr>
+              <a:t>, “Implementation of Discrete-Time systems,” in Digital Signal Processing, Hoboken, NJ: Pearson Education, 2021.</a:t>
+            </a:r>
+          </a:p>
+          <a:p>
+            <a:pPr marL="514350" indent="-514350">
+              <a:buFont typeface="+mj-lt"/>
+              <a:buAutoNum type="arabicPeriod"/>
+            </a:pPr>
+            <a:r>
+              <a:rPr lang="en-US" sz="3200" dirty="0">
+                <a:solidFill>
+                  <a:schemeClr val="tx1"/>
+                </a:solidFill>
+              </a:rPr>
+              <a:t>McClellan, J., Schafer, R. and Yoder, M., n.d. DSP first. 2nd ed.</a:t>
+            </a:r>
+          </a:p>
+          <a:p>
+            <a:pPr marL="514350" indent="-514350">
+              <a:buFont typeface="+mj-lt"/>
+              <a:buAutoNum type="arabicPeriod"/>
+            </a:pPr>
+            <a:endParaRPr lang="en-US" sz="3200" dirty="0">
               <a:solidFill>
                 <a:schemeClr val="tx1"/>
               </a:solidFill>
-            </a:ln>
-          </p:spPr>
-          <p:style>
-            <a:lnRef idx="2">
-              <a:schemeClr val="accent1">
-                <a:shade val="50000"/>
-              </a:schemeClr>
-            </a:lnRef>
-            <a:fillRef idx="1">
-              <a:schemeClr val="accent1"/>
-            </a:fillRef>
-            <a:effectRef idx="0">
-              <a:schemeClr val="accent1"/>
-            </a:effectRef>
-            <a:fontRef idx="minor">
-              <a:schemeClr val="lt1"/>
-            </a:fontRef>
-          </p:style>
-          <p:txBody>
-            <a:bodyPr lIns="457200" tIns="914400" rIns="457200" rtlCol="0" anchor="ctr"/>
-            <a:lstStyle/>
-            <a:p>
-              <a:pPr marL="514350" indent="-514350">
-                <a:buFont typeface="+mj-lt"/>
-                <a:buAutoNum type="arabicPeriod"/>
-              </a:pPr>
-              <a:r>
-                <a:rPr lang="en-US" sz="3200">
-                  <a:solidFill>
-                    <a:schemeClr val="tx1"/>
-                  </a:solidFill>
-                </a:rPr>
-                <a:t>J. G. Proakis and D. G. Manolakis, “Implementation of Discrete-Time systems,” in Digital Signal Processing, Hoboken, NJ: Pearson Education, 2021.</a:t>
-              </a:r>
-            </a:p>
-            <a:p>
-              <a:pPr marL="514350" indent="-514350">
-                <a:buFont typeface="+mj-lt"/>
-                <a:buAutoNum type="arabicPeriod"/>
-              </a:pPr>
-              <a:r>
-                <a:rPr lang="en-US" sz="3200">
-                  <a:solidFill>
-                    <a:schemeClr val="tx1"/>
-                  </a:solidFill>
-                </a:rPr>
-                <a:t>McClellan, J., Schafer, R. and Yoder, M., n.d. DSP first. 2nd ed.</a:t>
-              </a:r>
-            </a:p>
-            <a:p>
-              <a:pPr marL="514350" indent="-514350">
-                <a:buFont typeface="+mj-lt"/>
-                <a:buAutoNum type="arabicPeriod"/>
-              </a:pPr>
-              <a:endParaRPr lang="en-US" sz="3200">
+            </a:endParaRPr>
+          </a:p>
+          <a:p>
+            <a:endParaRPr lang="en-US" sz="3200" dirty="0">
+              <a:solidFill>
+                <a:schemeClr val="tx1"/>
+              </a:solidFill>
+            </a:endParaRPr>
+          </a:p>
+        </p:txBody>
+      </p:sp>
+      <p:sp>
+        <p:nvSpPr>
+          <p:cNvPr id="45" name="TextBox 44"/>
+          <p:cNvSpPr txBox="1"/>
+          <p:nvPr/>
+        </p:nvSpPr>
+        <p:spPr>
+          <a:xfrm>
+            <a:off x="29669550" y="26974799"/>
+            <a:ext cx="8537684" cy="1085119"/>
+          </a:xfrm>
+          <a:prstGeom prst="rect">
+            <a:avLst/>
+          </a:prstGeom>
+        </p:spPr>
+        <p:style>
+          <a:lnRef idx="1">
+            <a:schemeClr val="accent2"/>
+          </a:lnRef>
+          <a:fillRef idx="3">
+            <a:schemeClr val="accent2"/>
+          </a:fillRef>
+          <a:effectRef idx="2">
+            <a:schemeClr val="accent2"/>
+          </a:effectRef>
+          <a:fontRef idx="minor">
+            <a:schemeClr val="lt1"/>
+          </a:fontRef>
+        </p:style>
+        <p:txBody>
+          <a:bodyPr wrap="square" rtlCol="0">
+            <a:spAutoFit/>
+          </a:bodyPr>
+          <a:lstStyle/>
+          <a:p>
+            <a:pPr algn="ctr"/>
+            <a:r>
+              <a:rPr lang="en-US" sz="5400" dirty="0">
                 <a:solidFill>
-                  <a:schemeClr val="tx1"/>
+                  <a:schemeClr val="bg1"/>
                 </a:solidFill>
-              </a:endParaRPr>
-            </a:p>
-          </p:txBody>
-        </p:sp>
-        <p:sp>
-          <p:nvSpPr>
-            <p:cNvPr id="45" name="TextBox 44"/>
-            <p:cNvSpPr txBox="1"/>
-            <p:nvPr/>
-          </p:nvSpPr>
-          <p:spPr>
-            <a:xfrm>
-              <a:off x="4457236" y="18466800"/>
-              <a:ext cx="5389812" cy="1604481"/>
-            </a:xfrm>
-            <a:prstGeom prst="rect">
-              <a:avLst/>
-            </a:prstGeom>
-          </p:spPr>
-          <p:style>
-            <a:lnRef idx="1">
-              <a:schemeClr val="accent2"/>
-            </a:lnRef>
-            <a:fillRef idx="3">
-              <a:schemeClr val="accent2"/>
-            </a:fillRef>
-            <a:effectRef idx="2">
-              <a:schemeClr val="accent2"/>
-            </a:effectRef>
-            <a:fontRef idx="minor">
-              <a:schemeClr val="lt1"/>
-            </a:fontRef>
-          </p:style>
-          <p:txBody>
-            <a:bodyPr wrap="square" rtlCol="0">
-              <a:spAutoFit/>
-            </a:bodyPr>
-            <a:lstStyle/>
-            <a:p>
-              <a:pPr algn="ctr"/>
-              <a:r>
-                <a:rPr lang="en-US" sz="5400" dirty="0">
-                  <a:solidFill>
-                    <a:schemeClr val="bg1"/>
-                  </a:solidFill>
-                  <a:latin typeface="Bangla MN" charset="0"/>
-                  <a:ea typeface="Bangla MN" charset="0"/>
-                  <a:cs typeface="Bangla MN" charset="0"/>
-                </a:rPr>
-                <a:t>References</a:t>
-              </a:r>
-            </a:p>
-          </p:txBody>
-        </p:sp>
-      </p:grpSp>
+                <a:latin typeface="Bangla MN" charset="0"/>
+                <a:ea typeface="Bangla MN" charset="0"/>
+                <a:cs typeface="Bangla MN" charset="0"/>
+              </a:rPr>
+              <a:t>References</a:t>
+            </a:r>
+          </a:p>
+        </p:txBody>
+      </p:sp>
       <p:sp>
         <p:nvSpPr>
           <p:cNvPr id="52" name="TextBox 51"/>
@@ -4204,7 +4229,7 @@
                 <a:ea typeface="Bangla MN" charset="0"/>
                 <a:cs typeface="Bangla MN" charset="0"/>
               </a:rPr>
-              <a:t>Instructor: Neda Nategh</a:t>
+              <a:t>Instructor: Neda Nategh/ ECE 6530-090 Spring 2022 (Digital Signal Processing)</a:t>
             </a:r>
             <a:endParaRPr lang="en-US" sz="3600" baseline="30000" dirty="0">
               <a:latin typeface="Bangla MN" charset="0"/>
@@ -9428,10 +9453,10 @@
         </p:nvGrpSpPr>
         <p:grpSpPr>
           <a:xfrm>
-            <a:off x="14706600" y="8001000"/>
-            <a:ext cx="5227696" cy="1358707"/>
-            <a:chOff x="14706600" y="8001000"/>
-            <a:chExt cx="5227696" cy="1358707"/>
+            <a:off x="14706600" y="8229600"/>
+            <a:ext cx="5227696" cy="915931"/>
+            <a:chOff x="14706600" y="8443776"/>
+            <a:chExt cx="5227696" cy="915931"/>
           </a:xfrm>
         </p:grpSpPr>
         <p:grpSp>
@@ -9448,10 +9473,10 @@
           </p:nvGrpSpPr>
           <p:grpSpPr>
             <a:xfrm>
-              <a:off x="14706600" y="8001000"/>
-              <a:ext cx="5227696" cy="1358707"/>
-              <a:chOff x="15078016" y="7447582"/>
-              <a:chExt cx="5227696" cy="1358707"/>
+              <a:off x="14706600" y="8443776"/>
+              <a:ext cx="5227696" cy="915931"/>
+              <a:chOff x="15078016" y="7890358"/>
+              <a:chExt cx="5227696" cy="915931"/>
             </a:xfrm>
           </p:grpSpPr>
           <p:grpSp>
@@ -9637,100 +9662,6 @@
           </p:grpSp>
           <p:sp>
             <p:nvSpPr>
-              <p:cNvPr id="114" name="Oval 113">
-                <a:extLst>
-                  <a:ext uri="{FF2B5EF4-FFF2-40B4-BE49-F238E27FC236}">
-                    <a16:creationId xmlns:a16="http://schemas.microsoft.com/office/drawing/2014/main" id="{A27A6778-DAD1-483C-98C1-ED8747AAF35C}"/>
-                  </a:ext>
-                </a:extLst>
-              </p:cNvPr>
-              <p:cNvSpPr/>
-              <p:nvPr/>
-            </p:nvSpPr>
-            <p:spPr>
-              <a:xfrm>
-                <a:off x="16021844" y="7447582"/>
-                <a:ext cx="375795" cy="375795"/>
-              </a:xfrm>
-              <a:prstGeom prst="ellipse">
-                <a:avLst/>
-              </a:prstGeom>
-            </p:spPr>
-            <p:style>
-              <a:lnRef idx="3">
-                <a:schemeClr val="lt1"/>
-              </a:lnRef>
-              <a:fillRef idx="1">
-                <a:schemeClr val="accent2"/>
-              </a:fillRef>
-              <a:effectRef idx="1">
-                <a:schemeClr val="accent2"/>
-              </a:effectRef>
-              <a:fontRef idx="minor">
-                <a:schemeClr val="lt1"/>
-              </a:fontRef>
-            </p:style>
-            <p:txBody>
-              <a:bodyPr rtlCol="0" anchor="ctr"/>
-              <a:lstStyle/>
-              <a:p>
-                <a:pPr algn="ctr"/>
-                <a:r>
-                  <a:rPr lang="en-US" sz="3200" dirty="0"/>
-                  <a:t>1</a:t>
-                </a:r>
-              </a:p>
-            </p:txBody>
-          </p:sp>
-          <p:sp>
-            <p:nvSpPr>
-              <p:cNvPr id="116" name="Oval 115">
-                <a:extLst>
-                  <a:ext uri="{FF2B5EF4-FFF2-40B4-BE49-F238E27FC236}">
-                    <a16:creationId xmlns:a16="http://schemas.microsoft.com/office/drawing/2014/main" id="{96E68330-FADB-47DD-B5B3-7C8FF0EFCBA2}"/>
-                  </a:ext>
-                </a:extLst>
-              </p:cNvPr>
-              <p:cNvSpPr/>
-              <p:nvPr/>
-            </p:nvSpPr>
-            <p:spPr>
-              <a:xfrm>
-                <a:off x="18229185" y="7447582"/>
-                <a:ext cx="375795" cy="375795"/>
-              </a:xfrm>
-              <a:prstGeom prst="ellipse">
-                <a:avLst/>
-              </a:prstGeom>
-            </p:spPr>
-            <p:style>
-              <a:lnRef idx="3">
-                <a:schemeClr val="lt1"/>
-              </a:lnRef>
-              <a:fillRef idx="1">
-                <a:schemeClr val="accent2"/>
-              </a:fillRef>
-              <a:effectRef idx="1">
-                <a:schemeClr val="accent2"/>
-              </a:effectRef>
-              <a:fontRef idx="minor">
-                <a:schemeClr val="lt1"/>
-              </a:fontRef>
-            </p:style>
-            <p:txBody>
-              <a:bodyPr rtlCol="0" anchor="ctr"/>
-              <a:lstStyle/>
-              <a:p>
-                <a:pPr algn="ctr"/>
-                <a:r>
-                  <a:rPr lang="en-US" sz="3200" dirty="0"/>
-                  <a:t>2</a:t>
-                </a:r>
-              </a:p>
-            </p:txBody>
-          </p:sp>
-          <p:sp>
-            <p:nvSpPr>
               <p:cNvPr id="131" name="Rectangle 130">
                 <a:extLst>
                   <a:ext uri="{FF2B5EF4-FFF2-40B4-BE49-F238E27FC236}">
@@ -9816,12 +9747,50 @@
           </p:spPr>
         </p:pic>
       </p:grpSp>
+      <p:pic>
+        <p:nvPicPr>
+          <p:cNvPr id="1041" name="labmat">
+            <a:hlinkClick r:id="" action="ppaction://media"/>
+            <a:extLst>
+              <a:ext uri="{FF2B5EF4-FFF2-40B4-BE49-F238E27FC236}">
+                <a16:creationId xmlns:a16="http://schemas.microsoft.com/office/drawing/2014/main" id="{81AF8062-F17C-47C4-9F37-AC8B70506B01}"/>
+              </a:ext>
+            </a:extLst>
+          </p:cNvPr>
+          <p:cNvPicPr>
+            <a:picLocks noChangeAspect="1"/>
+          </p:cNvPicPr>
+          <p:nvPr>
+            <a:audioFile r:link="rId2"/>
+            <p:extLst>
+              <p:ext uri="{DAA4B4D4-6D71-4841-9C94-3DE7FCFB9230}">
+                <p14:media xmlns:p14="http://schemas.microsoft.com/office/powerpoint/2010/main" r:embed="rId1"/>
+              </p:ext>
+            </p:extLst>
+          </p:nvPr>
+        </p:nvPicPr>
+        <p:blipFill>
+          <a:blip r:embed="rId29"/>
+          <a:stretch>
+            <a:fillRect/>
+          </a:stretch>
+        </p:blipFill>
+        <p:spPr>
+          <a:xfrm>
+            <a:off x="40336717" y="9403646"/>
+            <a:ext cx="487363" cy="487363"/>
+          </a:xfrm>
+          <a:prstGeom prst="rect">
+            <a:avLst/>
+          </a:prstGeom>
+        </p:spPr>
+      </p:pic>
       <p:grpSp>
         <p:nvGrpSpPr>
-          <p:cNvPr id="1049" name="Group 1048">
+          <p:cNvPr id="168" name="Group 167">
             <a:extLst>
               <a:ext uri="{FF2B5EF4-FFF2-40B4-BE49-F238E27FC236}">
-                <a16:creationId xmlns:a16="http://schemas.microsoft.com/office/drawing/2014/main" id="{B2310244-D74E-4AF8-B757-0FCB4E5574CD}"/>
+                <a16:creationId xmlns:a16="http://schemas.microsoft.com/office/drawing/2014/main" id="{9986CAE9-903C-4401-B2B9-036B3EEF2C7A}"/>
               </a:ext>
             </a:extLst>
           </p:cNvPr>
@@ -9832,222 +9801,48 @@
           <a:xfrm>
             <a:off x="33728795" y="9144000"/>
             <a:ext cx="10305835" cy="851835"/>
-            <a:chOff x="33770752" y="8607122"/>
-            <a:chExt cx="10305835" cy="851835"/>
+            <a:chOff x="13594681" y="9450472"/>
+            <a:chExt cx="6069546" cy="851835"/>
           </a:xfrm>
         </p:grpSpPr>
-        <p:pic>
-          <p:nvPicPr>
-            <p:cNvPr id="1041" name="labmat">
-              <a:hlinkClick r:id="" action="ppaction://media"/>
+        <p:sp>
+          <p:nvSpPr>
+            <p:cNvPr id="169" name="TextBox 168">
               <a:extLst>
                 <a:ext uri="{FF2B5EF4-FFF2-40B4-BE49-F238E27FC236}">
-                  <a16:creationId xmlns:a16="http://schemas.microsoft.com/office/drawing/2014/main" id="{81AF8062-F17C-47C4-9F37-AC8B70506B01}"/>
+                  <a16:creationId xmlns:a16="http://schemas.microsoft.com/office/drawing/2014/main" id="{CDE34BBF-9987-4218-80BF-D57E8C9AC982}"/>
                 </a:ext>
               </a:extLst>
             </p:cNvPr>
-            <p:cNvPicPr>
-              <a:picLocks noChangeAspect="1"/>
-            </p:cNvPicPr>
-            <p:nvPr>
-              <a:audioFile r:link="rId4"/>
-              <p:extLst>
-                <p:ext uri="{DAA4B4D4-6D71-4841-9C94-3DE7FCFB9230}">
-                  <p14:media xmlns:p14="http://schemas.microsoft.com/office/powerpoint/2010/main" r:embed="rId3"/>
-                </p:ext>
-              </p:extLst>
-            </p:nvPr>
-          </p:nvPicPr>
-          <p:blipFill>
-            <a:blip r:embed="rId29"/>
-            <a:stretch>
-              <a:fillRect/>
-            </a:stretch>
-          </p:blipFill>
+            <p:cNvSpPr txBox="1"/>
+            <p:nvPr/>
+          </p:nvSpPr>
           <p:spPr>
             <a:xfrm>
-              <a:off x="40378674" y="8866768"/>
-              <a:ext cx="487363" cy="487363"/>
+              <a:off x="15308510" y="9450472"/>
+              <a:ext cx="4355717" cy="400110"/>
             </a:xfrm>
             <a:prstGeom prst="rect">
               <a:avLst/>
             </a:prstGeom>
+            <a:noFill/>
           </p:spPr>
-        </p:pic>
-        <p:grpSp>
-          <p:nvGrpSpPr>
-            <p:cNvPr id="168" name="Group 167">
+          <p:txBody>
+            <a:bodyPr wrap="square">
+              <a:spAutoFit/>
+            </a:bodyPr>
+            <a:lstStyle/>
+            <a:p>
+              <a:endParaRPr lang="en-US" sz="2000" dirty="0"/>
+            </a:p>
+          </p:txBody>
+        </p:sp>
+        <p:sp>
+          <p:nvSpPr>
+            <p:cNvPr id="170" name="Rectangle 169">
               <a:extLst>
                 <a:ext uri="{FF2B5EF4-FFF2-40B4-BE49-F238E27FC236}">
-                  <a16:creationId xmlns:a16="http://schemas.microsoft.com/office/drawing/2014/main" id="{9986CAE9-903C-4401-B2B9-036B3EEF2C7A}"/>
-                </a:ext>
-              </a:extLst>
-            </p:cNvPr>
-            <p:cNvGrpSpPr/>
-            <p:nvPr/>
-          </p:nvGrpSpPr>
-          <p:grpSpPr>
-            <a:xfrm>
-              <a:off x="33770752" y="8607122"/>
-              <a:ext cx="10305835" cy="851835"/>
-              <a:chOff x="13594681" y="9450472"/>
-              <a:chExt cx="6069546" cy="851835"/>
-            </a:xfrm>
-          </p:grpSpPr>
-          <p:sp>
-            <p:nvSpPr>
-              <p:cNvPr id="169" name="TextBox 168">
-                <a:extLst>
-                  <a:ext uri="{FF2B5EF4-FFF2-40B4-BE49-F238E27FC236}">
-                    <a16:creationId xmlns:a16="http://schemas.microsoft.com/office/drawing/2014/main" id="{CDE34BBF-9987-4218-80BF-D57E8C9AC982}"/>
-                  </a:ext>
-                </a:extLst>
-              </p:cNvPr>
-              <p:cNvSpPr txBox="1"/>
-              <p:nvPr/>
-            </p:nvSpPr>
-            <p:spPr>
-              <a:xfrm>
-                <a:off x="15308510" y="9450472"/>
-                <a:ext cx="4355717" cy="400110"/>
-              </a:xfrm>
-              <a:prstGeom prst="rect">
-                <a:avLst/>
-              </a:prstGeom>
-              <a:noFill/>
-            </p:spPr>
-            <p:txBody>
-              <a:bodyPr wrap="square">
-                <a:spAutoFit/>
-              </a:bodyPr>
-              <a:lstStyle/>
-              <a:p>
-                <a:endParaRPr lang="en-US" sz="2000" dirty="0"/>
-              </a:p>
-            </p:txBody>
-          </p:sp>
-          <p:sp>
-            <p:nvSpPr>
-              <p:cNvPr id="170" name="Rectangle 169">
-                <a:extLst>
-                  <a:ext uri="{FF2B5EF4-FFF2-40B4-BE49-F238E27FC236}">
-                    <a16:creationId xmlns:a16="http://schemas.microsoft.com/office/drawing/2014/main" id="{9169CCFD-A94A-43A0-9202-D06026E4CB93}"/>
-                  </a:ext>
-                </a:extLst>
-              </p:cNvPr>
-              <p:cNvSpPr/>
-              <p:nvPr/>
-            </p:nvSpPr>
-            <p:spPr>
-              <a:xfrm>
-                <a:off x="13594681" y="9496006"/>
-                <a:ext cx="3740907" cy="806301"/>
-              </a:xfrm>
-              <a:prstGeom prst="rect">
-                <a:avLst/>
-              </a:prstGeom>
-              <a:noFill/>
-              <a:ln>
-                <a:noFill/>
-              </a:ln>
-            </p:spPr>
-            <p:style>
-              <a:lnRef idx="2">
-                <a:schemeClr val="accent1">
-                  <a:shade val="50000"/>
-                </a:schemeClr>
-              </a:lnRef>
-              <a:fillRef idx="1">
-                <a:schemeClr val="accent1"/>
-              </a:fillRef>
-              <a:effectRef idx="0">
-                <a:schemeClr val="accent1"/>
-              </a:effectRef>
-              <a:fontRef idx="minor">
-                <a:schemeClr val="lt1"/>
-              </a:fontRef>
-            </p:style>
-            <p:txBody>
-              <a:bodyPr rtlCol="0" anchor="ctr"/>
-              <a:lstStyle/>
-              <a:p>
-                <a:r>
-                  <a:rPr lang="en-US" sz="2800" dirty="0">
-                    <a:solidFill>
-                      <a:schemeClr val="tx1"/>
-                    </a:solidFill>
-                  </a:rPr>
-                  <a:t>Click here to listen to Original Audio:</a:t>
-                </a:r>
-              </a:p>
-            </p:txBody>
-          </p:sp>
-        </p:grpSp>
-      </p:grpSp>
-      <p:grpSp>
-        <p:nvGrpSpPr>
-          <p:cNvPr id="1050" name="Group 1049">
-            <a:extLst>
-              <a:ext uri="{FF2B5EF4-FFF2-40B4-BE49-F238E27FC236}">
-                <a16:creationId xmlns:a16="http://schemas.microsoft.com/office/drawing/2014/main" id="{9B58C31E-0C73-4317-9B80-AD3692F076D9}"/>
-              </a:ext>
-            </a:extLst>
-          </p:cNvPr>
-          <p:cNvGrpSpPr/>
-          <p:nvPr/>
-        </p:nvGrpSpPr>
-        <p:grpSpPr>
-          <a:xfrm>
-            <a:off x="33680400" y="10450304"/>
-            <a:ext cx="7143679" cy="806301"/>
-            <a:chOff x="33722357" y="10055669"/>
-            <a:chExt cx="7143679" cy="806301"/>
-          </a:xfrm>
-        </p:grpSpPr>
-        <p:pic>
-          <p:nvPicPr>
-            <p:cNvPr id="1048" name="labmat_echoed">
-              <a:hlinkClick r:id="" action="ppaction://media"/>
-              <a:extLst>
-                <a:ext uri="{FF2B5EF4-FFF2-40B4-BE49-F238E27FC236}">
-                  <a16:creationId xmlns:a16="http://schemas.microsoft.com/office/drawing/2014/main" id="{AAE6A4E6-D7A8-4691-B0F9-6CC1407EEFBA}"/>
-                </a:ext>
-              </a:extLst>
-            </p:cNvPr>
-            <p:cNvPicPr>
-              <a:picLocks noChangeAspect="1"/>
-            </p:cNvPicPr>
-            <p:nvPr>
-              <a:audioFile r:link="rId2"/>
-              <p:extLst>
-                <p:ext uri="{DAA4B4D4-6D71-4841-9C94-3DE7FCFB9230}">
-                  <p14:media xmlns:p14="http://schemas.microsoft.com/office/powerpoint/2010/main" r:embed="rId1"/>
-                </p:ext>
-              </p:extLst>
-            </p:nvPr>
-          </p:nvPicPr>
-          <p:blipFill>
-            <a:blip r:embed="rId29"/>
-            <a:stretch>
-              <a:fillRect/>
-            </a:stretch>
-          </p:blipFill>
-          <p:spPr>
-            <a:xfrm>
-              <a:off x="40378673" y="10220279"/>
-              <a:ext cx="487363" cy="487363"/>
-            </a:xfrm>
-            <a:prstGeom prst="rect">
-              <a:avLst/>
-            </a:prstGeom>
-          </p:spPr>
-        </p:pic>
-        <p:sp>
-          <p:nvSpPr>
-            <p:cNvPr id="171" name="Rectangle 170">
-              <a:extLst>
-                <a:ext uri="{FF2B5EF4-FFF2-40B4-BE49-F238E27FC236}">
-                  <a16:creationId xmlns:a16="http://schemas.microsoft.com/office/drawing/2014/main" id="{422CF151-FDEE-4132-995B-8D8AEA336DDF}"/>
+                  <a16:creationId xmlns:a16="http://schemas.microsoft.com/office/drawing/2014/main" id="{9169CCFD-A94A-43A0-9202-D06026E4CB93}"/>
                 </a:ext>
               </a:extLst>
             </p:cNvPr>
@@ -10056,8 +9851,8 @@
           </p:nvSpPr>
           <p:spPr>
             <a:xfrm>
-              <a:off x="33722357" y="10055669"/>
-              <a:ext cx="6351904" cy="806301"/>
+              <a:off x="13594681" y="9496006"/>
+              <a:ext cx="3740907" cy="806301"/>
             </a:xfrm>
             <a:prstGeom prst="rect">
               <a:avLst/>
@@ -10093,12 +9888,106 @@
                     <a:schemeClr val="tx1"/>
                   </a:solidFill>
                 </a:rPr>
-                <a:t>Click here to listen to Audio with Echo:</a:t>
+                <a:t>Click here to listen to Original Audio:</a:t>
               </a:r>
             </a:p>
           </p:txBody>
         </p:sp>
       </p:grpSp>
+      <p:pic>
+        <p:nvPicPr>
+          <p:cNvPr id="1048" name="labmat_echoed">
+            <a:hlinkClick r:id="" action="ppaction://media"/>
+            <a:extLst>
+              <a:ext uri="{FF2B5EF4-FFF2-40B4-BE49-F238E27FC236}">
+                <a16:creationId xmlns:a16="http://schemas.microsoft.com/office/drawing/2014/main" id="{AAE6A4E6-D7A8-4691-B0F9-6CC1407EEFBA}"/>
+              </a:ext>
+            </a:extLst>
+          </p:cNvPr>
+          <p:cNvPicPr>
+            <a:picLocks noChangeAspect="1"/>
+          </p:cNvPicPr>
+          <p:nvPr>
+            <a:audioFile r:link="rId4"/>
+            <p:extLst>
+              <p:ext uri="{DAA4B4D4-6D71-4841-9C94-3DE7FCFB9230}">
+                <p14:media xmlns:p14="http://schemas.microsoft.com/office/powerpoint/2010/main" r:embed="rId3"/>
+              </p:ext>
+            </p:extLst>
+          </p:nvPr>
+        </p:nvPicPr>
+        <p:blipFill>
+          <a:blip r:embed="rId29"/>
+          <a:stretch>
+            <a:fillRect/>
+          </a:stretch>
+        </p:blipFill>
+        <p:spPr>
+          <a:xfrm>
+            <a:off x="40336716" y="10614914"/>
+            <a:ext cx="487363" cy="487363"/>
+          </a:xfrm>
+          <a:prstGeom prst="rect">
+            <a:avLst/>
+          </a:prstGeom>
+        </p:spPr>
+      </p:pic>
+      <p:sp>
+        <p:nvSpPr>
+          <p:cNvPr id="171" name="Rectangle 170">
+            <a:extLst>
+              <a:ext uri="{FF2B5EF4-FFF2-40B4-BE49-F238E27FC236}">
+                <a16:creationId xmlns:a16="http://schemas.microsoft.com/office/drawing/2014/main" id="{422CF151-FDEE-4132-995B-8D8AEA336DDF}"/>
+              </a:ext>
+            </a:extLst>
+          </p:cNvPr>
+          <p:cNvSpPr/>
+          <p:nvPr/>
+        </p:nvSpPr>
+        <p:spPr>
+          <a:xfrm>
+            <a:off x="33680400" y="10450304"/>
+            <a:ext cx="6351904" cy="806301"/>
+          </a:xfrm>
+          <a:prstGeom prst="rect">
+            <a:avLst/>
+          </a:prstGeom>
+          <a:noFill/>
+          <a:ln>
+            <a:noFill/>
+          </a:ln>
+        </p:spPr>
+        <p:style>
+          <a:lnRef idx="2">
+            <a:schemeClr val="accent1">
+              <a:shade val="50000"/>
+            </a:schemeClr>
+          </a:lnRef>
+          <a:fillRef idx="1">
+            <a:schemeClr val="accent1"/>
+          </a:fillRef>
+          <a:effectRef idx="0">
+            <a:schemeClr val="accent1"/>
+          </a:effectRef>
+          <a:fontRef idx="minor">
+            <a:schemeClr val="lt1"/>
+          </a:fontRef>
+        </p:style>
+        <p:txBody>
+          <a:bodyPr rtlCol="0" anchor="ctr"/>
+          <a:lstStyle/>
+          <a:p>
+            <a:r>
+              <a:rPr lang="en-US" sz="2800" dirty="0">
+                <a:solidFill>
+                  <a:schemeClr val="tx1"/>
+                </a:solidFill>
+              </a:rPr>
+              <a:t>Click here to listen to Audio with Echo:</a:t>
+            </a:r>
+          </a:p>
+        </p:txBody>
+      </p:sp>
       <p:sp>
         <p:nvSpPr>
           <p:cNvPr id="6" name="TextBox 5">
@@ -10113,7 +10002,7 @@
         </p:nvSpPr>
         <p:spPr>
           <a:xfrm>
-            <a:off x="1295401" y="27898130"/>
+            <a:off x="1295401" y="28120221"/>
             <a:ext cx="21792276" cy="3426579"/>
           </a:xfrm>
           <a:prstGeom prst="rect">

--- a/C - Submittals/Poster/FIR Poster.pptx
+++ b/C - Submittals/Poster/FIR Poster.pptx
@@ -150,33 +150,6 @@
 </p1510:revInfo>
 </file>
 
-<file path=ppt/comments/modernComment_102_10E7C000.xml><?xml version="1.0" encoding="utf-8"?>
-<p188:cmLst xmlns:a="http://schemas.openxmlformats.org/drawingml/2006/main" xmlns:r="http://schemas.openxmlformats.org/officeDocument/2006/relationships" xmlns:p188="http://schemas.microsoft.com/office/powerpoint/2018/8/main">
-  <p188:cm id="{B3B1C28A-0C40-4D0A-B2AE-1BF3CCE89CDD}" authorId="{00000000-0000-0000-0000-000000000000}" created="2022-04-24T21:07:10.311">
-    <ac:txMkLst xmlns:ac="http://schemas.microsoft.com/office/drawing/2013/main/command">
-      <pc:docMk xmlns:pc="http://schemas.microsoft.com/office/powerpoint/2013/main/command"/>
-      <pc:sldMk xmlns:pc="http://schemas.microsoft.com/office/powerpoint/2013/main/command" cId="283623424" sldId="258"/>
-      <ac:spMk id="34" creationId="{00000000-0000-0000-0000-000000000000}"/>
-      <ac:txMk cp="364" len="107">
-        <ac:context len="669" hash="2402541150"/>
-      </ac:txMk>
-    </ac:txMkLst>
-    <p188:pos x="11656997" y="4105936"/>
-    <p188:txBody>
-      <a:bodyPr/>
-      <a:lstStyle/>
-      <a:p>
-        <a:r>
-          <a:rPr lang="en-US"/>
-          <a:t>I believe FIR Filters can be utilized to introduce distortion to signals?
-That is the objective of FIR Filter 1 in the image processing experiment.</a:t>
-        </a:r>
-      </a:p>
-    </p188:txBody>
-  </p188:cm>
-</p188:cmLst>
-</file>
-
 <file path=ppt/notesMasters/notesMaster1.xml><?xml version="1.0" encoding="utf-8"?>
 <p:notesMaster xmlns:a="http://schemas.openxmlformats.org/drawingml/2006/main" xmlns:r="http://schemas.openxmlformats.org/officeDocument/2006/relationships" xmlns:p="http://schemas.openxmlformats.org/presentationml/2006/main">
   <p:cSld>
@@ -259,7 +232,7 @@
           <a:p>
             <a:fld id="{D0FE861C-486B-4E18-A0E9-A790238A915C}" type="datetimeFigureOut">
               <a:rPr lang="en-US" smtClean="0"/>
-              <a:t>4/24/2022</a:t>
+              <a:t>4/25/2022</a:t>
             </a:fld>
             <a:endParaRPr lang="en-US"/>
           </a:p>
@@ -788,7 +761,7 @@
           <a:p>
             <a:fld id="{8102BAB4-8B8D-41DD-85C7-81A0CA962007}" type="datetimeFigureOut">
               <a:rPr lang="en-US" smtClean="0"/>
-              <a:t>4/24/2022</a:t>
+              <a:t>4/25/2022</a:t>
             </a:fld>
             <a:endParaRPr lang="en-US"/>
           </a:p>
@@ -951,7 +924,7 @@
           <a:p>
             <a:fld id="{8102BAB4-8B8D-41DD-85C7-81A0CA962007}" type="datetimeFigureOut">
               <a:rPr lang="en-US" smtClean="0"/>
-              <a:t>4/24/2022</a:t>
+              <a:t>4/25/2022</a:t>
             </a:fld>
             <a:endParaRPr lang="en-US"/>
           </a:p>
@@ -1124,7 +1097,7 @@
           <a:p>
             <a:fld id="{8102BAB4-8B8D-41DD-85C7-81A0CA962007}" type="datetimeFigureOut">
               <a:rPr lang="en-US" smtClean="0"/>
-              <a:t>4/24/2022</a:t>
+              <a:t>4/25/2022</a:t>
             </a:fld>
             <a:endParaRPr lang="en-US"/>
           </a:p>
@@ -1287,7 +1260,7 @@
           <a:p>
             <a:fld id="{8102BAB4-8B8D-41DD-85C7-81A0CA962007}" type="datetimeFigureOut">
               <a:rPr lang="en-US" smtClean="0"/>
-              <a:t>4/24/2022</a:t>
+              <a:t>4/25/2022</a:t>
             </a:fld>
             <a:endParaRPr lang="en-US"/>
           </a:p>
@@ -1527,7 +1500,7 @@
           <a:p>
             <a:fld id="{8102BAB4-8B8D-41DD-85C7-81A0CA962007}" type="datetimeFigureOut">
               <a:rPr lang="en-US" smtClean="0"/>
-              <a:t>4/24/2022</a:t>
+              <a:t>4/25/2022</a:t>
             </a:fld>
             <a:endParaRPr lang="en-US"/>
           </a:p>
@@ -1807,7 +1780,7 @@
           <a:p>
             <a:fld id="{8102BAB4-8B8D-41DD-85C7-81A0CA962007}" type="datetimeFigureOut">
               <a:rPr lang="en-US" smtClean="0"/>
-              <a:t>4/24/2022</a:t>
+              <a:t>4/25/2022</a:t>
             </a:fld>
             <a:endParaRPr lang="en-US"/>
           </a:p>
@@ -2221,7 +2194,7 @@
           <a:p>
             <a:fld id="{8102BAB4-8B8D-41DD-85C7-81A0CA962007}" type="datetimeFigureOut">
               <a:rPr lang="en-US" smtClean="0"/>
-              <a:t>4/24/2022</a:t>
+              <a:t>4/25/2022</a:t>
             </a:fld>
             <a:endParaRPr lang="en-US"/>
           </a:p>
@@ -2333,7 +2306,7 @@
           <a:p>
             <a:fld id="{8102BAB4-8B8D-41DD-85C7-81A0CA962007}" type="datetimeFigureOut">
               <a:rPr lang="en-US" smtClean="0"/>
-              <a:t>4/24/2022</a:t>
+              <a:t>4/25/2022</a:t>
             </a:fld>
             <a:endParaRPr lang="en-US"/>
           </a:p>
@@ -2423,7 +2396,7 @@
           <a:p>
             <a:fld id="{8102BAB4-8B8D-41DD-85C7-81A0CA962007}" type="datetimeFigureOut">
               <a:rPr lang="en-US" smtClean="0"/>
-              <a:t>4/24/2022</a:t>
+              <a:t>4/25/2022</a:t>
             </a:fld>
             <a:endParaRPr lang="en-US"/>
           </a:p>
@@ -2693,7 +2666,7 @@
           <a:p>
             <a:fld id="{8102BAB4-8B8D-41DD-85C7-81A0CA962007}" type="datetimeFigureOut">
               <a:rPr lang="en-US" smtClean="0"/>
-              <a:t>4/24/2022</a:t>
+              <a:t>4/25/2022</a:t>
             </a:fld>
             <a:endParaRPr lang="en-US"/>
           </a:p>
@@ -2940,7 +2913,7 @@
           <a:p>
             <a:fld id="{8102BAB4-8B8D-41DD-85C7-81A0CA962007}" type="datetimeFigureOut">
               <a:rPr lang="en-US" smtClean="0"/>
-              <a:t>4/24/2022</a:t>
+              <a:t>4/25/2022</a:t>
             </a:fld>
             <a:endParaRPr lang="en-US"/>
           </a:p>
@@ -3146,7 +3119,7 @@
           <a:p>
             <a:fld id="{8102BAB4-8B8D-41DD-85C7-81A0CA962007}" type="datetimeFigureOut">
               <a:rPr lang="en-US" smtClean="0"/>
-              <a:t>4/24/2022</a:t>
+              <a:t>4/25/2022</a:t>
             </a:fld>
             <a:endParaRPr lang="en-US"/>
           </a:p>
@@ -3686,18 +3659,15 @@
                     <a:schemeClr val="tx1"/>
                   </a:solidFill>
                 </a:rPr>
-                <a:t>FIR filters are frequency-selective filters utilized in a variety of digital signal processing applications in which linear-phase integrity is important.  Because FIR filters are computationally expensive compared to IIR filters, designing efficient filtering algorithms can be critical in applications with limited memory storage or a low tolerance for latency.  </a:t>
+                <a:t>FIR filters are frequency-selective filters utilized in a variety of digital signal processing applications in which linear-phase integrity is important.  Because FIR filters are computationally expensive compared to IIR filters, designing efficient filtering algorithms can be critical in applications with limited memory storage or a low tolerance for latency.  However, FIR filters are inherently stable systems and do </a:t>
               </a:r>
               <a:r>
-                <a:rPr lang="en-US" sz="3000" dirty="0">
+                <a:rPr lang="en-US" sz="3000">
                   <a:solidFill>
                     <a:schemeClr val="tx1"/>
                   </a:solidFill>
-                  <a:highlight>
-                    <a:srgbClr val="FFFF00"/>
-                  </a:highlight>
                 </a:rPr>
-                <a:t>However, FIR filters are inherently stable systems and do not introduce distortion into filtered signals</a:t>
+                <a:t>not induce phase </a:t>
               </a:r>
               <a:r>
                 <a:rPr lang="en-US" sz="3000" dirty="0">
@@ -3705,7 +3675,39 @@
                     <a:schemeClr val="tx1"/>
                   </a:solidFill>
                 </a:rPr>
-                <a:t>.  Therefore, FIR filters are often used in audio and image processing. This project investigates FIR filters commonly used in audio effect manipulation, signal restoration, and image edge detection. </a:t>
+                <a:t>distortion into filtered signals.  Therefore, FIR filters are often used </a:t>
+              </a:r>
+              <a:r>
+                <a:rPr lang="en-US" sz="3000">
+                  <a:solidFill>
+                    <a:schemeClr val="tx1"/>
+                  </a:solidFill>
+                </a:rPr>
+                <a:t>in data, audio, </a:t>
+              </a:r>
+              <a:r>
+                <a:rPr lang="en-US" sz="3000" dirty="0">
+                  <a:solidFill>
+                    <a:schemeClr val="tx1"/>
+                  </a:solidFill>
+                </a:rPr>
+                <a:t>and </a:t>
+              </a:r>
+              <a:r>
+                <a:rPr lang="en-US" sz="3000">
+                  <a:solidFill>
+                    <a:schemeClr val="tx1"/>
+                  </a:solidFill>
+                </a:rPr>
+                <a:t>image processing when data integrity is critical. </a:t>
+              </a:r>
+              <a:r>
+                <a:rPr lang="en-US" sz="3000" dirty="0">
+                  <a:solidFill>
+                    <a:schemeClr val="tx1"/>
+                  </a:solidFill>
+                </a:rPr>
+                <a:t>This project investigates FIR filters commonly used in audio effect manipulation, signal restoration, and image edge detection. </a:t>
               </a:r>
             </a:p>
           </p:txBody>
@@ -4163,7 +4165,7 @@
             <a:p>
               <a:pPr algn="ctr"/>
               <a:r>
-                <a:rPr lang="en-US" sz="5400" dirty="0">
+                <a:rPr lang="en-US" sz="5400">
                   <a:solidFill>
                     <a:schemeClr val="bg1"/>
                   </a:solidFill>
@@ -4171,8 +4173,16 @@
                   <a:ea typeface="Bangla MN" charset="0"/>
                   <a:cs typeface="Bangla MN" charset="0"/>
                 </a:rPr>
-                <a:t>Summary</a:t>
+                <a:t>Analysis</a:t>
               </a:r>
+              <a:endParaRPr lang="en-US" sz="5400" dirty="0">
+                <a:solidFill>
+                  <a:schemeClr val="bg1"/>
+                </a:solidFill>
+                <a:latin typeface="Bangla MN" charset="0"/>
+                <a:ea typeface="Bangla MN" charset="0"/>
+                <a:cs typeface="Bangla MN" charset="0"/>
+              </a:endParaRPr>
             </a:p>
           </p:txBody>
         </p:sp>
@@ -4373,8 +4383,8 @@
           </a:p>
         </p:txBody>
       </p:sp>
-      <mc:AlternateContent xmlns:mc="http://schemas.openxmlformats.org/markup-compatibility/2006" xmlns:a14="http://schemas.microsoft.com/office/drawing/2010/main">
-        <mc:Choice Requires="a14">
+      <mc:AlternateContent xmlns:mc="http://schemas.openxmlformats.org/markup-compatibility/2006">
+        <mc:Choice xmlns:a14="http://schemas.microsoft.com/office/drawing/2010/main" Requires="a14">
           <p:sp>
             <p:nvSpPr>
               <p:cNvPr id="77" name="Rectangle 76">
@@ -5097,13 +5107,22 @@
                   </a:spcAft>
                 </a:pPr>
                 <a:r>
+                  <a:rPr lang="en-US" sz="2400" i="1" dirty="0">
+                    <a:solidFill>
+                      <a:srgbClr val="000000"/>
+                    </a:solidFill>
+                    <a:latin typeface="Calibri" panose="020F0502020204030204" pitchFamily="34" charset="0"/>
+                  </a:rPr>
+                  <a:t>FIR Filter 1</a:t>
+                </a:r>
+                <a:r>
                   <a:rPr lang="en-US" sz="2400" dirty="0">
                     <a:solidFill>
                       <a:srgbClr val="000000"/>
                     </a:solidFill>
                     <a:latin typeface="Calibri" panose="020F0502020204030204" pitchFamily="34" charset="0"/>
                   </a:rPr>
-                  <a:t>FIR Filter 1: utilized to create echoes on signals and data sets (audio, and image data).</a:t>
+                  <a:t>: utilized to create echoes on signals and data sets (audio, and image data).</a:t>
                 </a:r>
               </a:p>
               <a:p>
@@ -5113,13 +5132,22 @@
                   </a:spcAft>
                 </a:pPr>
                 <a:r>
+                  <a:rPr lang="en-US" sz="2400" i="1" dirty="0">
+                    <a:solidFill>
+                      <a:srgbClr val="000000"/>
+                    </a:solidFill>
+                    <a:latin typeface="Calibri" panose="020F0502020204030204" pitchFamily="34" charset="0"/>
+                  </a:rPr>
+                  <a:t>FIR Filter 2</a:t>
+                </a:r>
+                <a:r>
                   <a:rPr lang="en-US" sz="2400" dirty="0">
                     <a:solidFill>
                       <a:srgbClr val="000000"/>
                     </a:solidFill>
                     <a:latin typeface="Calibri" panose="020F0502020204030204" pitchFamily="34" charset="0"/>
                   </a:rPr>
-                  <a:t>FIR Filter 2: utilized to (approximately) undo the effect of FIR-Filter 1 . This type of application is called </a:t>
+                  <a:t>: utilized to (approximately) undo the effect of FIR-Filter 1 . This type of application is called </a:t>
                 </a:r>
                 <a:r>
                   <a:rPr lang="en-US" sz="2400" i="1" dirty="0">
@@ -5399,7 +5427,7 @@
             </p:txBody>
           </p:sp>
         </mc:Choice>
-        <mc:Fallback xmlns="">
+        <mc:Fallback>
           <p:sp>
             <p:nvSpPr>
               <p:cNvPr id="77" name="Rectangle 76">
@@ -5423,7 +5451,7 @@
                 <a:avLst/>
               </a:prstGeom>
               <a:blipFill>
-                <a:blip r:embed="rId8"/>
+                <a:blip r:embed="rId7"/>
                 <a:stretch>
                   <a:fillRect/>
                 </a:stretch>
@@ -5575,7 +5603,7 @@
           <p:nvPr/>
         </p:nvPicPr>
         <p:blipFill>
-          <a:blip r:embed="rId9">
+          <a:blip r:embed="rId8">
             <a:extLst>
               <a:ext uri="{28A0092B-C50C-407E-A947-70E740481C1C}">
                 <a14:useLocalDpi xmlns:a14="http://schemas.microsoft.com/office/drawing/2010/main" val="0"/>
@@ -6015,7 +6043,7 @@
           <p:nvPr/>
         </p:nvPicPr>
         <p:blipFill>
-          <a:blip r:embed="rId10" cstate="print">
+          <a:blip r:embed="rId9" cstate="print">
             <a:extLst>
               <a:ext uri="{28A0092B-C50C-407E-A947-70E740481C1C}">
                 <a14:useLocalDpi xmlns:a14="http://schemas.microsoft.com/office/drawing/2010/main" val="0"/>
@@ -6051,7 +6079,7 @@
           <p:nvPr/>
         </p:nvPicPr>
         <p:blipFill>
-          <a:blip r:embed="rId11">
+          <a:blip r:embed="rId10">
             <a:extLst>
               <a:ext uri="{28A0092B-C50C-407E-A947-70E740481C1C}">
                 <a14:useLocalDpi xmlns:a14="http://schemas.microsoft.com/office/drawing/2010/main" val="0"/>
@@ -6092,7 +6120,7 @@
           <p:nvPr/>
         </p:nvPicPr>
         <p:blipFill>
-          <a:blip r:embed="rId12">
+          <a:blip r:embed="rId11">
             <a:extLst>
               <a:ext uri="{28A0092B-C50C-407E-A947-70E740481C1C}">
                 <a14:useLocalDpi xmlns:a14="http://schemas.microsoft.com/office/drawing/2010/main" val="0"/>
@@ -6133,7 +6161,7 @@
           <p:nvPr/>
         </p:nvPicPr>
         <p:blipFill>
-          <a:blip r:embed="rId13">
+          <a:blip r:embed="rId12">
             <a:extLst>
               <a:ext uri="{28A0092B-C50C-407E-A947-70E740481C1C}">
                 <a14:useLocalDpi xmlns:a14="http://schemas.microsoft.com/office/drawing/2010/main" val="0"/>
@@ -6174,7 +6202,7 @@
           <p:nvPr/>
         </p:nvPicPr>
         <p:blipFill>
-          <a:blip r:embed="rId14">
+          <a:blip r:embed="rId13">
             <a:extLst>
               <a:ext uri="{28A0092B-C50C-407E-A947-70E740481C1C}">
                 <a14:useLocalDpi xmlns:a14="http://schemas.microsoft.com/office/drawing/2010/main" val="0"/>
@@ -6236,8 +6264,8 @@
           </a:fontRef>
         </p:style>
       </p:cxnSp>
-      <mc:AlternateContent xmlns:mc="http://schemas.openxmlformats.org/markup-compatibility/2006" xmlns:a14="http://schemas.microsoft.com/office/drawing/2010/main">
-        <mc:Choice Requires="a14">
+      <mc:AlternateContent xmlns:mc="http://schemas.openxmlformats.org/markup-compatibility/2006">
+        <mc:Choice xmlns:a14="http://schemas.microsoft.com/office/drawing/2010/main" Requires="a14">
           <p:sp>
             <p:nvSpPr>
               <p:cNvPr id="21" name="Rectangle 20">
@@ -6252,8 +6280,8 @@
             </p:nvSpPr>
             <p:spPr>
               <a:xfrm>
-                <a:off x="23282645" y="21537799"/>
-                <a:ext cx="3733797" cy="595930"/>
+                <a:off x="22259049" y="20845423"/>
+                <a:ext cx="6647396" cy="595930"/>
               </a:xfrm>
               <a:prstGeom prst="rect">
                 <a:avLst/>
@@ -6284,55 +6312,68 @@
               <a:lstStyle/>
               <a:p>
                 <a:pPr algn="ctr"/>
+                <a:r>
+                  <a:rPr lang="en-US" sz="2800" b="1">
+                    <a:solidFill>
+                      <a:schemeClr val="tx1"/>
+                    </a:solidFill>
+                    <a:latin typeface="Cambria Math" panose="02040503050406030204" pitchFamily="18" charset="0"/>
+                  </a:rPr>
+                  <a:t>Filter Coefficients:</a:t>
+                </a:r>
                 <a14:m>
-                  <m:oMathPara xmlns:m="http://schemas.openxmlformats.org/officeDocument/2006/math">
-                    <m:oMathParaPr>
-                      <m:jc m:val="centerGroup"/>
-                    </m:oMathParaPr>
-                    <m:oMath xmlns:m="http://schemas.openxmlformats.org/officeDocument/2006/math">
-                      <m:r>
-                        <a:rPr lang="en-US" sz="3200" b="0" i="1" smtClean="0">
-                          <a:solidFill>
-                            <a:schemeClr val="tx1"/>
-                          </a:solidFill>
-                          <a:latin typeface="Cambria Math" panose="02040503050406030204" pitchFamily="18" charset="0"/>
-                        </a:rPr>
-                        <m:t>h</m:t>
-                      </m:r>
-                      <m:d>
-                        <m:dPr>
-                          <m:ctrlPr>
-                            <a:rPr lang="en-US" sz="3200" b="0" i="1" smtClean="0">
-                              <a:solidFill>
-                                <a:schemeClr val="tx1"/>
-                              </a:solidFill>
-                              <a:latin typeface="Cambria Math" panose="02040503050406030204" pitchFamily="18" charset="0"/>
-                            </a:rPr>
-                          </m:ctrlPr>
-                        </m:dPr>
-                        <m:e>
-                          <m:r>
-                            <a:rPr lang="en-US" sz="3200" b="0" i="1" smtClean="0">
-                              <a:solidFill>
-                                <a:schemeClr val="tx1"/>
-                              </a:solidFill>
-                              <a:latin typeface="Cambria Math" panose="02040503050406030204" pitchFamily="18" charset="0"/>
-                            </a:rPr>
-                            <m:t>𝑛</m:t>
-                          </m:r>
-                        </m:e>
-                      </m:d>
-                      <m:r>
-                        <a:rPr lang="en-US" sz="3200" b="0" i="1" smtClean="0">
-                          <a:solidFill>
-                            <a:schemeClr val="tx1"/>
-                          </a:solidFill>
-                          <a:latin typeface="Cambria Math" panose="02040503050406030204" pitchFamily="18" charset="0"/>
-                        </a:rPr>
-                        <m:t>={1,−1}</m:t>
-                      </m:r>
-                    </m:oMath>
-                  </m:oMathPara>
+                  <m:oMath xmlns:m="http://schemas.openxmlformats.org/officeDocument/2006/math">
+                    <m:r>
+                      <a:rPr lang="en-US" sz="2800" b="1" i="0" smtClean="0">
+                        <a:solidFill>
+                          <a:schemeClr val="tx1"/>
+                        </a:solidFill>
+                        <a:latin typeface="Cambria Math" panose="02040503050406030204" pitchFamily="18" charset="0"/>
+                      </a:rPr>
+                      <m:t> </m:t>
+                    </m:r>
+                    <m:r>
+                      <a:rPr lang="en-US" sz="2800" b="0" i="1" smtClean="0">
+                        <a:solidFill>
+                          <a:schemeClr val="tx1"/>
+                        </a:solidFill>
+                        <a:latin typeface="Cambria Math" panose="02040503050406030204" pitchFamily="18" charset="0"/>
+                      </a:rPr>
+                      <m:t>h</m:t>
+                    </m:r>
+                    <m:d>
+                      <m:dPr>
+                        <m:ctrlPr>
+                          <a:rPr lang="en-US" sz="2800" b="0" i="1" smtClean="0">
+                            <a:solidFill>
+                              <a:schemeClr val="tx1"/>
+                            </a:solidFill>
+                            <a:latin typeface="Cambria Math" panose="02040503050406030204" pitchFamily="18" charset="0"/>
+                          </a:rPr>
+                        </m:ctrlPr>
+                      </m:dPr>
+                      <m:e>
+                        <m:r>
+                          <a:rPr lang="en-US" sz="2800" b="0" i="1" smtClean="0">
+                            <a:solidFill>
+                              <a:schemeClr val="tx1"/>
+                            </a:solidFill>
+                            <a:latin typeface="Cambria Math" panose="02040503050406030204" pitchFamily="18" charset="0"/>
+                          </a:rPr>
+                          <m:t>𝑛</m:t>
+                        </m:r>
+                      </m:e>
+                    </m:d>
+                    <m:r>
+                      <a:rPr lang="en-US" sz="2800" b="0" i="1" smtClean="0">
+                        <a:solidFill>
+                          <a:schemeClr val="tx1"/>
+                        </a:solidFill>
+                        <a:latin typeface="Cambria Math" panose="02040503050406030204" pitchFamily="18" charset="0"/>
+                      </a:rPr>
+                      <m:t>={1,−1}</m:t>
+                    </m:r>
+                  </m:oMath>
                 </a14:m>
                 <a:endParaRPr lang="en-US" sz="3200">
                   <a:solidFill>
@@ -6343,7 +6384,7 @@
             </p:txBody>
           </p:sp>
         </mc:Choice>
-        <mc:Fallback xmlns="">
+        <mc:Fallback>
           <p:sp>
             <p:nvSpPr>
               <p:cNvPr id="21" name="Rectangle 20">
@@ -6360,16 +6401,16 @@
             </p:nvSpPr>
             <p:spPr>
               <a:xfrm>
-                <a:off x="23282645" y="21537799"/>
-                <a:ext cx="3733797" cy="595930"/>
+                <a:off x="22259049" y="20845423"/>
+                <a:ext cx="6647396" cy="595930"/>
               </a:xfrm>
               <a:prstGeom prst="rect">
                 <a:avLst/>
               </a:prstGeom>
               <a:blipFill>
-                <a:blip r:embed="rId15"/>
+                <a:blip r:embed="rId14"/>
                 <a:stretch>
-                  <a:fillRect/>
+                  <a:fillRect t="-7216" b="-20619"/>
                 </a:stretch>
               </a:blipFill>
               <a:ln>
@@ -6406,7 +6447,7 @@
           <p:nvPr/>
         </p:nvPicPr>
         <p:blipFill>
-          <a:blip r:embed="rId16">
+          <a:blip r:embed="rId15">
             <a:extLst>
               <a:ext uri="{28A0092B-C50C-407E-A947-70E740481C1C}">
                 <a14:useLocalDpi xmlns:a14="http://schemas.microsoft.com/office/drawing/2010/main" val="0"/>
@@ -6467,7 +6508,7 @@
             <p:nvPr/>
           </p:nvPicPr>
           <p:blipFill>
-            <a:blip r:embed="rId17"/>
+            <a:blip r:embed="rId16"/>
             <a:stretch>
               <a:fillRect/>
             </a:stretch>
@@ -7051,7 +7092,7 @@
           <p:nvPr/>
         </p:nvPicPr>
         <p:blipFill rotWithShape="1">
-          <a:blip r:embed="rId18"/>
+          <a:blip r:embed="rId17"/>
           <a:srcRect t="27459" b="10515"/>
           <a:stretch/>
         </p:blipFill>
@@ -7080,7 +7121,7 @@
           <p:nvPr/>
         </p:nvPicPr>
         <p:blipFill rotWithShape="1">
-          <a:blip r:embed="rId18"/>
+          <a:blip r:embed="rId17"/>
           <a:srcRect t="27459" b="10515"/>
           <a:stretch/>
         </p:blipFill>
@@ -7250,7 +7291,7 @@
           <p:nvPr/>
         </p:nvPicPr>
         <p:blipFill rotWithShape="1">
-          <a:blip r:embed="rId19">
+          <a:blip r:embed="rId18">
             <a:extLst>
               <a:ext uri="{28A0092B-C50C-407E-A947-70E740481C1C}">
                 <a14:useLocalDpi xmlns:a14="http://schemas.microsoft.com/office/drawing/2010/main" val="0"/>
@@ -7295,7 +7336,7 @@
           <p:nvPr/>
         </p:nvPicPr>
         <p:blipFill rotWithShape="1">
-          <a:blip r:embed="rId20">
+          <a:blip r:embed="rId19">
             <a:extLst>
               <a:ext uri="{28A0092B-C50C-407E-A947-70E740481C1C}">
                 <a14:useLocalDpi xmlns:a14="http://schemas.microsoft.com/office/drawing/2010/main" val="0"/>
@@ -7340,7 +7381,7 @@
           <p:nvPr/>
         </p:nvPicPr>
         <p:blipFill rotWithShape="1">
-          <a:blip r:embed="rId20">
+          <a:blip r:embed="rId19">
             <a:extLst>
               <a:ext uri="{28A0092B-C50C-407E-A947-70E740481C1C}">
                 <a14:useLocalDpi xmlns:a14="http://schemas.microsoft.com/office/drawing/2010/main" val="0"/>
@@ -7385,7 +7426,7 @@
           <p:nvPr/>
         </p:nvPicPr>
         <p:blipFill rotWithShape="1">
-          <a:blip r:embed="rId21">
+          <a:blip r:embed="rId20">
             <a:extLst>
               <a:ext uri="{28A0092B-C50C-407E-A947-70E740481C1C}">
                 <a14:useLocalDpi xmlns:a14="http://schemas.microsoft.com/office/drawing/2010/main" val="0"/>
@@ -7508,13 +7549,18 @@
           <a:lstStyle/>
           <a:p>
             <a:r>
-              <a:rPr lang="en-US" sz="2800" b="1" dirty="0">
+              <a:rPr lang="en-US" sz="2800" b="1">
                 <a:solidFill>
                   <a:schemeClr val="tx1"/>
                 </a:solidFill>
               </a:rPr>
-              <a:t>Filter coefficients</a:t>
-            </a:r>
+              <a:t>Filter coefficients:</a:t>
+            </a:r>
+            <a:endParaRPr lang="en-US" sz="2800" b="1" dirty="0">
+              <a:solidFill>
+                <a:schemeClr val="tx1"/>
+              </a:solidFill>
+            </a:endParaRPr>
           </a:p>
           <a:p>
             <a:r>
@@ -7839,7 +7885,7 @@
             <p:nvPr/>
           </p:nvPicPr>
           <p:blipFill rotWithShape="1">
-            <a:blip r:embed="rId22">
+            <a:blip r:embed="rId21">
               <a:extLst>
                 <a:ext uri="{28A0092B-C50C-407E-A947-70E740481C1C}">
                   <a14:useLocalDpi xmlns:a14="http://schemas.microsoft.com/office/drawing/2010/main" val="0"/>
@@ -8011,8 +8057,8 @@
           </p:txBody>
         </p:sp>
       </p:grpSp>
-      <mc:AlternateContent xmlns:mc="http://schemas.openxmlformats.org/markup-compatibility/2006" xmlns:a14="http://schemas.microsoft.com/office/drawing/2010/main">
-        <mc:Choice Requires="a14">
+      <mc:AlternateContent xmlns:mc="http://schemas.openxmlformats.org/markup-compatibility/2006">
+        <mc:Choice xmlns:a14="http://schemas.microsoft.com/office/drawing/2010/main" Requires="a14">
           <p:sp>
             <p:nvSpPr>
               <p:cNvPr id="108" name="Rectangle 107">
@@ -8028,7 +8074,7 @@
             <p:spPr>
               <a:xfrm>
                 <a:off x="20802600" y="7565178"/>
-                <a:ext cx="22467392" cy="1361218"/>
+                <a:ext cx="21564600" cy="1361218"/>
               </a:xfrm>
               <a:prstGeom prst="rect">
                 <a:avLst/>
@@ -8059,22 +8105,35 @@
               <a:lstStyle/>
               <a:p>
                 <a:r>
-                  <a:rPr lang="en-US" sz="2800" dirty="0">
+                  <a:rPr lang="en-US" sz="2800" b="1">
                     <a:solidFill>
                       <a:schemeClr val="tx1"/>
                     </a:solidFill>
                   </a:rPr>
-                  <a:t>Example:</a:t>
+                  <a:t>Experiment:</a:t>
                 </a:r>
+                <a:endParaRPr lang="en-US" sz="2800" b="1" dirty="0">
+                  <a:solidFill>
+                    <a:schemeClr val="tx1"/>
+                  </a:solidFill>
+                </a:endParaRPr>
               </a:p>
               <a:p>
+                <a:r>
+                  <a:rPr lang="en-US" sz="2800">
+                    <a:solidFill>
+                      <a:schemeClr val="tx1"/>
+                    </a:solidFill>
+                  </a:rPr>
+                  <a:t>An echo was added to an audio recording that was sampled </a:t>
+                </a:r>
                 <a:r>
                   <a:rPr lang="en-US" sz="2800" dirty="0">
                     <a:solidFill>
                       <a:schemeClr val="tx1"/>
                     </a:solidFill>
                   </a:rPr>
-                  <a:t>You have an audio signal sampled at </a:t>
+                  <a:t>at </a:t>
                 </a:r>
                 <a14:m>
                   <m:oMath xmlns:m="http://schemas.openxmlformats.org/officeDocument/2006/math">
@@ -8129,23 +8188,42 @@
                       <a:schemeClr val="tx1"/>
                     </a:solidFill>
                   </a:rPr>
-                  <a:t>=8000 Hz and would like to add a delayed version to simulate an echo. The time delay of echo should be 0.2 seconds, and strength of the echo should be 90% of the original.</a:t>
+                  <a:t>=</a:t>
                 </a:r>
-              </a:p>
-              <a:p>
+                <a:r>
+                  <a:rPr lang="en-US" sz="2800">
+                    <a:solidFill>
+                      <a:schemeClr val="tx1"/>
+                    </a:solidFill>
+                  </a:rPr>
+                  <a:t>8000 Hz. </a:t>
+                </a:r>
                 <a:r>
                   <a:rPr lang="en-US" sz="2800" dirty="0">
                     <a:solidFill>
                       <a:schemeClr val="tx1"/>
                     </a:solidFill>
                   </a:rPr>
-                  <a:t>Implement this filter.</a:t>
+                  <a:t>The </a:t>
                 </a:r>
+                <a:r>
+                  <a:rPr lang="en-US" sz="2800">
+                    <a:solidFill>
+                      <a:schemeClr val="tx1"/>
+                    </a:solidFill>
+                  </a:rPr>
+                  <a:t>time delay and strengh of the echo are 0.2 sec and 90% respectively.</a:t>
+                </a:r>
+                <a:endParaRPr lang="en-US" sz="2800" dirty="0">
+                  <a:solidFill>
+                    <a:schemeClr val="tx1"/>
+                  </a:solidFill>
+                </a:endParaRPr>
               </a:p>
             </p:txBody>
           </p:sp>
         </mc:Choice>
-        <mc:Fallback xmlns="">
+        <mc:Fallback>
           <p:sp>
             <p:nvSpPr>
               <p:cNvPr id="108" name="Rectangle 107">
@@ -8163,15 +8241,15 @@
             <p:spPr>
               <a:xfrm>
                 <a:off x="20802600" y="7565178"/>
-                <a:ext cx="22467392" cy="1361218"/>
+                <a:ext cx="21564600" cy="1361218"/>
               </a:xfrm>
               <a:prstGeom prst="rect">
                 <a:avLst/>
               </a:prstGeom>
               <a:blipFill>
-                <a:blip r:embed="rId23"/>
+                <a:blip r:embed="rId22"/>
                 <a:stretch>
-                  <a:fillRect l="-570" t="-20179" b="-29148"/>
+                  <a:fillRect l="-594" r="-481"/>
                 </a:stretch>
               </a:blipFill>
               <a:ln>
@@ -8363,7 +8441,7 @@
           <p:nvPr/>
         </p:nvPicPr>
         <p:blipFill rotWithShape="1">
-          <a:blip r:embed="rId24"/>
+          <a:blip r:embed="rId23"/>
           <a:srcRect l="9152" t="23263"/>
           <a:stretch/>
         </p:blipFill>
@@ -8764,7 +8842,7 @@
             <a:lstStyle/>
             <a:p>
               <a:r>
-                <a:rPr lang="en-US" sz="2800" dirty="0">
+                <a:rPr lang="en-US" sz="2800" b="1" dirty="0">
                   <a:solidFill>
                     <a:schemeClr val="tx1"/>
                   </a:solidFill>
@@ -8904,18 +8982,23 @@
           <a:lstStyle/>
           <a:p>
             <a:r>
-              <a:rPr lang="en-US" sz="2800" dirty="0">
+              <a:rPr lang="en-US" sz="2800">
                 <a:solidFill>
                   <a:schemeClr val="tx1"/>
                 </a:solidFill>
               </a:rPr>
-              <a:t>Distorting and Restoring an Image:</a:t>
-            </a:r>
+              <a:t>Image degradation and restoration:</a:t>
+            </a:r>
+            <a:endParaRPr lang="en-US" sz="2800" dirty="0">
+              <a:solidFill>
+                <a:schemeClr val="tx1"/>
+              </a:solidFill>
+            </a:endParaRPr>
           </a:p>
         </p:txBody>
       </p:sp>
-      <mc:AlternateContent xmlns:mc="http://schemas.openxmlformats.org/markup-compatibility/2006" xmlns:a14="http://schemas.microsoft.com/office/drawing/2010/main">
-        <mc:Choice Requires="a14">
+      <mc:AlternateContent xmlns:mc="http://schemas.openxmlformats.org/markup-compatibility/2006">
+        <mc:Choice xmlns:a14="http://schemas.microsoft.com/office/drawing/2010/main" Requires="a14">
           <p:sp>
             <p:nvSpPr>
               <p:cNvPr id="148" name="Rectangle 147">
@@ -8969,31 +9052,6 @@
                 </a:endParaRPr>
               </a:p>
               <a:p>
-                <a:endParaRPr lang="en-US" sz="2800" dirty="0">
-                  <a:solidFill>
-                    <a:schemeClr val="tx1"/>
-                  </a:solidFill>
-                  <a:latin typeface="Cambria Math" panose="02040503050406030204" pitchFamily="18" charset="0"/>
-                </a:endParaRPr>
-              </a:p>
-              <a:p>
-                <a:endParaRPr lang="en-US" sz="2800" dirty="0">
-                  <a:solidFill>
-                    <a:schemeClr val="tx1"/>
-                  </a:solidFill>
-                  <a:latin typeface="Cambria Math" panose="02040503050406030204" pitchFamily="18" charset="0"/>
-                </a:endParaRPr>
-              </a:p>
-              <a:p>
-                <a:r>
-                  <a:rPr lang="en-US" sz="2800" dirty="0">
-                    <a:solidFill>
-                      <a:schemeClr val="tx1"/>
-                    </a:solidFill>
-                    <a:latin typeface="Cambria Math" panose="02040503050406030204" pitchFamily="18" charset="0"/>
-                  </a:rPr>
-                  <a:t>Given,</a:t>
-                </a:r>
                 <a:br>
                   <a:rPr lang="en-US" sz="2800" dirty="0">
                     <a:solidFill>
@@ -9114,7 +9172,7 @@
             </p:txBody>
           </p:sp>
         </mc:Choice>
-        <mc:Fallback xmlns="">
+        <mc:Fallback>
           <p:sp>
             <p:nvSpPr>
               <p:cNvPr id="148" name="Rectangle 147">
@@ -9162,8 +9220,8 @@
           </p:sp>
         </mc:Fallback>
       </mc:AlternateContent>
-      <mc:AlternateContent xmlns:mc="http://schemas.openxmlformats.org/markup-compatibility/2006" xmlns:a14="http://schemas.microsoft.com/office/drawing/2010/main">
-        <mc:Choice Requires="a14">
+      <mc:AlternateContent xmlns:mc="http://schemas.openxmlformats.org/markup-compatibility/2006">
+        <mc:Choice xmlns:a14="http://schemas.microsoft.com/office/drawing/2010/main" Requires="a14">
           <p:sp>
             <p:nvSpPr>
               <p:cNvPr id="1034" name="TextBox 1033">
@@ -9178,7 +9236,7 @@
             </p:nvSpPr>
             <p:spPr>
               <a:xfrm>
-                <a:off x="25628813" y="9923729"/>
+                <a:off x="25628813" y="9677400"/>
                 <a:ext cx="7002110" cy="1847685"/>
               </a:xfrm>
               <a:prstGeom prst="rect">
@@ -9394,7 +9452,7 @@
             </p:txBody>
           </p:sp>
         </mc:Choice>
-        <mc:Fallback xmlns="">
+        <mc:Fallback>
           <p:sp>
             <p:nvSpPr>
               <p:cNvPr id="1034" name="TextBox 1033">
@@ -9411,7 +9469,7 @@
             </p:nvSpPr>
             <p:spPr>
               <a:xfrm>
-                <a:off x="25628813" y="9923729"/>
+                <a:off x="25628813" y="9677400"/>
                 <a:ext cx="7002110" cy="1847685"/>
               </a:xfrm>
               <a:prstGeom prst="rect">
@@ -9534,7 +9592,7 @@
                   <p:nvPr/>
                 </p:nvPicPr>
                 <p:blipFill rotWithShape="1">
-                  <a:blip r:embed="rId18"/>
+                  <a:blip r:embed="rId17"/>
                   <a:srcRect t="27459" r="40083" b="10515"/>
                   <a:stretch/>
                 </p:blipFill>
@@ -10003,7 +10061,7 @@
         <p:spPr>
           <a:xfrm>
             <a:off x="1295401" y="28120221"/>
-            <a:ext cx="21792276" cy="3426579"/>
+            <a:ext cx="21792276" cy="4555093"/>
           </a:xfrm>
           <a:prstGeom prst="rect">
             <a:avLst/>
@@ -10025,14 +10083,54 @@
               </a:spcAft>
             </a:pPr>
             <a:r>
-              <a:rPr lang="en-US" sz="3000" b="0" i="0" u="none" strike="noStrike" dirty="0">
+              <a:rPr lang="en-US" sz="3000" b="0" i="0" u="none" strike="noStrike">
                 <a:solidFill>
                   <a:srgbClr val="000000"/>
                 </a:solidFill>
                 <a:effectLst/>
                 <a:latin typeface="Calibri" panose="020F0502020204030204" pitchFamily="34" charset="0"/>
               </a:rPr>
-              <a:t>In this experiment we have shown different applications of FIR-Filters. It can be utilized for creating echo/ “ghosts” in audio sets and images. It can also be utilized to (closely) restore signals back to what it was before it got echoed (modified). Distorted signals can be better restored depending on the FIR-Filter. Theoretically, it is possible to achieve perfect deconvolution with the proper coefficients. </a:t>
+              <a:t>A simplistic approach to FIR filtering has been achieved in this research to exhibit idealistic filters and their responses.  However, in the physical world, additional variables must be considered when designing adaptive, robust filtering systems.  </a:t>
+            </a:r>
+          </a:p>
+          <a:p>
+            <a:pPr algn="just" rtl="0">
+              <a:spcBef>
+                <a:spcPts val="0"/>
+              </a:spcBef>
+              <a:spcAft>
+                <a:spcPts val="800"/>
+              </a:spcAft>
+            </a:pPr>
+            <a:r>
+              <a:rPr lang="en-US" sz="3000" b="0" i="0" u="none" strike="noStrike">
+                <a:solidFill>
+                  <a:srgbClr val="000000"/>
+                </a:solidFill>
+                <a:effectLst/>
+                <a:latin typeface="Calibri" panose="020F0502020204030204" pitchFamily="34" charset="0"/>
+              </a:rPr>
+              <a:t>The merit of a deconvolution filter depends greatly on the selected coefficients.  In this research, the original convoluted signal was known, which guided the selection of the restorative filtering design.  When the original signal is unknown, a more complicated process known as “blind” deconvolution is required.  </a:t>
+            </a:r>
+          </a:p>
+          <a:p>
+            <a:pPr algn="just" rtl="0">
+              <a:spcBef>
+                <a:spcPts val="0"/>
+              </a:spcBef>
+              <a:spcAft>
+                <a:spcPts val="800"/>
+              </a:spcAft>
+            </a:pPr>
+            <a:r>
+              <a:rPr lang="en-US" sz="3000" b="0" i="0" u="none" strike="noStrike">
+                <a:solidFill>
+                  <a:srgbClr val="000000"/>
+                </a:solidFill>
+                <a:effectLst/>
+                <a:latin typeface="Calibri" panose="020F0502020204030204" pitchFamily="34" charset="0"/>
+              </a:rPr>
+              <a:t>Bar code scanners are subject to environmental conditions such as contoured or rotated barcodes, variable ambient lighting, and bar code damage.  A multi-phase processing system may be required. </a:t>
             </a:r>
           </a:p>
           <a:p>
@@ -10044,29 +10142,156 @@
                 <a:spcPts val="800"/>
               </a:spcAft>
             </a:pPr>
-            <a:r>
-              <a:rPr lang="en-US" sz="3000" dirty="0">
-                <a:solidFill>
-                  <a:srgbClr val="000000"/>
-                </a:solidFill>
-                <a:latin typeface="Calibri" panose="020F0502020204030204" pitchFamily="34" charset="0"/>
-              </a:rPr>
-              <a:t>To perform deconvolution of a signal in a plausible way, it usually requires that the characteristics of the distortion are know; other alternative would be performing a blind deconvolution, which is a problem that has no general solution, the approach must be tailored toa a particular application.</a:t>
-            </a:r>
-            <a:r>
-              <a:rPr lang="en-US" sz="3000" b="0" i="0" u="none" strike="noStrike" dirty="0">
-                <a:solidFill>
-                  <a:srgbClr val="000000"/>
-                </a:solidFill>
-                <a:effectLst/>
-                <a:latin typeface="Calibri" panose="020F0502020204030204" pitchFamily="34" charset="0"/>
-              </a:rPr>
-              <a:t>  </a:t>
-            </a:r>
             <a:br>
-              <a:rPr lang="en-US" sz="3000" dirty="0"/>
+              <a:rPr lang="en-US" sz="3000"/>
             </a:br>
             <a:endParaRPr lang="en-US" sz="3000" dirty="0"/>
+          </a:p>
+        </p:txBody>
+      </p:sp>
+      <p:pic>
+        <p:nvPicPr>
+          <p:cNvPr id="7" name="Picture 6">
+            <a:extLst>
+              <a:ext uri="{FF2B5EF4-FFF2-40B4-BE49-F238E27FC236}">
+                <a16:creationId xmlns:a16="http://schemas.microsoft.com/office/drawing/2014/main" id="{DBC04670-C011-4447-801B-0F87A86F1F51}"/>
+              </a:ext>
+            </a:extLst>
+          </p:cNvPr>
+          <p:cNvPicPr>
+            <a:picLocks noChangeAspect="1"/>
+          </p:cNvPicPr>
+          <p:nvPr/>
+        </p:nvPicPr>
+        <p:blipFill>
+          <a:blip r:embed="rId30"/>
+          <a:stretch>
+            <a:fillRect/>
+          </a:stretch>
+        </p:blipFill>
+        <p:spPr>
+          <a:xfrm>
+            <a:off x="35338241" y="21800232"/>
+            <a:ext cx="2868993" cy="98615"/>
+          </a:xfrm>
+          <a:prstGeom prst="rect">
+            <a:avLst/>
+          </a:prstGeom>
+        </p:spPr>
+      </p:pic>
+      <p:sp>
+        <p:nvSpPr>
+          <p:cNvPr id="8" name="Arrow: Right 7">
+            <a:extLst>
+              <a:ext uri="{FF2B5EF4-FFF2-40B4-BE49-F238E27FC236}">
+                <a16:creationId xmlns:a16="http://schemas.microsoft.com/office/drawing/2014/main" id="{D6703D24-4224-4D18-B3BA-4F5994C57B51}"/>
+              </a:ext>
+            </a:extLst>
+          </p:cNvPr>
+          <p:cNvSpPr/>
+          <p:nvPr/>
+        </p:nvSpPr>
+        <p:spPr>
+          <a:xfrm>
+            <a:off x="34442400" y="21812962"/>
+            <a:ext cx="619179" cy="85885"/>
+          </a:xfrm>
+          <a:prstGeom prst="rightArrow">
+            <a:avLst/>
+          </a:prstGeom>
+        </p:spPr>
+        <p:style>
+          <a:lnRef idx="2">
+            <a:schemeClr val="accent2">
+              <a:shade val="50000"/>
+            </a:schemeClr>
+          </a:lnRef>
+          <a:fillRef idx="1">
+            <a:schemeClr val="accent2"/>
+          </a:fillRef>
+          <a:effectRef idx="0">
+            <a:schemeClr val="accent2"/>
+          </a:effectRef>
+          <a:fontRef idx="minor">
+            <a:schemeClr val="lt1"/>
+          </a:fontRef>
+        </p:style>
+        <p:txBody>
+          <a:bodyPr rtlCol="0" anchor="ctr"/>
+          <a:lstStyle/>
+          <a:p>
+            <a:pPr algn="ctr"/>
+            <a:endParaRPr lang="en-US"/>
+          </a:p>
+        </p:txBody>
+      </p:sp>
+      <p:sp>
+        <p:nvSpPr>
+          <p:cNvPr id="9" name="TextBox 8">
+            <a:extLst>
+              <a:ext uri="{FF2B5EF4-FFF2-40B4-BE49-F238E27FC236}">
+                <a16:creationId xmlns:a16="http://schemas.microsoft.com/office/drawing/2014/main" id="{F80B35AA-525D-4F26-B5AB-95C0044821E0}"/>
+              </a:ext>
+            </a:extLst>
+          </p:cNvPr>
+          <p:cNvSpPr txBox="1"/>
+          <p:nvPr/>
+        </p:nvSpPr>
+        <p:spPr>
+          <a:xfrm>
+            <a:off x="25861619" y="22084155"/>
+            <a:ext cx="2085537" cy="584775"/>
+          </a:xfrm>
+          <a:prstGeom prst="rect">
+            <a:avLst/>
+          </a:prstGeom>
+          <a:noFill/>
+        </p:spPr>
+        <p:txBody>
+          <a:bodyPr wrap="square" rtlCol="0">
+            <a:spAutoFit/>
+          </a:bodyPr>
+          <a:lstStyle/>
+          <a:p>
+            <a:r>
+              <a:rPr lang="en-US" sz="3200" i="1"/>
+              <a:t>l = Find(d)</a:t>
+            </a:r>
+          </a:p>
+        </p:txBody>
+      </p:sp>
+      <p:sp>
+        <p:nvSpPr>
+          <p:cNvPr id="109" name="TextBox 108">
+            <a:extLst>
+              <a:ext uri="{FF2B5EF4-FFF2-40B4-BE49-F238E27FC236}">
+                <a16:creationId xmlns:a16="http://schemas.microsoft.com/office/drawing/2014/main" id="{87D6C471-718B-4286-A57A-9364E28C230A}"/>
+              </a:ext>
+            </a:extLst>
+          </p:cNvPr>
+          <p:cNvSpPr txBox="1"/>
+          <p:nvPr/>
+        </p:nvSpPr>
+        <p:spPr>
+          <a:xfrm>
+            <a:off x="38977275" y="21517277"/>
+            <a:ext cx="2085537" cy="584775"/>
+          </a:xfrm>
+          <a:prstGeom prst="rect">
+            <a:avLst/>
+          </a:prstGeom>
+          <a:noFill/>
+        </p:spPr>
+        <p:txBody>
+          <a:bodyPr wrap="square" rtlCol="0">
+            <a:spAutoFit/>
+          </a:bodyPr>
+          <a:lstStyle/>
+          <a:p>
+            <a:r>
+              <a:rPr lang="en-US" sz="3200" i="1"/>
+              <a:t>Δ = Find(l)</a:t>
+            </a:r>
           </a:p>
         </p:txBody>
       </p:sp>
@@ -10128,11 +10353,6 @@
       </p:par>
     </p:tnLst>
   </p:timing>
-  <p:extLst>
-    <p:ext uri="{6950BFC3-D8DA-4A85-94F7-54DA5524770B}">
-      <p188:commentRel xmlns:p188="http://schemas.microsoft.com/office/powerpoint/2018/8/main" r:id="rId7"/>
-    </p:ext>
-  </p:extLst>
 </p:sld>
 </file>
 

--- a/C - Submittals/Poster/FIR Poster.pptx
+++ b/C - Submittals/Poster/FIR Poster.pptx
@@ -144,8 +144,7 @@
 <file path=ppt/revisionInfo.xml><?xml version="1.0" encoding="utf-8"?>
 <p1510:revInfo xmlns:a="http://schemas.openxmlformats.org/drawingml/2006/main" xmlns:r="http://schemas.openxmlformats.org/officeDocument/2006/relationships" xmlns:p1510="http://schemas.microsoft.com/office/powerpoint/2015/10/main">
   <p1510:revLst>
-    <p1510:client id="{236A447F-FB32-4C8F-9392-36F95E965F77}" v="495" dt="2022-04-24T18:25:10.852"/>
-    <p1510:client id="{7FEFF030-11A3-477D-9E14-BE0DA071C94B}" v="4" dt="2022-04-25T02:57:18.446"/>
+    <p1510:client id="{7FEFF030-11A3-477D-9E14-BE0DA071C94B}" v="63" dt="2022-04-26T03:49:31.640"/>
   </p1510:revLst>
 </p1510:revInfo>
 </file>
@@ -3659,55 +3658,7 @@
                     <a:schemeClr val="tx1"/>
                   </a:solidFill>
                 </a:rPr>
-                <a:t>FIR filters are frequency-selective filters utilized in a variety of digital signal processing applications in which linear-phase integrity is important.  Because FIR filters are computationally expensive compared to IIR filters, designing efficient filtering algorithms can be critical in applications with limited memory storage or a low tolerance for latency.  However, FIR filters are inherently stable systems and do </a:t>
-              </a:r>
-              <a:r>
-                <a:rPr lang="en-US" sz="3000">
-                  <a:solidFill>
-                    <a:schemeClr val="tx1"/>
-                  </a:solidFill>
-                </a:rPr>
-                <a:t>not induce phase </a:t>
-              </a:r>
-              <a:r>
-                <a:rPr lang="en-US" sz="3000" dirty="0">
-                  <a:solidFill>
-                    <a:schemeClr val="tx1"/>
-                  </a:solidFill>
-                </a:rPr>
-                <a:t>distortion into filtered signals.  Therefore, FIR filters are often used </a:t>
-              </a:r>
-              <a:r>
-                <a:rPr lang="en-US" sz="3000">
-                  <a:solidFill>
-                    <a:schemeClr val="tx1"/>
-                  </a:solidFill>
-                </a:rPr>
-                <a:t>in data, audio, </a:t>
-              </a:r>
-              <a:r>
-                <a:rPr lang="en-US" sz="3000" dirty="0">
-                  <a:solidFill>
-                    <a:schemeClr val="tx1"/>
-                  </a:solidFill>
-                </a:rPr>
-                <a:t>and </a:t>
-              </a:r>
-              <a:r>
-                <a:rPr lang="en-US" sz="3000">
-                  <a:solidFill>
-                    <a:schemeClr val="tx1"/>
-                  </a:solidFill>
-                </a:rPr>
-                <a:t>image processing when data integrity is critical. </a:t>
-              </a:r>
-              <a:r>
-                <a:rPr lang="en-US" sz="3000" dirty="0">
-                  <a:solidFill>
-                    <a:schemeClr val="tx1"/>
-                  </a:solidFill>
-                </a:rPr>
-                <a:t>This project investigates FIR filters commonly used in audio effect manipulation, signal restoration, and image edge detection. </a:t>
+                <a:t>FIR filters are frequency-selective filters utilized in a variety of digital signal processing applications in which linear-phase integrity is important.  Because FIR filters are computationally expensive compared to IIR filters, designing efficient filtering algorithms can be critical in applications with limited memory storage or a low tolerance for latency.  However, FIR filters are inherently stable systems and do not induce phase distortion into filtered signals.  Therefore, FIR filters are often used in data, audio, and image processing when data integrity is critical. This project investigates FIR filters commonly used in audio effect manipulation, image restoration, and image edge detection. </a:t>
               </a:r>
             </a:p>
           </p:txBody>
@@ -3814,39 +3765,7 @@
                   <a:schemeClr val="tx1"/>
                 </a:solidFill>
               </a:rPr>
-              <a:t>J. G. </a:t>
-            </a:r>
-            <a:r>
-              <a:rPr lang="en-US" sz="3200" dirty="0" err="1">
-                <a:solidFill>
-                  <a:schemeClr val="tx1"/>
-                </a:solidFill>
-              </a:rPr>
-              <a:t>Proakis</a:t>
-            </a:r>
-            <a:r>
-              <a:rPr lang="en-US" sz="3200" dirty="0">
-                <a:solidFill>
-                  <a:schemeClr val="tx1"/>
-                </a:solidFill>
-              </a:rPr>
-              <a:t> and D. G. </a:t>
-            </a:r>
-            <a:r>
-              <a:rPr lang="en-US" sz="3200" dirty="0" err="1">
-                <a:solidFill>
-                  <a:schemeClr val="tx1"/>
-                </a:solidFill>
-              </a:rPr>
-              <a:t>Manolakis</a:t>
-            </a:r>
-            <a:r>
-              <a:rPr lang="en-US" sz="3200" dirty="0">
-                <a:solidFill>
-                  <a:schemeClr val="tx1"/>
-                </a:solidFill>
-              </a:rPr>
-              <a:t>, “Implementation of Discrete-Time systems,” in Digital Signal Processing, Hoboken, NJ: Pearson Education, 2021.</a:t>
+              <a:t>J. G. Proakis and D. G. Manolakis, “Implementation of Discrete-Time systems,” in Digital Signal Processing, Hoboken, NJ: Pearson Education, 2021.</a:t>
             </a:r>
           </a:p>
           <a:p>
@@ -3868,11 +3787,30 @@
               <a:buFont typeface="+mj-lt"/>
               <a:buAutoNum type="arabicPeriod"/>
             </a:pPr>
-            <a:endParaRPr lang="en-US" sz="3200" dirty="0">
-              <a:solidFill>
-                <a:schemeClr val="tx1"/>
-              </a:solidFill>
-            </a:endParaRPr>
+            <a:r>
+              <a:rPr lang="en-US" sz="3200" dirty="0">
+                <a:solidFill>
+                  <a:schemeClr val="tx1"/>
+                </a:solidFill>
+              </a:rPr>
+              <a:t>Smith, Steven W. “The Scientist and Engineer's Guide to Digital </a:t>
+            </a:r>
+            <a:r>
+              <a:rPr lang="en-US" sz="3200">
+                <a:solidFill>
+                  <a:schemeClr val="tx1"/>
+                </a:solidFill>
+              </a:rPr>
+              <a:t>Signal Processing”. </a:t>
+            </a:r>
+            <a:r>
+              <a:rPr lang="en-US" sz="3200" dirty="0">
+                <a:solidFill>
+                  <a:schemeClr val="tx1"/>
+                </a:solidFill>
+              </a:rPr>
+              <a:t>San Diego, Calif: California Technical Pub, 1997. Print.</a:t>
+            </a:r>
           </a:p>
           <a:p>
             <a:endParaRPr lang="en-US" sz="3200" dirty="0">
@@ -4721,15 +4659,6 @@
                               </m:r>
                             </m:e>
                           </m:d>
-                          <m:r>
-                            <a:rPr lang="en-US" sz="2800" b="0" i="1" smtClean="0">
-                              <a:solidFill>
-                                <a:srgbClr val="000000"/>
-                              </a:solidFill>
-                              <a:latin typeface="Cambria Math" panose="02040503050406030204" pitchFamily="18" charset="0"/>
-                            </a:rPr>
-                            <m:t>#</m:t>
-                          </m:r>
                           <m:d>
                             <m:dPr>
                               <m:ctrlPr>
@@ -6264,8 +6193,8 @@
           </a:fontRef>
         </p:style>
       </p:cxnSp>
-      <mc:AlternateContent xmlns:mc="http://schemas.openxmlformats.org/markup-compatibility/2006">
-        <mc:Choice xmlns:a14="http://schemas.microsoft.com/office/drawing/2010/main" Requires="a14">
+      <mc:AlternateContent xmlns:mc="http://schemas.openxmlformats.org/markup-compatibility/2006" xmlns:a14="http://schemas.microsoft.com/office/drawing/2010/main">
+        <mc:Choice Requires="a14">
           <p:sp>
             <p:nvSpPr>
               <p:cNvPr id="21" name="Rectangle 20">
@@ -6313,7 +6242,7 @@
               <a:p>
                 <a:pPr algn="ctr"/>
                 <a:r>
-                  <a:rPr lang="en-US" sz="2800" b="1">
+                  <a:rPr lang="en-US" sz="2800" b="1" dirty="0">
                     <a:solidFill>
                       <a:schemeClr val="tx1"/>
                     </a:solidFill>
@@ -6375,7 +6304,7 @@
                     </m:r>
                   </m:oMath>
                 </a14:m>
-                <a:endParaRPr lang="en-US" sz="3200">
+                <a:endParaRPr lang="en-US" sz="3200" dirty="0">
                   <a:solidFill>
                     <a:schemeClr val="tx1"/>
                   </a:solidFill>
@@ -6384,7 +6313,7 @@
             </p:txBody>
           </p:sp>
         </mc:Choice>
-        <mc:Fallback>
+        <mc:Fallback xmlns="">
           <p:sp>
             <p:nvSpPr>
               <p:cNvPr id="21" name="Rectangle 20">
@@ -7456,134 +7385,152 @@
           </a:extLst>
         </p:spPr>
       </p:pic>
-      <p:sp>
-        <p:nvSpPr>
-          <p:cNvPr id="96" name="Rectangle 95">
-            <a:extLst>
-              <a:ext uri="{FF2B5EF4-FFF2-40B4-BE49-F238E27FC236}">
-                <a16:creationId xmlns:a16="http://schemas.microsoft.com/office/drawing/2014/main" id="{E080C097-1AF4-4DE5-B79A-16CD6497671B}"/>
-              </a:ext>
-            </a:extLst>
-          </p:cNvPr>
-          <p:cNvSpPr/>
-          <p:nvPr/>
-        </p:nvSpPr>
-        <p:spPr>
-          <a:xfrm>
-            <a:off x="35061579" y="13070885"/>
-            <a:ext cx="3536988" cy="806565"/>
-          </a:xfrm>
-          <a:prstGeom prst="rect">
-            <a:avLst/>
-          </a:prstGeom>
-        </p:spPr>
-        <p:style>
-          <a:lnRef idx="3">
-            <a:schemeClr val="lt1"/>
-          </a:lnRef>
-          <a:fillRef idx="1">
-            <a:schemeClr val="accent2"/>
-          </a:fillRef>
-          <a:effectRef idx="1">
-            <a:schemeClr val="accent2"/>
-          </a:effectRef>
-          <a:fontRef idx="minor">
-            <a:schemeClr val="lt1"/>
-          </a:fontRef>
-        </p:style>
-        <p:txBody>
-          <a:bodyPr rtlCol="0" anchor="ctr"/>
-          <a:lstStyle/>
-          <a:p>
-            <a:pPr algn="ctr"/>
-            <a:r>
-              <a:rPr lang="en-US" sz="2800" dirty="0"/>
-              <a:t> Application</a:t>
-            </a:r>
-          </a:p>
-        </p:txBody>
-      </p:sp>
-      <p:sp>
-        <p:nvSpPr>
-          <p:cNvPr id="98" name="Rectangle 97">
-            <a:extLst>
-              <a:ext uri="{FF2B5EF4-FFF2-40B4-BE49-F238E27FC236}">
-                <a16:creationId xmlns:a16="http://schemas.microsoft.com/office/drawing/2014/main" id="{E2EEDE79-7948-431A-BBF9-38B2D6C84837}"/>
-              </a:ext>
-            </a:extLst>
-          </p:cNvPr>
-          <p:cNvSpPr/>
-          <p:nvPr/>
-        </p:nvSpPr>
-        <p:spPr>
-          <a:xfrm>
-            <a:off x="23538322" y="13802582"/>
-            <a:ext cx="5112878" cy="1361218"/>
-          </a:xfrm>
-          <a:prstGeom prst="rect">
-            <a:avLst/>
-          </a:prstGeom>
-          <a:noFill/>
-          <a:ln>
-            <a:noFill/>
-          </a:ln>
-        </p:spPr>
-        <p:style>
-          <a:lnRef idx="2">
-            <a:schemeClr val="accent1">
-              <a:shade val="50000"/>
-            </a:schemeClr>
-          </a:lnRef>
-          <a:fillRef idx="1">
-            <a:schemeClr val="accent1"/>
-          </a:fillRef>
-          <a:effectRef idx="0">
-            <a:schemeClr val="accent1"/>
-          </a:effectRef>
-          <a:fontRef idx="minor">
-            <a:schemeClr val="lt1"/>
-          </a:fontRef>
-        </p:style>
-        <p:txBody>
-          <a:bodyPr rtlCol="0" anchor="ctr"/>
-          <a:lstStyle/>
-          <a:p>
-            <a:r>
-              <a:rPr lang="en-US" sz="2800" b="1">
-                <a:solidFill>
-                  <a:schemeClr val="tx1"/>
-                </a:solidFill>
-              </a:rPr>
-              <a:t>Filter coefficients:</a:t>
-            </a:r>
-            <a:endParaRPr lang="en-US" sz="2800" b="1" dirty="0">
-              <a:solidFill>
-                <a:schemeClr val="tx1"/>
-              </a:solidFill>
-            </a:endParaRPr>
-          </a:p>
-          <a:p>
-            <a:r>
-              <a:rPr lang="en-US" sz="2800" dirty="0">
-                <a:solidFill>
-                  <a:schemeClr val="tx1"/>
-                </a:solidFill>
-              </a:rPr>
-              <a:t>FIR Filter 1: q=0.9</a:t>
-            </a:r>
-          </a:p>
-          <a:p>
-            <a:r>
-              <a:rPr lang="en-US" sz="2800" dirty="0">
-                <a:solidFill>
-                  <a:schemeClr val="tx1"/>
-                </a:solidFill>
-              </a:rPr>
-              <a:t>FIR Filter 2: r=0.9, M=22</a:t>
-            </a:r>
-          </a:p>
-        </p:txBody>
-      </p:sp>
+      <mc:AlternateContent xmlns:mc="http://schemas.openxmlformats.org/markup-compatibility/2006">
+        <mc:Choice xmlns:a14="http://schemas.microsoft.com/office/drawing/2010/main" Requires="a14">
+          <p:sp>
+            <p:nvSpPr>
+              <p:cNvPr id="98" name="Rectangle 97">
+                <a:extLst>
+                  <a:ext uri="{FF2B5EF4-FFF2-40B4-BE49-F238E27FC236}">
+                    <a16:creationId xmlns:a16="http://schemas.microsoft.com/office/drawing/2014/main" id="{E2EEDE79-7948-431A-BBF9-38B2D6C84837}"/>
+                  </a:ext>
+                </a:extLst>
+              </p:cNvPr>
+              <p:cNvSpPr/>
+              <p:nvPr/>
+            </p:nvSpPr>
+            <p:spPr>
+              <a:xfrm>
+                <a:off x="23538322" y="13802582"/>
+                <a:ext cx="5112878" cy="1361218"/>
+              </a:xfrm>
+              <a:prstGeom prst="rect">
+                <a:avLst/>
+              </a:prstGeom>
+              <a:noFill/>
+              <a:ln>
+                <a:noFill/>
+              </a:ln>
+            </p:spPr>
+            <p:style>
+              <a:lnRef idx="2">
+                <a:schemeClr val="accent1">
+                  <a:shade val="50000"/>
+                </a:schemeClr>
+              </a:lnRef>
+              <a:fillRef idx="1">
+                <a:schemeClr val="accent1"/>
+              </a:fillRef>
+              <a:effectRef idx="0">
+                <a:schemeClr val="accent1"/>
+              </a:effectRef>
+              <a:fontRef idx="minor">
+                <a:schemeClr val="lt1"/>
+              </a:fontRef>
+            </p:style>
+            <p:txBody>
+              <a:bodyPr rtlCol="0" anchor="ctr"/>
+              <a:lstStyle/>
+              <a:p>
+                <a:r>
+                  <a:rPr lang="en-US" sz="2800" b="1" dirty="0">
+                    <a:solidFill>
+                      <a:schemeClr val="tx1"/>
+                    </a:solidFill>
+                    <a:latin typeface="Cambria Math" panose="02040503050406030204" pitchFamily="18" charset="0"/>
+                  </a:rPr>
+                  <a:t>Filter Coefficients:</a:t>
+                </a:r>
+                <a14:m>
+                  <m:oMath xmlns:m="http://schemas.openxmlformats.org/officeDocument/2006/math">
+                    <m:r>
+                      <a:rPr lang="en-US" sz="2800" b="1" i="0" smtClean="0">
+                        <a:solidFill>
+                          <a:schemeClr val="tx1"/>
+                        </a:solidFill>
+                        <a:latin typeface="Cambria Math" panose="02040503050406030204" pitchFamily="18" charset="0"/>
+                      </a:rPr>
+                      <m:t> </m:t>
+                    </m:r>
+                  </m:oMath>
+                </a14:m>
+                <a:br>
+                  <a:rPr lang="en-US" sz="2800" dirty="0">
+                    <a:solidFill>
+                      <a:schemeClr val="tx1"/>
+                    </a:solidFill>
+                  </a:rPr>
+                </a:br>
+                <a:r>
+                  <a:rPr lang="en-US" sz="2800" dirty="0">
+                    <a:solidFill>
+                      <a:schemeClr val="tx1"/>
+                    </a:solidFill>
+                  </a:rPr>
+                  <a:t>FIR Filter 1: q=0.9</a:t>
+                </a:r>
+              </a:p>
+              <a:p>
+                <a:r>
+                  <a:rPr lang="en-US" sz="2800" dirty="0">
+                    <a:solidFill>
+                      <a:schemeClr val="tx1"/>
+                    </a:solidFill>
+                  </a:rPr>
+                  <a:t>FIR Filter 2: r=0.9, M=22</a:t>
+                </a:r>
+              </a:p>
+            </p:txBody>
+          </p:sp>
+        </mc:Choice>
+        <mc:Fallback>
+          <p:sp>
+            <p:nvSpPr>
+              <p:cNvPr id="98" name="Rectangle 97">
+                <a:extLst>
+                  <a:ext uri="{FF2B5EF4-FFF2-40B4-BE49-F238E27FC236}">
+                    <a16:creationId xmlns:a16="http://schemas.microsoft.com/office/drawing/2014/main" id="{E2EEDE79-7948-431A-BBF9-38B2D6C84837}"/>
+                  </a:ext>
+                </a:extLst>
+              </p:cNvPr>
+              <p:cNvSpPr>
+                <a:spLocks noRot="1" noChangeAspect="1" noMove="1" noResize="1" noEditPoints="1" noAdjustHandles="1" noChangeArrowheads="1" noChangeShapeType="1" noTextEdit="1"/>
+              </p:cNvSpPr>
+              <p:nvPr/>
+            </p:nvSpPr>
+            <p:spPr>
+              <a:xfrm>
+                <a:off x="23538322" y="13802582"/>
+                <a:ext cx="5112878" cy="1361218"/>
+              </a:xfrm>
+              <a:prstGeom prst="rect">
+                <a:avLst/>
+              </a:prstGeom>
+              <a:blipFill>
+                <a:blip r:embed="rId21"/>
+                <a:stretch>
+                  <a:fillRect l="-2384" t="-5804" b="-12946"/>
+                </a:stretch>
+              </a:blipFill>
+              <a:ln>
+                <a:noFill/>
+              </a:ln>
+            </p:spPr>
+            <p:txBody>
+              <a:bodyPr/>
+              <a:lstStyle/>
+              <a:p>
+                <a:r>
+                  <a:rPr lang="en-US">
+                    <a:noFill/>
+                  </a:rPr>
+                  <a:t> </a:t>
+                </a:r>
+              </a:p>
+            </p:txBody>
+          </p:sp>
+        </mc:Fallback>
+      </mc:AlternateContent>
       <p:sp>
         <p:nvSpPr>
           <p:cNvPr id="99" name="Oval 98">
@@ -7885,7 +7832,7 @@
             <p:nvPr/>
           </p:nvPicPr>
           <p:blipFill rotWithShape="1">
-            <a:blip r:embed="rId21">
+            <a:blip r:embed="rId22">
               <a:extLst>
                 <a:ext uri="{28A0092B-C50C-407E-A947-70E740481C1C}">
                   <a14:useLocalDpi xmlns:a14="http://schemas.microsoft.com/office/drawing/2010/main" val="0"/>
@@ -8057,8 +8004,8 @@
           </p:txBody>
         </p:sp>
       </p:grpSp>
-      <mc:AlternateContent xmlns:mc="http://schemas.openxmlformats.org/markup-compatibility/2006">
-        <mc:Choice xmlns:a14="http://schemas.microsoft.com/office/drawing/2010/main" Requires="a14">
+      <mc:AlternateContent xmlns:mc="http://schemas.openxmlformats.org/markup-compatibility/2006" xmlns:a14="http://schemas.microsoft.com/office/drawing/2010/main">
+        <mc:Choice Requires="a14">
           <p:sp>
             <p:nvSpPr>
               <p:cNvPr id="108" name="Rectangle 107">
@@ -8223,7 +8170,7 @@
             </p:txBody>
           </p:sp>
         </mc:Choice>
-        <mc:Fallback>
+        <mc:Fallback xmlns="">
           <p:sp>
             <p:nvSpPr>
               <p:cNvPr id="108" name="Rectangle 107">
@@ -8247,7 +8194,7 @@
                 <a:avLst/>
               </a:prstGeom>
               <a:blipFill>
-                <a:blip r:embed="rId22"/>
+                <a:blip r:embed="rId23"/>
                 <a:stretch>
                   <a:fillRect l="-594" r="-481"/>
                 </a:stretch>
@@ -8441,7 +8388,7 @@
           <p:nvPr/>
         </p:nvPicPr>
         <p:blipFill rotWithShape="1">
-          <a:blip r:embed="rId23"/>
+          <a:blip r:embed="rId24"/>
           <a:srcRect l="9152" t="23263"/>
           <a:stretch/>
         </p:blipFill>
@@ -8950,7 +8897,7 @@
         </p:nvSpPr>
         <p:spPr>
           <a:xfrm>
-            <a:off x="29954166" y="15087600"/>
+            <a:off x="29801766" y="15087600"/>
             <a:ext cx="3421434" cy="1361218"/>
           </a:xfrm>
           <a:prstGeom prst="rect">
@@ -8982,23 +8929,18 @@
           <a:lstStyle/>
           <a:p>
             <a:r>
-              <a:rPr lang="en-US" sz="2800">
+              <a:rPr lang="en-US" sz="2800" dirty="0">
                 <a:solidFill>
                   <a:schemeClr val="tx1"/>
                 </a:solidFill>
               </a:rPr>
               <a:t>Image degradation and restoration:</a:t>
             </a:r>
-            <a:endParaRPr lang="en-US" sz="2800" dirty="0">
-              <a:solidFill>
-                <a:schemeClr val="tx1"/>
-              </a:solidFill>
-            </a:endParaRPr>
           </a:p>
         </p:txBody>
       </p:sp>
-      <mc:AlternateContent xmlns:mc="http://schemas.openxmlformats.org/markup-compatibility/2006">
-        <mc:Choice xmlns:a14="http://schemas.microsoft.com/office/drawing/2010/main" Requires="a14">
+      <mc:AlternateContent xmlns:mc="http://schemas.openxmlformats.org/markup-compatibility/2006" xmlns:a14="http://schemas.microsoft.com/office/drawing/2010/main">
+        <mc:Choice Requires="a14">
           <p:sp>
             <p:nvSpPr>
               <p:cNvPr id="148" name="Rectangle 147">
@@ -9172,7 +9114,7 @@
             </p:txBody>
           </p:sp>
         </mc:Choice>
-        <mc:Fallback>
+        <mc:Fallback xmlns="">
           <p:sp>
             <p:nvSpPr>
               <p:cNvPr id="148" name="Rectangle 147">
@@ -9220,8 +9162,8 @@
           </p:sp>
         </mc:Fallback>
       </mc:AlternateContent>
-      <mc:AlternateContent xmlns:mc="http://schemas.openxmlformats.org/markup-compatibility/2006">
-        <mc:Choice xmlns:a14="http://schemas.microsoft.com/office/drawing/2010/main" Requires="a14">
+      <mc:AlternateContent xmlns:mc="http://schemas.openxmlformats.org/markup-compatibility/2006" xmlns:a14="http://schemas.microsoft.com/office/drawing/2010/main">
+        <mc:Choice Requires="a14">
           <p:sp>
             <p:nvSpPr>
               <p:cNvPr id="1034" name="TextBox 1033">
@@ -9452,7 +9394,7 @@
             </p:txBody>
           </p:sp>
         </mc:Choice>
-        <mc:Fallback>
+        <mc:Fallback xmlns="">
           <p:sp>
             <p:nvSpPr>
               <p:cNvPr id="1034" name="TextBox 1033">
@@ -10291,6 +10233,53 @@
             <a:r>
               <a:rPr lang="en-US" sz="3200" i="1"/>
               <a:t>Δ = Find(l)</a:t>
+            </a:r>
+          </a:p>
+        </p:txBody>
+      </p:sp>
+      <p:sp>
+        <p:nvSpPr>
+          <p:cNvPr id="110" name="Rectangle 109">
+            <a:extLst>
+              <a:ext uri="{FF2B5EF4-FFF2-40B4-BE49-F238E27FC236}">
+                <a16:creationId xmlns:a16="http://schemas.microsoft.com/office/drawing/2014/main" id="{B30770FD-BB9A-47FE-909B-A9761D0481D6}"/>
+              </a:ext>
+            </a:extLst>
+          </p:cNvPr>
+          <p:cNvSpPr/>
+          <p:nvPr/>
+        </p:nvSpPr>
+        <p:spPr>
+          <a:xfrm>
+            <a:off x="34867812" y="13070885"/>
+            <a:ext cx="3536988" cy="806565"/>
+          </a:xfrm>
+          <a:prstGeom prst="rect">
+            <a:avLst/>
+          </a:prstGeom>
+        </p:spPr>
+        <p:style>
+          <a:lnRef idx="3">
+            <a:schemeClr val="lt1"/>
+          </a:lnRef>
+          <a:fillRef idx="1">
+            <a:schemeClr val="accent2"/>
+          </a:fillRef>
+          <a:effectRef idx="1">
+            <a:schemeClr val="accent2"/>
+          </a:effectRef>
+          <a:fontRef idx="minor">
+            <a:schemeClr val="lt1"/>
+          </a:fontRef>
+        </p:style>
+        <p:txBody>
+          <a:bodyPr rtlCol="0" anchor="ctr"/>
+          <a:lstStyle/>
+          <a:p>
+            <a:pPr algn="ctr"/>
+            <a:r>
+              <a:rPr lang="en-US" sz="3200" dirty="0"/>
+              <a:t>Application</a:t>
             </a:r>
           </a:p>
         </p:txBody>

--- a/C - Submittals/Poster/FIR Poster.pptx
+++ b/C - Submittals/Poster/FIR Poster.pptx
@@ -231,7 +231,7 @@
           <a:p>
             <a:fld id="{D0FE861C-486B-4E18-A0E9-A790238A915C}" type="datetimeFigureOut">
               <a:rPr lang="en-US" smtClean="0"/>
-              <a:t>4/25/2022</a:t>
+              <a:t>4/26/2022</a:t>
             </a:fld>
             <a:endParaRPr lang="en-US"/>
           </a:p>
@@ -760,7 +760,7 @@
           <a:p>
             <a:fld id="{8102BAB4-8B8D-41DD-85C7-81A0CA962007}" type="datetimeFigureOut">
               <a:rPr lang="en-US" smtClean="0"/>
-              <a:t>4/25/2022</a:t>
+              <a:t>4/26/2022</a:t>
             </a:fld>
             <a:endParaRPr lang="en-US"/>
           </a:p>
@@ -923,7 +923,7 @@
           <a:p>
             <a:fld id="{8102BAB4-8B8D-41DD-85C7-81A0CA962007}" type="datetimeFigureOut">
               <a:rPr lang="en-US" smtClean="0"/>
-              <a:t>4/25/2022</a:t>
+              <a:t>4/26/2022</a:t>
             </a:fld>
             <a:endParaRPr lang="en-US"/>
           </a:p>
@@ -1096,7 +1096,7 @@
           <a:p>
             <a:fld id="{8102BAB4-8B8D-41DD-85C7-81A0CA962007}" type="datetimeFigureOut">
               <a:rPr lang="en-US" smtClean="0"/>
-              <a:t>4/25/2022</a:t>
+              <a:t>4/26/2022</a:t>
             </a:fld>
             <a:endParaRPr lang="en-US"/>
           </a:p>
@@ -1259,7 +1259,7 @@
           <a:p>
             <a:fld id="{8102BAB4-8B8D-41DD-85C7-81A0CA962007}" type="datetimeFigureOut">
               <a:rPr lang="en-US" smtClean="0"/>
-              <a:t>4/25/2022</a:t>
+              <a:t>4/26/2022</a:t>
             </a:fld>
             <a:endParaRPr lang="en-US"/>
           </a:p>
@@ -1499,7 +1499,7 @@
           <a:p>
             <a:fld id="{8102BAB4-8B8D-41DD-85C7-81A0CA962007}" type="datetimeFigureOut">
               <a:rPr lang="en-US" smtClean="0"/>
-              <a:t>4/25/2022</a:t>
+              <a:t>4/26/2022</a:t>
             </a:fld>
             <a:endParaRPr lang="en-US"/>
           </a:p>
@@ -1779,7 +1779,7 @@
           <a:p>
             <a:fld id="{8102BAB4-8B8D-41DD-85C7-81A0CA962007}" type="datetimeFigureOut">
               <a:rPr lang="en-US" smtClean="0"/>
-              <a:t>4/25/2022</a:t>
+              <a:t>4/26/2022</a:t>
             </a:fld>
             <a:endParaRPr lang="en-US"/>
           </a:p>
@@ -2193,7 +2193,7 @@
           <a:p>
             <a:fld id="{8102BAB4-8B8D-41DD-85C7-81A0CA962007}" type="datetimeFigureOut">
               <a:rPr lang="en-US" smtClean="0"/>
-              <a:t>4/25/2022</a:t>
+              <a:t>4/26/2022</a:t>
             </a:fld>
             <a:endParaRPr lang="en-US"/>
           </a:p>
@@ -2305,7 +2305,7 @@
           <a:p>
             <a:fld id="{8102BAB4-8B8D-41DD-85C7-81A0CA962007}" type="datetimeFigureOut">
               <a:rPr lang="en-US" smtClean="0"/>
-              <a:t>4/25/2022</a:t>
+              <a:t>4/26/2022</a:t>
             </a:fld>
             <a:endParaRPr lang="en-US"/>
           </a:p>
@@ -2395,7 +2395,7 @@
           <a:p>
             <a:fld id="{8102BAB4-8B8D-41DD-85C7-81A0CA962007}" type="datetimeFigureOut">
               <a:rPr lang="en-US" smtClean="0"/>
-              <a:t>4/25/2022</a:t>
+              <a:t>4/26/2022</a:t>
             </a:fld>
             <a:endParaRPr lang="en-US"/>
           </a:p>
@@ -2665,7 +2665,7 @@
           <a:p>
             <a:fld id="{8102BAB4-8B8D-41DD-85C7-81A0CA962007}" type="datetimeFigureOut">
               <a:rPr lang="en-US" smtClean="0"/>
-              <a:t>4/25/2022</a:t>
+              <a:t>4/26/2022</a:t>
             </a:fld>
             <a:endParaRPr lang="en-US"/>
           </a:p>
@@ -2912,7 +2912,7 @@
           <a:p>
             <a:fld id="{8102BAB4-8B8D-41DD-85C7-81A0CA962007}" type="datetimeFigureOut">
               <a:rPr lang="en-US" smtClean="0"/>
-              <a:t>4/25/2022</a:t>
+              <a:t>4/26/2022</a:t>
             </a:fld>
             <a:endParaRPr lang="en-US"/>
           </a:p>
@@ -3118,7 +3118,7 @@
           <a:p>
             <a:fld id="{8102BAB4-8B8D-41DD-85C7-81A0CA962007}" type="datetimeFigureOut">
               <a:rPr lang="en-US" smtClean="0"/>
-              <a:t>4/25/2022</a:t>
+              <a:t>4/26/2022</a:t>
             </a:fld>
             <a:endParaRPr lang="en-US"/>
           </a:p>
@@ -4321,8 +4321,8 @@
           </a:p>
         </p:txBody>
       </p:sp>
-      <mc:AlternateContent xmlns:mc="http://schemas.openxmlformats.org/markup-compatibility/2006">
-        <mc:Choice xmlns:a14="http://schemas.microsoft.com/office/drawing/2010/main" Requires="a14">
+      <mc:AlternateContent xmlns:mc="http://schemas.openxmlformats.org/markup-compatibility/2006" xmlns:a14="http://schemas.microsoft.com/office/drawing/2010/main">
+        <mc:Choice Requires="a14">
           <p:sp>
             <p:nvSpPr>
               <p:cNvPr id="77" name="Rectangle 76">
@@ -5356,7 +5356,7 @@
             </p:txBody>
           </p:sp>
         </mc:Choice>
-        <mc:Fallback>
+        <mc:Fallback xmlns="">
           <p:sp>
             <p:nvSpPr>
               <p:cNvPr id="77" name="Rectangle 76">
@@ -7385,8 +7385,8 @@
           </a:extLst>
         </p:spPr>
       </p:pic>
-      <mc:AlternateContent xmlns:mc="http://schemas.openxmlformats.org/markup-compatibility/2006">
-        <mc:Choice xmlns:a14="http://schemas.microsoft.com/office/drawing/2010/main" Requires="a14">
+      <mc:AlternateContent xmlns:mc="http://schemas.openxmlformats.org/markup-compatibility/2006" xmlns:a14="http://schemas.microsoft.com/office/drawing/2010/main">
+        <mc:Choice Requires="a14">
           <p:sp>
             <p:nvSpPr>
               <p:cNvPr id="98" name="Rectangle 97">
@@ -7483,7 +7483,7 @@
             </p:txBody>
           </p:sp>
         </mc:Choice>
-        <mc:Fallback>
+        <mc:Fallback xmlns="">
           <p:sp>
             <p:nvSpPr>
               <p:cNvPr id="98" name="Rectangle 97">
@@ -8004,8 +8004,8 @@
           </p:txBody>
         </p:sp>
       </p:grpSp>
-      <mc:AlternateContent xmlns:mc="http://schemas.openxmlformats.org/markup-compatibility/2006" xmlns:a14="http://schemas.microsoft.com/office/drawing/2010/main">
-        <mc:Choice Requires="a14">
+      <mc:AlternateContent xmlns:mc="http://schemas.openxmlformats.org/markup-compatibility/2006">
+        <mc:Choice xmlns:a14="http://schemas.microsoft.com/office/drawing/2010/main" Requires="a14">
           <p:sp>
             <p:nvSpPr>
               <p:cNvPr id="108" name="Rectangle 107">
@@ -8052,35 +8052,23 @@
               <a:lstStyle/>
               <a:p>
                 <a:r>
-                  <a:rPr lang="en-US" sz="2800" b="1">
+                  <a:rPr lang="en-US" sz="2800" b="1" dirty="0">
                     <a:solidFill>
                       <a:schemeClr val="tx1"/>
                     </a:solidFill>
+                    <a:latin typeface="Cambria Math" panose="02040503050406030204" pitchFamily="18" charset="0"/>
                   </a:rPr>
                   <a:t>Experiment:</a:t>
                 </a:r>
-                <a:endParaRPr lang="en-US" sz="2800" b="1" dirty="0">
-                  <a:solidFill>
-                    <a:schemeClr val="tx1"/>
-                  </a:solidFill>
-                </a:endParaRPr>
               </a:p>
               <a:p>
-                <a:r>
-                  <a:rPr lang="en-US" sz="2800">
-                    <a:solidFill>
-                      <a:schemeClr val="tx1"/>
-                    </a:solidFill>
-                  </a:rPr>
-                  <a:t>An echo was added to an audio recording that was sampled </a:t>
-                </a:r>
                 <a:r>
                   <a:rPr lang="en-US" sz="2800" dirty="0">
                     <a:solidFill>
                       <a:schemeClr val="tx1"/>
                     </a:solidFill>
                   </a:rPr>
-                  <a:t>at </a:t>
+                  <a:t>An echo was added to an audio recording that was sampled at </a:t>
                 </a:r>
                 <a14:m>
                   <m:oMath xmlns:m="http://schemas.openxmlformats.org/officeDocument/2006/math">
@@ -8135,15 +8123,15 @@
                       <a:schemeClr val="tx1"/>
                     </a:solidFill>
                   </a:rPr>
-                  <a:t>=</a:t>
+                  <a:t>=8000 Hz. The time delay and </a:t>
                 </a:r>
                 <a:r>
-                  <a:rPr lang="en-US" sz="2800">
+                  <a:rPr lang="en-US" sz="2800" dirty="0" err="1">
                     <a:solidFill>
                       <a:schemeClr val="tx1"/>
                     </a:solidFill>
                   </a:rPr>
-                  <a:t>8000 Hz. </a:t>
+                  <a:t>strengh</a:t>
                 </a:r>
                 <a:r>
                   <a:rPr lang="en-US" sz="2800" dirty="0">
@@ -8151,26 +8139,13 @@
                       <a:schemeClr val="tx1"/>
                     </a:solidFill>
                   </a:rPr>
-                  <a:t>The </a:t>
+                  <a:t> of the echo are 0.2 sec and 90% respectively.</a:t>
                 </a:r>
-                <a:r>
-                  <a:rPr lang="en-US" sz="2800">
-                    <a:solidFill>
-                      <a:schemeClr val="tx1"/>
-                    </a:solidFill>
-                  </a:rPr>
-                  <a:t>time delay and strengh of the echo are 0.2 sec and 90% respectively.</a:t>
-                </a:r>
-                <a:endParaRPr lang="en-US" sz="2800" dirty="0">
-                  <a:solidFill>
-                    <a:schemeClr val="tx1"/>
-                  </a:solidFill>
-                </a:endParaRPr>
               </a:p>
             </p:txBody>
           </p:sp>
         </mc:Choice>
-        <mc:Fallback xmlns="">
+        <mc:Fallback>
           <p:sp>
             <p:nvSpPr>
               <p:cNvPr id="108" name="Rectangle 107">

--- a/C - Submittals/Poster/FIR Poster.pptx
+++ b/C - Submittals/Poster/FIR Poster.pptx
@@ -111,6 +111,9 @@
     <p:ext uri="{521415D9-36F7-43E2-AB2F-B90AF26B5E84}">
       <p14:sectionLst xmlns:p14="http://schemas.microsoft.com/office/powerpoint/2010/main">
         <p14:section name="Untitled Section" id="{4BD8691A-F4EC-4F40-AB9D-C54DBA417E93}">
+          <p14:sldIdLst/>
+        </p14:section>
+        <p14:section name="Untitled Section" id="{F146B709-2865-4DFB-B89A-1B222D5601DF}">
           <p14:sldIdLst>
             <p14:sldId id="258"/>
           </p14:sldIdLst>
@@ -144,7 +147,7 @@
 <file path=ppt/revisionInfo.xml><?xml version="1.0" encoding="utf-8"?>
 <p1510:revInfo xmlns:a="http://schemas.openxmlformats.org/drawingml/2006/main" xmlns:r="http://schemas.openxmlformats.org/officeDocument/2006/relationships" xmlns:p1510="http://schemas.microsoft.com/office/powerpoint/2015/10/main">
   <p1510:revLst>
-    <p1510:client id="{7FEFF030-11A3-477D-9E14-BE0DA071C94B}" v="63" dt="2022-04-26T03:49:31.640"/>
+    <p1510:client id="{7FEFF030-11A3-477D-9E14-BE0DA071C94B}" v="66" dt="2022-04-28T00:11:03.144"/>
   </p1510:revLst>
 </p1510:revInfo>
 </file>
@@ -231,7 +234,7 @@
           <a:p>
             <a:fld id="{D0FE861C-486B-4E18-A0E9-A790238A915C}" type="datetimeFigureOut">
               <a:rPr lang="en-US" smtClean="0"/>
-              <a:t>4/26/2022</a:t>
+              <a:t>4/27/2022</a:t>
             </a:fld>
             <a:endParaRPr lang="en-US"/>
           </a:p>
@@ -760,7 +763,7 @@
           <a:p>
             <a:fld id="{8102BAB4-8B8D-41DD-85C7-81A0CA962007}" type="datetimeFigureOut">
               <a:rPr lang="en-US" smtClean="0"/>
-              <a:t>4/26/2022</a:t>
+              <a:t>4/27/2022</a:t>
             </a:fld>
             <a:endParaRPr lang="en-US"/>
           </a:p>
@@ -923,7 +926,7 @@
           <a:p>
             <a:fld id="{8102BAB4-8B8D-41DD-85C7-81A0CA962007}" type="datetimeFigureOut">
               <a:rPr lang="en-US" smtClean="0"/>
-              <a:t>4/26/2022</a:t>
+              <a:t>4/27/2022</a:t>
             </a:fld>
             <a:endParaRPr lang="en-US"/>
           </a:p>
@@ -1096,7 +1099,7 @@
           <a:p>
             <a:fld id="{8102BAB4-8B8D-41DD-85C7-81A0CA962007}" type="datetimeFigureOut">
               <a:rPr lang="en-US" smtClean="0"/>
-              <a:t>4/26/2022</a:t>
+              <a:t>4/27/2022</a:t>
             </a:fld>
             <a:endParaRPr lang="en-US"/>
           </a:p>
@@ -1259,7 +1262,7 @@
           <a:p>
             <a:fld id="{8102BAB4-8B8D-41DD-85C7-81A0CA962007}" type="datetimeFigureOut">
               <a:rPr lang="en-US" smtClean="0"/>
-              <a:t>4/26/2022</a:t>
+              <a:t>4/27/2022</a:t>
             </a:fld>
             <a:endParaRPr lang="en-US"/>
           </a:p>
@@ -1499,7 +1502,7 @@
           <a:p>
             <a:fld id="{8102BAB4-8B8D-41DD-85C7-81A0CA962007}" type="datetimeFigureOut">
               <a:rPr lang="en-US" smtClean="0"/>
-              <a:t>4/26/2022</a:t>
+              <a:t>4/27/2022</a:t>
             </a:fld>
             <a:endParaRPr lang="en-US"/>
           </a:p>
@@ -1779,7 +1782,7 @@
           <a:p>
             <a:fld id="{8102BAB4-8B8D-41DD-85C7-81A0CA962007}" type="datetimeFigureOut">
               <a:rPr lang="en-US" smtClean="0"/>
-              <a:t>4/26/2022</a:t>
+              <a:t>4/27/2022</a:t>
             </a:fld>
             <a:endParaRPr lang="en-US"/>
           </a:p>
@@ -2193,7 +2196,7 @@
           <a:p>
             <a:fld id="{8102BAB4-8B8D-41DD-85C7-81A0CA962007}" type="datetimeFigureOut">
               <a:rPr lang="en-US" smtClean="0"/>
-              <a:t>4/26/2022</a:t>
+              <a:t>4/27/2022</a:t>
             </a:fld>
             <a:endParaRPr lang="en-US"/>
           </a:p>
@@ -2305,7 +2308,7 @@
           <a:p>
             <a:fld id="{8102BAB4-8B8D-41DD-85C7-81A0CA962007}" type="datetimeFigureOut">
               <a:rPr lang="en-US" smtClean="0"/>
-              <a:t>4/26/2022</a:t>
+              <a:t>4/27/2022</a:t>
             </a:fld>
             <a:endParaRPr lang="en-US"/>
           </a:p>
@@ -2395,7 +2398,7 @@
           <a:p>
             <a:fld id="{8102BAB4-8B8D-41DD-85C7-81A0CA962007}" type="datetimeFigureOut">
               <a:rPr lang="en-US" smtClean="0"/>
-              <a:t>4/26/2022</a:t>
+              <a:t>4/27/2022</a:t>
             </a:fld>
             <a:endParaRPr lang="en-US"/>
           </a:p>
@@ -2665,7 +2668,7 @@
           <a:p>
             <a:fld id="{8102BAB4-8B8D-41DD-85C7-81A0CA962007}" type="datetimeFigureOut">
               <a:rPr lang="en-US" smtClean="0"/>
-              <a:t>4/26/2022</a:t>
+              <a:t>4/27/2022</a:t>
             </a:fld>
             <a:endParaRPr lang="en-US"/>
           </a:p>
@@ -2912,7 +2915,7 @@
           <a:p>
             <a:fld id="{8102BAB4-8B8D-41DD-85C7-81A0CA962007}" type="datetimeFigureOut">
               <a:rPr lang="en-US" smtClean="0"/>
-              <a:t>4/26/2022</a:t>
+              <a:t>4/27/2022</a:t>
             </a:fld>
             <a:endParaRPr lang="en-US"/>
           </a:p>
@@ -3118,7 +3121,7 @@
           <a:p>
             <a:fld id="{8102BAB4-8B8D-41DD-85C7-81A0CA962007}" type="datetimeFigureOut">
               <a:rPr lang="en-US" smtClean="0"/>
-              <a:t>4/26/2022</a:t>
+              <a:t>4/27/2022</a:t>
             </a:fld>
             <a:endParaRPr lang="en-US"/>
           </a:p>
@@ -8004,8 +8007,8 @@
           </p:txBody>
         </p:sp>
       </p:grpSp>
-      <mc:AlternateContent xmlns:mc="http://schemas.openxmlformats.org/markup-compatibility/2006">
-        <mc:Choice xmlns:a14="http://schemas.microsoft.com/office/drawing/2010/main" Requires="a14">
+      <mc:AlternateContent xmlns:mc="http://schemas.openxmlformats.org/markup-compatibility/2006" xmlns:a14="http://schemas.microsoft.com/office/drawing/2010/main">
+        <mc:Choice Requires="a14">
           <p:sp>
             <p:nvSpPr>
               <p:cNvPr id="108" name="Rectangle 107">
@@ -8145,7 +8148,7 @@
             </p:txBody>
           </p:sp>
         </mc:Choice>
-        <mc:Fallback>
+        <mc:Fallback xmlns="">
           <p:sp>
             <p:nvSpPr>
               <p:cNvPr id="108" name="Rectangle 107">
@@ -10259,6 +10262,48 @@
           </a:p>
         </p:txBody>
       </p:sp>
+      <p:sp>
+        <p:nvSpPr>
+          <p:cNvPr id="3" name="TextBox 2">
+            <a:extLst>
+              <a:ext uri="{FF2B5EF4-FFF2-40B4-BE49-F238E27FC236}">
+                <a16:creationId xmlns:a16="http://schemas.microsoft.com/office/drawing/2014/main" id="{C60F17CA-0693-49A0-890E-E0473D5B2D79}"/>
+              </a:ext>
+            </a:extLst>
+          </p:cNvPr>
+          <p:cNvSpPr txBox="1"/>
+          <p:nvPr/>
+        </p:nvSpPr>
+        <p:spPr>
+          <a:xfrm>
+            <a:off x="15630120" y="8357469"/>
+            <a:ext cx="263953" cy="253916"/>
+          </a:xfrm>
+          <a:prstGeom prst="rect">
+            <a:avLst/>
+          </a:prstGeom>
+          <a:noFill/>
+        </p:spPr>
+        <p:txBody>
+          <a:bodyPr wrap="square" rtlCol="0">
+            <a:spAutoFit/>
+          </a:bodyPr>
+          <a:lstStyle/>
+          <a:p>
+            <a:r>
+              <a:rPr lang="en-US" sz="1050" dirty="0">
+                <a:latin typeface="+mj-lt"/>
+                <a:cs typeface="Arial" panose="020B0604020202020204" pitchFamily="34" charset="0"/>
+              </a:rPr>
+              <a:t>1</a:t>
+            </a:r>
+            <a:endParaRPr lang="en-US" sz="1800" dirty="0">
+              <a:latin typeface="+mj-lt"/>
+              <a:cs typeface="Arial" panose="020B0604020202020204" pitchFamily="34" charset="0"/>
+            </a:endParaRPr>
+          </a:p>
+        </p:txBody>
+      </p:sp>
     </p:spTree>
     <p:extLst>
       <p:ext uri="{BB962C8B-B14F-4D97-AF65-F5344CB8AC3E}">

--- a/C - Submittals/Poster/FIR Poster.pptx
+++ b/C - Submittals/Poster/FIR Poster.pptx
@@ -141,14 +141,6 @@
 </p188:authorLst>
 </file>
 
-<file path=ppt/revisionInfo.xml><?xml version="1.0" encoding="utf-8"?>
-<p1510:revInfo xmlns:a="http://schemas.openxmlformats.org/drawingml/2006/main" xmlns:r="http://schemas.openxmlformats.org/officeDocument/2006/relationships" xmlns:p1510="http://schemas.microsoft.com/office/powerpoint/2015/10/main">
-  <p1510:revLst>
-    <p1510:client id="{7FEFF030-11A3-477D-9E14-BE0DA071C94B}" v="63" dt="2022-04-26T03:49:31.640"/>
-  </p1510:revLst>
-</p1510:revInfo>
-</file>
-
 <file path=ppt/notesMasters/notesMaster1.xml><?xml version="1.0" encoding="utf-8"?>
 <p:notesMaster xmlns:a="http://schemas.openxmlformats.org/drawingml/2006/main" xmlns:r="http://schemas.openxmlformats.org/officeDocument/2006/relationships" xmlns:p="http://schemas.openxmlformats.org/presentationml/2006/main">
   <p:cSld>
@@ -231,7 +223,7 @@
           <a:p>
             <a:fld id="{D0FE861C-486B-4E18-A0E9-A790238A915C}" type="datetimeFigureOut">
               <a:rPr lang="en-US" smtClean="0"/>
-              <a:t>4/26/2022</a:t>
+              <a:t>4/27/2022</a:t>
             </a:fld>
             <a:endParaRPr lang="en-US"/>
           </a:p>
@@ -760,7 +752,7 @@
           <a:p>
             <a:fld id="{8102BAB4-8B8D-41DD-85C7-81A0CA962007}" type="datetimeFigureOut">
               <a:rPr lang="en-US" smtClean="0"/>
-              <a:t>4/26/2022</a:t>
+              <a:t>4/27/2022</a:t>
             </a:fld>
             <a:endParaRPr lang="en-US"/>
           </a:p>
@@ -923,7 +915,7 @@
           <a:p>
             <a:fld id="{8102BAB4-8B8D-41DD-85C7-81A0CA962007}" type="datetimeFigureOut">
               <a:rPr lang="en-US" smtClean="0"/>
-              <a:t>4/26/2022</a:t>
+              <a:t>4/27/2022</a:t>
             </a:fld>
             <a:endParaRPr lang="en-US"/>
           </a:p>
@@ -1096,7 +1088,7 @@
           <a:p>
             <a:fld id="{8102BAB4-8B8D-41DD-85C7-81A0CA962007}" type="datetimeFigureOut">
               <a:rPr lang="en-US" smtClean="0"/>
-              <a:t>4/26/2022</a:t>
+              <a:t>4/27/2022</a:t>
             </a:fld>
             <a:endParaRPr lang="en-US"/>
           </a:p>
@@ -1259,7 +1251,7 @@
           <a:p>
             <a:fld id="{8102BAB4-8B8D-41DD-85C7-81A0CA962007}" type="datetimeFigureOut">
               <a:rPr lang="en-US" smtClean="0"/>
-              <a:t>4/26/2022</a:t>
+              <a:t>4/27/2022</a:t>
             </a:fld>
             <a:endParaRPr lang="en-US"/>
           </a:p>
@@ -1499,7 +1491,7 @@
           <a:p>
             <a:fld id="{8102BAB4-8B8D-41DD-85C7-81A0CA962007}" type="datetimeFigureOut">
               <a:rPr lang="en-US" smtClean="0"/>
-              <a:t>4/26/2022</a:t>
+              <a:t>4/27/2022</a:t>
             </a:fld>
             <a:endParaRPr lang="en-US"/>
           </a:p>
@@ -1779,7 +1771,7 @@
           <a:p>
             <a:fld id="{8102BAB4-8B8D-41DD-85C7-81A0CA962007}" type="datetimeFigureOut">
               <a:rPr lang="en-US" smtClean="0"/>
-              <a:t>4/26/2022</a:t>
+              <a:t>4/27/2022</a:t>
             </a:fld>
             <a:endParaRPr lang="en-US"/>
           </a:p>
@@ -2193,7 +2185,7 @@
           <a:p>
             <a:fld id="{8102BAB4-8B8D-41DD-85C7-81A0CA962007}" type="datetimeFigureOut">
               <a:rPr lang="en-US" smtClean="0"/>
-              <a:t>4/26/2022</a:t>
+              <a:t>4/27/2022</a:t>
             </a:fld>
             <a:endParaRPr lang="en-US"/>
           </a:p>
@@ -2305,7 +2297,7 @@
           <a:p>
             <a:fld id="{8102BAB4-8B8D-41DD-85C7-81A0CA962007}" type="datetimeFigureOut">
               <a:rPr lang="en-US" smtClean="0"/>
-              <a:t>4/26/2022</a:t>
+              <a:t>4/27/2022</a:t>
             </a:fld>
             <a:endParaRPr lang="en-US"/>
           </a:p>
@@ -2395,7 +2387,7 @@
           <a:p>
             <a:fld id="{8102BAB4-8B8D-41DD-85C7-81A0CA962007}" type="datetimeFigureOut">
               <a:rPr lang="en-US" smtClean="0"/>
-              <a:t>4/26/2022</a:t>
+              <a:t>4/27/2022</a:t>
             </a:fld>
             <a:endParaRPr lang="en-US"/>
           </a:p>
@@ -2665,7 +2657,7 @@
           <a:p>
             <a:fld id="{8102BAB4-8B8D-41DD-85C7-81A0CA962007}" type="datetimeFigureOut">
               <a:rPr lang="en-US" smtClean="0"/>
-              <a:t>4/26/2022</a:t>
+              <a:t>4/27/2022</a:t>
             </a:fld>
             <a:endParaRPr lang="en-US"/>
           </a:p>
@@ -2912,7 +2904,7 @@
           <a:p>
             <a:fld id="{8102BAB4-8B8D-41DD-85C7-81A0CA962007}" type="datetimeFigureOut">
               <a:rPr lang="en-US" smtClean="0"/>
-              <a:t>4/26/2022</a:t>
+              <a:t>4/27/2022</a:t>
             </a:fld>
             <a:endParaRPr lang="en-US"/>
           </a:p>
@@ -3118,7 +3110,7 @@
           <a:p>
             <a:fld id="{8102BAB4-8B8D-41DD-85C7-81A0CA962007}" type="datetimeFigureOut">
               <a:rPr lang="en-US" smtClean="0"/>
-              <a:t>4/26/2022</a:t>
+              <a:t>4/27/2022</a:t>
             </a:fld>
             <a:endParaRPr lang="en-US"/>
           </a:p>
@@ -3779,8 +3771,21 @@
                   <a:schemeClr val="tx1"/>
                 </a:solidFill>
               </a:rPr>
-              <a:t>McClellan, J., Schafer, R. and Yoder, M., n.d. DSP first. 2nd ed.</a:t>
-            </a:r>
+              <a:t>McClellan, J., Schafer, R. and Yoder, M., n.d. DSP first. 2nd </a:t>
+            </a:r>
+            <a:r>
+              <a:rPr lang="en-US" sz="3200">
+                <a:solidFill>
+                  <a:schemeClr val="tx1"/>
+                </a:solidFill>
+              </a:rPr>
+              <a:t>ed., Pearson, 2015.</a:t>
+            </a:r>
+            <a:endParaRPr lang="en-US" sz="3200" dirty="0">
+              <a:solidFill>
+                <a:schemeClr val="tx1"/>
+              </a:solidFill>
+            </a:endParaRPr>
           </a:p>
           <a:p>
             <a:pPr marL="514350" indent="-514350">
@@ -4111,7 +4116,7 @@
                   <a:ea typeface="Bangla MN" charset="0"/>
                   <a:cs typeface="Bangla MN" charset="0"/>
                 </a:rPr>
-                <a:t>Analysis</a:t>
+                <a:t>Conclusion</a:t>
               </a:r>
               <a:endParaRPr lang="en-US" sz="5400" dirty="0">
                 <a:solidFill>
@@ -8004,8 +8009,8 @@
           </p:txBody>
         </p:sp>
       </p:grpSp>
-      <mc:AlternateContent xmlns:mc="http://schemas.openxmlformats.org/markup-compatibility/2006">
-        <mc:Choice xmlns:a14="http://schemas.microsoft.com/office/drawing/2010/main" Requires="a14">
+      <mc:AlternateContent xmlns:mc="http://schemas.openxmlformats.org/markup-compatibility/2006" xmlns:a14="http://schemas.microsoft.com/office/drawing/2010/main">
+        <mc:Choice Requires="a14">
           <p:sp>
             <p:nvSpPr>
               <p:cNvPr id="108" name="Rectangle 107">
@@ -8145,7 +8150,7 @@
             </p:txBody>
           </p:sp>
         </mc:Choice>
-        <mc:Fallback>
+        <mc:Fallback xmlns="">
           <p:sp>
             <p:nvSpPr>
               <p:cNvPr id="108" name="Rectangle 107">

--- a/C - Submittals/Poster/FIR Poster.pptx
+++ b/C - Submittals/Poster/FIR Poster.pptx
@@ -139,6 +139,14 @@
 <p188:authorLst xmlns:a="http://schemas.openxmlformats.org/drawingml/2006/main" xmlns:r="http://schemas.openxmlformats.org/officeDocument/2006/relationships" xmlns:p188="http://schemas.microsoft.com/office/powerpoint/2018/8/main">
   <p188:author id="{00000000-0000-0000-0000-000000000000}" name="Author" initials="A" userId="Author" providerId="AD"/>
 </p188:authorLst>
+</file>
+
+<file path=ppt/revisionInfo.xml><?xml version="1.0" encoding="utf-8"?>
+<p1510:revInfo xmlns:a="http://schemas.openxmlformats.org/drawingml/2006/main" xmlns:r="http://schemas.openxmlformats.org/officeDocument/2006/relationships" xmlns:p1510="http://schemas.microsoft.com/office/powerpoint/2015/10/main">
+  <p1510:revLst>
+    <p1510:client id="{7FEFF030-11A3-477D-9E14-BE0DA071C94B}" v="3" dt="2022-05-03T02:41:55.308"/>
+  </p1510:revLst>
+</p1510:revInfo>
 </file>
 
 <file path=ppt/notesMasters/notesMaster1.xml><?xml version="1.0" encoding="utf-8"?>
@@ -3650,7 +3658,7 @@
                     <a:schemeClr val="tx1"/>
                   </a:solidFill>
                 </a:rPr>
-                <a:t>FIR filters are frequency-selective filters utilized in a variety of digital signal processing applications in which linear-phase integrity is important.  Because FIR filters are computationally expensive compared to IIR filters, designing efficient filtering algorithms can be critical in applications with limited memory storage or a low tolerance for latency.  However, FIR filters are inherently stable systems and do not induce phase distortion into filtered signals.  Therefore, FIR filters are often used in data, audio, and image processing when data integrity is critical. This project investigates FIR filters commonly used in audio effect manipulation, image restoration, and image edge detection. </a:t>
+                <a:t>FIR filters are frequency-selective filters utilized in a variety of digital signal processing applications in which linear-phase integrity is important.  Because FIR filters are computationally expensive compared to IIR filters, designing efficient filtering algorithms can be critical in applications with limited memory storage or a low tolerance for latency.  However, FIR filters are inherently stable systems and do not induce phase distortion into filtered signals.  Therefore, FIR filters are often used in data, audio, and image processing when data integrity is critical. This project investigates FIR filters commonly used in audio effect manipulation, image restoration, and image edge detection. [1][2]</a:t>
               </a:r>
             </a:p>
           </p:txBody>
@@ -3747,82 +3755,140 @@
           <a:bodyPr lIns="457200" tIns="914400" rIns="457200" rtlCol="0" anchor="ctr"/>
           <a:lstStyle/>
           <a:p>
-            <a:pPr marL="514350" indent="-514350">
-              <a:buFont typeface="+mj-lt"/>
-              <a:buAutoNum type="arabicPeriod"/>
-            </a:pPr>
             <a:r>
               <a:rPr lang="en-US" sz="3200" dirty="0">
                 <a:solidFill>
                   <a:schemeClr val="tx1"/>
                 </a:solidFill>
+                <a:latin typeface="Times New Roman" panose="02020603050405020304" pitchFamily="18" charset="0"/>
+                <a:cs typeface="Times New Roman" panose="02020603050405020304" pitchFamily="18" charset="0"/>
               </a:rPr>
-              <a:t>J. G. Proakis and D. G. Manolakis, “Implementation of Discrete-Time systems,” in Digital Signal Processing, Hoboken, NJ: Pearson Education, 2021.</a:t>
-            </a:r>
-          </a:p>
-          <a:p>
-            <a:pPr marL="514350" indent="-514350">
-              <a:buFont typeface="+mj-lt"/>
-              <a:buAutoNum type="arabicPeriod"/>
-            </a:pPr>
+              <a:t>[1]    J. G. </a:t>
+            </a:r>
+            <a:r>
+              <a:rPr lang="en-US" sz="3200" dirty="0" err="1">
+                <a:solidFill>
+                  <a:schemeClr val="tx1"/>
+                </a:solidFill>
+                <a:latin typeface="Times New Roman" panose="02020603050405020304" pitchFamily="18" charset="0"/>
+                <a:cs typeface="Times New Roman" panose="02020603050405020304" pitchFamily="18" charset="0"/>
+              </a:rPr>
+              <a:t>Proakis</a:t>
+            </a:r>
             <a:r>
               <a:rPr lang="en-US" sz="3200" dirty="0">
                 <a:solidFill>
                   <a:schemeClr val="tx1"/>
                 </a:solidFill>
+                <a:latin typeface="Times New Roman" panose="02020603050405020304" pitchFamily="18" charset="0"/>
+                <a:cs typeface="Times New Roman" panose="02020603050405020304" pitchFamily="18" charset="0"/>
               </a:rPr>
-              <a:t>McClellan, J., Schafer, R. and Yoder, M., n.d. DSP first. 2nd </a:t>
-            </a:r>
-            <a:r>
-              <a:rPr lang="en-US" sz="3200">
+              <a:t> and D. G. </a:t>
+            </a:r>
+            <a:r>
+              <a:rPr lang="en-US" sz="3200" dirty="0" err="1">
                 <a:solidFill>
                   <a:schemeClr val="tx1"/>
                 </a:solidFill>
+                <a:latin typeface="Times New Roman" panose="02020603050405020304" pitchFamily="18" charset="0"/>
+                <a:cs typeface="Times New Roman" panose="02020603050405020304" pitchFamily="18" charset="0"/>
               </a:rPr>
-              <a:t>ed., Pearson, 2015.</a:t>
-            </a:r>
-            <a:endParaRPr lang="en-US" sz="3200" dirty="0">
-              <a:solidFill>
-                <a:schemeClr val="tx1"/>
-              </a:solidFill>
-            </a:endParaRPr>
-          </a:p>
-          <a:p>
-            <a:pPr marL="514350" indent="-514350">
-              <a:buFont typeface="+mj-lt"/>
-              <a:buAutoNum type="arabicPeriod"/>
-            </a:pPr>
+              <a:t>Manolakis</a:t>
+            </a:r>
             <a:r>
               <a:rPr lang="en-US" sz="3200" dirty="0">
                 <a:solidFill>
                   <a:schemeClr val="tx1"/>
                 </a:solidFill>
+                <a:latin typeface="Times New Roman" panose="02020603050405020304" pitchFamily="18" charset="0"/>
+                <a:cs typeface="Times New Roman" panose="02020603050405020304" pitchFamily="18" charset="0"/>
               </a:rPr>
-              <a:t>Smith, Steven W. “The Scientist and Engineer's Guide to Digital </a:t>
-            </a:r>
-            <a:r>
-              <a:rPr lang="en-US" sz="3200">
+              <a:t>, </a:t>
+            </a:r>
+            <a:r>
+              <a:rPr lang="en-US" sz="3200" i="1" dirty="0">
                 <a:solidFill>
                   <a:schemeClr val="tx1"/>
                 </a:solidFill>
+                <a:latin typeface="Times New Roman" panose="02020603050405020304" pitchFamily="18" charset="0"/>
+                <a:cs typeface="Times New Roman" panose="02020603050405020304" pitchFamily="18" charset="0"/>
               </a:rPr>
-              <a:t>Signal Processing”. </a:t>
+              <a:t>Implementation of Discrete-Time systems</a:t>
             </a:r>
             <a:r>
               <a:rPr lang="en-US" sz="3200" dirty="0">
                 <a:solidFill>
                   <a:schemeClr val="tx1"/>
                 </a:solidFill>
+                <a:latin typeface="Times New Roman" panose="02020603050405020304" pitchFamily="18" charset="0"/>
+                <a:cs typeface="Times New Roman" panose="02020603050405020304" pitchFamily="18" charset="0"/>
               </a:rPr>
-              <a:t>San Diego, Calif: California Technical Pub, 1997. Print.</a:t>
-            </a:r>
-          </a:p>
-          <a:p>
-            <a:endParaRPr lang="en-US" sz="3200" dirty="0">
-              <a:solidFill>
-                <a:schemeClr val="tx1"/>
-              </a:solidFill>
-            </a:endParaRPr>
+              <a:t>, in Digital Signal Processing, Hoboken, NJ: Pearson Education, 2021.</a:t>
+            </a:r>
+          </a:p>
+          <a:p>
+            <a:r>
+              <a:rPr lang="en-US" sz="3200" dirty="0">
+                <a:solidFill>
+                  <a:schemeClr val="tx1"/>
+                </a:solidFill>
+                <a:latin typeface="Times New Roman" panose="02020603050405020304" pitchFamily="18" charset="0"/>
+                <a:cs typeface="Times New Roman" panose="02020603050405020304" pitchFamily="18" charset="0"/>
+              </a:rPr>
+              <a:t>[2]    McClellan, J., Schafer, R. and Yoder, M., n.d. </a:t>
+            </a:r>
+            <a:r>
+              <a:rPr lang="en-US" sz="3200" i="1" dirty="0">
+                <a:solidFill>
+                  <a:schemeClr val="tx1"/>
+                </a:solidFill>
+                <a:latin typeface="Times New Roman" panose="02020603050405020304" pitchFamily="18" charset="0"/>
+                <a:cs typeface="Times New Roman" panose="02020603050405020304" pitchFamily="18" charset="0"/>
+              </a:rPr>
+              <a:t>DSP first</a:t>
+            </a:r>
+            <a:r>
+              <a:rPr lang="en-US" sz="3200" dirty="0">
+                <a:solidFill>
+                  <a:schemeClr val="tx1"/>
+                </a:solidFill>
+                <a:latin typeface="Times New Roman" panose="02020603050405020304" pitchFamily="18" charset="0"/>
+                <a:cs typeface="Times New Roman" panose="02020603050405020304" pitchFamily="18" charset="0"/>
+              </a:rPr>
+              <a:t>. 2nd ed., Pearson, 2015.</a:t>
+            </a:r>
+          </a:p>
+          <a:p>
+            <a:r>
+              <a:rPr lang="en-US" sz="3200" dirty="0">
+                <a:solidFill>
+                  <a:schemeClr val="tx1"/>
+                </a:solidFill>
+                <a:latin typeface="Times New Roman" panose="02020603050405020304" pitchFamily="18" charset="0"/>
+                <a:cs typeface="Times New Roman" panose="02020603050405020304" pitchFamily="18" charset="0"/>
+              </a:rPr>
+              <a:t>[3]    S. W. Smith, </a:t>
+            </a:r>
+            <a:r>
+              <a:rPr lang="en-US" sz="3200" i="1" dirty="0">
+                <a:solidFill>
+                  <a:schemeClr val="tx1"/>
+                </a:solidFill>
+                <a:latin typeface="Times New Roman" panose="02020603050405020304" pitchFamily="18" charset="0"/>
+                <a:cs typeface="Times New Roman" panose="02020603050405020304" pitchFamily="18" charset="0"/>
+              </a:rPr>
+              <a:t>The scientist and engineer's Guide to Digital Signal Processing</a:t>
+            </a:r>
+            <a:r>
+              <a:rPr lang="en-US" sz="3200" dirty="0">
+                <a:solidFill>
+                  <a:schemeClr val="tx1"/>
+                </a:solidFill>
+                <a:latin typeface="Times New Roman" panose="02020603050405020304" pitchFamily="18" charset="0"/>
+                <a:cs typeface="Times New Roman" panose="02020603050405020304" pitchFamily="18" charset="0"/>
+              </a:rPr>
+              <a:t>. San Diego, CA: California Technical Pub., 1999. </a:t>
+            </a:r>
           </a:p>
         </p:txBody>
       </p:sp>
@@ -10005,7 +10071,7 @@
               </a:spcAft>
             </a:pPr>
             <a:r>
-              <a:rPr lang="en-US" sz="3000" b="0" i="0" u="none" strike="noStrike">
+              <a:rPr lang="en-US" sz="3000" b="0" i="0" u="none" strike="noStrike" dirty="0">
                 <a:solidFill>
                   <a:srgbClr val="000000"/>
                 </a:solidFill>
@@ -10025,6 +10091,16 @@
               </a:spcAft>
             </a:pPr>
             <a:r>
+              <a:rPr lang="en-US" sz="3000" b="0" i="0" u="none" strike="noStrike" dirty="0">
+                <a:solidFill>
+                  <a:srgbClr val="000000"/>
+                </a:solidFill>
+                <a:effectLst/>
+                <a:latin typeface="Calibri" panose="020F0502020204030204" pitchFamily="34" charset="0"/>
+              </a:rPr>
+              <a:t>The merit of a deconvolution filter depends greatly on the selected coefficients.  In this research, the original convoluted signal was known, which guided the selection of the restorative filtering design.  When the original signal is unknown, a more complicated process known as “blind” deconvolution is required. </a:t>
+            </a:r>
+            <a:r>
               <a:rPr lang="en-US" sz="3000" b="0" i="0" u="none" strike="noStrike">
                 <a:solidFill>
                   <a:srgbClr val="000000"/>
@@ -10032,8 +10108,15 @@
                 <a:effectLst/>
                 <a:latin typeface="Calibri" panose="020F0502020204030204" pitchFamily="34" charset="0"/>
               </a:rPr>
-              <a:t>The merit of a deconvolution filter depends greatly on the selected coefficients.  In this research, the original convoluted signal was known, which guided the selection of the restorative filtering design.  When the original signal is unknown, a more complicated process known as “blind” deconvolution is required.  </a:t>
-            </a:r>
+              <a:t>[3]</a:t>
+            </a:r>
+            <a:endParaRPr lang="en-US" sz="3000" b="0" i="0" u="none" strike="noStrike" dirty="0">
+              <a:solidFill>
+                <a:srgbClr val="000000"/>
+              </a:solidFill>
+              <a:effectLst/>
+              <a:latin typeface="Calibri" panose="020F0502020204030204" pitchFamily="34" charset="0"/>
+            </a:endParaRPr>
           </a:p>
           <a:p>
             <a:pPr algn="just" rtl="0">
@@ -10045,7 +10128,7 @@
               </a:spcAft>
             </a:pPr>
             <a:r>
-              <a:rPr lang="en-US" sz="3000" b="0" i="0" u="none" strike="noStrike">
+              <a:rPr lang="en-US" sz="3000" b="0" i="0" u="none" strike="noStrike" dirty="0">
                 <a:solidFill>
                   <a:srgbClr val="000000"/>
                 </a:solidFill>
@@ -10065,7 +10148,7 @@
               </a:spcAft>
             </a:pPr>
             <a:br>
-              <a:rPr lang="en-US" sz="3000"/>
+              <a:rPr lang="en-US" sz="3000" dirty="0"/>
             </a:br>
             <a:endParaRPr lang="en-US" sz="3000" dirty="0"/>
           </a:p>
